--- a/inference as inverse.pptx
+++ b/inference as inverse.pptx
@@ -18,6 +18,7 @@
     <p:sldId id="284" r:id="rId12"/>
     <p:sldId id="285" r:id="rId13"/>
     <p:sldId id="286" r:id="rId14"/>
+    <p:sldId id="287" r:id="rId15"/>
   </p:sldIdLst>
   <p:sldSz cx="12192000" cy="6858000"/>
   <p:notesSz cx="6858000" cy="9144000"/>
@@ -12293,7 +12294,7 @@
           <a:p>
             <a:fld id="{0A577086-961D-4A63-A5BE-871AE47C7A51}" type="datetimeFigureOut">
               <a:rPr lang="en-US" smtClean="0"/>
-              <a:t>4/3/2023</a:t>
+              <a:t>4/10/2023</a:t>
             </a:fld>
             <a:endParaRPr lang="en-US"/>
           </a:p>
@@ -12491,7 +12492,7 @@
           <a:p>
             <a:fld id="{0A577086-961D-4A63-A5BE-871AE47C7A51}" type="datetimeFigureOut">
               <a:rPr lang="en-US" smtClean="0"/>
-              <a:t>4/3/2023</a:t>
+              <a:t>4/10/2023</a:t>
             </a:fld>
             <a:endParaRPr lang="en-US"/>
           </a:p>
@@ -12699,7 +12700,7 @@
           <a:p>
             <a:fld id="{0A577086-961D-4A63-A5BE-871AE47C7A51}" type="datetimeFigureOut">
               <a:rPr lang="en-US" smtClean="0"/>
-              <a:t>4/3/2023</a:t>
+              <a:t>4/10/2023</a:t>
             </a:fld>
             <a:endParaRPr lang="en-US"/>
           </a:p>
@@ -12928,7 +12929,7 @@
           <a:p>
             <a:fld id="{0A577086-961D-4A63-A5BE-871AE47C7A51}" type="datetimeFigureOut">
               <a:rPr lang="en-US" smtClean="0"/>
-              <a:t>4/3/2023</a:t>
+              <a:t>4/10/2023</a:t>
             </a:fld>
             <a:endParaRPr lang="en-US"/>
           </a:p>
@@ -13203,7 +13204,7 @@
           <a:p>
             <a:fld id="{0A577086-961D-4A63-A5BE-871AE47C7A51}" type="datetimeFigureOut">
               <a:rPr lang="en-US" smtClean="0"/>
-              <a:t>4/3/2023</a:t>
+              <a:t>4/10/2023</a:t>
             </a:fld>
             <a:endParaRPr lang="en-US"/>
           </a:p>
@@ -13468,7 +13469,7 @@
           <a:p>
             <a:fld id="{0A577086-961D-4A63-A5BE-871AE47C7A51}" type="datetimeFigureOut">
               <a:rPr lang="en-US" smtClean="0"/>
-              <a:t>4/3/2023</a:t>
+              <a:t>4/10/2023</a:t>
             </a:fld>
             <a:endParaRPr lang="en-US"/>
           </a:p>
@@ -13880,7 +13881,7 @@
           <a:p>
             <a:fld id="{0A577086-961D-4A63-A5BE-871AE47C7A51}" type="datetimeFigureOut">
               <a:rPr lang="en-US" smtClean="0"/>
-              <a:t>4/3/2023</a:t>
+              <a:t>4/10/2023</a:t>
             </a:fld>
             <a:endParaRPr lang="en-US"/>
           </a:p>
@@ -14021,7 +14022,7 @@
           <a:p>
             <a:fld id="{0A577086-961D-4A63-A5BE-871AE47C7A51}" type="datetimeFigureOut">
               <a:rPr lang="en-US" smtClean="0"/>
-              <a:t>4/3/2023</a:t>
+              <a:t>4/10/2023</a:t>
             </a:fld>
             <a:endParaRPr lang="en-US"/>
           </a:p>
@@ -14134,7 +14135,7 @@
           <a:p>
             <a:fld id="{0A577086-961D-4A63-A5BE-871AE47C7A51}" type="datetimeFigureOut">
               <a:rPr lang="en-US" smtClean="0"/>
-              <a:t>4/3/2023</a:t>
+              <a:t>4/10/2023</a:t>
             </a:fld>
             <a:endParaRPr lang="en-US"/>
           </a:p>
@@ -14445,7 +14446,7 @@
           <a:p>
             <a:fld id="{0A577086-961D-4A63-A5BE-871AE47C7A51}" type="datetimeFigureOut">
               <a:rPr lang="en-US" smtClean="0"/>
-              <a:t>4/3/2023</a:t>
+              <a:t>4/10/2023</a:t>
             </a:fld>
             <a:endParaRPr lang="en-US"/>
           </a:p>
@@ -14733,7 +14734,7 @@
           <a:p>
             <a:fld id="{0A577086-961D-4A63-A5BE-871AE47C7A51}" type="datetimeFigureOut">
               <a:rPr lang="en-US" smtClean="0"/>
-              <a:t>4/3/2023</a:t>
+              <a:t>4/10/2023</a:t>
             </a:fld>
             <a:endParaRPr lang="en-US"/>
           </a:p>
@@ -14974,7 +14975,7 @@
           <a:p>
             <a:fld id="{0A577086-961D-4A63-A5BE-871AE47C7A51}" type="datetimeFigureOut">
               <a:rPr lang="en-US" smtClean="0"/>
-              <a:t>4/3/2023</a:t>
+              <a:t>4/10/2023</a:t>
             </a:fld>
             <a:endParaRPr lang="en-US"/>
           </a:p>
@@ -15544,8 +15545,8 @@
             <a:chExt cx="4124160" cy="2347620"/>
           </a:xfrm>
         </p:grpSpPr>
-        <mc:AlternateContent xmlns:mc="http://schemas.openxmlformats.org/markup-compatibility/2006">
-          <mc:Choice xmlns:p14="http://schemas.microsoft.com/office/powerpoint/2010/main" Requires="p14">
+        <mc:AlternateContent xmlns:mc="http://schemas.openxmlformats.org/markup-compatibility/2006" xmlns:p14="http://schemas.microsoft.com/office/powerpoint/2010/main">
+          <mc:Choice Requires="p14">
             <p:contentPart p14:bwMode="auto" r:id="rId2">
               <p14:nvContentPartPr>
                 <p14:cNvPr id="5" name="Ink 4">
@@ -15564,7 +15565,7 @@
               </p14:xfrm>
             </p:contentPart>
           </mc:Choice>
-          <mc:Fallback>
+          <mc:Fallback xmlns="">
             <p:pic>
               <p:nvPicPr>
                 <p:cNvPr id="5" name="Ink 4">
@@ -15595,8 +15596,8 @@
             </p:pic>
           </mc:Fallback>
         </mc:AlternateContent>
-        <mc:AlternateContent xmlns:mc="http://schemas.openxmlformats.org/markup-compatibility/2006">
-          <mc:Choice xmlns:p14="http://schemas.microsoft.com/office/powerpoint/2010/main" Requires="p14">
+        <mc:AlternateContent xmlns:mc="http://schemas.openxmlformats.org/markup-compatibility/2006" xmlns:p14="http://schemas.microsoft.com/office/powerpoint/2010/main">
+          <mc:Choice Requires="p14">
             <p:contentPart p14:bwMode="auto" r:id="rId4">
               <p14:nvContentPartPr>
                 <p14:cNvPr id="6" name="Ink 5">
@@ -15615,7 +15616,7 @@
               </p14:xfrm>
             </p:contentPart>
           </mc:Choice>
-          <mc:Fallback>
+          <mc:Fallback xmlns="">
             <p:pic>
               <p:nvPicPr>
                 <p:cNvPr id="6" name="Ink 5">
@@ -15646,8 +15647,8 @@
             </p:pic>
           </mc:Fallback>
         </mc:AlternateContent>
-        <mc:AlternateContent xmlns:mc="http://schemas.openxmlformats.org/markup-compatibility/2006">
-          <mc:Choice xmlns:p14="http://schemas.microsoft.com/office/powerpoint/2010/main" Requires="p14">
+        <mc:AlternateContent xmlns:mc="http://schemas.openxmlformats.org/markup-compatibility/2006" xmlns:p14="http://schemas.microsoft.com/office/powerpoint/2010/main">
+          <mc:Choice Requires="p14">
             <p:contentPart p14:bwMode="auto" r:id="rId6">
               <p14:nvContentPartPr>
                 <p14:cNvPr id="7" name="Ink 6">
@@ -15666,7 +15667,7 @@
               </p14:xfrm>
             </p:contentPart>
           </mc:Choice>
-          <mc:Fallback>
+          <mc:Fallback xmlns="">
             <p:pic>
               <p:nvPicPr>
                 <p:cNvPr id="7" name="Ink 6">
@@ -15697,8 +15698,8 @@
             </p:pic>
           </mc:Fallback>
         </mc:AlternateContent>
-        <mc:AlternateContent xmlns:mc="http://schemas.openxmlformats.org/markup-compatibility/2006">
-          <mc:Choice xmlns:p14="http://schemas.microsoft.com/office/powerpoint/2010/main" Requires="p14">
+        <mc:AlternateContent xmlns:mc="http://schemas.openxmlformats.org/markup-compatibility/2006" xmlns:p14="http://schemas.microsoft.com/office/powerpoint/2010/main">
+          <mc:Choice Requires="p14">
             <p:contentPart p14:bwMode="auto" r:id="rId8">
               <p14:nvContentPartPr>
                 <p14:cNvPr id="8" name="Ink 7">
@@ -15717,7 +15718,7 @@
               </p14:xfrm>
             </p:contentPart>
           </mc:Choice>
-          <mc:Fallback>
+          <mc:Fallback xmlns="">
             <p:pic>
               <p:nvPicPr>
                 <p:cNvPr id="8" name="Ink 7">
@@ -15748,8 +15749,8 @@
             </p:pic>
           </mc:Fallback>
         </mc:AlternateContent>
-        <mc:AlternateContent xmlns:mc="http://schemas.openxmlformats.org/markup-compatibility/2006">
-          <mc:Choice xmlns:p14="http://schemas.microsoft.com/office/powerpoint/2010/main" Requires="p14">
+        <mc:AlternateContent xmlns:mc="http://schemas.openxmlformats.org/markup-compatibility/2006" xmlns:p14="http://schemas.microsoft.com/office/powerpoint/2010/main">
+          <mc:Choice Requires="p14">
             <p:contentPart p14:bwMode="auto" r:id="rId10">
               <p14:nvContentPartPr>
                 <p14:cNvPr id="9" name="Ink 8">
@@ -15768,7 +15769,7 @@
               </p14:xfrm>
             </p:contentPart>
           </mc:Choice>
-          <mc:Fallback>
+          <mc:Fallback xmlns="">
             <p:pic>
               <p:nvPicPr>
                 <p:cNvPr id="9" name="Ink 8">
@@ -15799,8 +15800,8 @@
             </p:pic>
           </mc:Fallback>
         </mc:AlternateContent>
-        <mc:AlternateContent xmlns:mc="http://schemas.openxmlformats.org/markup-compatibility/2006">
-          <mc:Choice xmlns:p14="http://schemas.microsoft.com/office/powerpoint/2010/main" Requires="p14">
+        <mc:AlternateContent xmlns:mc="http://schemas.openxmlformats.org/markup-compatibility/2006" xmlns:p14="http://schemas.microsoft.com/office/powerpoint/2010/main">
+          <mc:Choice Requires="p14">
             <p:contentPart p14:bwMode="auto" r:id="rId12">
               <p14:nvContentPartPr>
                 <p14:cNvPr id="10" name="Ink 9">
@@ -15819,7 +15820,7 @@
               </p14:xfrm>
             </p:contentPart>
           </mc:Choice>
-          <mc:Fallback>
+          <mc:Fallback xmlns="">
             <p:pic>
               <p:nvPicPr>
                 <p:cNvPr id="10" name="Ink 9">
@@ -15850,8 +15851,8 @@
             </p:pic>
           </mc:Fallback>
         </mc:AlternateContent>
-        <mc:AlternateContent xmlns:mc="http://schemas.openxmlformats.org/markup-compatibility/2006">
-          <mc:Choice xmlns:p14="http://schemas.microsoft.com/office/powerpoint/2010/main" Requires="p14">
+        <mc:AlternateContent xmlns:mc="http://schemas.openxmlformats.org/markup-compatibility/2006" xmlns:p14="http://schemas.microsoft.com/office/powerpoint/2010/main">
+          <mc:Choice Requires="p14">
             <p:contentPart p14:bwMode="auto" r:id="rId14">
               <p14:nvContentPartPr>
                 <p14:cNvPr id="11" name="Ink 10">
@@ -15870,7 +15871,7 @@
               </p14:xfrm>
             </p:contentPart>
           </mc:Choice>
-          <mc:Fallback>
+          <mc:Fallback xmlns="">
             <p:pic>
               <p:nvPicPr>
                 <p:cNvPr id="11" name="Ink 10">
@@ -15901,8 +15902,8 @@
             </p:pic>
           </mc:Fallback>
         </mc:AlternateContent>
-        <mc:AlternateContent xmlns:mc="http://schemas.openxmlformats.org/markup-compatibility/2006">
-          <mc:Choice xmlns:p14="http://schemas.microsoft.com/office/powerpoint/2010/main" Requires="p14">
+        <mc:AlternateContent xmlns:mc="http://schemas.openxmlformats.org/markup-compatibility/2006" xmlns:p14="http://schemas.microsoft.com/office/powerpoint/2010/main">
+          <mc:Choice Requires="p14">
             <p:contentPart p14:bwMode="auto" r:id="rId16">
               <p14:nvContentPartPr>
                 <p14:cNvPr id="12" name="Ink 11">
@@ -15921,7 +15922,7 @@
               </p14:xfrm>
             </p:contentPart>
           </mc:Choice>
-          <mc:Fallback>
+          <mc:Fallback xmlns="">
             <p:pic>
               <p:nvPicPr>
                 <p:cNvPr id="12" name="Ink 11">
@@ -15952,8 +15953,8 @@
             </p:pic>
           </mc:Fallback>
         </mc:AlternateContent>
-        <mc:AlternateContent xmlns:mc="http://schemas.openxmlformats.org/markup-compatibility/2006">
-          <mc:Choice xmlns:p14="http://schemas.microsoft.com/office/powerpoint/2010/main" Requires="p14">
+        <mc:AlternateContent xmlns:mc="http://schemas.openxmlformats.org/markup-compatibility/2006" xmlns:p14="http://schemas.microsoft.com/office/powerpoint/2010/main">
+          <mc:Choice Requires="p14">
             <p:contentPart p14:bwMode="auto" r:id="rId18">
               <p14:nvContentPartPr>
                 <p14:cNvPr id="13" name="Ink 12">
@@ -15972,7 +15973,7 @@
               </p14:xfrm>
             </p:contentPart>
           </mc:Choice>
-          <mc:Fallback>
+          <mc:Fallback xmlns="">
             <p:pic>
               <p:nvPicPr>
                 <p:cNvPr id="13" name="Ink 12">
@@ -16003,8 +16004,8 @@
             </p:pic>
           </mc:Fallback>
         </mc:AlternateContent>
-        <mc:AlternateContent xmlns:mc="http://schemas.openxmlformats.org/markup-compatibility/2006">
-          <mc:Choice xmlns:p14="http://schemas.microsoft.com/office/powerpoint/2010/main" Requires="p14">
+        <mc:AlternateContent xmlns:mc="http://schemas.openxmlformats.org/markup-compatibility/2006" xmlns:p14="http://schemas.microsoft.com/office/powerpoint/2010/main">
+          <mc:Choice Requires="p14">
             <p:contentPart p14:bwMode="auto" r:id="rId20">
               <p14:nvContentPartPr>
                 <p14:cNvPr id="14" name="Ink 13">
@@ -16023,7 +16024,7 @@
               </p14:xfrm>
             </p:contentPart>
           </mc:Choice>
-          <mc:Fallback>
+          <mc:Fallback xmlns="">
             <p:pic>
               <p:nvPicPr>
                 <p:cNvPr id="14" name="Ink 13">
@@ -16054,8 +16055,8 @@
             </p:pic>
           </mc:Fallback>
         </mc:AlternateContent>
-        <mc:AlternateContent xmlns:mc="http://schemas.openxmlformats.org/markup-compatibility/2006">
-          <mc:Choice xmlns:p14="http://schemas.microsoft.com/office/powerpoint/2010/main" Requires="p14">
+        <mc:AlternateContent xmlns:mc="http://schemas.openxmlformats.org/markup-compatibility/2006" xmlns:p14="http://schemas.microsoft.com/office/powerpoint/2010/main">
+          <mc:Choice Requires="p14">
             <p:contentPart p14:bwMode="auto" r:id="rId22">
               <p14:nvContentPartPr>
                 <p14:cNvPr id="15" name="Ink 14">
@@ -16074,7 +16075,7 @@
               </p14:xfrm>
             </p:contentPart>
           </mc:Choice>
-          <mc:Fallback>
+          <mc:Fallback xmlns="">
             <p:pic>
               <p:nvPicPr>
                 <p:cNvPr id="15" name="Ink 14">
@@ -16105,8 +16106,8 @@
             </p:pic>
           </mc:Fallback>
         </mc:AlternateContent>
-        <mc:AlternateContent xmlns:mc="http://schemas.openxmlformats.org/markup-compatibility/2006">
-          <mc:Choice xmlns:p14="http://schemas.microsoft.com/office/powerpoint/2010/main" Requires="p14">
+        <mc:AlternateContent xmlns:mc="http://schemas.openxmlformats.org/markup-compatibility/2006" xmlns:p14="http://schemas.microsoft.com/office/powerpoint/2010/main">
+          <mc:Choice Requires="p14">
             <p:contentPart p14:bwMode="auto" r:id="rId24">
               <p14:nvContentPartPr>
                 <p14:cNvPr id="16" name="Ink 15">
@@ -16125,7 +16126,7 @@
               </p14:xfrm>
             </p:contentPart>
           </mc:Choice>
-          <mc:Fallback>
+          <mc:Fallback xmlns="">
             <p:pic>
               <p:nvPicPr>
                 <p:cNvPr id="16" name="Ink 15">
@@ -16156,8 +16157,8 @@
             </p:pic>
           </mc:Fallback>
         </mc:AlternateContent>
-        <mc:AlternateContent xmlns:mc="http://schemas.openxmlformats.org/markup-compatibility/2006">
-          <mc:Choice xmlns:p14="http://schemas.microsoft.com/office/powerpoint/2010/main" Requires="p14">
+        <mc:AlternateContent xmlns:mc="http://schemas.openxmlformats.org/markup-compatibility/2006" xmlns:p14="http://schemas.microsoft.com/office/powerpoint/2010/main">
+          <mc:Choice Requires="p14">
             <p:contentPart p14:bwMode="auto" r:id="rId26">
               <p14:nvContentPartPr>
                 <p14:cNvPr id="17" name="Ink 16">
@@ -16176,7 +16177,7 @@
               </p14:xfrm>
             </p:contentPart>
           </mc:Choice>
-          <mc:Fallback>
+          <mc:Fallback xmlns="">
             <p:pic>
               <p:nvPicPr>
                 <p:cNvPr id="17" name="Ink 16">
@@ -16207,8 +16208,8 @@
             </p:pic>
           </mc:Fallback>
         </mc:AlternateContent>
-        <mc:AlternateContent xmlns:mc="http://schemas.openxmlformats.org/markup-compatibility/2006">
-          <mc:Choice xmlns:p14="http://schemas.microsoft.com/office/powerpoint/2010/main" Requires="p14">
+        <mc:AlternateContent xmlns:mc="http://schemas.openxmlformats.org/markup-compatibility/2006" xmlns:p14="http://schemas.microsoft.com/office/powerpoint/2010/main">
+          <mc:Choice Requires="p14">
             <p:contentPart p14:bwMode="auto" r:id="rId28">
               <p14:nvContentPartPr>
                 <p14:cNvPr id="18" name="Ink 17">
@@ -16227,7 +16228,7 @@
               </p14:xfrm>
             </p:contentPart>
           </mc:Choice>
-          <mc:Fallback>
+          <mc:Fallback xmlns="">
             <p:pic>
               <p:nvPicPr>
                 <p:cNvPr id="18" name="Ink 17">
@@ -16258,8 +16259,8 @@
             </p:pic>
           </mc:Fallback>
         </mc:AlternateContent>
-        <mc:AlternateContent xmlns:mc="http://schemas.openxmlformats.org/markup-compatibility/2006">
-          <mc:Choice xmlns:p14="http://schemas.microsoft.com/office/powerpoint/2010/main" Requires="p14">
+        <mc:AlternateContent xmlns:mc="http://schemas.openxmlformats.org/markup-compatibility/2006" xmlns:p14="http://schemas.microsoft.com/office/powerpoint/2010/main">
+          <mc:Choice Requires="p14">
             <p:contentPart p14:bwMode="auto" r:id="rId30">
               <p14:nvContentPartPr>
                 <p14:cNvPr id="19" name="Ink 18">
@@ -16278,7 +16279,7 @@
               </p14:xfrm>
             </p:contentPart>
           </mc:Choice>
-          <mc:Fallback>
+          <mc:Fallback xmlns="">
             <p:pic>
               <p:nvPicPr>
                 <p:cNvPr id="19" name="Ink 18">
@@ -16309,8 +16310,8 @@
             </p:pic>
           </mc:Fallback>
         </mc:AlternateContent>
-        <mc:AlternateContent xmlns:mc="http://schemas.openxmlformats.org/markup-compatibility/2006">
-          <mc:Choice xmlns:p14="http://schemas.microsoft.com/office/powerpoint/2010/main" Requires="p14">
+        <mc:AlternateContent xmlns:mc="http://schemas.openxmlformats.org/markup-compatibility/2006" xmlns:p14="http://schemas.microsoft.com/office/powerpoint/2010/main">
+          <mc:Choice Requires="p14">
             <p:contentPart p14:bwMode="auto" r:id="rId32">
               <p14:nvContentPartPr>
                 <p14:cNvPr id="20" name="Ink 19">
@@ -16329,7 +16330,7 @@
               </p14:xfrm>
             </p:contentPart>
           </mc:Choice>
-          <mc:Fallback>
+          <mc:Fallback xmlns="">
             <p:pic>
               <p:nvPicPr>
                 <p:cNvPr id="20" name="Ink 19">
@@ -16360,8 +16361,8 @@
             </p:pic>
           </mc:Fallback>
         </mc:AlternateContent>
-        <mc:AlternateContent xmlns:mc="http://schemas.openxmlformats.org/markup-compatibility/2006">
-          <mc:Choice xmlns:p14="http://schemas.microsoft.com/office/powerpoint/2010/main" Requires="p14">
+        <mc:AlternateContent xmlns:mc="http://schemas.openxmlformats.org/markup-compatibility/2006" xmlns:p14="http://schemas.microsoft.com/office/powerpoint/2010/main">
+          <mc:Choice Requires="p14">
             <p:contentPart p14:bwMode="auto" r:id="rId34">
               <p14:nvContentPartPr>
                 <p14:cNvPr id="21" name="Ink 20">
@@ -16380,7 +16381,7 @@
               </p14:xfrm>
             </p:contentPart>
           </mc:Choice>
-          <mc:Fallback>
+          <mc:Fallback xmlns="">
             <p:pic>
               <p:nvPicPr>
                 <p:cNvPr id="21" name="Ink 20">
@@ -16411,8 +16412,8 @@
             </p:pic>
           </mc:Fallback>
         </mc:AlternateContent>
-        <mc:AlternateContent xmlns:mc="http://schemas.openxmlformats.org/markup-compatibility/2006">
-          <mc:Choice xmlns:p14="http://schemas.microsoft.com/office/powerpoint/2010/main" Requires="p14">
+        <mc:AlternateContent xmlns:mc="http://schemas.openxmlformats.org/markup-compatibility/2006" xmlns:p14="http://schemas.microsoft.com/office/powerpoint/2010/main">
+          <mc:Choice Requires="p14">
             <p:contentPart p14:bwMode="auto" r:id="rId36">
               <p14:nvContentPartPr>
                 <p14:cNvPr id="22" name="Ink 21">
@@ -16431,7 +16432,7 @@
               </p14:xfrm>
             </p:contentPart>
           </mc:Choice>
-          <mc:Fallback>
+          <mc:Fallback xmlns="">
             <p:pic>
               <p:nvPicPr>
                 <p:cNvPr id="22" name="Ink 21">
@@ -16462,8 +16463,8 @@
             </p:pic>
           </mc:Fallback>
         </mc:AlternateContent>
-        <mc:AlternateContent xmlns:mc="http://schemas.openxmlformats.org/markup-compatibility/2006">
-          <mc:Choice xmlns:p14="http://schemas.microsoft.com/office/powerpoint/2010/main" Requires="p14">
+        <mc:AlternateContent xmlns:mc="http://schemas.openxmlformats.org/markup-compatibility/2006" xmlns:p14="http://schemas.microsoft.com/office/powerpoint/2010/main">
+          <mc:Choice Requires="p14">
             <p:contentPart p14:bwMode="auto" r:id="rId38">
               <p14:nvContentPartPr>
                 <p14:cNvPr id="23" name="Ink 22">
@@ -16482,7 +16483,7 @@
               </p14:xfrm>
             </p:contentPart>
           </mc:Choice>
-          <mc:Fallback>
+          <mc:Fallback xmlns="">
             <p:pic>
               <p:nvPicPr>
                 <p:cNvPr id="23" name="Ink 22">
@@ -16513,8 +16514,8 @@
             </p:pic>
           </mc:Fallback>
         </mc:AlternateContent>
-        <mc:AlternateContent xmlns:mc="http://schemas.openxmlformats.org/markup-compatibility/2006">
-          <mc:Choice xmlns:p14="http://schemas.microsoft.com/office/powerpoint/2010/main" Requires="p14">
+        <mc:AlternateContent xmlns:mc="http://schemas.openxmlformats.org/markup-compatibility/2006" xmlns:p14="http://schemas.microsoft.com/office/powerpoint/2010/main">
+          <mc:Choice Requires="p14">
             <p:contentPart p14:bwMode="auto" r:id="rId40">
               <p14:nvContentPartPr>
                 <p14:cNvPr id="24" name="Ink 23">
@@ -16533,7 +16534,7 @@
               </p14:xfrm>
             </p:contentPart>
           </mc:Choice>
-          <mc:Fallback>
+          <mc:Fallback xmlns="">
             <p:pic>
               <p:nvPicPr>
                 <p:cNvPr id="24" name="Ink 23">
@@ -16565,8 +16566,8 @@
           </mc:Fallback>
         </mc:AlternateContent>
       </p:grpSp>
-      <mc:AlternateContent xmlns:mc="http://schemas.openxmlformats.org/markup-compatibility/2006">
-        <mc:Choice xmlns:p14="http://schemas.microsoft.com/office/powerpoint/2010/main" Requires="p14">
+      <mc:AlternateContent xmlns:mc="http://schemas.openxmlformats.org/markup-compatibility/2006" xmlns:p14="http://schemas.microsoft.com/office/powerpoint/2010/main">
+        <mc:Choice Requires="p14">
           <p:contentPart p14:bwMode="auto" r:id="rId42">
             <p14:nvContentPartPr>
               <p14:cNvPr id="25" name="Ink 24">
@@ -16585,7 +16586,7 @@
             </p14:xfrm>
           </p:contentPart>
         </mc:Choice>
-        <mc:Fallback>
+        <mc:Fallback xmlns="">
           <p:pic>
             <p:nvPicPr>
               <p:cNvPr id="25" name="Ink 24">
@@ -16636,8 +16637,8 @@
             <a:chExt cx="483840" cy="301320"/>
           </a:xfrm>
         </p:grpSpPr>
-        <mc:AlternateContent xmlns:mc="http://schemas.openxmlformats.org/markup-compatibility/2006">
-          <mc:Choice xmlns:p14="http://schemas.microsoft.com/office/powerpoint/2010/main" Requires="p14">
+        <mc:AlternateContent xmlns:mc="http://schemas.openxmlformats.org/markup-compatibility/2006" xmlns:p14="http://schemas.microsoft.com/office/powerpoint/2010/main">
+          <mc:Choice Requires="p14">
             <p:contentPart p14:bwMode="auto" r:id="rId44">
               <p14:nvContentPartPr>
                 <p14:cNvPr id="26" name="Ink 25">
@@ -16656,7 +16657,7 @@
               </p14:xfrm>
             </p:contentPart>
           </mc:Choice>
-          <mc:Fallback>
+          <mc:Fallback xmlns="">
             <p:pic>
               <p:nvPicPr>
                 <p:cNvPr id="26" name="Ink 25">
@@ -16687,8 +16688,8 @@
             </p:pic>
           </mc:Fallback>
         </mc:AlternateContent>
-        <mc:AlternateContent xmlns:mc="http://schemas.openxmlformats.org/markup-compatibility/2006">
-          <mc:Choice xmlns:p14="http://schemas.microsoft.com/office/powerpoint/2010/main" Requires="p14">
+        <mc:AlternateContent xmlns:mc="http://schemas.openxmlformats.org/markup-compatibility/2006" xmlns:p14="http://schemas.microsoft.com/office/powerpoint/2010/main">
+          <mc:Choice Requires="p14">
             <p:contentPart p14:bwMode="auto" r:id="rId46">
               <p14:nvContentPartPr>
                 <p14:cNvPr id="27" name="Ink 26">
@@ -16707,7 +16708,7 @@
               </p14:xfrm>
             </p:contentPart>
           </mc:Choice>
-          <mc:Fallback>
+          <mc:Fallback xmlns="">
             <p:pic>
               <p:nvPicPr>
                 <p:cNvPr id="27" name="Ink 26">
@@ -16738,8 +16739,8 @@
             </p:pic>
           </mc:Fallback>
         </mc:AlternateContent>
-        <mc:AlternateContent xmlns:mc="http://schemas.openxmlformats.org/markup-compatibility/2006">
-          <mc:Choice xmlns:p14="http://schemas.microsoft.com/office/powerpoint/2010/main" Requires="p14">
+        <mc:AlternateContent xmlns:mc="http://schemas.openxmlformats.org/markup-compatibility/2006" xmlns:p14="http://schemas.microsoft.com/office/powerpoint/2010/main">
+          <mc:Choice Requires="p14">
             <p:contentPart p14:bwMode="auto" r:id="rId48">
               <p14:nvContentPartPr>
                 <p14:cNvPr id="28" name="Ink 27">
@@ -16758,7 +16759,7 @@
               </p14:xfrm>
             </p:contentPart>
           </mc:Choice>
-          <mc:Fallback>
+          <mc:Fallback xmlns="">
             <p:pic>
               <p:nvPicPr>
                 <p:cNvPr id="28" name="Ink 27">
@@ -16789,8 +16790,8 @@
             </p:pic>
           </mc:Fallback>
         </mc:AlternateContent>
-        <mc:AlternateContent xmlns:mc="http://schemas.openxmlformats.org/markup-compatibility/2006">
-          <mc:Choice xmlns:p14="http://schemas.microsoft.com/office/powerpoint/2010/main" Requires="p14">
+        <mc:AlternateContent xmlns:mc="http://schemas.openxmlformats.org/markup-compatibility/2006" xmlns:p14="http://schemas.microsoft.com/office/powerpoint/2010/main">
+          <mc:Choice Requires="p14">
             <p:contentPart p14:bwMode="auto" r:id="rId50">
               <p14:nvContentPartPr>
                 <p14:cNvPr id="30" name="Ink 29">
@@ -16809,7 +16810,7 @@
               </p14:xfrm>
             </p:contentPart>
           </mc:Choice>
-          <mc:Fallback>
+          <mc:Fallback xmlns="">
             <p:pic>
               <p:nvPicPr>
                 <p:cNvPr id="30" name="Ink 29">
@@ -16840,8 +16841,8 @@
             </p:pic>
           </mc:Fallback>
         </mc:AlternateContent>
-        <mc:AlternateContent xmlns:mc="http://schemas.openxmlformats.org/markup-compatibility/2006">
-          <mc:Choice xmlns:p14="http://schemas.microsoft.com/office/powerpoint/2010/main" Requires="p14">
+        <mc:AlternateContent xmlns:mc="http://schemas.openxmlformats.org/markup-compatibility/2006" xmlns:p14="http://schemas.microsoft.com/office/powerpoint/2010/main">
+          <mc:Choice Requires="p14">
             <p:contentPart p14:bwMode="auto" r:id="rId52">
               <p14:nvContentPartPr>
                 <p14:cNvPr id="31" name="Ink 30">
@@ -16860,7 +16861,7 @@
               </p14:xfrm>
             </p:contentPart>
           </mc:Choice>
-          <mc:Fallback>
+          <mc:Fallback xmlns="">
             <p:pic>
               <p:nvPicPr>
                 <p:cNvPr id="31" name="Ink 30">
@@ -16912,8 +16913,8 @@
             <a:chExt cx="1074240" cy="635400"/>
           </a:xfrm>
         </p:grpSpPr>
-        <mc:AlternateContent xmlns:mc="http://schemas.openxmlformats.org/markup-compatibility/2006">
-          <mc:Choice xmlns:p14="http://schemas.microsoft.com/office/powerpoint/2010/main" Requires="p14">
+        <mc:AlternateContent xmlns:mc="http://schemas.openxmlformats.org/markup-compatibility/2006" xmlns:p14="http://schemas.microsoft.com/office/powerpoint/2010/main">
+          <mc:Choice Requires="p14">
             <p:contentPart p14:bwMode="auto" r:id="rId54">
               <p14:nvContentPartPr>
                 <p14:cNvPr id="33" name="Ink 32">
@@ -16932,7 +16933,7 @@
               </p14:xfrm>
             </p:contentPart>
           </mc:Choice>
-          <mc:Fallback>
+          <mc:Fallback xmlns="">
             <p:pic>
               <p:nvPicPr>
                 <p:cNvPr id="33" name="Ink 32">
@@ -16963,8 +16964,8 @@
             </p:pic>
           </mc:Fallback>
         </mc:AlternateContent>
-        <mc:AlternateContent xmlns:mc="http://schemas.openxmlformats.org/markup-compatibility/2006">
-          <mc:Choice xmlns:p14="http://schemas.microsoft.com/office/powerpoint/2010/main" Requires="p14">
+        <mc:AlternateContent xmlns:mc="http://schemas.openxmlformats.org/markup-compatibility/2006" xmlns:p14="http://schemas.microsoft.com/office/powerpoint/2010/main">
+          <mc:Choice Requires="p14">
             <p:contentPart p14:bwMode="auto" r:id="rId56">
               <p14:nvContentPartPr>
                 <p14:cNvPr id="34" name="Ink 33">
@@ -16983,7 +16984,7 @@
               </p14:xfrm>
             </p:contentPart>
           </mc:Choice>
-          <mc:Fallback>
+          <mc:Fallback xmlns="">
             <p:pic>
               <p:nvPicPr>
                 <p:cNvPr id="34" name="Ink 33">
@@ -17014,8 +17015,8 @@
             </p:pic>
           </mc:Fallback>
         </mc:AlternateContent>
-        <mc:AlternateContent xmlns:mc="http://schemas.openxmlformats.org/markup-compatibility/2006">
-          <mc:Choice xmlns:p14="http://schemas.microsoft.com/office/powerpoint/2010/main" Requires="p14">
+        <mc:AlternateContent xmlns:mc="http://schemas.openxmlformats.org/markup-compatibility/2006" xmlns:p14="http://schemas.microsoft.com/office/powerpoint/2010/main">
+          <mc:Choice Requires="p14">
             <p:contentPart p14:bwMode="auto" r:id="rId58">
               <p14:nvContentPartPr>
                 <p14:cNvPr id="35" name="Ink 34">
@@ -17034,7 +17035,7 @@
               </p14:xfrm>
             </p:contentPart>
           </mc:Choice>
-          <mc:Fallback>
+          <mc:Fallback xmlns="">
             <p:pic>
               <p:nvPicPr>
                 <p:cNvPr id="35" name="Ink 34">
@@ -17065,8 +17066,8 @@
             </p:pic>
           </mc:Fallback>
         </mc:AlternateContent>
-        <mc:AlternateContent xmlns:mc="http://schemas.openxmlformats.org/markup-compatibility/2006">
-          <mc:Choice xmlns:p14="http://schemas.microsoft.com/office/powerpoint/2010/main" Requires="p14">
+        <mc:AlternateContent xmlns:mc="http://schemas.openxmlformats.org/markup-compatibility/2006" xmlns:p14="http://schemas.microsoft.com/office/powerpoint/2010/main">
+          <mc:Choice Requires="p14">
             <p:contentPart p14:bwMode="auto" r:id="rId60">
               <p14:nvContentPartPr>
                 <p14:cNvPr id="36" name="Ink 35">
@@ -17085,7 +17086,7 @@
               </p14:xfrm>
             </p:contentPart>
           </mc:Choice>
-          <mc:Fallback>
+          <mc:Fallback xmlns="">
             <p:pic>
               <p:nvPicPr>
                 <p:cNvPr id="36" name="Ink 35">
@@ -17116,8 +17117,8 @@
             </p:pic>
           </mc:Fallback>
         </mc:AlternateContent>
-        <mc:AlternateContent xmlns:mc="http://schemas.openxmlformats.org/markup-compatibility/2006">
-          <mc:Choice xmlns:p14="http://schemas.microsoft.com/office/powerpoint/2010/main" Requires="p14">
+        <mc:AlternateContent xmlns:mc="http://schemas.openxmlformats.org/markup-compatibility/2006" xmlns:p14="http://schemas.microsoft.com/office/powerpoint/2010/main">
+          <mc:Choice Requires="p14">
             <p:contentPart p14:bwMode="auto" r:id="rId62">
               <p14:nvContentPartPr>
                 <p14:cNvPr id="37" name="Ink 36">
@@ -17136,7 +17137,7 @@
               </p14:xfrm>
             </p:contentPart>
           </mc:Choice>
-          <mc:Fallback>
+          <mc:Fallback xmlns="">
             <p:pic>
               <p:nvPicPr>
                 <p:cNvPr id="37" name="Ink 36">
@@ -17167,8 +17168,8 @@
             </p:pic>
           </mc:Fallback>
         </mc:AlternateContent>
-        <mc:AlternateContent xmlns:mc="http://schemas.openxmlformats.org/markup-compatibility/2006">
-          <mc:Choice xmlns:p14="http://schemas.microsoft.com/office/powerpoint/2010/main" Requires="p14">
+        <mc:AlternateContent xmlns:mc="http://schemas.openxmlformats.org/markup-compatibility/2006" xmlns:p14="http://schemas.microsoft.com/office/powerpoint/2010/main">
+          <mc:Choice Requires="p14">
             <p:contentPart p14:bwMode="auto" r:id="rId64">
               <p14:nvContentPartPr>
                 <p14:cNvPr id="38" name="Ink 37">
@@ -17187,7 +17188,7 @@
               </p14:xfrm>
             </p:contentPart>
           </mc:Choice>
-          <mc:Fallback>
+          <mc:Fallback xmlns="">
             <p:pic>
               <p:nvPicPr>
                 <p:cNvPr id="38" name="Ink 37">
@@ -17219,8 +17220,8 @@
           </mc:Fallback>
         </mc:AlternateContent>
       </p:grpSp>
-      <mc:AlternateContent xmlns:mc="http://schemas.openxmlformats.org/markup-compatibility/2006">
-        <mc:Choice xmlns:p14="http://schemas.microsoft.com/office/powerpoint/2010/main" Requires="p14">
+      <mc:AlternateContent xmlns:mc="http://schemas.openxmlformats.org/markup-compatibility/2006" xmlns:p14="http://schemas.microsoft.com/office/powerpoint/2010/main">
+        <mc:Choice Requires="p14">
           <p:contentPart p14:bwMode="auto" r:id="rId66">
             <p14:nvContentPartPr>
               <p14:cNvPr id="50" name="Ink 49">
@@ -17239,7 +17240,7 @@
             </p14:xfrm>
           </p:contentPart>
         </mc:Choice>
-        <mc:Fallback>
+        <mc:Fallback xmlns="">
           <p:pic>
             <p:nvPicPr>
               <p:cNvPr id="50" name="Ink 49">
@@ -17270,8 +17271,8 @@
           </p:pic>
         </mc:Fallback>
       </mc:AlternateContent>
-      <mc:AlternateContent xmlns:mc="http://schemas.openxmlformats.org/markup-compatibility/2006">
-        <mc:Choice xmlns:p14="http://schemas.microsoft.com/office/powerpoint/2010/main" Requires="p14">
+      <mc:AlternateContent xmlns:mc="http://schemas.openxmlformats.org/markup-compatibility/2006" xmlns:p14="http://schemas.microsoft.com/office/powerpoint/2010/main">
+        <mc:Choice Requires="p14">
           <p:contentPart p14:bwMode="auto" r:id="rId68">
             <p14:nvContentPartPr>
               <p14:cNvPr id="51" name="Ink 50">
@@ -17290,7 +17291,7 @@
             </p14:xfrm>
           </p:contentPart>
         </mc:Choice>
-        <mc:Fallback>
+        <mc:Fallback xmlns="">
           <p:pic>
             <p:nvPicPr>
               <p:cNvPr id="51" name="Ink 50">
@@ -17341,8 +17342,8 @@
             <a:chExt cx="6459840" cy="1003320"/>
           </a:xfrm>
         </p:grpSpPr>
-        <mc:AlternateContent xmlns:mc="http://schemas.openxmlformats.org/markup-compatibility/2006">
-          <mc:Choice xmlns:p14="http://schemas.microsoft.com/office/powerpoint/2010/main" Requires="p14">
+        <mc:AlternateContent xmlns:mc="http://schemas.openxmlformats.org/markup-compatibility/2006" xmlns:p14="http://schemas.microsoft.com/office/powerpoint/2010/main">
+          <mc:Choice Requires="p14">
             <p:contentPart p14:bwMode="auto" r:id="rId70">
               <p14:nvContentPartPr>
                 <p14:cNvPr id="40" name="Ink 39">
@@ -17361,7 +17362,7 @@
               </p14:xfrm>
             </p:contentPart>
           </mc:Choice>
-          <mc:Fallback>
+          <mc:Fallback xmlns="">
             <p:pic>
               <p:nvPicPr>
                 <p:cNvPr id="40" name="Ink 39">
@@ -17392,8 +17393,8 @@
             </p:pic>
           </mc:Fallback>
         </mc:AlternateContent>
-        <mc:AlternateContent xmlns:mc="http://schemas.openxmlformats.org/markup-compatibility/2006">
-          <mc:Choice xmlns:p14="http://schemas.microsoft.com/office/powerpoint/2010/main" Requires="p14">
+        <mc:AlternateContent xmlns:mc="http://schemas.openxmlformats.org/markup-compatibility/2006" xmlns:p14="http://schemas.microsoft.com/office/powerpoint/2010/main">
+          <mc:Choice Requires="p14">
             <p:contentPart p14:bwMode="auto" r:id="rId72">
               <p14:nvContentPartPr>
                 <p14:cNvPr id="41" name="Ink 40">
@@ -17412,7 +17413,7 @@
               </p14:xfrm>
             </p:contentPart>
           </mc:Choice>
-          <mc:Fallback>
+          <mc:Fallback xmlns="">
             <p:pic>
               <p:nvPicPr>
                 <p:cNvPr id="41" name="Ink 40">
@@ -17443,8 +17444,8 @@
             </p:pic>
           </mc:Fallback>
         </mc:AlternateContent>
-        <mc:AlternateContent xmlns:mc="http://schemas.openxmlformats.org/markup-compatibility/2006">
-          <mc:Choice xmlns:p14="http://schemas.microsoft.com/office/powerpoint/2010/main" Requires="p14">
+        <mc:AlternateContent xmlns:mc="http://schemas.openxmlformats.org/markup-compatibility/2006" xmlns:p14="http://schemas.microsoft.com/office/powerpoint/2010/main">
+          <mc:Choice Requires="p14">
             <p:contentPart p14:bwMode="auto" r:id="rId74">
               <p14:nvContentPartPr>
                 <p14:cNvPr id="42" name="Ink 41">
@@ -17463,7 +17464,7 @@
               </p14:xfrm>
             </p:contentPart>
           </mc:Choice>
-          <mc:Fallback>
+          <mc:Fallback xmlns="">
             <p:pic>
               <p:nvPicPr>
                 <p:cNvPr id="42" name="Ink 41">
@@ -17494,8 +17495,8 @@
             </p:pic>
           </mc:Fallback>
         </mc:AlternateContent>
-        <mc:AlternateContent xmlns:mc="http://schemas.openxmlformats.org/markup-compatibility/2006">
-          <mc:Choice xmlns:p14="http://schemas.microsoft.com/office/powerpoint/2010/main" Requires="p14">
+        <mc:AlternateContent xmlns:mc="http://schemas.openxmlformats.org/markup-compatibility/2006" xmlns:p14="http://schemas.microsoft.com/office/powerpoint/2010/main">
+          <mc:Choice Requires="p14">
             <p:contentPart p14:bwMode="auto" r:id="rId76">
               <p14:nvContentPartPr>
                 <p14:cNvPr id="43" name="Ink 42">
@@ -17514,7 +17515,7 @@
               </p14:xfrm>
             </p:contentPart>
           </mc:Choice>
-          <mc:Fallback>
+          <mc:Fallback xmlns="">
             <p:pic>
               <p:nvPicPr>
                 <p:cNvPr id="43" name="Ink 42">
@@ -17545,8 +17546,8 @@
             </p:pic>
           </mc:Fallback>
         </mc:AlternateContent>
-        <mc:AlternateContent xmlns:mc="http://schemas.openxmlformats.org/markup-compatibility/2006">
-          <mc:Choice xmlns:p14="http://schemas.microsoft.com/office/powerpoint/2010/main" Requires="p14">
+        <mc:AlternateContent xmlns:mc="http://schemas.openxmlformats.org/markup-compatibility/2006" xmlns:p14="http://schemas.microsoft.com/office/powerpoint/2010/main">
+          <mc:Choice Requires="p14">
             <p:contentPart p14:bwMode="auto" r:id="rId78">
               <p14:nvContentPartPr>
                 <p14:cNvPr id="44" name="Ink 43">
@@ -17565,7 +17566,7 @@
               </p14:xfrm>
             </p:contentPart>
           </mc:Choice>
-          <mc:Fallback>
+          <mc:Fallback xmlns="">
             <p:pic>
               <p:nvPicPr>
                 <p:cNvPr id="44" name="Ink 43">
@@ -17596,8 +17597,8 @@
             </p:pic>
           </mc:Fallback>
         </mc:AlternateContent>
-        <mc:AlternateContent xmlns:mc="http://schemas.openxmlformats.org/markup-compatibility/2006">
-          <mc:Choice xmlns:p14="http://schemas.microsoft.com/office/powerpoint/2010/main" Requires="p14">
+        <mc:AlternateContent xmlns:mc="http://schemas.openxmlformats.org/markup-compatibility/2006" xmlns:p14="http://schemas.microsoft.com/office/powerpoint/2010/main">
+          <mc:Choice Requires="p14">
             <p:contentPart p14:bwMode="auto" r:id="rId80">
               <p14:nvContentPartPr>
                 <p14:cNvPr id="46" name="Ink 45">
@@ -17616,7 +17617,7 @@
               </p14:xfrm>
             </p:contentPart>
           </mc:Choice>
-          <mc:Fallback>
+          <mc:Fallback xmlns="">
             <p:pic>
               <p:nvPicPr>
                 <p:cNvPr id="46" name="Ink 45">
@@ -17647,8 +17648,8 @@
             </p:pic>
           </mc:Fallback>
         </mc:AlternateContent>
-        <mc:AlternateContent xmlns:mc="http://schemas.openxmlformats.org/markup-compatibility/2006">
-          <mc:Choice xmlns:p14="http://schemas.microsoft.com/office/powerpoint/2010/main" Requires="p14">
+        <mc:AlternateContent xmlns:mc="http://schemas.openxmlformats.org/markup-compatibility/2006" xmlns:p14="http://schemas.microsoft.com/office/powerpoint/2010/main">
+          <mc:Choice Requires="p14">
             <p:contentPart p14:bwMode="auto" r:id="rId82">
               <p14:nvContentPartPr>
                 <p14:cNvPr id="47" name="Ink 46">
@@ -17667,7 +17668,7 @@
               </p14:xfrm>
             </p:contentPart>
           </mc:Choice>
-          <mc:Fallback>
+          <mc:Fallback xmlns="">
             <p:pic>
               <p:nvPicPr>
                 <p:cNvPr id="47" name="Ink 46">
@@ -17698,8 +17699,8 @@
             </p:pic>
           </mc:Fallback>
         </mc:AlternateContent>
-        <mc:AlternateContent xmlns:mc="http://schemas.openxmlformats.org/markup-compatibility/2006">
-          <mc:Choice xmlns:p14="http://schemas.microsoft.com/office/powerpoint/2010/main" Requires="p14">
+        <mc:AlternateContent xmlns:mc="http://schemas.openxmlformats.org/markup-compatibility/2006" xmlns:p14="http://schemas.microsoft.com/office/powerpoint/2010/main">
+          <mc:Choice Requires="p14">
             <p:contentPart p14:bwMode="auto" r:id="rId84">
               <p14:nvContentPartPr>
                 <p14:cNvPr id="48" name="Ink 47">
@@ -17718,7 +17719,7 @@
               </p14:xfrm>
             </p:contentPart>
           </mc:Choice>
-          <mc:Fallback>
+          <mc:Fallback xmlns="">
             <p:pic>
               <p:nvPicPr>
                 <p:cNvPr id="48" name="Ink 47">
@@ -17749,8 +17750,8 @@
             </p:pic>
           </mc:Fallback>
         </mc:AlternateContent>
-        <mc:AlternateContent xmlns:mc="http://schemas.openxmlformats.org/markup-compatibility/2006">
-          <mc:Choice xmlns:p14="http://schemas.microsoft.com/office/powerpoint/2010/main" Requires="p14">
+        <mc:AlternateContent xmlns:mc="http://schemas.openxmlformats.org/markup-compatibility/2006" xmlns:p14="http://schemas.microsoft.com/office/powerpoint/2010/main">
+          <mc:Choice Requires="p14">
             <p:contentPart p14:bwMode="auto" r:id="rId86">
               <p14:nvContentPartPr>
                 <p14:cNvPr id="54" name="Ink 53">
@@ -17769,7 +17770,7 @@
               </p14:xfrm>
             </p:contentPart>
           </mc:Choice>
-          <mc:Fallback>
+          <mc:Fallback xmlns="">
             <p:pic>
               <p:nvPicPr>
                 <p:cNvPr id="54" name="Ink 53">
@@ -17800,8 +17801,8 @@
             </p:pic>
           </mc:Fallback>
         </mc:AlternateContent>
-        <mc:AlternateContent xmlns:mc="http://schemas.openxmlformats.org/markup-compatibility/2006">
-          <mc:Choice xmlns:p14="http://schemas.microsoft.com/office/powerpoint/2010/main" Requires="p14">
+        <mc:AlternateContent xmlns:mc="http://schemas.openxmlformats.org/markup-compatibility/2006" xmlns:p14="http://schemas.microsoft.com/office/powerpoint/2010/main">
+          <mc:Choice Requires="p14">
             <p:contentPart p14:bwMode="auto" r:id="rId88">
               <p14:nvContentPartPr>
                 <p14:cNvPr id="55" name="Ink 54">
@@ -17820,7 +17821,7 @@
               </p14:xfrm>
             </p:contentPart>
           </mc:Choice>
-          <mc:Fallback>
+          <mc:Fallback xmlns="">
             <p:pic>
               <p:nvPicPr>
                 <p:cNvPr id="55" name="Ink 54">
@@ -17851,8 +17852,8 @@
             </p:pic>
           </mc:Fallback>
         </mc:AlternateContent>
-        <mc:AlternateContent xmlns:mc="http://schemas.openxmlformats.org/markup-compatibility/2006">
-          <mc:Choice xmlns:p14="http://schemas.microsoft.com/office/powerpoint/2010/main" Requires="p14">
+        <mc:AlternateContent xmlns:mc="http://schemas.openxmlformats.org/markup-compatibility/2006" xmlns:p14="http://schemas.microsoft.com/office/powerpoint/2010/main">
+          <mc:Choice Requires="p14">
             <p:contentPart p14:bwMode="auto" r:id="rId90">
               <p14:nvContentPartPr>
                 <p14:cNvPr id="57" name="Ink 56">
@@ -17871,7 +17872,7 @@
               </p14:xfrm>
             </p:contentPart>
           </mc:Choice>
-          <mc:Fallback>
+          <mc:Fallback xmlns="">
             <p:pic>
               <p:nvPicPr>
                 <p:cNvPr id="57" name="Ink 56">
@@ -17953,8 +17954,8 @@
             <a:chExt cx="4124160" cy="2347620"/>
           </a:xfrm>
         </p:grpSpPr>
-        <mc:AlternateContent xmlns:mc="http://schemas.openxmlformats.org/markup-compatibility/2006">
-          <mc:Choice xmlns:p14="http://schemas.microsoft.com/office/powerpoint/2010/main" Requires="p14">
+        <mc:AlternateContent xmlns:mc="http://schemas.openxmlformats.org/markup-compatibility/2006" xmlns:p14="http://schemas.microsoft.com/office/powerpoint/2010/main">
+          <mc:Choice Requires="p14">
             <p:contentPart p14:bwMode="auto" r:id="rId2">
               <p14:nvContentPartPr>
                 <p14:cNvPr id="5" name="Ink 4">
@@ -17973,7 +17974,7 @@
               </p14:xfrm>
             </p:contentPart>
           </mc:Choice>
-          <mc:Fallback>
+          <mc:Fallback xmlns="">
             <p:pic>
               <p:nvPicPr>
                 <p:cNvPr id="5" name="Ink 4">
@@ -18004,8 +18005,8 @@
             </p:pic>
           </mc:Fallback>
         </mc:AlternateContent>
-        <mc:AlternateContent xmlns:mc="http://schemas.openxmlformats.org/markup-compatibility/2006">
-          <mc:Choice xmlns:p14="http://schemas.microsoft.com/office/powerpoint/2010/main" Requires="p14">
+        <mc:AlternateContent xmlns:mc="http://schemas.openxmlformats.org/markup-compatibility/2006" xmlns:p14="http://schemas.microsoft.com/office/powerpoint/2010/main">
+          <mc:Choice Requires="p14">
             <p:contentPart p14:bwMode="auto" r:id="rId4">
               <p14:nvContentPartPr>
                 <p14:cNvPr id="6" name="Ink 5">
@@ -18024,7 +18025,7 @@
               </p14:xfrm>
             </p:contentPart>
           </mc:Choice>
-          <mc:Fallback>
+          <mc:Fallback xmlns="">
             <p:pic>
               <p:nvPicPr>
                 <p:cNvPr id="6" name="Ink 5">
@@ -18055,8 +18056,8 @@
             </p:pic>
           </mc:Fallback>
         </mc:AlternateContent>
-        <mc:AlternateContent xmlns:mc="http://schemas.openxmlformats.org/markup-compatibility/2006">
-          <mc:Choice xmlns:p14="http://schemas.microsoft.com/office/powerpoint/2010/main" Requires="p14">
+        <mc:AlternateContent xmlns:mc="http://schemas.openxmlformats.org/markup-compatibility/2006" xmlns:p14="http://schemas.microsoft.com/office/powerpoint/2010/main">
+          <mc:Choice Requires="p14">
             <p:contentPart p14:bwMode="auto" r:id="rId6">
               <p14:nvContentPartPr>
                 <p14:cNvPr id="7" name="Ink 6">
@@ -18075,7 +18076,7 @@
               </p14:xfrm>
             </p:contentPart>
           </mc:Choice>
-          <mc:Fallback>
+          <mc:Fallback xmlns="">
             <p:pic>
               <p:nvPicPr>
                 <p:cNvPr id="7" name="Ink 6">
@@ -18106,8 +18107,8 @@
             </p:pic>
           </mc:Fallback>
         </mc:AlternateContent>
-        <mc:AlternateContent xmlns:mc="http://schemas.openxmlformats.org/markup-compatibility/2006">
-          <mc:Choice xmlns:p14="http://schemas.microsoft.com/office/powerpoint/2010/main" Requires="p14">
+        <mc:AlternateContent xmlns:mc="http://schemas.openxmlformats.org/markup-compatibility/2006" xmlns:p14="http://schemas.microsoft.com/office/powerpoint/2010/main">
+          <mc:Choice Requires="p14">
             <p:contentPart p14:bwMode="auto" r:id="rId8">
               <p14:nvContentPartPr>
                 <p14:cNvPr id="8" name="Ink 7">
@@ -18126,7 +18127,7 @@
               </p14:xfrm>
             </p:contentPart>
           </mc:Choice>
-          <mc:Fallback>
+          <mc:Fallback xmlns="">
             <p:pic>
               <p:nvPicPr>
                 <p:cNvPr id="8" name="Ink 7">
@@ -18157,8 +18158,8 @@
             </p:pic>
           </mc:Fallback>
         </mc:AlternateContent>
-        <mc:AlternateContent xmlns:mc="http://schemas.openxmlformats.org/markup-compatibility/2006">
-          <mc:Choice xmlns:p14="http://schemas.microsoft.com/office/powerpoint/2010/main" Requires="p14">
+        <mc:AlternateContent xmlns:mc="http://schemas.openxmlformats.org/markup-compatibility/2006" xmlns:p14="http://schemas.microsoft.com/office/powerpoint/2010/main">
+          <mc:Choice Requires="p14">
             <p:contentPart p14:bwMode="auto" r:id="rId10">
               <p14:nvContentPartPr>
                 <p14:cNvPr id="9" name="Ink 8">
@@ -18177,7 +18178,7 @@
               </p14:xfrm>
             </p:contentPart>
           </mc:Choice>
-          <mc:Fallback>
+          <mc:Fallback xmlns="">
             <p:pic>
               <p:nvPicPr>
                 <p:cNvPr id="9" name="Ink 8">
@@ -18208,8 +18209,8 @@
             </p:pic>
           </mc:Fallback>
         </mc:AlternateContent>
-        <mc:AlternateContent xmlns:mc="http://schemas.openxmlformats.org/markup-compatibility/2006">
-          <mc:Choice xmlns:p14="http://schemas.microsoft.com/office/powerpoint/2010/main" Requires="p14">
+        <mc:AlternateContent xmlns:mc="http://schemas.openxmlformats.org/markup-compatibility/2006" xmlns:p14="http://schemas.microsoft.com/office/powerpoint/2010/main">
+          <mc:Choice Requires="p14">
             <p:contentPart p14:bwMode="auto" r:id="rId12">
               <p14:nvContentPartPr>
                 <p14:cNvPr id="10" name="Ink 9">
@@ -18228,7 +18229,7 @@
               </p14:xfrm>
             </p:contentPart>
           </mc:Choice>
-          <mc:Fallback>
+          <mc:Fallback xmlns="">
             <p:pic>
               <p:nvPicPr>
                 <p:cNvPr id="10" name="Ink 9">
@@ -18259,8 +18260,8 @@
             </p:pic>
           </mc:Fallback>
         </mc:AlternateContent>
-        <mc:AlternateContent xmlns:mc="http://schemas.openxmlformats.org/markup-compatibility/2006">
-          <mc:Choice xmlns:p14="http://schemas.microsoft.com/office/powerpoint/2010/main" Requires="p14">
+        <mc:AlternateContent xmlns:mc="http://schemas.openxmlformats.org/markup-compatibility/2006" xmlns:p14="http://schemas.microsoft.com/office/powerpoint/2010/main">
+          <mc:Choice Requires="p14">
             <p:contentPart p14:bwMode="auto" r:id="rId14">
               <p14:nvContentPartPr>
                 <p14:cNvPr id="11" name="Ink 10">
@@ -18279,7 +18280,7 @@
               </p14:xfrm>
             </p:contentPart>
           </mc:Choice>
-          <mc:Fallback>
+          <mc:Fallback xmlns="">
             <p:pic>
               <p:nvPicPr>
                 <p:cNvPr id="11" name="Ink 10">
@@ -18310,8 +18311,8 @@
             </p:pic>
           </mc:Fallback>
         </mc:AlternateContent>
-        <mc:AlternateContent xmlns:mc="http://schemas.openxmlformats.org/markup-compatibility/2006">
-          <mc:Choice xmlns:p14="http://schemas.microsoft.com/office/powerpoint/2010/main" Requires="p14">
+        <mc:AlternateContent xmlns:mc="http://schemas.openxmlformats.org/markup-compatibility/2006" xmlns:p14="http://schemas.microsoft.com/office/powerpoint/2010/main">
+          <mc:Choice Requires="p14">
             <p:contentPart p14:bwMode="auto" r:id="rId16">
               <p14:nvContentPartPr>
                 <p14:cNvPr id="12" name="Ink 11">
@@ -18330,7 +18331,7 @@
               </p14:xfrm>
             </p:contentPart>
           </mc:Choice>
-          <mc:Fallback>
+          <mc:Fallback xmlns="">
             <p:pic>
               <p:nvPicPr>
                 <p:cNvPr id="12" name="Ink 11">
@@ -18361,8 +18362,8 @@
             </p:pic>
           </mc:Fallback>
         </mc:AlternateContent>
-        <mc:AlternateContent xmlns:mc="http://schemas.openxmlformats.org/markup-compatibility/2006">
-          <mc:Choice xmlns:p14="http://schemas.microsoft.com/office/powerpoint/2010/main" Requires="p14">
+        <mc:AlternateContent xmlns:mc="http://schemas.openxmlformats.org/markup-compatibility/2006" xmlns:p14="http://schemas.microsoft.com/office/powerpoint/2010/main">
+          <mc:Choice Requires="p14">
             <p:contentPart p14:bwMode="auto" r:id="rId18">
               <p14:nvContentPartPr>
                 <p14:cNvPr id="13" name="Ink 12">
@@ -18381,7 +18382,7 @@
               </p14:xfrm>
             </p:contentPart>
           </mc:Choice>
-          <mc:Fallback>
+          <mc:Fallback xmlns="">
             <p:pic>
               <p:nvPicPr>
                 <p:cNvPr id="13" name="Ink 12">
@@ -18412,8 +18413,8 @@
             </p:pic>
           </mc:Fallback>
         </mc:AlternateContent>
-        <mc:AlternateContent xmlns:mc="http://schemas.openxmlformats.org/markup-compatibility/2006">
-          <mc:Choice xmlns:p14="http://schemas.microsoft.com/office/powerpoint/2010/main" Requires="p14">
+        <mc:AlternateContent xmlns:mc="http://schemas.openxmlformats.org/markup-compatibility/2006" xmlns:p14="http://schemas.microsoft.com/office/powerpoint/2010/main">
+          <mc:Choice Requires="p14">
             <p:contentPart p14:bwMode="auto" r:id="rId20">
               <p14:nvContentPartPr>
                 <p14:cNvPr id="14" name="Ink 13">
@@ -18432,7 +18433,7 @@
               </p14:xfrm>
             </p:contentPart>
           </mc:Choice>
-          <mc:Fallback>
+          <mc:Fallback xmlns="">
             <p:pic>
               <p:nvPicPr>
                 <p:cNvPr id="14" name="Ink 13">
@@ -18463,8 +18464,8 @@
             </p:pic>
           </mc:Fallback>
         </mc:AlternateContent>
-        <mc:AlternateContent xmlns:mc="http://schemas.openxmlformats.org/markup-compatibility/2006">
-          <mc:Choice xmlns:p14="http://schemas.microsoft.com/office/powerpoint/2010/main" Requires="p14">
+        <mc:AlternateContent xmlns:mc="http://schemas.openxmlformats.org/markup-compatibility/2006" xmlns:p14="http://schemas.microsoft.com/office/powerpoint/2010/main">
+          <mc:Choice Requires="p14">
             <p:contentPart p14:bwMode="auto" r:id="rId22">
               <p14:nvContentPartPr>
                 <p14:cNvPr id="15" name="Ink 14">
@@ -18483,7 +18484,7 @@
               </p14:xfrm>
             </p:contentPart>
           </mc:Choice>
-          <mc:Fallback>
+          <mc:Fallback xmlns="">
             <p:pic>
               <p:nvPicPr>
                 <p:cNvPr id="15" name="Ink 14">
@@ -18514,8 +18515,8 @@
             </p:pic>
           </mc:Fallback>
         </mc:AlternateContent>
-        <mc:AlternateContent xmlns:mc="http://schemas.openxmlformats.org/markup-compatibility/2006">
-          <mc:Choice xmlns:p14="http://schemas.microsoft.com/office/powerpoint/2010/main" Requires="p14">
+        <mc:AlternateContent xmlns:mc="http://schemas.openxmlformats.org/markup-compatibility/2006" xmlns:p14="http://schemas.microsoft.com/office/powerpoint/2010/main">
+          <mc:Choice Requires="p14">
             <p:contentPart p14:bwMode="auto" r:id="rId24">
               <p14:nvContentPartPr>
                 <p14:cNvPr id="16" name="Ink 15">
@@ -18534,7 +18535,7 @@
               </p14:xfrm>
             </p:contentPart>
           </mc:Choice>
-          <mc:Fallback>
+          <mc:Fallback xmlns="">
             <p:pic>
               <p:nvPicPr>
                 <p:cNvPr id="16" name="Ink 15">
@@ -18565,8 +18566,8 @@
             </p:pic>
           </mc:Fallback>
         </mc:AlternateContent>
-        <mc:AlternateContent xmlns:mc="http://schemas.openxmlformats.org/markup-compatibility/2006">
-          <mc:Choice xmlns:p14="http://schemas.microsoft.com/office/powerpoint/2010/main" Requires="p14">
+        <mc:AlternateContent xmlns:mc="http://schemas.openxmlformats.org/markup-compatibility/2006" xmlns:p14="http://schemas.microsoft.com/office/powerpoint/2010/main">
+          <mc:Choice Requires="p14">
             <p:contentPart p14:bwMode="auto" r:id="rId26">
               <p14:nvContentPartPr>
                 <p14:cNvPr id="17" name="Ink 16">
@@ -18585,7 +18586,7 @@
               </p14:xfrm>
             </p:contentPart>
           </mc:Choice>
-          <mc:Fallback>
+          <mc:Fallback xmlns="">
             <p:pic>
               <p:nvPicPr>
                 <p:cNvPr id="17" name="Ink 16">
@@ -18616,8 +18617,8 @@
             </p:pic>
           </mc:Fallback>
         </mc:AlternateContent>
-        <mc:AlternateContent xmlns:mc="http://schemas.openxmlformats.org/markup-compatibility/2006">
-          <mc:Choice xmlns:p14="http://schemas.microsoft.com/office/powerpoint/2010/main" Requires="p14">
+        <mc:AlternateContent xmlns:mc="http://schemas.openxmlformats.org/markup-compatibility/2006" xmlns:p14="http://schemas.microsoft.com/office/powerpoint/2010/main">
+          <mc:Choice Requires="p14">
             <p:contentPart p14:bwMode="auto" r:id="rId28">
               <p14:nvContentPartPr>
                 <p14:cNvPr id="18" name="Ink 17">
@@ -18636,7 +18637,7 @@
               </p14:xfrm>
             </p:contentPart>
           </mc:Choice>
-          <mc:Fallback>
+          <mc:Fallback xmlns="">
             <p:pic>
               <p:nvPicPr>
                 <p:cNvPr id="18" name="Ink 17">
@@ -18667,8 +18668,8 @@
             </p:pic>
           </mc:Fallback>
         </mc:AlternateContent>
-        <mc:AlternateContent xmlns:mc="http://schemas.openxmlformats.org/markup-compatibility/2006">
-          <mc:Choice xmlns:p14="http://schemas.microsoft.com/office/powerpoint/2010/main" Requires="p14">
+        <mc:AlternateContent xmlns:mc="http://schemas.openxmlformats.org/markup-compatibility/2006" xmlns:p14="http://schemas.microsoft.com/office/powerpoint/2010/main">
+          <mc:Choice Requires="p14">
             <p:contentPart p14:bwMode="auto" r:id="rId30">
               <p14:nvContentPartPr>
                 <p14:cNvPr id="19" name="Ink 18">
@@ -18687,7 +18688,7 @@
               </p14:xfrm>
             </p:contentPart>
           </mc:Choice>
-          <mc:Fallback>
+          <mc:Fallback xmlns="">
             <p:pic>
               <p:nvPicPr>
                 <p:cNvPr id="19" name="Ink 18">
@@ -18718,8 +18719,8 @@
             </p:pic>
           </mc:Fallback>
         </mc:AlternateContent>
-        <mc:AlternateContent xmlns:mc="http://schemas.openxmlformats.org/markup-compatibility/2006">
-          <mc:Choice xmlns:p14="http://schemas.microsoft.com/office/powerpoint/2010/main" Requires="p14">
+        <mc:AlternateContent xmlns:mc="http://schemas.openxmlformats.org/markup-compatibility/2006" xmlns:p14="http://schemas.microsoft.com/office/powerpoint/2010/main">
+          <mc:Choice Requires="p14">
             <p:contentPart p14:bwMode="auto" r:id="rId32">
               <p14:nvContentPartPr>
                 <p14:cNvPr id="20" name="Ink 19">
@@ -18738,7 +18739,7 @@
               </p14:xfrm>
             </p:contentPart>
           </mc:Choice>
-          <mc:Fallback>
+          <mc:Fallback xmlns="">
             <p:pic>
               <p:nvPicPr>
                 <p:cNvPr id="20" name="Ink 19">
@@ -18769,8 +18770,8 @@
             </p:pic>
           </mc:Fallback>
         </mc:AlternateContent>
-        <mc:AlternateContent xmlns:mc="http://schemas.openxmlformats.org/markup-compatibility/2006">
-          <mc:Choice xmlns:p14="http://schemas.microsoft.com/office/powerpoint/2010/main" Requires="p14">
+        <mc:AlternateContent xmlns:mc="http://schemas.openxmlformats.org/markup-compatibility/2006" xmlns:p14="http://schemas.microsoft.com/office/powerpoint/2010/main">
+          <mc:Choice Requires="p14">
             <p:contentPart p14:bwMode="auto" r:id="rId34">
               <p14:nvContentPartPr>
                 <p14:cNvPr id="21" name="Ink 20">
@@ -18789,7 +18790,7 @@
               </p14:xfrm>
             </p:contentPart>
           </mc:Choice>
-          <mc:Fallback>
+          <mc:Fallback xmlns="">
             <p:pic>
               <p:nvPicPr>
                 <p:cNvPr id="21" name="Ink 20">
@@ -18820,8 +18821,8 @@
             </p:pic>
           </mc:Fallback>
         </mc:AlternateContent>
-        <mc:AlternateContent xmlns:mc="http://schemas.openxmlformats.org/markup-compatibility/2006">
-          <mc:Choice xmlns:p14="http://schemas.microsoft.com/office/powerpoint/2010/main" Requires="p14">
+        <mc:AlternateContent xmlns:mc="http://schemas.openxmlformats.org/markup-compatibility/2006" xmlns:p14="http://schemas.microsoft.com/office/powerpoint/2010/main">
+          <mc:Choice Requires="p14">
             <p:contentPart p14:bwMode="auto" r:id="rId36">
               <p14:nvContentPartPr>
                 <p14:cNvPr id="22" name="Ink 21">
@@ -18840,7 +18841,7 @@
               </p14:xfrm>
             </p:contentPart>
           </mc:Choice>
-          <mc:Fallback>
+          <mc:Fallback xmlns="">
             <p:pic>
               <p:nvPicPr>
                 <p:cNvPr id="22" name="Ink 21">
@@ -18871,8 +18872,8 @@
             </p:pic>
           </mc:Fallback>
         </mc:AlternateContent>
-        <mc:AlternateContent xmlns:mc="http://schemas.openxmlformats.org/markup-compatibility/2006">
-          <mc:Choice xmlns:p14="http://schemas.microsoft.com/office/powerpoint/2010/main" Requires="p14">
+        <mc:AlternateContent xmlns:mc="http://schemas.openxmlformats.org/markup-compatibility/2006" xmlns:p14="http://schemas.microsoft.com/office/powerpoint/2010/main">
+          <mc:Choice Requires="p14">
             <p:contentPart p14:bwMode="auto" r:id="rId38">
               <p14:nvContentPartPr>
                 <p14:cNvPr id="23" name="Ink 22">
@@ -18891,7 +18892,7 @@
               </p14:xfrm>
             </p:contentPart>
           </mc:Choice>
-          <mc:Fallback>
+          <mc:Fallback xmlns="">
             <p:pic>
               <p:nvPicPr>
                 <p:cNvPr id="23" name="Ink 22">
@@ -18922,8 +18923,8 @@
             </p:pic>
           </mc:Fallback>
         </mc:AlternateContent>
-        <mc:AlternateContent xmlns:mc="http://schemas.openxmlformats.org/markup-compatibility/2006">
-          <mc:Choice xmlns:p14="http://schemas.microsoft.com/office/powerpoint/2010/main" Requires="p14">
+        <mc:AlternateContent xmlns:mc="http://schemas.openxmlformats.org/markup-compatibility/2006" xmlns:p14="http://schemas.microsoft.com/office/powerpoint/2010/main">
+          <mc:Choice Requires="p14">
             <p:contentPart p14:bwMode="auto" r:id="rId40">
               <p14:nvContentPartPr>
                 <p14:cNvPr id="24" name="Ink 23">
@@ -18942,7 +18943,7 @@
               </p14:xfrm>
             </p:contentPart>
           </mc:Choice>
-          <mc:Fallback>
+          <mc:Fallback xmlns="">
             <p:pic>
               <p:nvPicPr>
                 <p:cNvPr id="24" name="Ink 23">
@@ -18974,8 +18975,8 @@
           </mc:Fallback>
         </mc:AlternateContent>
       </p:grpSp>
-      <mc:AlternateContent xmlns:mc="http://schemas.openxmlformats.org/markup-compatibility/2006">
-        <mc:Choice xmlns:p14="http://schemas.microsoft.com/office/powerpoint/2010/main" Requires="p14">
+      <mc:AlternateContent xmlns:mc="http://schemas.openxmlformats.org/markup-compatibility/2006" xmlns:p14="http://schemas.microsoft.com/office/powerpoint/2010/main">
+        <mc:Choice Requires="p14">
           <p:contentPart p14:bwMode="auto" r:id="rId42">
             <p14:nvContentPartPr>
               <p14:cNvPr id="26" name="Ink 25">
@@ -18994,7 +18995,7 @@
             </p14:xfrm>
           </p:contentPart>
         </mc:Choice>
-        <mc:Fallback>
+        <mc:Fallback xmlns="">
           <p:pic>
             <p:nvPicPr>
               <p:cNvPr id="26" name="Ink 25">
@@ -19025,8 +19026,8 @@
           </p:pic>
         </mc:Fallback>
       </mc:AlternateContent>
-      <mc:AlternateContent xmlns:mc="http://schemas.openxmlformats.org/markup-compatibility/2006">
-        <mc:Choice xmlns:p14="http://schemas.microsoft.com/office/powerpoint/2010/main" Requires="p14">
+      <mc:AlternateContent xmlns:mc="http://schemas.openxmlformats.org/markup-compatibility/2006" xmlns:p14="http://schemas.microsoft.com/office/powerpoint/2010/main">
+        <mc:Choice Requires="p14">
           <p:contentPart p14:bwMode="auto" r:id="rId44">
             <p14:nvContentPartPr>
               <p14:cNvPr id="31" name="Ink 30">
@@ -19045,7 +19046,7 @@
             </p14:xfrm>
           </p:contentPart>
         </mc:Choice>
-        <mc:Fallback>
+        <mc:Fallback xmlns="">
           <p:pic>
             <p:nvPicPr>
               <p:cNvPr id="31" name="Ink 30">
@@ -19076,8 +19077,8 @@
           </p:pic>
         </mc:Fallback>
       </mc:AlternateContent>
-      <mc:AlternateContent xmlns:mc="http://schemas.openxmlformats.org/markup-compatibility/2006">
-        <mc:Choice xmlns:p14="http://schemas.microsoft.com/office/powerpoint/2010/main" Requires="p14">
+      <mc:AlternateContent xmlns:mc="http://schemas.openxmlformats.org/markup-compatibility/2006" xmlns:p14="http://schemas.microsoft.com/office/powerpoint/2010/main">
+        <mc:Choice Requires="p14">
           <p:contentPart p14:bwMode="auto" r:id="rId46">
             <p14:nvContentPartPr>
               <p14:cNvPr id="32" name="Ink 31">
@@ -19096,7 +19097,7 @@
             </p14:xfrm>
           </p:contentPart>
         </mc:Choice>
-        <mc:Fallback>
+        <mc:Fallback xmlns="">
           <p:pic>
             <p:nvPicPr>
               <p:cNvPr id="32" name="Ink 31">
@@ -19127,8 +19128,8 @@
           </p:pic>
         </mc:Fallback>
       </mc:AlternateContent>
-      <mc:AlternateContent xmlns:mc="http://schemas.openxmlformats.org/markup-compatibility/2006">
-        <mc:Choice xmlns:p14="http://schemas.microsoft.com/office/powerpoint/2010/main" Requires="p14">
+      <mc:AlternateContent xmlns:mc="http://schemas.openxmlformats.org/markup-compatibility/2006" xmlns:p14="http://schemas.microsoft.com/office/powerpoint/2010/main">
+        <mc:Choice Requires="p14">
           <p:contentPart p14:bwMode="auto" r:id="rId48">
             <p14:nvContentPartPr>
               <p14:cNvPr id="33" name="Ink 32">
@@ -19147,7 +19148,7 @@
             </p14:xfrm>
           </p:contentPart>
         </mc:Choice>
-        <mc:Fallback>
+        <mc:Fallback xmlns="">
           <p:pic>
             <p:nvPicPr>
               <p:cNvPr id="33" name="Ink 32">
@@ -19178,8 +19179,8 @@
           </p:pic>
         </mc:Fallback>
       </mc:AlternateContent>
-      <mc:AlternateContent xmlns:mc="http://schemas.openxmlformats.org/markup-compatibility/2006">
-        <mc:Choice xmlns:p14="http://schemas.microsoft.com/office/powerpoint/2010/main" Requires="p14">
+      <mc:AlternateContent xmlns:mc="http://schemas.openxmlformats.org/markup-compatibility/2006" xmlns:p14="http://schemas.microsoft.com/office/powerpoint/2010/main">
+        <mc:Choice Requires="p14">
           <p:contentPart p14:bwMode="auto" r:id="rId50">
             <p14:nvContentPartPr>
               <p14:cNvPr id="36" name="Ink 35">
@@ -19198,7 +19199,7 @@
             </p14:xfrm>
           </p:contentPart>
         </mc:Choice>
-        <mc:Fallback>
+        <mc:Fallback xmlns="">
           <p:pic>
             <p:nvPicPr>
               <p:cNvPr id="36" name="Ink 35">
@@ -19229,8 +19230,8 @@
           </p:pic>
         </mc:Fallback>
       </mc:AlternateContent>
-      <mc:AlternateContent xmlns:mc="http://schemas.openxmlformats.org/markup-compatibility/2006">
-        <mc:Choice xmlns:p14="http://schemas.microsoft.com/office/powerpoint/2010/main" Requires="p14">
+      <mc:AlternateContent xmlns:mc="http://schemas.openxmlformats.org/markup-compatibility/2006" xmlns:p14="http://schemas.microsoft.com/office/powerpoint/2010/main">
+        <mc:Choice Requires="p14">
           <p:contentPart p14:bwMode="auto" r:id="rId52">
             <p14:nvContentPartPr>
               <p14:cNvPr id="37" name="Ink 36">
@@ -19249,7 +19250,7 @@
             </p14:xfrm>
           </p:contentPart>
         </mc:Choice>
-        <mc:Fallback>
+        <mc:Fallback xmlns="">
           <p:pic>
             <p:nvPicPr>
               <p:cNvPr id="37" name="Ink 36">
@@ -19280,8 +19281,8 @@
           </p:pic>
         </mc:Fallback>
       </mc:AlternateContent>
-      <mc:AlternateContent xmlns:mc="http://schemas.openxmlformats.org/markup-compatibility/2006">
-        <mc:Choice xmlns:p14="http://schemas.microsoft.com/office/powerpoint/2010/main" Requires="p14">
+      <mc:AlternateContent xmlns:mc="http://schemas.openxmlformats.org/markup-compatibility/2006" xmlns:p14="http://schemas.microsoft.com/office/powerpoint/2010/main">
+        <mc:Choice Requires="p14">
           <p:contentPart p14:bwMode="auto" r:id="rId54">
             <p14:nvContentPartPr>
               <p14:cNvPr id="38" name="Ink 37">
@@ -19300,7 +19301,7 @@
             </p14:xfrm>
           </p:contentPart>
         </mc:Choice>
-        <mc:Fallback>
+        <mc:Fallback xmlns="">
           <p:pic>
             <p:nvPicPr>
               <p:cNvPr id="38" name="Ink 37">
@@ -19331,8 +19332,8 @@
           </p:pic>
         </mc:Fallback>
       </mc:AlternateContent>
-      <mc:AlternateContent xmlns:mc="http://schemas.openxmlformats.org/markup-compatibility/2006">
-        <mc:Choice xmlns:p14="http://schemas.microsoft.com/office/powerpoint/2010/main" Requires="p14">
+      <mc:AlternateContent xmlns:mc="http://schemas.openxmlformats.org/markup-compatibility/2006" xmlns:p14="http://schemas.microsoft.com/office/powerpoint/2010/main">
+        <mc:Choice Requires="p14">
           <p:contentPart p14:bwMode="auto" r:id="rId56">
             <p14:nvContentPartPr>
               <p14:cNvPr id="39" name="Ink 38">
@@ -19351,7 +19352,7 @@
             </p14:xfrm>
           </p:contentPart>
         </mc:Choice>
-        <mc:Fallback>
+        <mc:Fallback xmlns="">
           <p:pic>
             <p:nvPicPr>
               <p:cNvPr id="39" name="Ink 38">
@@ -19382,8 +19383,8 @@
           </p:pic>
         </mc:Fallback>
       </mc:AlternateContent>
-      <mc:AlternateContent xmlns:mc="http://schemas.openxmlformats.org/markup-compatibility/2006">
-        <mc:Choice xmlns:p14="http://schemas.microsoft.com/office/powerpoint/2010/main" Requires="p14">
+      <mc:AlternateContent xmlns:mc="http://schemas.openxmlformats.org/markup-compatibility/2006" xmlns:p14="http://schemas.microsoft.com/office/powerpoint/2010/main">
+        <mc:Choice Requires="p14">
           <p:contentPart p14:bwMode="auto" r:id="rId58">
             <p14:nvContentPartPr>
               <p14:cNvPr id="40" name="Ink 39">
@@ -19402,7 +19403,7 @@
             </p14:xfrm>
           </p:contentPart>
         </mc:Choice>
-        <mc:Fallback>
+        <mc:Fallback xmlns="">
           <p:pic>
             <p:nvPicPr>
               <p:cNvPr id="40" name="Ink 39">
@@ -19433,8 +19434,8 @@
           </p:pic>
         </mc:Fallback>
       </mc:AlternateContent>
-      <mc:AlternateContent xmlns:mc="http://schemas.openxmlformats.org/markup-compatibility/2006">
-        <mc:Choice xmlns:p14="http://schemas.microsoft.com/office/powerpoint/2010/main" Requires="p14">
+      <mc:AlternateContent xmlns:mc="http://schemas.openxmlformats.org/markup-compatibility/2006" xmlns:p14="http://schemas.microsoft.com/office/powerpoint/2010/main">
+        <mc:Choice Requires="p14">
           <p:contentPart p14:bwMode="auto" r:id="rId60">
             <p14:nvContentPartPr>
               <p14:cNvPr id="41" name="Ink 40">
@@ -19453,7 +19454,7 @@
             </p14:xfrm>
           </p:contentPart>
         </mc:Choice>
-        <mc:Fallback>
+        <mc:Fallback xmlns="">
           <p:pic>
             <p:nvPicPr>
               <p:cNvPr id="41" name="Ink 40">
@@ -19484,8 +19485,8 @@
           </p:pic>
         </mc:Fallback>
       </mc:AlternateContent>
-      <mc:AlternateContent xmlns:mc="http://schemas.openxmlformats.org/markup-compatibility/2006">
-        <mc:Choice xmlns:p14="http://schemas.microsoft.com/office/powerpoint/2010/main" Requires="p14">
+      <mc:AlternateContent xmlns:mc="http://schemas.openxmlformats.org/markup-compatibility/2006" xmlns:p14="http://schemas.microsoft.com/office/powerpoint/2010/main">
+        <mc:Choice Requires="p14">
           <p:contentPart p14:bwMode="auto" r:id="rId62">
             <p14:nvContentPartPr>
               <p14:cNvPr id="73" name="Ink 72">
@@ -19504,7 +19505,7 @@
             </p14:xfrm>
           </p:contentPart>
         </mc:Choice>
-        <mc:Fallback>
+        <mc:Fallback xmlns="">
           <p:pic>
             <p:nvPicPr>
               <p:cNvPr id="73" name="Ink 72">
@@ -19535,8 +19536,8 @@
           </p:pic>
         </mc:Fallback>
       </mc:AlternateContent>
-      <mc:AlternateContent xmlns:mc="http://schemas.openxmlformats.org/markup-compatibility/2006">
-        <mc:Choice xmlns:p14="http://schemas.microsoft.com/office/powerpoint/2010/main" Requires="p14">
+      <mc:AlternateContent xmlns:mc="http://schemas.openxmlformats.org/markup-compatibility/2006" xmlns:p14="http://schemas.microsoft.com/office/powerpoint/2010/main">
+        <mc:Choice Requires="p14">
           <p:contentPart p14:bwMode="auto" r:id="rId64">
             <p14:nvContentPartPr>
               <p14:cNvPr id="74" name="Ink 73">
@@ -19555,7 +19556,7 @@
             </p14:xfrm>
           </p:contentPart>
         </mc:Choice>
-        <mc:Fallback>
+        <mc:Fallback xmlns="">
           <p:pic>
             <p:nvPicPr>
               <p:cNvPr id="74" name="Ink 73">
@@ -19586,8 +19587,8 @@
           </p:pic>
         </mc:Fallback>
       </mc:AlternateContent>
-      <mc:AlternateContent xmlns:mc="http://schemas.openxmlformats.org/markup-compatibility/2006">
-        <mc:Choice xmlns:p14="http://schemas.microsoft.com/office/powerpoint/2010/main" Requires="p14">
+      <mc:AlternateContent xmlns:mc="http://schemas.openxmlformats.org/markup-compatibility/2006" xmlns:p14="http://schemas.microsoft.com/office/powerpoint/2010/main">
+        <mc:Choice Requires="p14">
           <p:contentPart p14:bwMode="auto" r:id="rId66">
             <p14:nvContentPartPr>
               <p14:cNvPr id="76" name="Ink 75">
@@ -19606,7 +19607,7 @@
             </p14:xfrm>
           </p:contentPart>
         </mc:Choice>
-        <mc:Fallback>
+        <mc:Fallback xmlns="">
           <p:pic>
             <p:nvPicPr>
               <p:cNvPr id="76" name="Ink 75">
@@ -19637,8 +19638,8 @@
           </p:pic>
         </mc:Fallback>
       </mc:AlternateContent>
-      <mc:AlternateContent xmlns:mc="http://schemas.openxmlformats.org/markup-compatibility/2006">
-        <mc:Choice xmlns:p14="http://schemas.microsoft.com/office/powerpoint/2010/main" Requires="p14">
+      <mc:AlternateContent xmlns:mc="http://schemas.openxmlformats.org/markup-compatibility/2006" xmlns:p14="http://schemas.microsoft.com/office/powerpoint/2010/main">
+        <mc:Choice Requires="p14">
           <p:contentPart p14:bwMode="auto" r:id="rId68">
             <p14:nvContentPartPr>
               <p14:cNvPr id="77" name="Ink 76">
@@ -19657,7 +19658,7 @@
             </p14:xfrm>
           </p:contentPart>
         </mc:Choice>
-        <mc:Fallback>
+        <mc:Fallback xmlns="">
           <p:pic>
             <p:nvPicPr>
               <p:cNvPr id="77" name="Ink 76">
@@ -19688,8 +19689,8 @@
           </p:pic>
         </mc:Fallback>
       </mc:AlternateContent>
-      <mc:AlternateContent xmlns:mc="http://schemas.openxmlformats.org/markup-compatibility/2006">
-        <mc:Choice xmlns:p14="http://schemas.microsoft.com/office/powerpoint/2010/main" Requires="p14">
+      <mc:AlternateContent xmlns:mc="http://schemas.openxmlformats.org/markup-compatibility/2006" xmlns:p14="http://schemas.microsoft.com/office/powerpoint/2010/main">
+        <mc:Choice Requires="p14">
           <p:contentPart p14:bwMode="auto" r:id="rId70">
             <p14:nvContentPartPr>
               <p14:cNvPr id="78" name="Ink 77">
@@ -19708,7 +19709,7 @@
             </p14:xfrm>
           </p:contentPart>
         </mc:Choice>
-        <mc:Fallback>
+        <mc:Fallback xmlns="">
           <p:pic>
             <p:nvPicPr>
               <p:cNvPr id="78" name="Ink 77">
@@ -19739,8 +19740,8 @@
           </p:pic>
         </mc:Fallback>
       </mc:AlternateContent>
-      <mc:AlternateContent xmlns:mc="http://schemas.openxmlformats.org/markup-compatibility/2006">
-        <mc:Choice xmlns:p14="http://schemas.microsoft.com/office/powerpoint/2010/main" Requires="p14">
+      <mc:AlternateContent xmlns:mc="http://schemas.openxmlformats.org/markup-compatibility/2006" xmlns:p14="http://schemas.microsoft.com/office/powerpoint/2010/main">
+        <mc:Choice Requires="p14">
           <p:contentPart p14:bwMode="auto" r:id="rId72">
             <p14:nvContentPartPr>
               <p14:cNvPr id="2" name="Ink 1">
@@ -19759,7 +19760,7 @@
             </p14:xfrm>
           </p:contentPart>
         </mc:Choice>
-        <mc:Fallback>
+        <mc:Fallback xmlns="">
           <p:pic>
             <p:nvPicPr>
               <p:cNvPr id="2" name="Ink 1">
@@ -19790,8 +19791,8 @@
           </p:pic>
         </mc:Fallback>
       </mc:AlternateContent>
-      <mc:AlternateContent xmlns:mc="http://schemas.openxmlformats.org/markup-compatibility/2006">
-        <mc:Choice xmlns:p14="http://schemas.microsoft.com/office/powerpoint/2010/main" Requires="p14">
+      <mc:AlternateContent xmlns:mc="http://schemas.openxmlformats.org/markup-compatibility/2006" xmlns:p14="http://schemas.microsoft.com/office/powerpoint/2010/main">
+        <mc:Choice Requires="p14">
           <p:contentPart p14:bwMode="auto" r:id="rId74">
             <p14:nvContentPartPr>
               <p14:cNvPr id="3" name="Ink 2">
@@ -19810,7 +19811,7 @@
             </p14:xfrm>
           </p:contentPart>
         </mc:Choice>
-        <mc:Fallback>
+        <mc:Fallback xmlns="">
           <p:pic>
             <p:nvPicPr>
               <p:cNvPr id="3" name="Ink 2">
@@ -19841,8 +19842,8 @@
           </p:pic>
         </mc:Fallback>
       </mc:AlternateContent>
-      <mc:AlternateContent xmlns:mc="http://schemas.openxmlformats.org/markup-compatibility/2006">
-        <mc:Choice xmlns:p14="http://schemas.microsoft.com/office/powerpoint/2010/main" Requires="p14">
+      <mc:AlternateContent xmlns:mc="http://schemas.openxmlformats.org/markup-compatibility/2006" xmlns:p14="http://schemas.microsoft.com/office/powerpoint/2010/main">
+        <mc:Choice Requires="p14">
           <p:contentPart p14:bwMode="auto" r:id="rId76">
             <p14:nvContentPartPr>
               <p14:cNvPr id="42" name="Ink 41">
@@ -19861,7 +19862,7 @@
             </p14:xfrm>
           </p:contentPart>
         </mc:Choice>
-        <mc:Fallback>
+        <mc:Fallback xmlns="">
           <p:pic>
             <p:nvPicPr>
               <p:cNvPr id="42" name="Ink 41">
@@ -19892,8 +19893,8 @@
           </p:pic>
         </mc:Fallback>
       </mc:AlternateContent>
-      <mc:AlternateContent xmlns:mc="http://schemas.openxmlformats.org/markup-compatibility/2006">
-        <mc:Choice xmlns:p14="http://schemas.microsoft.com/office/powerpoint/2010/main" Requires="p14">
+      <mc:AlternateContent xmlns:mc="http://schemas.openxmlformats.org/markup-compatibility/2006" xmlns:p14="http://schemas.microsoft.com/office/powerpoint/2010/main">
+        <mc:Choice Requires="p14">
           <p:contentPart p14:bwMode="auto" r:id="rId78">
             <p14:nvContentPartPr>
               <p14:cNvPr id="43" name="Ink 42">
@@ -19912,7 +19913,7 @@
             </p14:xfrm>
           </p:contentPart>
         </mc:Choice>
-        <mc:Fallback>
+        <mc:Fallback xmlns="">
           <p:pic>
             <p:nvPicPr>
               <p:cNvPr id="43" name="Ink 42">
@@ -19943,8 +19944,8 @@
           </p:pic>
         </mc:Fallback>
       </mc:AlternateContent>
-      <mc:AlternateContent xmlns:mc="http://schemas.openxmlformats.org/markup-compatibility/2006">
-        <mc:Choice xmlns:p14="http://schemas.microsoft.com/office/powerpoint/2010/main" Requires="p14">
+      <mc:AlternateContent xmlns:mc="http://schemas.openxmlformats.org/markup-compatibility/2006" xmlns:p14="http://schemas.microsoft.com/office/powerpoint/2010/main">
+        <mc:Choice Requires="p14">
           <p:contentPart p14:bwMode="auto" r:id="rId80">
             <p14:nvContentPartPr>
               <p14:cNvPr id="44" name="Ink 43">
@@ -19963,7 +19964,7 @@
             </p14:xfrm>
           </p:contentPart>
         </mc:Choice>
-        <mc:Fallback>
+        <mc:Fallback xmlns="">
           <p:pic>
             <p:nvPicPr>
               <p:cNvPr id="44" name="Ink 43">
@@ -19994,8 +19995,8 @@
           </p:pic>
         </mc:Fallback>
       </mc:AlternateContent>
-      <mc:AlternateContent xmlns:mc="http://schemas.openxmlformats.org/markup-compatibility/2006">
-        <mc:Choice xmlns:p14="http://schemas.microsoft.com/office/powerpoint/2010/main" Requires="p14">
+      <mc:AlternateContent xmlns:mc="http://schemas.openxmlformats.org/markup-compatibility/2006" xmlns:p14="http://schemas.microsoft.com/office/powerpoint/2010/main">
+        <mc:Choice Requires="p14">
           <p:contentPart p14:bwMode="auto" r:id="rId82">
             <p14:nvContentPartPr>
               <p14:cNvPr id="46" name="Ink 45">
@@ -20014,7 +20015,7 @@
             </p14:xfrm>
           </p:contentPart>
         </mc:Choice>
-        <mc:Fallback>
+        <mc:Fallback xmlns="">
           <p:pic>
             <p:nvPicPr>
               <p:cNvPr id="46" name="Ink 45">
@@ -20045,8 +20046,8 @@
           </p:pic>
         </mc:Fallback>
       </mc:AlternateContent>
-      <mc:AlternateContent xmlns:mc="http://schemas.openxmlformats.org/markup-compatibility/2006">
-        <mc:Choice xmlns:p14="http://schemas.microsoft.com/office/powerpoint/2010/main" Requires="p14">
+      <mc:AlternateContent xmlns:mc="http://schemas.openxmlformats.org/markup-compatibility/2006" xmlns:p14="http://schemas.microsoft.com/office/powerpoint/2010/main">
+        <mc:Choice Requires="p14">
           <p:contentPart p14:bwMode="auto" r:id="rId84">
             <p14:nvContentPartPr>
               <p14:cNvPr id="47" name="Ink 46">
@@ -20065,7 +20066,7 @@
             </p14:xfrm>
           </p:contentPart>
         </mc:Choice>
-        <mc:Fallback>
+        <mc:Fallback xmlns="">
           <p:pic>
             <p:nvPicPr>
               <p:cNvPr id="47" name="Ink 46">
@@ -20096,8 +20097,8 @@
           </p:pic>
         </mc:Fallback>
       </mc:AlternateContent>
-      <mc:AlternateContent xmlns:mc="http://schemas.openxmlformats.org/markup-compatibility/2006">
-        <mc:Choice xmlns:p14="http://schemas.microsoft.com/office/powerpoint/2010/main" Requires="p14">
+      <mc:AlternateContent xmlns:mc="http://schemas.openxmlformats.org/markup-compatibility/2006" xmlns:p14="http://schemas.microsoft.com/office/powerpoint/2010/main">
+        <mc:Choice Requires="p14">
           <p:contentPart p14:bwMode="auto" r:id="rId86">
             <p14:nvContentPartPr>
               <p14:cNvPr id="48" name="Ink 47">
@@ -20116,7 +20117,7 @@
             </p14:xfrm>
           </p:contentPart>
         </mc:Choice>
-        <mc:Fallback>
+        <mc:Fallback xmlns="">
           <p:pic>
             <p:nvPicPr>
               <p:cNvPr id="48" name="Ink 47">
@@ -20147,8 +20148,8 @@
           </p:pic>
         </mc:Fallback>
       </mc:AlternateContent>
-      <mc:AlternateContent xmlns:mc="http://schemas.openxmlformats.org/markup-compatibility/2006">
-        <mc:Choice xmlns:p14="http://schemas.microsoft.com/office/powerpoint/2010/main" Requires="p14">
+      <mc:AlternateContent xmlns:mc="http://schemas.openxmlformats.org/markup-compatibility/2006" xmlns:p14="http://schemas.microsoft.com/office/powerpoint/2010/main">
+        <mc:Choice Requires="p14">
           <p:contentPart p14:bwMode="auto" r:id="rId88">
             <p14:nvContentPartPr>
               <p14:cNvPr id="49" name="Ink 48">
@@ -20167,7 +20168,7 @@
             </p14:xfrm>
           </p:contentPart>
         </mc:Choice>
-        <mc:Fallback>
+        <mc:Fallback xmlns="">
           <p:pic>
             <p:nvPicPr>
               <p:cNvPr id="49" name="Ink 48">
@@ -20198,8 +20199,8 @@
           </p:pic>
         </mc:Fallback>
       </mc:AlternateContent>
-      <mc:AlternateContent xmlns:mc="http://schemas.openxmlformats.org/markup-compatibility/2006">
-        <mc:Choice xmlns:p14="http://schemas.microsoft.com/office/powerpoint/2010/main" Requires="p14">
+      <mc:AlternateContent xmlns:mc="http://schemas.openxmlformats.org/markup-compatibility/2006" xmlns:p14="http://schemas.microsoft.com/office/powerpoint/2010/main">
+        <mc:Choice Requires="p14">
           <p:contentPart p14:bwMode="auto" r:id="rId90">
             <p14:nvContentPartPr>
               <p14:cNvPr id="50" name="Ink 49">
@@ -20218,7 +20219,7 @@
             </p14:xfrm>
           </p:contentPart>
         </mc:Choice>
-        <mc:Fallback>
+        <mc:Fallback xmlns="">
           <p:pic>
             <p:nvPicPr>
               <p:cNvPr id="50" name="Ink 49">
@@ -20249,8 +20250,8 @@
           </p:pic>
         </mc:Fallback>
       </mc:AlternateContent>
-      <mc:AlternateContent xmlns:mc="http://schemas.openxmlformats.org/markup-compatibility/2006">
-        <mc:Choice xmlns:p14="http://schemas.microsoft.com/office/powerpoint/2010/main" Requires="p14">
+      <mc:AlternateContent xmlns:mc="http://schemas.openxmlformats.org/markup-compatibility/2006" xmlns:p14="http://schemas.microsoft.com/office/powerpoint/2010/main">
+        <mc:Choice Requires="p14">
           <p:contentPart p14:bwMode="auto" r:id="rId92">
             <p14:nvContentPartPr>
               <p14:cNvPr id="51" name="Ink 50">
@@ -20269,7 +20270,7 @@
             </p14:xfrm>
           </p:contentPart>
         </mc:Choice>
-        <mc:Fallback>
+        <mc:Fallback xmlns="">
           <p:pic>
             <p:nvPicPr>
               <p:cNvPr id="51" name="Ink 50">
@@ -20300,8 +20301,8 @@
           </p:pic>
         </mc:Fallback>
       </mc:AlternateContent>
-      <mc:AlternateContent xmlns:mc="http://schemas.openxmlformats.org/markup-compatibility/2006">
-        <mc:Choice xmlns:p14="http://schemas.microsoft.com/office/powerpoint/2010/main" Requires="p14">
+      <mc:AlternateContent xmlns:mc="http://schemas.openxmlformats.org/markup-compatibility/2006" xmlns:p14="http://schemas.microsoft.com/office/powerpoint/2010/main">
+        <mc:Choice Requires="p14">
           <p:contentPart p14:bwMode="auto" r:id="rId94">
             <p14:nvContentPartPr>
               <p14:cNvPr id="52" name="Ink 51">
@@ -20320,7 +20321,7 @@
             </p14:xfrm>
           </p:contentPart>
         </mc:Choice>
-        <mc:Fallback>
+        <mc:Fallback xmlns="">
           <p:pic>
             <p:nvPicPr>
               <p:cNvPr id="52" name="Ink 51">
@@ -20351,8 +20352,8 @@
           </p:pic>
         </mc:Fallback>
       </mc:AlternateContent>
-      <mc:AlternateContent xmlns:mc="http://schemas.openxmlformats.org/markup-compatibility/2006">
-        <mc:Choice xmlns:p14="http://schemas.microsoft.com/office/powerpoint/2010/main" Requires="p14">
+      <mc:AlternateContent xmlns:mc="http://schemas.openxmlformats.org/markup-compatibility/2006" xmlns:p14="http://schemas.microsoft.com/office/powerpoint/2010/main">
+        <mc:Choice Requires="p14">
           <p:contentPart p14:bwMode="auto" r:id="rId96">
             <p14:nvContentPartPr>
               <p14:cNvPr id="53" name="Ink 52">
@@ -20371,7 +20372,7 @@
             </p14:xfrm>
           </p:contentPart>
         </mc:Choice>
-        <mc:Fallback>
+        <mc:Fallback xmlns="">
           <p:pic>
             <p:nvPicPr>
               <p:cNvPr id="53" name="Ink 52">
@@ -20402,8 +20403,8 @@
           </p:pic>
         </mc:Fallback>
       </mc:AlternateContent>
-      <mc:AlternateContent xmlns:mc="http://schemas.openxmlformats.org/markup-compatibility/2006">
-        <mc:Choice xmlns:p14="http://schemas.microsoft.com/office/powerpoint/2010/main" Requires="p14">
+      <mc:AlternateContent xmlns:mc="http://schemas.openxmlformats.org/markup-compatibility/2006" xmlns:p14="http://schemas.microsoft.com/office/powerpoint/2010/main">
+        <mc:Choice Requires="p14">
           <p:contentPart p14:bwMode="auto" r:id="rId98">
             <p14:nvContentPartPr>
               <p14:cNvPr id="54" name="Ink 53">
@@ -20422,7 +20423,7 @@
             </p14:xfrm>
           </p:contentPart>
         </mc:Choice>
-        <mc:Fallback>
+        <mc:Fallback xmlns="">
           <p:pic>
             <p:nvPicPr>
               <p:cNvPr id="54" name="Ink 53">
@@ -20453,8 +20454,8 @@
           </p:pic>
         </mc:Fallback>
       </mc:AlternateContent>
-      <mc:AlternateContent xmlns:mc="http://schemas.openxmlformats.org/markup-compatibility/2006">
-        <mc:Choice xmlns:p14="http://schemas.microsoft.com/office/powerpoint/2010/main" Requires="p14">
+      <mc:AlternateContent xmlns:mc="http://schemas.openxmlformats.org/markup-compatibility/2006" xmlns:p14="http://schemas.microsoft.com/office/powerpoint/2010/main">
+        <mc:Choice Requires="p14">
           <p:contentPart p14:bwMode="auto" r:id="rId100">
             <p14:nvContentPartPr>
               <p14:cNvPr id="55" name="Ink 54">
@@ -20473,7 +20474,7 @@
             </p14:xfrm>
           </p:contentPart>
         </mc:Choice>
-        <mc:Fallback>
+        <mc:Fallback xmlns="">
           <p:pic>
             <p:nvPicPr>
               <p:cNvPr id="55" name="Ink 54">
@@ -20504,8 +20505,8 @@
           </p:pic>
         </mc:Fallback>
       </mc:AlternateContent>
-      <mc:AlternateContent xmlns:mc="http://schemas.openxmlformats.org/markup-compatibility/2006">
-        <mc:Choice xmlns:p14="http://schemas.microsoft.com/office/powerpoint/2010/main" Requires="p14">
+      <mc:AlternateContent xmlns:mc="http://schemas.openxmlformats.org/markup-compatibility/2006" xmlns:p14="http://schemas.microsoft.com/office/powerpoint/2010/main">
+        <mc:Choice Requires="p14">
           <p:contentPart p14:bwMode="auto" r:id="rId102">
             <p14:nvContentPartPr>
               <p14:cNvPr id="59" name="Ink 58">
@@ -20524,7 +20525,7 @@
             </p14:xfrm>
           </p:contentPart>
         </mc:Choice>
-        <mc:Fallback>
+        <mc:Fallback xmlns="">
           <p:pic>
             <p:nvPicPr>
               <p:cNvPr id="59" name="Ink 58">
@@ -20555,8 +20556,8 @@
           </p:pic>
         </mc:Fallback>
       </mc:AlternateContent>
-      <mc:AlternateContent xmlns:mc="http://schemas.openxmlformats.org/markup-compatibility/2006">
-        <mc:Choice xmlns:p14="http://schemas.microsoft.com/office/powerpoint/2010/main" Requires="p14">
+      <mc:AlternateContent xmlns:mc="http://schemas.openxmlformats.org/markup-compatibility/2006" xmlns:p14="http://schemas.microsoft.com/office/powerpoint/2010/main">
+        <mc:Choice Requires="p14">
           <p:contentPart p14:bwMode="auto" r:id="rId104">
             <p14:nvContentPartPr>
               <p14:cNvPr id="60" name="Ink 59">
@@ -20575,7 +20576,7 @@
             </p14:xfrm>
           </p:contentPart>
         </mc:Choice>
-        <mc:Fallback>
+        <mc:Fallback xmlns="">
           <p:pic>
             <p:nvPicPr>
               <p:cNvPr id="60" name="Ink 59">
@@ -20606,8 +20607,8 @@
           </p:pic>
         </mc:Fallback>
       </mc:AlternateContent>
-      <mc:AlternateContent xmlns:mc="http://schemas.openxmlformats.org/markup-compatibility/2006">
-        <mc:Choice xmlns:p14="http://schemas.microsoft.com/office/powerpoint/2010/main" Requires="p14">
+      <mc:AlternateContent xmlns:mc="http://schemas.openxmlformats.org/markup-compatibility/2006" xmlns:p14="http://schemas.microsoft.com/office/powerpoint/2010/main">
+        <mc:Choice Requires="p14">
           <p:contentPart p14:bwMode="auto" r:id="rId106">
             <p14:nvContentPartPr>
               <p14:cNvPr id="61" name="Ink 60">
@@ -20626,7 +20627,7 @@
             </p14:xfrm>
           </p:contentPart>
         </mc:Choice>
-        <mc:Fallback>
+        <mc:Fallback xmlns="">
           <p:pic>
             <p:nvPicPr>
               <p:cNvPr id="61" name="Ink 60">
@@ -20657,8 +20658,8 @@
           </p:pic>
         </mc:Fallback>
       </mc:AlternateContent>
-      <mc:AlternateContent xmlns:mc="http://schemas.openxmlformats.org/markup-compatibility/2006">
-        <mc:Choice xmlns:p14="http://schemas.microsoft.com/office/powerpoint/2010/main" Requires="p14">
+      <mc:AlternateContent xmlns:mc="http://schemas.openxmlformats.org/markup-compatibility/2006" xmlns:p14="http://schemas.microsoft.com/office/powerpoint/2010/main">
+        <mc:Choice Requires="p14">
           <p:contentPart p14:bwMode="auto" r:id="rId108">
             <p14:nvContentPartPr>
               <p14:cNvPr id="62" name="Ink 61">
@@ -20677,7 +20678,7 @@
             </p14:xfrm>
           </p:contentPart>
         </mc:Choice>
-        <mc:Fallback>
+        <mc:Fallback xmlns="">
           <p:pic>
             <p:nvPicPr>
               <p:cNvPr id="62" name="Ink 61">
@@ -20708,8 +20709,8 @@
           </p:pic>
         </mc:Fallback>
       </mc:AlternateContent>
-      <mc:AlternateContent xmlns:mc="http://schemas.openxmlformats.org/markup-compatibility/2006">
-        <mc:Choice xmlns:p14="http://schemas.microsoft.com/office/powerpoint/2010/main" Requires="p14">
+      <mc:AlternateContent xmlns:mc="http://schemas.openxmlformats.org/markup-compatibility/2006" xmlns:p14="http://schemas.microsoft.com/office/powerpoint/2010/main">
+        <mc:Choice Requires="p14">
           <p:contentPart p14:bwMode="auto" r:id="rId110">
             <p14:nvContentPartPr>
               <p14:cNvPr id="63" name="Ink 62">
@@ -20728,7 +20729,7 @@
             </p14:xfrm>
           </p:contentPart>
         </mc:Choice>
-        <mc:Fallback>
+        <mc:Fallback xmlns="">
           <p:pic>
             <p:nvPicPr>
               <p:cNvPr id="63" name="Ink 62">
@@ -20759,8 +20760,8 @@
           </p:pic>
         </mc:Fallback>
       </mc:AlternateContent>
-      <mc:AlternateContent xmlns:mc="http://schemas.openxmlformats.org/markup-compatibility/2006">
-        <mc:Choice xmlns:p14="http://schemas.microsoft.com/office/powerpoint/2010/main" Requires="p14">
+      <mc:AlternateContent xmlns:mc="http://schemas.openxmlformats.org/markup-compatibility/2006" xmlns:p14="http://schemas.microsoft.com/office/powerpoint/2010/main">
+        <mc:Choice Requires="p14">
           <p:contentPart p14:bwMode="auto" r:id="rId112">
             <p14:nvContentPartPr>
               <p14:cNvPr id="64" name="Ink 63">
@@ -20779,7 +20780,7 @@
             </p14:xfrm>
           </p:contentPart>
         </mc:Choice>
-        <mc:Fallback>
+        <mc:Fallback xmlns="">
           <p:pic>
             <p:nvPicPr>
               <p:cNvPr id="64" name="Ink 63">
@@ -20810,8 +20811,8 @@
           </p:pic>
         </mc:Fallback>
       </mc:AlternateContent>
-      <mc:AlternateContent xmlns:mc="http://schemas.openxmlformats.org/markup-compatibility/2006">
-        <mc:Choice xmlns:p14="http://schemas.microsoft.com/office/powerpoint/2010/main" Requires="p14">
+      <mc:AlternateContent xmlns:mc="http://schemas.openxmlformats.org/markup-compatibility/2006" xmlns:p14="http://schemas.microsoft.com/office/powerpoint/2010/main">
+        <mc:Choice Requires="p14">
           <p:contentPart p14:bwMode="auto" r:id="rId114">
             <p14:nvContentPartPr>
               <p14:cNvPr id="80" name="Ink 79">
@@ -20830,7 +20831,7 @@
             </p14:xfrm>
           </p:contentPart>
         </mc:Choice>
-        <mc:Fallback>
+        <mc:Fallback xmlns="">
           <p:pic>
             <p:nvPicPr>
               <p:cNvPr id="80" name="Ink 79">
@@ -20861,8 +20862,8 @@
           </p:pic>
         </mc:Fallback>
       </mc:AlternateContent>
-      <mc:AlternateContent xmlns:mc="http://schemas.openxmlformats.org/markup-compatibility/2006">
-        <mc:Choice xmlns:p14="http://schemas.microsoft.com/office/powerpoint/2010/main" Requires="p14">
+      <mc:AlternateContent xmlns:mc="http://schemas.openxmlformats.org/markup-compatibility/2006" xmlns:p14="http://schemas.microsoft.com/office/powerpoint/2010/main">
+        <mc:Choice Requires="p14">
           <p:contentPart p14:bwMode="auto" r:id="rId116">
             <p14:nvContentPartPr>
               <p14:cNvPr id="81" name="Ink 80">
@@ -20881,7 +20882,7 @@
             </p14:xfrm>
           </p:contentPart>
         </mc:Choice>
-        <mc:Fallback>
+        <mc:Fallback xmlns="">
           <p:pic>
             <p:nvPicPr>
               <p:cNvPr id="81" name="Ink 80">
@@ -20912,8 +20913,8 @@
           </p:pic>
         </mc:Fallback>
       </mc:AlternateContent>
-      <mc:AlternateContent xmlns:mc="http://schemas.openxmlformats.org/markup-compatibility/2006">
-        <mc:Choice xmlns:p14="http://schemas.microsoft.com/office/powerpoint/2010/main" Requires="p14">
+      <mc:AlternateContent xmlns:mc="http://schemas.openxmlformats.org/markup-compatibility/2006" xmlns:p14="http://schemas.microsoft.com/office/powerpoint/2010/main">
+        <mc:Choice Requires="p14">
           <p:contentPart p14:bwMode="auto" r:id="rId118">
             <p14:nvContentPartPr>
               <p14:cNvPr id="82" name="Ink 81">
@@ -20932,7 +20933,7 @@
             </p14:xfrm>
           </p:contentPart>
         </mc:Choice>
-        <mc:Fallback>
+        <mc:Fallback xmlns="">
           <p:pic>
             <p:nvPicPr>
               <p:cNvPr id="82" name="Ink 81">
@@ -20963,8 +20964,8 @@
           </p:pic>
         </mc:Fallback>
       </mc:AlternateContent>
-      <mc:AlternateContent xmlns:mc="http://schemas.openxmlformats.org/markup-compatibility/2006">
-        <mc:Choice xmlns:p14="http://schemas.microsoft.com/office/powerpoint/2010/main" Requires="p14">
+      <mc:AlternateContent xmlns:mc="http://schemas.openxmlformats.org/markup-compatibility/2006" xmlns:p14="http://schemas.microsoft.com/office/powerpoint/2010/main">
+        <mc:Choice Requires="p14">
           <p:contentPart p14:bwMode="auto" r:id="rId120">
             <p14:nvContentPartPr>
               <p14:cNvPr id="83" name="Ink 82">
@@ -20983,7 +20984,7 @@
             </p14:xfrm>
           </p:contentPart>
         </mc:Choice>
-        <mc:Fallback>
+        <mc:Fallback xmlns="">
           <p:pic>
             <p:nvPicPr>
               <p:cNvPr id="83" name="Ink 82">
@@ -21014,8 +21015,8 @@
           </p:pic>
         </mc:Fallback>
       </mc:AlternateContent>
-      <mc:AlternateContent xmlns:mc="http://schemas.openxmlformats.org/markup-compatibility/2006">
-        <mc:Choice xmlns:p14="http://schemas.microsoft.com/office/powerpoint/2010/main" Requires="p14">
+      <mc:AlternateContent xmlns:mc="http://schemas.openxmlformats.org/markup-compatibility/2006" xmlns:p14="http://schemas.microsoft.com/office/powerpoint/2010/main">
+        <mc:Choice Requires="p14">
           <p:contentPart p14:bwMode="auto" r:id="rId122">
             <p14:nvContentPartPr>
               <p14:cNvPr id="84" name="Ink 83">
@@ -21034,7 +21035,7 @@
             </p14:xfrm>
           </p:contentPart>
         </mc:Choice>
-        <mc:Fallback>
+        <mc:Fallback xmlns="">
           <p:pic>
             <p:nvPicPr>
               <p:cNvPr id="84" name="Ink 83">
@@ -21065,8 +21066,8 @@
           </p:pic>
         </mc:Fallback>
       </mc:AlternateContent>
-      <mc:AlternateContent xmlns:mc="http://schemas.openxmlformats.org/markup-compatibility/2006">
-        <mc:Choice xmlns:p14="http://schemas.microsoft.com/office/powerpoint/2010/main" Requires="p14">
+      <mc:AlternateContent xmlns:mc="http://schemas.openxmlformats.org/markup-compatibility/2006" xmlns:p14="http://schemas.microsoft.com/office/powerpoint/2010/main">
+        <mc:Choice Requires="p14">
           <p:contentPart p14:bwMode="auto" r:id="rId124">
             <p14:nvContentPartPr>
               <p14:cNvPr id="85" name="Ink 84">
@@ -21085,7 +21086,7 @@
             </p14:xfrm>
           </p:contentPart>
         </mc:Choice>
-        <mc:Fallback>
+        <mc:Fallback xmlns="">
           <p:pic>
             <p:nvPicPr>
               <p:cNvPr id="85" name="Ink 84">
@@ -21116,8 +21117,8 @@
           </p:pic>
         </mc:Fallback>
       </mc:AlternateContent>
-      <mc:AlternateContent xmlns:mc="http://schemas.openxmlformats.org/markup-compatibility/2006">
-        <mc:Choice xmlns:p14="http://schemas.microsoft.com/office/powerpoint/2010/main" Requires="p14">
+      <mc:AlternateContent xmlns:mc="http://schemas.openxmlformats.org/markup-compatibility/2006" xmlns:p14="http://schemas.microsoft.com/office/powerpoint/2010/main">
+        <mc:Choice Requires="p14">
           <p:contentPart p14:bwMode="auto" r:id="rId126">
             <p14:nvContentPartPr>
               <p14:cNvPr id="86" name="Ink 85">
@@ -21136,7 +21137,7 @@
             </p14:xfrm>
           </p:contentPart>
         </mc:Choice>
-        <mc:Fallback>
+        <mc:Fallback xmlns="">
           <p:pic>
             <p:nvPicPr>
               <p:cNvPr id="86" name="Ink 85">
@@ -21167,8 +21168,8 @@
           </p:pic>
         </mc:Fallback>
       </mc:AlternateContent>
-      <mc:AlternateContent xmlns:mc="http://schemas.openxmlformats.org/markup-compatibility/2006">
-        <mc:Choice xmlns:p14="http://schemas.microsoft.com/office/powerpoint/2010/main" Requires="p14">
+      <mc:AlternateContent xmlns:mc="http://schemas.openxmlformats.org/markup-compatibility/2006" xmlns:p14="http://schemas.microsoft.com/office/powerpoint/2010/main">
+        <mc:Choice Requires="p14">
           <p:contentPart p14:bwMode="auto" r:id="rId128">
             <p14:nvContentPartPr>
               <p14:cNvPr id="88" name="Ink 87">
@@ -21187,7 +21188,7 @@
             </p14:xfrm>
           </p:contentPart>
         </mc:Choice>
-        <mc:Fallback>
+        <mc:Fallback xmlns="">
           <p:pic>
             <p:nvPicPr>
               <p:cNvPr id="88" name="Ink 87">
@@ -21218,8 +21219,8 @@
           </p:pic>
         </mc:Fallback>
       </mc:AlternateContent>
-      <mc:AlternateContent xmlns:mc="http://schemas.openxmlformats.org/markup-compatibility/2006">
-        <mc:Choice xmlns:p14="http://schemas.microsoft.com/office/powerpoint/2010/main" Requires="p14">
+      <mc:AlternateContent xmlns:mc="http://schemas.openxmlformats.org/markup-compatibility/2006" xmlns:p14="http://schemas.microsoft.com/office/powerpoint/2010/main">
+        <mc:Choice Requires="p14">
           <p:contentPart p14:bwMode="auto" r:id="rId130">
             <p14:nvContentPartPr>
               <p14:cNvPr id="89" name="Ink 88">
@@ -21238,7 +21239,7 @@
             </p14:xfrm>
           </p:contentPart>
         </mc:Choice>
-        <mc:Fallback>
+        <mc:Fallback xmlns="">
           <p:pic>
             <p:nvPicPr>
               <p:cNvPr id="89" name="Ink 88">
@@ -21269,8 +21270,8 @@
           </p:pic>
         </mc:Fallback>
       </mc:AlternateContent>
-      <mc:AlternateContent xmlns:mc="http://schemas.openxmlformats.org/markup-compatibility/2006">
-        <mc:Choice xmlns:p14="http://schemas.microsoft.com/office/powerpoint/2010/main" Requires="p14">
+      <mc:AlternateContent xmlns:mc="http://schemas.openxmlformats.org/markup-compatibility/2006" xmlns:p14="http://schemas.microsoft.com/office/powerpoint/2010/main">
+        <mc:Choice Requires="p14">
           <p:contentPart p14:bwMode="auto" r:id="rId132">
             <p14:nvContentPartPr>
               <p14:cNvPr id="90" name="Ink 89">
@@ -21289,7 +21290,7 @@
             </p14:xfrm>
           </p:contentPart>
         </mc:Choice>
-        <mc:Fallback>
+        <mc:Fallback xmlns="">
           <p:pic>
             <p:nvPicPr>
               <p:cNvPr id="90" name="Ink 89">
@@ -21320,8 +21321,8 @@
           </p:pic>
         </mc:Fallback>
       </mc:AlternateContent>
-      <mc:AlternateContent xmlns:mc="http://schemas.openxmlformats.org/markup-compatibility/2006">
-        <mc:Choice xmlns:p14="http://schemas.microsoft.com/office/powerpoint/2010/main" Requires="p14">
+      <mc:AlternateContent xmlns:mc="http://schemas.openxmlformats.org/markup-compatibility/2006" xmlns:p14="http://schemas.microsoft.com/office/powerpoint/2010/main">
+        <mc:Choice Requires="p14">
           <p:contentPart p14:bwMode="auto" r:id="rId134">
             <p14:nvContentPartPr>
               <p14:cNvPr id="91" name="Ink 90">
@@ -21340,7 +21341,7 @@
             </p14:xfrm>
           </p:contentPart>
         </mc:Choice>
-        <mc:Fallback>
+        <mc:Fallback xmlns="">
           <p:pic>
             <p:nvPicPr>
               <p:cNvPr id="91" name="Ink 90">
@@ -21371,8 +21372,8 @@
           </p:pic>
         </mc:Fallback>
       </mc:AlternateContent>
-      <mc:AlternateContent xmlns:mc="http://schemas.openxmlformats.org/markup-compatibility/2006">
-        <mc:Choice xmlns:p14="http://schemas.microsoft.com/office/powerpoint/2010/main" Requires="p14">
+      <mc:AlternateContent xmlns:mc="http://schemas.openxmlformats.org/markup-compatibility/2006" xmlns:p14="http://schemas.microsoft.com/office/powerpoint/2010/main">
+        <mc:Choice Requires="p14">
           <p:contentPart p14:bwMode="auto" r:id="rId136">
             <p14:nvContentPartPr>
               <p14:cNvPr id="92" name="Ink 91">
@@ -21391,7 +21392,7 @@
             </p14:xfrm>
           </p:contentPart>
         </mc:Choice>
-        <mc:Fallback>
+        <mc:Fallback xmlns="">
           <p:pic>
             <p:nvPicPr>
               <p:cNvPr id="92" name="Ink 91">
@@ -21422,8 +21423,8 @@
           </p:pic>
         </mc:Fallback>
       </mc:AlternateContent>
-      <mc:AlternateContent xmlns:mc="http://schemas.openxmlformats.org/markup-compatibility/2006">
-        <mc:Choice xmlns:p14="http://schemas.microsoft.com/office/powerpoint/2010/main" Requires="p14">
+      <mc:AlternateContent xmlns:mc="http://schemas.openxmlformats.org/markup-compatibility/2006" xmlns:p14="http://schemas.microsoft.com/office/powerpoint/2010/main">
+        <mc:Choice Requires="p14">
           <p:contentPart p14:bwMode="auto" r:id="rId138">
             <p14:nvContentPartPr>
               <p14:cNvPr id="93" name="Ink 92">
@@ -21442,7 +21443,7 @@
             </p14:xfrm>
           </p:contentPart>
         </mc:Choice>
-        <mc:Fallback>
+        <mc:Fallback xmlns="">
           <p:pic>
             <p:nvPicPr>
               <p:cNvPr id="93" name="Ink 92">
@@ -21473,8 +21474,8 @@
           </p:pic>
         </mc:Fallback>
       </mc:AlternateContent>
-      <mc:AlternateContent xmlns:mc="http://schemas.openxmlformats.org/markup-compatibility/2006">
-        <mc:Choice xmlns:p14="http://schemas.microsoft.com/office/powerpoint/2010/main" Requires="p14">
+      <mc:AlternateContent xmlns:mc="http://schemas.openxmlformats.org/markup-compatibility/2006" xmlns:p14="http://schemas.microsoft.com/office/powerpoint/2010/main">
+        <mc:Choice Requires="p14">
           <p:contentPart p14:bwMode="auto" r:id="rId140">
             <p14:nvContentPartPr>
               <p14:cNvPr id="101" name="Ink 100">
@@ -21493,7 +21494,7 @@
             </p14:xfrm>
           </p:contentPart>
         </mc:Choice>
-        <mc:Fallback>
+        <mc:Fallback xmlns="">
           <p:pic>
             <p:nvPicPr>
               <p:cNvPr id="101" name="Ink 100">
@@ -21524,8 +21525,8 @@
           </p:pic>
         </mc:Fallback>
       </mc:AlternateContent>
-      <mc:AlternateContent xmlns:mc="http://schemas.openxmlformats.org/markup-compatibility/2006">
-        <mc:Choice xmlns:p14="http://schemas.microsoft.com/office/powerpoint/2010/main" Requires="p14">
+      <mc:AlternateContent xmlns:mc="http://schemas.openxmlformats.org/markup-compatibility/2006" xmlns:p14="http://schemas.microsoft.com/office/powerpoint/2010/main">
+        <mc:Choice Requires="p14">
           <p:contentPart p14:bwMode="auto" r:id="rId142">
             <p14:nvContentPartPr>
               <p14:cNvPr id="102" name="Ink 101">
@@ -21544,7 +21545,7 @@
             </p14:xfrm>
           </p:contentPart>
         </mc:Choice>
-        <mc:Fallback>
+        <mc:Fallback xmlns="">
           <p:pic>
             <p:nvPicPr>
               <p:cNvPr id="102" name="Ink 101">
@@ -21575,8 +21576,8 @@
           </p:pic>
         </mc:Fallback>
       </mc:AlternateContent>
-      <mc:AlternateContent xmlns:mc="http://schemas.openxmlformats.org/markup-compatibility/2006">
-        <mc:Choice xmlns:p14="http://schemas.microsoft.com/office/powerpoint/2010/main" Requires="p14">
+      <mc:AlternateContent xmlns:mc="http://schemas.openxmlformats.org/markup-compatibility/2006" xmlns:p14="http://schemas.microsoft.com/office/powerpoint/2010/main">
+        <mc:Choice Requires="p14">
           <p:contentPart p14:bwMode="auto" r:id="rId144">
             <p14:nvContentPartPr>
               <p14:cNvPr id="103" name="Ink 102">
@@ -21595,7 +21596,7 @@
             </p14:xfrm>
           </p:contentPart>
         </mc:Choice>
-        <mc:Fallback>
+        <mc:Fallback xmlns="">
           <p:pic>
             <p:nvPicPr>
               <p:cNvPr id="103" name="Ink 102">
@@ -21626,8 +21627,8 @@
           </p:pic>
         </mc:Fallback>
       </mc:AlternateContent>
-      <mc:AlternateContent xmlns:mc="http://schemas.openxmlformats.org/markup-compatibility/2006">
-        <mc:Choice xmlns:p14="http://schemas.microsoft.com/office/powerpoint/2010/main" Requires="p14">
+      <mc:AlternateContent xmlns:mc="http://schemas.openxmlformats.org/markup-compatibility/2006" xmlns:p14="http://schemas.microsoft.com/office/powerpoint/2010/main">
+        <mc:Choice Requires="p14">
           <p:contentPart p14:bwMode="auto" r:id="rId146">
             <p14:nvContentPartPr>
               <p14:cNvPr id="105" name="Ink 104">
@@ -21646,7 +21647,7 @@
             </p14:xfrm>
           </p:contentPart>
         </mc:Choice>
-        <mc:Fallback>
+        <mc:Fallback xmlns="">
           <p:pic>
             <p:nvPicPr>
               <p:cNvPr id="105" name="Ink 104">
@@ -21677,8 +21678,8 @@
           </p:pic>
         </mc:Fallback>
       </mc:AlternateContent>
-      <mc:AlternateContent xmlns:mc="http://schemas.openxmlformats.org/markup-compatibility/2006">
-        <mc:Choice xmlns:p14="http://schemas.microsoft.com/office/powerpoint/2010/main" Requires="p14">
+      <mc:AlternateContent xmlns:mc="http://schemas.openxmlformats.org/markup-compatibility/2006" xmlns:p14="http://schemas.microsoft.com/office/powerpoint/2010/main">
+        <mc:Choice Requires="p14">
           <p:contentPart p14:bwMode="auto" r:id="rId148">
             <p14:nvContentPartPr>
               <p14:cNvPr id="106" name="Ink 105">
@@ -21697,7 +21698,7 @@
             </p14:xfrm>
           </p:contentPart>
         </mc:Choice>
-        <mc:Fallback>
+        <mc:Fallback xmlns="">
           <p:pic>
             <p:nvPicPr>
               <p:cNvPr id="106" name="Ink 105">
@@ -21728,8 +21729,8 @@
           </p:pic>
         </mc:Fallback>
       </mc:AlternateContent>
-      <mc:AlternateContent xmlns:mc="http://schemas.openxmlformats.org/markup-compatibility/2006">
-        <mc:Choice xmlns:p14="http://schemas.microsoft.com/office/powerpoint/2010/main" Requires="p14">
+      <mc:AlternateContent xmlns:mc="http://schemas.openxmlformats.org/markup-compatibility/2006" xmlns:p14="http://schemas.microsoft.com/office/powerpoint/2010/main">
+        <mc:Choice Requires="p14">
           <p:contentPart p14:bwMode="auto" r:id="rId150">
             <p14:nvContentPartPr>
               <p14:cNvPr id="108" name="Ink 107">
@@ -21748,7 +21749,7 @@
             </p14:xfrm>
           </p:contentPart>
         </mc:Choice>
-        <mc:Fallback>
+        <mc:Fallback xmlns="">
           <p:pic>
             <p:nvPicPr>
               <p:cNvPr id="108" name="Ink 107">
@@ -21799,8 +21800,8 @@
             <a:chExt cx="1618920" cy="461160"/>
           </a:xfrm>
         </p:grpSpPr>
-        <mc:AlternateContent xmlns:mc="http://schemas.openxmlformats.org/markup-compatibility/2006">
-          <mc:Choice xmlns:p14="http://schemas.microsoft.com/office/powerpoint/2010/main" Requires="p14">
+        <mc:AlternateContent xmlns:mc="http://schemas.openxmlformats.org/markup-compatibility/2006" xmlns:p14="http://schemas.microsoft.com/office/powerpoint/2010/main">
+          <mc:Choice Requires="p14">
             <p:contentPart p14:bwMode="auto" r:id="rId152">
               <p14:nvContentPartPr>
                 <p14:cNvPr id="130" name="Ink 129">
@@ -21819,7 +21820,7 @@
               </p14:xfrm>
             </p:contentPart>
           </mc:Choice>
-          <mc:Fallback>
+          <mc:Fallback xmlns="">
             <p:pic>
               <p:nvPicPr>
                 <p:cNvPr id="130" name="Ink 129">
@@ -21850,8 +21851,8 @@
             </p:pic>
           </mc:Fallback>
         </mc:AlternateContent>
-        <mc:AlternateContent xmlns:mc="http://schemas.openxmlformats.org/markup-compatibility/2006">
-          <mc:Choice xmlns:p14="http://schemas.microsoft.com/office/powerpoint/2010/main" Requires="p14">
+        <mc:AlternateContent xmlns:mc="http://schemas.openxmlformats.org/markup-compatibility/2006" xmlns:p14="http://schemas.microsoft.com/office/powerpoint/2010/main">
+          <mc:Choice Requires="p14">
             <p:contentPart p14:bwMode="auto" r:id="rId154">
               <p14:nvContentPartPr>
                 <p14:cNvPr id="131" name="Ink 130">
@@ -21870,7 +21871,7 @@
               </p14:xfrm>
             </p:contentPart>
           </mc:Choice>
-          <mc:Fallback>
+          <mc:Fallback xmlns="">
             <p:pic>
               <p:nvPicPr>
                 <p:cNvPr id="131" name="Ink 130">
@@ -21901,8 +21902,8 @@
             </p:pic>
           </mc:Fallback>
         </mc:AlternateContent>
-        <mc:AlternateContent xmlns:mc="http://schemas.openxmlformats.org/markup-compatibility/2006">
-          <mc:Choice xmlns:p14="http://schemas.microsoft.com/office/powerpoint/2010/main" Requires="p14">
+        <mc:AlternateContent xmlns:mc="http://schemas.openxmlformats.org/markup-compatibility/2006" xmlns:p14="http://schemas.microsoft.com/office/powerpoint/2010/main">
+          <mc:Choice Requires="p14">
             <p:contentPart p14:bwMode="auto" r:id="rId156">
               <p14:nvContentPartPr>
                 <p14:cNvPr id="133" name="Ink 132">
@@ -21921,7 +21922,7 @@
               </p14:xfrm>
             </p:contentPart>
           </mc:Choice>
-          <mc:Fallback>
+          <mc:Fallback xmlns="">
             <p:pic>
               <p:nvPicPr>
                 <p:cNvPr id="133" name="Ink 132">
@@ -21952,8 +21953,8 @@
             </p:pic>
           </mc:Fallback>
         </mc:AlternateContent>
-        <mc:AlternateContent xmlns:mc="http://schemas.openxmlformats.org/markup-compatibility/2006">
-          <mc:Choice xmlns:p14="http://schemas.microsoft.com/office/powerpoint/2010/main" Requires="p14">
+        <mc:AlternateContent xmlns:mc="http://schemas.openxmlformats.org/markup-compatibility/2006" xmlns:p14="http://schemas.microsoft.com/office/powerpoint/2010/main">
+          <mc:Choice Requires="p14">
             <p:contentPart p14:bwMode="auto" r:id="rId158">
               <p14:nvContentPartPr>
                 <p14:cNvPr id="134" name="Ink 133">
@@ -21972,7 +21973,7 @@
               </p14:xfrm>
             </p:contentPart>
           </mc:Choice>
-          <mc:Fallback>
+          <mc:Fallback xmlns="">
             <p:pic>
               <p:nvPicPr>
                 <p:cNvPr id="134" name="Ink 133">
@@ -22003,8 +22004,8 @@
             </p:pic>
           </mc:Fallback>
         </mc:AlternateContent>
-        <mc:AlternateContent xmlns:mc="http://schemas.openxmlformats.org/markup-compatibility/2006">
-          <mc:Choice xmlns:p14="http://schemas.microsoft.com/office/powerpoint/2010/main" Requires="p14">
+        <mc:AlternateContent xmlns:mc="http://schemas.openxmlformats.org/markup-compatibility/2006" xmlns:p14="http://schemas.microsoft.com/office/powerpoint/2010/main">
+          <mc:Choice Requires="p14">
             <p:contentPart p14:bwMode="auto" r:id="rId160">
               <p14:nvContentPartPr>
                 <p14:cNvPr id="135" name="Ink 134">
@@ -22023,7 +22024,7 @@
               </p14:xfrm>
             </p:contentPart>
           </mc:Choice>
-          <mc:Fallback>
+          <mc:Fallback xmlns="">
             <p:pic>
               <p:nvPicPr>
                 <p:cNvPr id="135" name="Ink 134">
@@ -22054,8 +22055,8 @@
             </p:pic>
           </mc:Fallback>
         </mc:AlternateContent>
-        <mc:AlternateContent xmlns:mc="http://schemas.openxmlformats.org/markup-compatibility/2006">
-          <mc:Choice xmlns:p14="http://schemas.microsoft.com/office/powerpoint/2010/main" Requires="p14">
+        <mc:AlternateContent xmlns:mc="http://schemas.openxmlformats.org/markup-compatibility/2006" xmlns:p14="http://schemas.microsoft.com/office/powerpoint/2010/main">
+          <mc:Choice Requires="p14">
             <p:contentPart p14:bwMode="auto" r:id="rId162">
               <p14:nvContentPartPr>
                 <p14:cNvPr id="136" name="Ink 135">
@@ -22074,7 +22075,7 @@
               </p14:xfrm>
             </p:contentPart>
           </mc:Choice>
-          <mc:Fallback>
+          <mc:Fallback xmlns="">
             <p:pic>
               <p:nvPicPr>
                 <p:cNvPr id="136" name="Ink 135">
@@ -22105,8 +22106,8 @@
             </p:pic>
           </mc:Fallback>
         </mc:AlternateContent>
-        <mc:AlternateContent xmlns:mc="http://schemas.openxmlformats.org/markup-compatibility/2006">
-          <mc:Choice xmlns:p14="http://schemas.microsoft.com/office/powerpoint/2010/main" Requires="p14">
+        <mc:AlternateContent xmlns:mc="http://schemas.openxmlformats.org/markup-compatibility/2006" xmlns:p14="http://schemas.microsoft.com/office/powerpoint/2010/main">
+          <mc:Choice Requires="p14">
             <p:contentPart p14:bwMode="auto" r:id="rId164">
               <p14:nvContentPartPr>
                 <p14:cNvPr id="137" name="Ink 136">
@@ -22125,7 +22126,7 @@
               </p14:xfrm>
             </p:contentPart>
           </mc:Choice>
-          <mc:Fallback>
+          <mc:Fallback xmlns="">
             <p:pic>
               <p:nvPicPr>
                 <p:cNvPr id="137" name="Ink 136">
@@ -22156,8 +22157,8 @@
             </p:pic>
           </mc:Fallback>
         </mc:AlternateContent>
-        <mc:AlternateContent xmlns:mc="http://schemas.openxmlformats.org/markup-compatibility/2006">
-          <mc:Choice xmlns:p14="http://schemas.microsoft.com/office/powerpoint/2010/main" Requires="p14">
+        <mc:AlternateContent xmlns:mc="http://schemas.openxmlformats.org/markup-compatibility/2006" xmlns:p14="http://schemas.microsoft.com/office/powerpoint/2010/main">
+          <mc:Choice Requires="p14">
             <p:contentPart p14:bwMode="auto" r:id="rId166">
               <p14:nvContentPartPr>
                 <p14:cNvPr id="138" name="Ink 137">
@@ -22176,7 +22177,7 @@
               </p14:xfrm>
             </p:contentPart>
           </mc:Choice>
-          <mc:Fallback>
+          <mc:Fallback xmlns="">
             <p:pic>
               <p:nvPicPr>
                 <p:cNvPr id="138" name="Ink 137">
@@ -22207,8 +22208,8 @@
             </p:pic>
           </mc:Fallback>
         </mc:AlternateContent>
-        <mc:AlternateContent xmlns:mc="http://schemas.openxmlformats.org/markup-compatibility/2006">
-          <mc:Choice xmlns:p14="http://schemas.microsoft.com/office/powerpoint/2010/main" Requires="p14">
+        <mc:AlternateContent xmlns:mc="http://schemas.openxmlformats.org/markup-compatibility/2006" xmlns:p14="http://schemas.microsoft.com/office/powerpoint/2010/main">
+          <mc:Choice Requires="p14">
             <p:contentPart p14:bwMode="auto" r:id="rId168">
               <p14:nvContentPartPr>
                 <p14:cNvPr id="139" name="Ink 138">
@@ -22227,7 +22228,7 @@
               </p14:xfrm>
             </p:contentPart>
           </mc:Choice>
-          <mc:Fallback>
+          <mc:Fallback xmlns="">
             <p:pic>
               <p:nvPicPr>
                 <p:cNvPr id="139" name="Ink 138">
@@ -22258,8 +22259,8 @@
             </p:pic>
           </mc:Fallback>
         </mc:AlternateContent>
-        <mc:AlternateContent xmlns:mc="http://schemas.openxmlformats.org/markup-compatibility/2006">
-          <mc:Choice xmlns:p14="http://schemas.microsoft.com/office/powerpoint/2010/main" Requires="p14">
+        <mc:AlternateContent xmlns:mc="http://schemas.openxmlformats.org/markup-compatibility/2006" xmlns:p14="http://schemas.microsoft.com/office/powerpoint/2010/main">
+          <mc:Choice Requires="p14">
             <p:contentPart p14:bwMode="auto" r:id="rId170">
               <p14:nvContentPartPr>
                 <p14:cNvPr id="141" name="Ink 140">
@@ -22278,7 +22279,7 @@
               </p14:xfrm>
             </p:contentPart>
           </mc:Choice>
-          <mc:Fallback>
+          <mc:Fallback xmlns="">
             <p:pic>
               <p:nvPicPr>
                 <p:cNvPr id="141" name="Ink 140">
@@ -22309,8 +22310,8 @@
             </p:pic>
           </mc:Fallback>
         </mc:AlternateContent>
-        <mc:AlternateContent xmlns:mc="http://schemas.openxmlformats.org/markup-compatibility/2006">
-          <mc:Choice xmlns:p14="http://schemas.microsoft.com/office/powerpoint/2010/main" Requires="p14">
+        <mc:AlternateContent xmlns:mc="http://schemas.openxmlformats.org/markup-compatibility/2006" xmlns:p14="http://schemas.microsoft.com/office/powerpoint/2010/main">
+          <mc:Choice Requires="p14">
             <p:contentPart p14:bwMode="auto" r:id="rId172">
               <p14:nvContentPartPr>
                 <p14:cNvPr id="142" name="Ink 141">
@@ -22329,7 +22330,7 @@
               </p14:xfrm>
             </p:contentPart>
           </mc:Choice>
-          <mc:Fallback>
+          <mc:Fallback xmlns="">
             <p:pic>
               <p:nvPicPr>
                 <p:cNvPr id="142" name="Ink 141">
@@ -22360,8 +22361,8 @@
             </p:pic>
           </mc:Fallback>
         </mc:AlternateContent>
-        <mc:AlternateContent xmlns:mc="http://schemas.openxmlformats.org/markup-compatibility/2006">
-          <mc:Choice xmlns:p14="http://schemas.microsoft.com/office/powerpoint/2010/main" Requires="p14">
+        <mc:AlternateContent xmlns:mc="http://schemas.openxmlformats.org/markup-compatibility/2006" xmlns:p14="http://schemas.microsoft.com/office/powerpoint/2010/main">
+          <mc:Choice Requires="p14">
             <p:contentPart p14:bwMode="auto" r:id="rId174">
               <p14:nvContentPartPr>
                 <p14:cNvPr id="144" name="Ink 143">
@@ -22380,7 +22381,7 @@
               </p14:xfrm>
             </p:contentPart>
           </mc:Choice>
-          <mc:Fallback>
+          <mc:Fallback xmlns="">
             <p:pic>
               <p:nvPicPr>
                 <p:cNvPr id="144" name="Ink 143">
@@ -22411,8 +22412,8 @@
             </p:pic>
           </mc:Fallback>
         </mc:AlternateContent>
-        <mc:AlternateContent xmlns:mc="http://schemas.openxmlformats.org/markup-compatibility/2006">
-          <mc:Choice xmlns:p14="http://schemas.microsoft.com/office/powerpoint/2010/main" Requires="p14">
+        <mc:AlternateContent xmlns:mc="http://schemas.openxmlformats.org/markup-compatibility/2006" xmlns:p14="http://schemas.microsoft.com/office/powerpoint/2010/main">
+          <mc:Choice Requires="p14">
             <p:contentPart p14:bwMode="auto" r:id="rId176">
               <p14:nvContentPartPr>
                 <p14:cNvPr id="145" name="Ink 144">
@@ -22431,7 +22432,7 @@
               </p14:xfrm>
             </p:contentPart>
           </mc:Choice>
-          <mc:Fallback>
+          <mc:Fallback xmlns="">
             <p:pic>
               <p:nvPicPr>
                 <p:cNvPr id="145" name="Ink 144">
@@ -22483,8 +22484,8 @@
             <a:chExt cx="2715480" cy="1567800"/>
           </a:xfrm>
         </p:grpSpPr>
-        <mc:AlternateContent xmlns:mc="http://schemas.openxmlformats.org/markup-compatibility/2006">
-          <mc:Choice xmlns:p14="http://schemas.microsoft.com/office/powerpoint/2010/main" Requires="p14">
+        <mc:AlternateContent xmlns:mc="http://schemas.openxmlformats.org/markup-compatibility/2006" xmlns:p14="http://schemas.microsoft.com/office/powerpoint/2010/main">
+          <mc:Choice Requires="p14">
             <p:contentPart p14:bwMode="auto" r:id="rId178">
               <p14:nvContentPartPr>
                 <p14:cNvPr id="30" name="Ink 29">
@@ -22503,7 +22504,7 @@
               </p14:xfrm>
             </p:contentPart>
           </mc:Choice>
-          <mc:Fallback>
+          <mc:Fallback xmlns="">
             <p:pic>
               <p:nvPicPr>
                 <p:cNvPr id="30" name="Ink 29">
@@ -22534,8 +22535,8 @@
             </p:pic>
           </mc:Fallback>
         </mc:AlternateContent>
-        <mc:AlternateContent xmlns:mc="http://schemas.openxmlformats.org/markup-compatibility/2006">
-          <mc:Choice xmlns:p14="http://schemas.microsoft.com/office/powerpoint/2010/main" Requires="p14">
+        <mc:AlternateContent xmlns:mc="http://schemas.openxmlformats.org/markup-compatibility/2006" xmlns:p14="http://schemas.microsoft.com/office/powerpoint/2010/main">
+          <mc:Choice Requires="p14">
             <p:contentPart p14:bwMode="auto" r:id="rId180">
               <p14:nvContentPartPr>
                 <p14:cNvPr id="72" name="Ink 71">
@@ -22554,7 +22555,7 @@
               </p14:xfrm>
             </p:contentPart>
           </mc:Choice>
-          <mc:Fallback>
+          <mc:Fallback xmlns="">
             <p:pic>
               <p:nvPicPr>
                 <p:cNvPr id="72" name="Ink 71">
@@ -22585,8 +22586,8 @@
             </p:pic>
           </mc:Fallback>
         </mc:AlternateContent>
-        <mc:AlternateContent xmlns:mc="http://schemas.openxmlformats.org/markup-compatibility/2006">
-          <mc:Choice xmlns:p14="http://schemas.microsoft.com/office/powerpoint/2010/main" Requires="p14">
+        <mc:AlternateContent xmlns:mc="http://schemas.openxmlformats.org/markup-compatibility/2006" xmlns:p14="http://schemas.microsoft.com/office/powerpoint/2010/main">
+          <mc:Choice Requires="p14">
             <p:contentPart p14:bwMode="auto" r:id="rId182">
               <p14:nvContentPartPr>
                 <p14:cNvPr id="68" name="Ink 67">
@@ -22605,7 +22606,7 @@
               </p14:xfrm>
             </p:contentPart>
           </mc:Choice>
-          <mc:Fallback>
+          <mc:Fallback xmlns="">
             <p:pic>
               <p:nvPicPr>
                 <p:cNvPr id="68" name="Ink 67">
@@ -22636,8 +22637,8 @@
             </p:pic>
           </mc:Fallback>
         </mc:AlternateContent>
-        <mc:AlternateContent xmlns:mc="http://schemas.openxmlformats.org/markup-compatibility/2006">
-          <mc:Choice xmlns:p14="http://schemas.microsoft.com/office/powerpoint/2010/main" Requires="p14">
+        <mc:AlternateContent xmlns:mc="http://schemas.openxmlformats.org/markup-compatibility/2006" xmlns:p14="http://schemas.microsoft.com/office/powerpoint/2010/main">
+          <mc:Choice Requires="p14">
             <p:contentPart p14:bwMode="auto" r:id="rId184">
               <p14:nvContentPartPr>
                 <p14:cNvPr id="69" name="Ink 68">
@@ -22656,7 +22657,7 @@
               </p14:xfrm>
             </p:contentPart>
           </mc:Choice>
-          <mc:Fallback>
+          <mc:Fallback xmlns="">
             <p:pic>
               <p:nvPicPr>
                 <p:cNvPr id="69" name="Ink 68">
@@ -22687,8 +22688,8 @@
             </p:pic>
           </mc:Fallback>
         </mc:AlternateContent>
-        <mc:AlternateContent xmlns:mc="http://schemas.openxmlformats.org/markup-compatibility/2006">
-          <mc:Choice xmlns:p14="http://schemas.microsoft.com/office/powerpoint/2010/main" Requires="p14">
+        <mc:AlternateContent xmlns:mc="http://schemas.openxmlformats.org/markup-compatibility/2006" xmlns:p14="http://schemas.microsoft.com/office/powerpoint/2010/main">
+          <mc:Choice Requires="p14">
             <p:contentPart p14:bwMode="auto" r:id="rId186">
               <p14:nvContentPartPr>
                 <p14:cNvPr id="98" name="Ink 97">
@@ -22707,7 +22708,7 @@
               </p14:xfrm>
             </p:contentPart>
           </mc:Choice>
-          <mc:Fallback>
+          <mc:Fallback xmlns="">
             <p:pic>
               <p:nvPicPr>
                 <p:cNvPr id="98" name="Ink 97">
@@ -22738,8 +22739,8 @@
             </p:pic>
           </mc:Fallback>
         </mc:AlternateContent>
-        <mc:AlternateContent xmlns:mc="http://schemas.openxmlformats.org/markup-compatibility/2006">
-          <mc:Choice xmlns:p14="http://schemas.microsoft.com/office/powerpoint/2010/main" Requires="p14">
+        <mc:AlternateContent xmlns:mc="http://schemas.openxmlformats.org/markup-compatibility/2006" xmlns:p14="http://schemas.microsoft.com/office/powerpoint/2010/main">
+          <mc:Choice Requires="p14">
             <p:contentPart p14:bwMode="auto" r:id="rId188">
               <p14:nvContentPartPr>
                 <p14:cNvPr id="99" name="Ink 98">
@@ -22758,7 +22759,7 @@
               </p14:xfrm>
             </p:contentPart>
           </mc:Choice>
-          <mc:Fallback>
+          <mc:Fallback xmlns="">
             <p:pic>
               <p:nvPicPr>
                 <p:cNvPr id="99" name="Ink 98">
@@ -22789,8 +22790,8 @@
             </p:pic>
           </mc:Fallback>
         </mc:AlternateContent>
-        <mc:AlternateContent xmlns:mc="http://schemas.openxmlformats.org/markup-compatibility/2006">
-          <mc:Choice xmlns:p14="http://schemas.microsoft.com/office/powerpoint/2010/main" Requires="p14">
+        <mc:AlternateContent xmlns:mc="http://schemas.openxmlformats.org/markup-compatibility/2006" xmlns:p14="http://schemas.microsoft.com/office/powerpoint/2010/main">
+          <mc:Choice Requires="p14">
             <p:contentPart p14:bwMode="auto" r:id="rId190">
               <p14:nvContentPartPr>
                 <p14:cNvPr id="27" name="Ink 26">
@@ -22809,7 +22810,7 @@
               </p14:xfrm>
             </p:contentPart>
           </mc:Choice>
-          <mc:Fallback>
+          <mc:Fallback xmlns="">
             <p:pic>
               <p:nvPicPr>
                 <p:cNvPr id="27" name="Ink 26">
@@ -22840,8 +22841,8 @@
             </p:pic>
           </mc:Fallback>
         </mc:AlternateContent>
-        <mc:AlternateContent xmlns:mc="http://schemas.openxmlformats.org/markup-compatibility/2006">
-          <mc:Choice xmlns:p14="http://schemas.microsoft.com/office/powerpoint/2010/main" Requires="p14">
+        <mc:AlternateContent xmlns:mc="http://schemas.openxmlformats.org/markup-compatibility/2006" xmlns:p14="http://schemas.microsoft.com/office/powerpoint/2010/main">
+          <mc:Choice Requires="p14">
             <p:contentPart p14:bwMode="auto" r:id="rId192">
               <p14:nvContentPartPr>
                 <p14:cNvPr id="28" name="Ink 27">
@@ -22860,7 +22861,7 @@
               </p14:xfrm>
             </p:contentPart>
           </mc:Choice>
-          <mc:Fallback>
+          <mc:Fallback xmlns="">
             <p:pic>
               <p:nvPicPr>
                 <p:cNvPr id="28" name="Ink 27">
@@ -22891,8 +22892,8 @@
             </p:pic>
           </mc:Fallback>
         </mc:AlternateContent>
-        <mc:AlternateContent xmlns:mc="http://schemas.openxmlformats.org/markup-compatibility/2006">
-          <mc:Choice xmlns:p14="http://schemas.microsoft.com/office/powerpoint/2010/main" Requires="p14">
+        <mc:AlternateContent xmlns:mc="http://schemas.openxmlformats.org/markup-compatibility/2006" xmlns:p14="http://schemas.microsoft.com/office/powerpoint/2010/main">
+          <mc:Choice Requires="p14">
             <p:contentPart p14:bwMode="auto" r:id="rId194">
               <p14:nvContentPartPr>
                 <p14:cNvPr id="29" name="Ink 28">
@@ -22911,7 +22912,7 @@
               </p14:xfrm>
             </p:contentPart>
           </mc:Choice>
-          <mc:Fallback>
+          <mc:Fallback xmlns="">
             <p:pic>
               <p:nvPicPr>
                 <p:cNvPr id="29" name="Ink 28">
@@ -22942,8 +22943,8 @@
             </p:pic>
           </mc:Fallback>
         </mc:AlternateContent>
-        <mc:AlternateContent xmlns:mc="http://schemas.openxmlformats.org/markup-compatibility/2006">
-          <mc:Choice xmlns:p14="http://schemas.microsoft.com/office/powerpoint/2010/main" Requires="p14">
+        <mc:AlternateContent xmlns:mc="http://schemas.openxmlformats.org/markup-compatibility/2006" xmlns:p14="http://schemas.microsoft.com/office/powerpoint/2010/main">
+          <mc:Choice Requires="p14">
             <p:contentPart p14:bwMode="auto" r:id="rId196">
               <p14:nvContentPartPr>
                 <p14:cNvPr id="66" name="Ink 65">
@@ -22962,7 +22963,7 @@
               </p14:xfrm>
             </p:contentPart>
           </mc:Choice>
-          <mc:Fallback>
+          <mc:Fallback xmlns="">
             <p:pic>
               <p:nvPicPr>
                 <p:cNvPr id="66" name="Ink 65">
@@ -22993,8 +22994,8 @@
             </p:pic>
           </mc:Fallback>
         </mc:AlternateContent>
-        <mc:AlternateContent xmlns:mc="http://schemas.openxmlformats.org/markup-compatibility/2006">
-          <mc:Choice xmlns:p14="http://schemas.microsoft.com/office/powerpoint/2010/main" Requires="p14">
+        <mc:AlternateContent xmlns:mc="http://schemas.openxmlformats.org/markup-compatibility/2006" xmlns:p14="http://schemas.microsoft.com/office/powerpoint/2010/main">
+          <mc:Choice Requires="p14">
             <p:contentPart p14:bwMode="auto" r:id="rId198">
               <p14:nvContentPartPr>
                 <p14:cNvPr id="67" name="Ink 66">
@@ -23013,7 +23014,7 @@
               </p14:xfrm>
             </p:contentPart>
           </mc:Choice>
-          <mc:Fallback>
+          <mc:Fallback xmlns="">
             <p:pic>
               <p:nvPicPr>
                 <p:cNvPr id="67" name="Ink 66">
@@ -23044,8 +23045,8 @@
             </p:pic>
           </mc:Fallback>
         </mc:AlternateContent>
-        <mc:AlternateContent xmlns:mc="http://schemas.openxmlformats.org/markup-compatibility/2006">
-          <mc:Choice xmlns:p14="http://schemas.microsoft.com/office/powerpoint/2010/main" Requires="p14">
+        <mc:AlternateContent xmlns:mc="http://schemas.openxmlformats.org/markup-compatibility/2006" xmlns:p14="http://schemas.microsoft.com/office/powerpoint/2010/main">
+          <mc:Choice Requires="p14">
             <p:contentPart p14:bwMode="auto" r:id="rId200">
               <p14:nvContentPartPr>
                 <p14:cNvPr id="95" name="Ink 94">
@@ -23064,7 +23065,7 @@
               </p14:xfrm>
             </p:contentPart>
           </mc:Choice>
-          <mc:Fallback>
+          <mc:Fallback xmlns="">
             <p:pic>
               <p:nvPicPr>
                 <p:cNvPr id="95" name="Ink 94">
@@ -23095,8 +23096,8 @@
             </p:pic>
           </mc:Fallback>
         </mc:AlternateContent>
-        <mc:AlternateContent xmlns:mc="http://schemas.openxmlformats.org/markup-compatibility/2006">
-          <mc:Choice xmlns:p14="http://schemas.microsoft.com/office/powerpoint/2010/main" Requires="p14">
+        <mc:AlternateContent xmlns:mc="http://schemas.openxmlformats.org/markup-compatibility/2006" xmlns:p14="http://schemas.microsoft.com/office/powerpoint/2010/main">
+          <mc:Choice Requires="p14">
             <p:contentPart p14:bwMode="auto" r:id="rId202">
               <p14:nvContentPartPr>
                 <p14:cNvPr id="96" name="Ink 95">
@@ -23115,7 +23116,7 @@
               </p14:xfrm>
             </p:contentPart>
           </mc:Choice>
-          <mc:Fallback>
+          <mc:Fallback xmlns="">
             <p:pic>
               <p:nvPicPr>
                 <p:cNvPr id="96" name="Ink 95">
@@ -23146,8 +23147,8 @@
             </p:pic>
           </mc:Fallback>
         </mc:AlternateContent>
-        <mc:AlternateContent xmlns:mc="http://schemas.openxmlformats.org/markup-compatibility/2006">
-          <mc:Choice xmlns:p14="http://schemas.microsoft.com/office/powerpoint/2010/main" Requires="p14">
+        <mc:AlternateContent xmlns:mc="http://schemas.openxmlformats.org/markup-compatibility/2006" xmlns:p14="http://schemas.microsoft.com/office/powerpoint/2010/main">
+          <mc:Choice Requires="p14">
             <p:contentPart p14:bwMode="auto" r:id="rId204">
               <p14:nvContentPartPr>
                 <p14:cNvPr id="110" name="Ink 109">
@@ -23166,7 +23167,7 @@
               </p14:xfrm>
             </p:contentPart>
           </mc:Choice>
-          <mc:Fallback>
+          <mc:Fallback xmlns="">
             <p:pic>
               <p:nvPicPr>
                 <p:cNvPr id="110" name="Ink 109">
@@ -23197,8 +23198,8 @@
             </p:pic>
           </mc:Fallback>
         </mc:AlternateContent>
-        <mc:AlternateContent xmlns:mc="http://schemas.openxmlformats.org/markup-compatibility/2006">
-          <mc:Choice xmlns:p14="http://schemas.microsoft.com/office/powerpoint/2010/main" Requires="p14">
+        <mc:AlternateContent xmlns:mc="http://schemas.openxmlformats.org/markup-compatibility/2006" xmlns:p14="http://schemas.microsoft.com/office/powerpoint/2010/main">
+          <mc:Choice Requires="p14">
             <p:contentPart p14:bwMode="auto" r:id="rId206">
               <p14:nvContentPartPr>
                 <p14:cNvPr id="111" name="Ink 110">
@@ -23217,7 +23218,7 @@
               </p14:xfrm>
             </p:contentPart>
           </mc:Choice>
-          <mc:Fallback>
+          <mc:Fallback xmlns="">
             <p:pic>
               <p:nvPicPr>
                 <p:cNvPr id="111" name="Ink 110">
@@ -23248,8 +23249,8 @@
             </p:pic>
           </mc:Fallback>
         </mc:AlternateContent>
-        <mc:AlternateContent xmlns:mc="http://schemas.openxmlformats.org/markup-compatibility/2006">
-          <mc:Choice xmlns:p14="http://schemas.microsoft.com/office/powerpoint/2010/main" Requires="p14">
+        <mc:AlternateContent xmlns:mc="http://schemas.openxmlformats.org/markup-compatibility/2006" xmlns:p14="http://schemas.microsoft.com/office/powerpoint/2010/main">
+          <mc:Choice Requires="p14">
             <p:contentPart p14:bwMode="auto" r:id="rId208">
               <p14:nvContentPartPr>
                 <p14:cNvPr id="113" name="Ink 112">
@@ -23268,7 +23269,7 @@
               </p14:xfrm>
             </p:contentPart>
           </mc:Choice>
-          <mc:Fallback>
+          <mc:Fallback xmlns="">
             <p:pic>
               <p:nvPicPr>
                 <p:cNvPr id="113" name="Ink 112">
@@ -23299,8 +23300,8 @@
             </p:pic>
           </mc:Fallback>
         </mc:AlternateContent>
-        <mc:AlternateContent xmlns:mc="http://schemas.openxmlformats.org/markup-compatibility/2006">
-          <mc:Choice xmlns:p14="http://schemas.microsoft.com/office/powerpoint/2010/main" Requires="p14">
+        <mc:AlternateContent xmlns:mc="http://schemas.openxmlformats.org/markup-compatibility/2006" xmlns:p14="http://schemas.microsoft.com/office/powerpoint/2010/main">
+          <mc:Choice Requires="p14">
             <p:contentPart p14:bwMode="auto" r:id="rId210">
               <p14:nvContentPartPr>
                 <p14:cNvPr id="114" name="Ink 113">
@@ -23319,7 +23320,7 @@
               </p14:xfrm>
             </p:contentPart>
           </mc:Choice>
-          <mc:Fallback>
+          <mc:Fallback xmlns="">
             <p:pic>
               <p:nvPicPr>
                 <p:cNvPr id="114" name="Ink 113">
@@ -23350,8 +23351,8 @@
             </p:pic>
           </mc:Fallback>
         </mc:AlternateContent>
-        <mc:AlternateContent xmlns:mc="http://schemas.openxmlformats.org/markup-compatibility/2006">
-          <mc:Choice xmlns:p14="http://schemas.microsoft.com/office/powerpoint/2010/main" Requires="p14">
+        <mc:AlternateContent xmlns:mc="http://schemas.openxmlformats.org/markup-compatibility/2006" xmlns:p14="http://schemas.microsoft.com/office/powerpoint/2010/main">
+          <mc:Choice Requires="p14">
             <p:contentPart p14:bwMode="auto" r:id="rId212">
               <p14:nvContentPartPr>
                 <p14:cNvPr id="115" name="Ink 114">
@@ -23370,7 +23371,7 @@
               </p14:xfrm>
             </p:contentPart>
           </mc:Choice>
-          <mc:Fallback>
+          <mc:Fallback xmlns="">
             <p:pic>
               <p:nvPicPr>
                 <p:cNvPr id="115" name="Ink 114">
@@ -23401,8 +23402,8 @@
             </p:pic>
           </mc:Fallback>
         </mc:AlternateContent>
-        <mc:AlternateContent xmlns:mc="http://schemas.openxmlformats.org/markup-compatibility/2006">
-          <mc:Choice xmlns:p14="http://schemas.microsoft.com/office/powerpoint/2010/main" Requires="p14">
+        <mc:AlternateContent xmlns:mc="http://schemas.openxmlformats.org/markup-compatibility/2006" xmlns:p14="http://schemas.microsoft.com/office/powerpoint/2010/main">
+          <mc:Choice Requires="p14">
             <p:contentPart p14:bwMode="auto" r:id="rId214">
               <p14:nvContentPartPr>
                 <p14:cNvPr id="116" name="Ink 115">
@@ -23421,7 +23422,7 @@
               </p14:xfrm>
             </p:contentPart>
           </mc:Choice>
-          <mc:Fallback>
+          <mc:Fallback xmlns="">
             <p:pic>
               <p:nvPicPr>
                 <p:cNvPr id="116" name="Ink 115">
@@ -23452,8 +23453,8 @@
             </p:pic>
           </mc:Fallback>
         </mc:AlternateContent>
-        <mc:AlternateContent xmlns:mc="http://schemas.openxmlformats.org/markup-compatibility/2006">
-          <mc:Choice xmlns:p14="http://schemas.microsoft.com/office/powerpoint/2010/main" Requires="p14">
+        <mc:AlternateContent xmlns:mc="http://schemas.openxmlformats.org/markup-compatibility/2006" xmlns:p14="http://schemas.microsoft.com/office/powerpoint/2010/main">
+          <mc:Choice Requires="p14">
             <p:contentPart p14:bwMode="auto" r:id="rId216">
               <p14:nvContentPartPr>
                 <p14:cNvPr id="118" name="Ink 117">
@@ -23472,7 +23473,7 @@
               </p14:xfrm>
             </p:contentPart>
           </mc:Choice>
-          <mc:Fallback>
+          <mc:Fallback xmlns="">
             <p:pic>
               <p:nvPicPr>
                 <p:cNvPr id="118" name="Ink 117">
@@ -23503,8 +23504,8 @@
             </p:pic>
           </mc:Fallback>
         </mc:AlternateContent>
-        <mc:AlternateContent xmlns:mc="http://schemas.openxmlformats.org/markup-compatibility/2006">
-          <mc:Choice xmlns:p14="http://schemas.microsoft.com/office/powerpoint/2010/main" Requires="p14">
+        <mc:AlternateContent xmlns:mc="http://schemas.openxmlformats.org/markup-compatibility/2006" xmlns:p14="http://schemas.microsoft.com/office/powerpoint/2010/main">
+          <mc:Choice Requires="p14">
             <p:contentPart p14:bwMode="auto" r:id="rId218">
               <p14:nvContentPartPr>
                 <p14:cNvPr id="119" name="Ink 118">
@@ -23523,7 +23524,7 @@
               </p14:xfrm>
             </p:contentPart>
           </mc:Choice>
-          <mc:Fallback>
+          <mc:Fallback xmlns="">
             <p:pic>
               <p:nvPicPr>
                 <p:cNvPr id="119" name="Ink 118">
@@ -23554,8 +23555,8 @@
             </p:pic>
           </mc:Fallback>
         </mc:AlternateContent>
-        <mc:AlternateContent xmlns:mc="http://schemas.openxmlformats.org/markup-compatibility/2006">
-          <mc:Choice xmlns:p14="http://schemas.microsoft.com/office/powerpoint/2010/main" Requires="p14">
+        <mc:AlternateContent xmlns:mc="http://schemas.openxmlformats.org/markup-compatibility/2006" xmlns:p14="http://schemas.microsoft.com/office/powerpoint/2010/main">
+          <mc:Choice Requires="p14">
             <p:contentPart p14:bwMode="auto" r:id="rId220">
               <p14:nvContentPartPr>
                 <p14:cNvPr id="120" name="Ink 119">
@@ -23574,7 +23575,7 @@
               </p14:xfrm>
             </p:contentPart>
           </mc:Choice>
-          <mc:Fallback>
+          <mc:Fallback xmlns="">
             <p:pic>
               <p:nvPicPr>
                 <p:cNvPr id="120" name="Ink 119">
@@ -23605,8 +23606,8 @@
             </p:pic>
           </mc:Fallback>
         </mc:AlternateContent>
-        <mc:AlternateContent xmlns:mc="http://schemas.openxmlformats.org/markup-compatibility/2006">
-          <mc:Choice xmlns:p14="http://schemas.microsoft.com/office/powerpoint/2010/main" Requires="p14">
+        <mc:AlternateContent xmlns:mc="http://schemas.openxmlformats.org/markup-compatibility/2006" xmlns:p14="http://schemas.microsoft.com/office/powerpoint/2010/main">
+          <mc:Choice Requires="p14">
             <p:contentPart p14:bwMode="auto" r:id="rId222">
               <p14:nvContentPartPr>
                 <p14:cNvPr id="122" name="Ink 121">
@@ -23625,7 +23626,7 @@
               </p14:xfrm>
             </p:contentPart>
           </mc:Choice>
-          <mc:Fallback>
+          <mc:Fallback xmlns="">
             <p:pic>
               <p:nvPicPr>
                 <p:cNvPr id="122" name="Ink 121">
@@ -23656,8 +23657,8 @@
             </p:pic>
           </mc:Fallback>
         </mc:AlternateContent>
-        <mc:AlternateContent xmlns:mc="http://schemas.openxmlformats.org/markup-compatibility/2006">
-          <mc:Choice xmlns:p14="http://schemas.microsoft.com/office/powerpoint/2010/main" Requires="p14">
+        <mc:AlternateContent xmlns:mc="http://schemas.openxmlformats.org/markup-compatibility/2006" xmlns:p14="http://schemas.microsoft.com/office/powerpoint/2010/main">
+          <mc:Choice Requires="p14">
             <p:contentPart p14:bwMode="auto" r:id="rId224">
               <p14:nvContentPartPr>
                 <p14:cNvPr id="123" name="Ink 122">
@@ -23676,7 +23677,7 @@
               </p14:xfrm>
             </p:contentPart>
           </mc:Choice>
-          <mc:Fallback>
+          <mc:Fallback xmlns="">
             <p:pic>
               <p:nvPicPr>
                 <p:cNvPr id="123" name="Ink 122">
@@ -23707,8 +23708,8 @@
             </p:pic>
           </mc:Fallback>
         </mc:AlternateContent>
-        <mc:AlternateContent xmlns:mc="http://schemas.openxmlformats.org/markup-compatibility/2006">
-          <mc:Choice xmlns:p14="http://schemas.microsoft.com/office/powerpoint/2010/main" Requires="p14">
+        <mc:AlternateContent xmlns:mc="http://schemas.openxmlformats.org/markup-compatibility/2006" xmlns:p14="http://schemas.microsoft.com/office/powerpoint/2010/main">
+          <mc:Choice Requires="p14">
             <p:contentPart p14:bwMode="auto" r:id="rId226">
               <p14:nvContentPartPr>
                 <p14:cNvPr id="124" name="Ink 123">
@@ -23727,7 +23728,7 @@
               </p14:xfrm>
             </p:contentPart>
           </mc:Choice>
-          <mc:Fallback>
+          <mc:Fallback xmlns="">
             <p:pic>
               <p:nvPicPr>
                 <p:cNvPr id="124" name="Ink 123">
@@ -23758,8 +23759,8 @@
             </p:pic>
           </mc:Fallback>
         </mc:AlternateContent>
-        <mc:AlternateContent xmlns:mc="http://schemas.openxmlformats.org/markup-compatibility/2006">
-          <mc:Choice xmlns:p14="http://schemas.microsoft.com/office/powerpoint/2010/main" Requires="p14">
+        <mc:AlternateContent xmlns:mc="http://schemas.openxmlformats.org/markup-compatibility/2006" xmlns:p14="http://schemas.microsoft.com/office/powerpoint/2010/main">
+          <mc:Choice Requires="p14">
             <p:contentPart p14:bwMode="auto" r:id="rId228">
               <p14:nvContentPartPr>
                 <p14:cNvPr id="126" name="Ink 125">
@@ -23778,7 +23779,7 @@
               </p14:xfrm>
             </p:contentPart>
           </mc:Choice>
-          <mc:Fallback>
+          <mc:Fallback xmlns="">
             <p:pic>
               <p:nvPicPr>
                 <p:cNvPr id="126" name="Ink 125">
@@ -23809,8 +23810,8 @@
             </p:pic>
           </mc:Fallback>
         </mc:AlternateContent>
-        <mc:AlternateContent xmlns:mc="http://schemas.openxmlformats.org/markup-compatibility/2006">
-          <mc:Choice xmlns:p14="http://schemas.microsoft.com/office/powerpoint/2010/main" Requires="p14">
+        <mc:AlternateContent xmlns:mc="http://schemas.openxmlformats.org/markup-compatibility/2006" xmlns:p14="http://schemas.microsoft.com/office/powerpoint/2010/main">
+          <mc:Choice Requires="p14">
             <p:contentPart p14:bwMode="auto" r:id="rId230">
               <p14:nvContentPartPr>
                 <p14:cNvPr id="127" name="Ink 126">
@@ -23829,7 +23830,7 @@
               </p14:xfrm>
             </p:contentPart>
           </mc:Choice>
-          <mc:Fallback>
+          <mc:Fallback xmlns="">
             <p:pic>
               <p:nvPicPr>
                 <p:cNvPr id="127" name="Ink 126">
@@ -23860,8 +23861,8 @@
             </p:pic>
           </mc:Fallback>
         </mc:AlternateContent>
-        <mc:AlternateContent xmlns:mc="http://schemas.openxmlformats.org/markup-compatibility/2006">
-          <mc:Choice xmlns:p14="http://schemas.microsoft.com/office/powerpoint/2010/main" Requires="p14">
+        <mc:AlternateContent xmlns:mc="http://schemas.openxmlformats.org/markup-compatibility/2006" xmlns:p14="http://schemas.microsoft.com/office/powerpoint/2010/main">
+          <mc:Choice Requires="p14">
             <p:contentPart p14:bwMode="auto" r:id="rId232">
               <p14:nvContentPartPr>
                 <p14:cNvPr id="128" name="Ink 127">
@@ -23880,7 +23881,7 @@
               </p14:xfrm>
             </p:contentPart>
           </mc:Choice>
-          <mc:Fallback>
+          <mc:Fallback xmlns="">
             <p:pic>
               <p:nvPicPr>
                 <p:cNvPr id="128" name="Ink 127">
@@ -23911,8 +23912,8 @@
             </p:pic>
           </mc:Fallback>
         </mc:AlternateContent>
-        <mc:AlternateContent xmlns:mc="http://schemas.openxmlformats.org/markup-compatibility/2006">
-          <mc:Choice xmlns:p14="http://schemas.microsoft.com/office/powerpoint/2010/main" Requires="p14">
+        <mc:AlternateContent xmlns:mc="http://schemas.openxmlformats.org/markup-compatibility/2006" xmlns:p14="http://schemas.microsoft.com/office/powerpoint/2010/main">
+          <mc:Choice Requires="p14">
             <p:contentPart p14:bwMode="auto" r:id="rId234">
               <p14:nvContentPartPr>
                 <p14:cNvPr id="147" name="Ink 146">
@@ -23931,7 +23932,7 @@
               </p14:xfrm>
             </p:contentPart>
           </mc:Choice>
-          <mc:Fallback>
+          <mc:Fallback xmlns="">
             <p:pic>
               <p:nvPicPr>
                 <p:cNvPr id="147" name="Ink 146">
@@ -23983,8 +23984,8 @@
             <a:chExt cx="594720" cy="328320"/>
           </a:xfrm>
         </p:grpSpPr>
-        <mc:AlternateContent xmlns:mc="http://schemas.openxmlformats.org/markup-compatibility/2006">
-          <mc:Choice xmlns:p14="http://schemas.microsoft.com/office/powerpoint/2010/main" Requires="p14">
+        <mc:AlternateContent xmlns:mc="http://schemas.openxmlformats.org/markup-compatibility/2006" xmlns:p14="http://schemas.microsoft.com/office/powerpoint/2010/main">
+          <mc:Choice Requires="p14">
             <p:contentPart p14:bwMode="auto" r:id="rId236">
               <p14:nvContentPartPr>
                 <p14:cNvPr id="148" name="Ink 147">
@@ -24003,7 +24004,7 @@
               </p14:xfrm>
             </p:contentPart>
           </mc:Choice>
-          <mc:Fallback>
+          <mc:Fallback xmlns="">
             <p:pic>
               <p:nvPicPr>
                 <p:cNvPr id="148" name="Ink 147">
@@ -24034,8 +24035,8 @@
             </p:pic>
           </mc:Fallback>
         </mc:AlternateContent>
-        <mc:AlternateContent xmlns:mc="http://schemas.openxmlformats.org/markup-compatibility/2006">
-          <mc:Choice xmlns:p14="http://schemas.microsoft.com/office/powerpoint/2010/main" Requires="p14">
+        <mc:AlternateContent xmlns:mc="http://schemas.openxmlformats.org/markup-compatibility/2006" xmlns:p14="http://schemas.microsoft.com/office/powerpoint/2010/main">
+          <mc:Choice Requires="p14">
             <p:contentPart p14:bwMode="auto" r:id="rId238">
               <p14:nvContentPartPr>
                 <p14:cNvPr id="149" name="Ink 148">
@@ -24054,7 +24055,7 @@
               </p14:xfrm>
             </p:contentPart>
           </mc:Choice>
-          <mc:Fallback>
+          <mc:Fallback xmlns="">
             <p:pic>
               <p:nvPicPr>
                 <p:cNvPr id="149" name="Ink 148">
@@ -24085,8 +24086,8 @@
             </p:pic>
           </mc:Fallback>
         </mc:AlternateContent>
-        <mc:AlternateContent xmlns:mc="http://schemas.openxmlformats.org/markup-compatibility/2006">
-          <mc:Choice xmlns:p14="http://schemas.microsoft.com/office/powerpoint/2010/main" Requires="p14">
+        <mc:AlternateContent xmlns:mc="http://schemas.openxmlformats.org/markup-compatibility/2006" xmlns:p14="http://schemas.microsoft.com/office/powerpoint/2010/main">
+          <mc:Choice Requires="p14">
             <p:contentPart p14:bwMode="auto" r:id="rId240">
               <p14:nvContentPartPr>
                 <p14:cNvPr id="150" name="Ink 149">
@@ -24105,7 +24106,7 @@
               </p14:xfrm>
             </p:contentPart>
           </mc:Choice>
-          <mc:Fallback>
+          <mc:Fallback xmlns="">
             <p:pic>
               <p:nvPicPr>
                 <p:cNvPr id="150" name="Ink 149">
@@ -24157,8 +24158,8 @@
             <a:chExt cx="232560" cy="413640"/>
           </a:xfrm>
         </p:grpSpPr>
-        <mc:AlternateContent xmlns:mc="http://schemas.openxmlformats.org/markup-compatibility/2006">
-          <mc:Choice xmlns:p14="http://schemas.microsoft.com/office/powerpoint/2010/main" Requires="p14">
+        <mc:AlternateContent xmlns:mc="http://schemas.openxmlformats.org/markup-compatibility/2006" xmlns:p14="http://schemas.microsoft.com/office/powerpoint/2010/main">
+          <mc:Choice Requires="p14">
             <p:contentPart p14:bwMode="auto" r:id="rId242">
               <p14:nvContentPartPr>
                 <p14:cNvPr id="151" name="Ink 150">
@@ -24177,7 +24178,7 @@
               </p14:xfrm>
             </p:contentPart>
           </mc:Choice>
-          <mc:Fallback>
+          <mc:Fallback xmlns="">
             <p:pic>
               <p:nvPicPr>
                 <p:cNvPr id="151" name="Ink 150">
@@ -24208,8 +24209,8 @@
             </p:pic>
           </mc:Fallback>
         </mc:AlternateContent>
-        <mc:AlternateContent xmlns:mc="http://schemas.openxmlformats.org/markup-compatibility/2006">
-          <mc:Choice xmlns:p14="http://schemas.microsoft.com/office/powerpoint/2010/main" Requires="p14">
+        <mc:AlternateContent xmlns:mc="http://schemas.openxmlformats.org/markup-compatibility/2006" xmlns:p14="http://schemas.microsoft.com/office/powerpoint/2010/main">
+          <mc:Choice Requires="p14">
             <p:contentPart p14:bwMode="auto" r:id="rId244">
               <p14:nvContentPartPr>
                 <p14:cNvPr id="152" name="Ink 151">
@@ -24228,7 +24229,7 @@
               </p14:xfrm>
             </p:contentPart>
           </mc:Choice>
-          <mc:Fallback>
+          <mc:Fallback xmlns="">
             <p:pic>
               <p:nvPicPr>
                 <p:cNvPr id="152" name="Ink 151">
@@ -24259,8 +24260,8 @@
             </p:pic>
           </mc:Fallback>
         </mc:AlternateContent>
-        <mc:AlternateContent xmlns:mc="http://schemas.openxmlformats.org/markup-compatibility/2006">
-          <mc:Choice xmlns:p14="http://schemas.microsoft.com/office/powerpoint/2010/main" Requires="p14">
+        <mc:AlternateContent xmlns:mc="http://schemas.openxmlformats.org/markup-compatibility/2006" xmlns:p14="http://schemas.microsoft.com/office/powerpoint/2010/main">
+          <mc:Choice Requires="p14">
             <p:contentPart p14:bwMode="auto" r:id="rId246">
               <p14:nvContentPartPr>
                 <p14:cNvPr id="153" name="Ink 152">
@@ -24279,7 +24280,7 @@
               </p14:xfrm>
             </p:contentPart>
           </mc:Choice>
-          <mc:Fallback>
+          <mc:Fallback xmlns="">
             <p:pic>
               <p:nvPicPr>
                 <p:cNvPr id="153" name="Ink 152">
@@ -24331,8 +24332,8 @@
             <a:chExt cx="2020680" cy="405360"/>
           </a:xfrm>
         </p:grpSpPr>
-        <mc:AlternateContent xmlns:mc="http://schemas.openxmlformats.org/markup-compatibility/2006">
-          <mc:Choice xmlns:p14="http://schemas.microsoft.com/office/powerpoint/2010/main" Requires="p14">
+        <mc:AlternateContent xmlns:mc="http://schemas.openxmlformats.org/markup-compatibility/2006" xmlns:p14="http://schemas.microsoft.com/office/powerpoint/2010/main">
+          <mc:Choice Requires="p14">
             <p:contentPart p14:bwMode="auto" r:id="rId248">
               <p14:nvContentPartPr>
                 <p14:cNvPr id="157" name="Ink 156">
@@ -24351,7 +24352,7 @@
               </p14:xfrm>
             </p:contentPart>
           </mc:Choice>
-          <mc:Fallback>
+          <mc:Fallback xmlns="">
             <p:pic>
               <p:nvPicPr>
                 <p:cNvPr id="157" name="Ink 156">
@@ -24382,8 +24383,8 @@
             </p:pic>
           </mc:Fallback>
         </mc:AlternateContent>
-        <mc:AlternateContent xmlns:mc="http://schemas.openxmlformats.org/markup-compatibility/2006">
-          <mc:Choice xmlns:p14="http://schemas.microsoft.com/office/powerpoint/2010/main" Requires="p14">
+        <mc:AlternateContent xmlns:mc="http://schemas.openxmlformats.org/markup-compatibility/2006" xmlns:p14="http://schemas.microsoft.com/office/powerpoint/2010/main">
+          <mc:Choice Requires="p14">
             <p:contentPart p14:bwMode="auto" r:id="rId250">
               <p14:nvContentPartPr>
                 <p14:cNvPr id="158" name="Ink 157">
@@ -24402,7 +24403,7 @@
               </p14:xfrm>
             </p:contentPart>
           </mc:Choice>
-          <mc:Fallback>
+          <mc:Fallback xmlns="">
             <p:pic>
               <p:nvPicPr>
                 <p:cNvPr id="158" name="Ink 157">
@@ -24433,8 +24434,8 @@
             </p:pic>
           </mc:Fallback>
         </mc:AlternateContent>
-        <mc:AlternateContent xmlns:mc="http://schemas.openxmlformats.org/markup-compatibility/2006">
-          <mc:Choice xmlns:p14="http://schemas.microsoft.com/office/powerpoint/2010/main" Requires="p14">
+        <mc:AlternateContent xmlns:mc="http://schemas.openxmlformats.org/markup-compatibility/2006" xmlns:p14="http://schemas.microsoft.com/office/powerpoint/2010/main">
+          <mc:Choice Requires="p14">
             <p:contentPart p14:bwMode="auto" r:id="rId252">
               <p14:nvContentPartPr>
                 <p14:cNvPr id="159" name="Ink 158">
@@ -24453,7 +24454,7 @@
               </p14:xfrm>
             </p:contentPart>
           </mc:Choice>
-          <mc:Fallback>
+          <mc:Fallback xmlns="">
             <p:pic>
               <p:nvPicPr>
                 <p:cNvPr id="159" name="Ink 158">
@@ -24484,8 +24485,8 @@
             </p:pic>
           </mc:Fallback>
         </mc:AlternateContent>
-        <mc:AlternateContent xmlns:mc="http://schemas.openxmlformats.org/markup-compatibility/2006">
-          <mc:Choice xmlns:p14="http://schemas.microsoft.com/office/powerpoint/2010/main" Requires="p14">
+        <mc:AlternateContent xmlns:mc="http://schemas.openxmlformats.org/markup-compatibility/2006" xmlns:p14="http://schemas.microsoft.com/office/powerpoint/2010/main">
+          <mc:Choice Requires="p14">
             <p:contentPart p14:bwMode="auto" r:id="rId254">
               <p14:nvContentPartPr>
                 <p14:cNvPr id="160" name="Ink 159">
@@ -24504,7 +24505,7 @@
               </p14:xfrm>
             </p:contentPart>
           </mc:Choice>
-          <mc:Fallback>
+          <mc:Fallback xmlns="">
             <p:pic>
               <p:nvPicPr>
                 <p:cNvPr id="160" name="Ink 159">
@@ -24535,8 +24536,8 @@
             </p:pic>
           </mc:Fallback>
         </mc:AlternateContent>
-        <mc:AlternateContent xmlns:mc="http://schemas.openxmlformats.org/markup-compatibility/2006">
-          <mc:Choice xmlns:p14="http://schemas.microsoft.com/office/powerpoint/2010/main" Requires="p14">
+        <mc:AlternateContent xmlns:mc="http://schemas.openxmlformats.org/markup-compatibility/2006" xmlns:p14="http://schemas.microsoft.com/office/powerpoint/2010/main">
+          <mc:Choice Requires="p14">
             <p:contentPart p14:bwMode="auto" r:id="rId256">
               <p14:nvContentPartPr>
                 <p14:cNvPr id="162" name="Ink 161">
@@ -24555,7 +24556,7 @@
               </p14:xfrm>
             </p:contentPart>
           </mc:Choice>
-          <mc:Fallback>
+          <mc:Fallback xmlns="">
             <p:pic>
               <p:nvPicPr>
                 <p:cNvPr id="162" name="Ink 161">
@@ -24586,8 +24587,8 @@
             </p:pic>
           </mc:Fallback>
         </mc:AlternateContent>
-        <mc:AlternateContent xmlns:mc="http://schemas.openxmlformats.org/markup-compatibility/2006">
-          <mc:Choice xmlns:p14="http://schemas.microsoft.com/office/powerpoint/2010/main" Requires="p14">
+        <mc:AlternateContent xmlns:mc="http://schemas.openxmlformats.org/markup-compatibility/2006" xmlns:p14="http://schemas.microsoft.com/office/powerpoint/2010/main">
+          <mc:Choice Requires="p14">
             <p:contentPart p14:bwMode="auto" r:id="rId258">
               <p14:nvContentPartPr>
                 <p14:cNvPr id="163" name="Ink 162">
@@ -24606,7 +24607,7 @@
               </p14:xfrm>
             </p:contentPart>
           </mc:Choice>
-          <mc:Fallback>
+          <mc:Fallback xmlns="">
             <p:pic>
               <p:nvPicPr>
                 <p:cNvPr id="163" name="Ink 162">
@@ -24637,8 +24638,8 @@
             </p:pic>
           </mc:Fallback>
         </mc:AlternateContent>
-        <mc:AlternateContent xmlns:mc="http://schemas.openxmlformats.org/markup-compatibility/2006">
-          <mc:Choice xmlns:p14="http://schemas.microsoft.com/office/powerpoint/2010/main" Requires="p14">
+        <mc:AlternateContent xmlns:mc="http://schemas.openxmlformats.org/markup-compatibility/2006" xmlns:p14="http://schemas.microsoft.com/office/powerpoint/2010/main">
+          <mc:Choice Requires="p14">
             <p:contentPart p14:bwMode="auto" r:id="rId260">
               <p14:nvContentPartPr>
                 <p14:cNvPr id="164" name="Ink 163">
@@ -24657,7 +24658,7 @@
               </p14:xfrm>
             </p:contentPart>
           </mc:Choice>
-          <mc:Fallback>
+          <mc:Fallback xmlns="">
             <p:pic>
               <p:nvPicPr>
                 <p:cNvPr id="164" name="Ink 163">
@@ -24739,8 +24740,8 @@
             <a:chExt cx="4124160" cy="2347620"/>
           </a:xfrm>
         </p:grpSpPr>
-        <mc:AlternateContent xmlns:mc="http://schemas.openxmlformats.org/markup-compatibility/2006">
-          <mc:Choice xmlns:p14="http://schemas.microsoft.com/office/powerpoint/2010/main" Requires="p14">
+        <mc:AlternateContent xmlns:mc="http://schemas.openxmlformats.org/markup-compatibility/2006" xmlns:p14="http://schemas.microsoft.com/office/powerpoint/2010/main">
+          <mc:Choice Requires="p14">
             <p:contentPart p14:bwMode="auto" r:id="rId2">
               <p14:nvContentPartPr>
                 <p14:cNvPr id="5" name="Ink 4">
@@ -24759,7 +24760,7 @@
               </p14:xfrm>
             </p:contentPart>
           </mc:Choice>
-          <mc:Fallback>
+          <mc:Fallback xmlns="">
             <p:pic>
               <p:nvPicPr>
                 <p:cNvPr id="5" name="Ink 4">
@@ -24790,8 +24791,8 @@
             </p:pic>
           </mc:Fallback>
         </mc:AlternateContent>
-        <mc:AlternateContent xmlns:mc="http://schemas.openxmlformats.org/markup-compatibility/2006">
-          <mc:Choice xmlns:p14="http://schemas.microsoft.com/office/powerpoint/2010/main" Requires="p14">
+        <mc:AlternateContent xmlns:mc="http://schemas.openxmlformats.org/markup-compatibility/2006" xmlns:p14="http://schemas.microsoft.com/office/powerpoint/2010/main">
+          <mc:Choice Requires="p14">
             <p:contentPart p14:bwMode="auto" r:id="rId4">
               <p14:nvContentPartPr>
                 <p14:cNvPr id="6" name="Ink 5">
@@ -24810,7 +24811,7 @@
               </p14:xfrm>
             </p:contentPart>
           </mc:Choice>
-          <mc:Fallback>
+          <mc:Fallback xmlns="">
             <p:pic>
               <p:nvPicPr>
                 <p:cNvPr id="6" name="Ink 5">
@@ -24841,8 +24842,8 @@
             </p:pic>
           </mc:Fallback>
         </mc:AlternateContent>
-        <mc:AlternateContent xmlns:mc="http://schemas.openxmlformats.org/markup-compatibility/2006">
-          <mc:Choice xmlns:p14="http://schemas.microsoft.com/office/powerpoint/2010/main" Requires="p14">
+        <mc:AlternateContent xmlns:mc="http://schemas.openxmlformats.org/markup-compatibility/2006" xmlns:p14="http://schemas.microsoft.com/office/powerpoint/2010/main">
+          <mc:Choice Requires="p14">
             <p:contentPart p14:bwMode="auto" r:id="rId6">
               <p14:nvContentPartPr>
                 <p14:cNvPr id="7" name="Ink 6">
@@ -24861,7 +24862,7 @@
               </p14:xfrm>
             </p:contentPart>
           </mc:Choice>
-          <mc:Fallback>
+          <mc:Fallback xmlns="">
             <p:pic>
               <p:nvPicPr>
                 <p:cNvPr id="7" name="Ink 6">
@@ -24892,8 +24893,8 @@
             </p:pic>
           </mc:Fallback>
         </mc:AlternateContent>
-        <mc:AlternateContent xmlns:mc="http://schemas.openxmlformats.org/markup-compatibility/2006">
-          <mc:Choice xmlns:p14="http://schemas.microsoft.com/office/powerpoint/2010/main" Requires="p14">
+        <mc:AlternateContent xmlns:mc="http://schemas.openxmlformats.org/markup-compatibility/2006" xmlns:p14="http://schemas.microsoft.com/office/powerpoint/2010/main">
+          <mc:Choice Requires="p14">
             <p:contentPart p14:bwMode="auto" r:id="rId8">
               <p14:nvContentPartPr>
                 <p14:cNvPr id="8" name="Ink 7">
@@ -24912,7 +24913,7 @@
               </p14:xfrm>
             </p:contentPart>
           </mc:Choice>
-          <mc:Fallback>
+          <mc:Fallback xmlns="">
             <p:pic>
               <p:nvPicPr>
                 <p:cNvPr id="8" name="Ink 7">
@@ -24943,8 +24944,8 @@
             </p:pic>
           </mc:Fallback>
         </mc:AlternateContent>
-        <mc:AlternateContent xmlns:mc="http://schemas.openxmlformats.org/markup-compatibility/2006">
-          <mc:Choice xmlns:p14="http://schemas.microsoft.com/office/powerpoint/2010/main" Requires="p14">
+        <mc:AlternateContent xmlns:mc="http://schemas.openxmlformats.org/markup-compatibility/2006" xmlns:p14="http://schemas.microsoft.com/office/powerpoint/2010/main">
+          <mc:Choice Requires="p14">
             <p:contentPart p14:bwMode="auto" r:id="rId10">
               <p14:nvContentPartPr>
                 <p14:cNvPr id="9" name="Ink 8">
@@ -24963,7 +24964,7 @@
               </p14:xfrm>
             </p:contentPart>
           </mc:Choice>
-          <mc:Fallback>
+          <mc:Fallback xmlns="">
             <p:pic>
               <p:nvPicPr>
                 <p:cNvPr id="9" name="Ink 8">
@@ -24994,8 +24995,8 @@
             </p:pic>
           </mc:Fallback>
         </mc:AlternateContent>
-        <mc:AlternateContent xmlns:mc="http://schemas.openxmlformats.org/markup-compatibility/2006">
-          <mc:Choice xmlns:p14="http://schemas.microsoft.com/office/powerpoint/2010/main" Requires="p14">
+        <mc:AlternateContent xmlns:mc="http://schemas.openxmlformats.org/markup-compatibility/2006" xmlns:p14="http://schemas.microsoft.com/office/powerpoint/2010/main">
+          <mc:Choice Requires="p14">
             <p:contentPart p14:bwMode="auto" r:id="rId12">
               <p14:nvContentPartPr>
                 <p14:cNvPr id="10" name="Ink 9">
@@ -25014,7 +25015,7 @@
               </p14:xfrm>
             </p:contentPart>
           </mc:Choice>
-          <mc:Fallback>
+          <mc:Fallback xmlns="">
             <p:pic>
               <p:nvPicPr>
                 <p:cNvPr id="10" name="Ink 9">
@@ -25045,8 +25046,8 @@
             </p:pic>
           </mc:Fallback>
         </mc:AlternateContent>
-        <mc:AlternateContent xmlns:mc="http://schemas.openxmlformats.org/markup-compatibility/2006">
-          <mc:Choice xmlns:p14="http://schemas.microsoft.com/office/powerpoint/2010/main" Requires="p14">
+        <mc:AlternateContent xmlns:mc="http://schemas.openxmlformats.org/markup-compatibility/2006" xmlns:p14="http://schemas.microsoft.com/office/powerpoint/2010/main">
+          <mc:Choice Requires="p14">
             <p:contentPart p14:bwMode="auto" r:id="rId14">
               <p14:nvContentPartPr>
                 <p14:cNvPr id="11" name="Ink 10">
@@ -25065,7 +25066,7 @@
               </p14:xfrm>
             </p:contentPart>
           </mc:Choice>
-          <mc:Fallback>
+          <mc:Fallback xmlns="">
             <p:pic>
               <p:nvPicPr>
                 <p:cNvPr id="11" name="Ink 10">
@@ -25096,8 +25097,8 @@
             </p:pic>
           </mc:Fallback>
         </mc:AlternateContent>
-        <mc:AlternateContent xmlns:mc="http://schemas.openxmlformats.org/markup-compatibility/2006">
-          <mc:Choice xmlns:p14="http://schemas.microsoft.com/office/powerpoint/2010/main" Requires="p14">
+        <mc:AlternateContent xmlns:mc="http://schemas.openxmlformats.org/markup-compatibility/2006" xmlns:p14="http://schemas.microsoft.com/office/powerpoint/2010/main">
+          <mc:Choice Requires="p14">
             <p:contentPart p14:bwMode="auto" r:id="rId16">
               <p14:nvContentPartPr>
                 <p14:cNvPr id="12" name="Ink 11">
@@ -25116,7 +25117,7 @@
               </p14:xfrm>
             </p:contentPart>
           </mc:Choice>
-          <mc:Fallback>
+          <mc:Fallback xmlns="">
             <p:pic>
               <p:nvPicPr>
                 <p:cNvPr id="12" name="Ink 11">
@@ -25147,8 +25148,8 @@
             </p:pic>
           </mc:Fallback>
         </mc:AlternateContent>
-        <mc:AlternateContent xmlns:mc="http://schemas.openxmlformats.org/markup-compatibility/2006">
-          <mc:Choice xmlns:p14="http://schemas.microsoft.com/office/powerpoint/2010/main" Requires="p14">
+        <mc:AlternateContent xmlns:mc="http://schemas.openxmlformats.org/markup-compatibility/2006" xmlns:p14="http://schemas.microsoft.com/office/powerpoint/2010/main">
+          <mc:Choice Requires="p14">
             <p:contentPart p14:bwMode="auto" r:id="rId18">
               <p14:nvContentPartPr>
                 <p14:cNvPr id="13" name="Ink 12">
@@ -25167,7 +25168,7 @@
               </p14:xfrm>
             </p:contentPart>
           </mc:Choice>
-          <mc:Fallback>
+          <mc:Fallback xmlns="">
             <p:pic>
               <p:nvPicPr>
                 <p:cNvPr id="13" name="Ink 12">
@@ -25198,8 +25199,8 @@
             </p:pic>
           </mc:Fallback>
         </mc:AlternateContent>
-        <mc:AlternateContent xmlns:mc="http://schemas.openxmlformats.org/markup-compatibility/2006">
-          <mc:Choice xmlns:p14="http://schemas.microsoft.com/office/powerpoint/2010/main" Requires="p14">
+        <mc:AlternateContent xmlns:mc="http://schemas.openxmlformats.org/markup-compatibility/2006" xmlns:p14="http://schemas.microsoft.com/office/powerpoint/2010/main">
+          <mc:Choice Requires="p14">
             <p:contentPart p14:bwMode="auto" r:id="rId20">
               <p14:nvContentPartPr>
                 <p14:cNvPr id="14" name="Ink 13">
@@ -25218,7 +25219,7 @@
               </p14:xfrm>
             </p:contentPart>
           </mc:Choice>
-          <mc:Fallback>
+          <mc:Fallback xmlns="">
             <p:pic>
               <p:nvPicPr>
                 <p:cNvPr id="14" name="Ink 13">
@@ -25249,8 +25250,8 @@
             </p:pic>
           </mc:Fallback>
         </mc:AlternateContent>
-        <mc:AlternateContent xmlns:mc="http://schemas.openxmlformats.org/markup-compatibility/2006">
-          <mc:Choice xmlns:p14="http://schemas.microsoft.com/office/powerpoint/2010/main" Requires="p14">
+        <mc:AlternateContent xmlns:mc="http://schemas.openxmlformats.org/markup-compatibility/2006" xmlns:p14="http://schemas.microsoft.com/office/powerpoint/2010/main">
+          <mc:Choice Requires="p14">
             <p:contentPart p14:bwMode="auto" r:id="rId22">
               <p14:nvContentPartPr>
                 <p14:cNvPr id="15" name="Ink 14">
@@ -25269,7 +25270,7 @@
               </p14:xfrm>
             </p:contentPart>
           </mc:Choice>
-          <mc:Fallback>
+          <mc:Fallback xmlns="">
             <p:pic>
               <p:nvPicPr>
                 <p:cNvPr id="15" name="Ink 14">
@@ -25300,8 +25301,8 @@
             </p:pic>
           </mc:Fallback>
         </mc:AlternateContent>
-        <mc:AlternateContent xmlns:mc="http://schemas.openxmlformats.org/markup-compatibility/2006">
-          <mc:Choice xmlns:p14="http://schemas.microsoft.com/office/powerpoint/2010/main" Requires="p14">
+        <mc:AlternateContent xmlns:mc="http://schemas.openxmlformats.org/markup-compatibility/2006" xmlns:p14="http://schemas.microsoft.com/office/powerpoint/2010/main">
+          <mc:Choice Requires="p14">
             <p:contentPart p14:bwMode="auto" r:id="rId24">
               <p14:nvContentPartPr>
                 <p14:cNvPr id="16" name="Ink 15">
@@ -25320,7 +25321,7 @@
               </p14:xfrm>
             </p:contentPart>
           </mc:Choice>
-          <mc:Fallback>
+          <mc:Fallback xmlns="">
             <p:pic>
               <p:nvPicPr>
                 <p:cNvPr id="16" name="Ink 15">
@@ -25351,8 +25352,8 @@
             </p:pic>
           </mc:Fallback>
         </mc:AlternateContent>
-        <mc:AlternateContent xmlns:mc="http://schemas.openxmlformats.org/markup-compatibility/2006">
-          <mc:Choice xmlns:p14="http://schemas.microsoft.com/office/powerpoint/2010/main" Requires="p14">
+        <mc:AlternateContent xmlns:mc="http://schemas.openxmlformats.org/markup-compatibility/2006" xmlns:p14="http://schemas.microsoft.com/office/powerpoint/2010/main">
+          <mc:Choice Requires="p14">
             <p:contentPart p14:bwMode="auto" r:id="rId26">
               <p14:nvContentPartPr>
                 <p14:cNvPr id="17" name="Ink 16">
@@ -25371,7 +25372,7 @@
               </p14:xfrm>
             </p:contentPart>
           </mc:Choice>
-          <mc:Fallback>
+          <mc:Fallback xmlns="">
             <p:pic>
               <p:nvPicPr>
                 <p:cNvPr id="17" name="Ink 16">
@@ -25402,8 +25403,8 @@
             </p:pic>
           </mc:Fallback>
         </mc:AlternateContent>
-        <mc:AlternateContent xmlns:mc="http://schemas.openxmlformats.org/markup-compatibility/2006">
-          <mc:Choice xmlns:p14="http://schemas.microsoft.com/office/powerpoint/2010/main" Requires="p14">
+        <mc:AlternateContent xmlns:mc="http://schemas.openxmlformats.org/markup-compatibility/2006" xmlns:p14="http://schemas.microsoft.com/office/powerpoint/2010/main">
+          <mc:Choice Requires="p14">
             <p:contentPart p14:bwMode="auto" r:id="rId28">
               <p14:nvContentPartPr>
                 <p14:cNvPr id="18" name="Ink 17">
@@ -25422,7 +25423,7 @@
               </p14:xfrm>
             </p:contentPart>
           </mc:Choice>
-          <mc:Fallback>
+          <mc:Fallback xmlns="">
             <p:pic>
               <p:nvPicPr>
                 <p:cNvPr id="18" name="Ink 17">
@@ -25453,8 +25454,8 @@
             </p:pic>
           </mc:Fallback>
         </mc:AlternateContent>
-        <mc:AlternateContent xmlns:mc="http://schemas.openxmlformats.org/markup-compatibility/2006">
-          <mc:Choice xmlns:p14="http://schemas.microsoft.com/office/powerpoint/2010/main" Requires="p14">
+        <mc:AlternateContent xmlns:mc="http://schemas.openxmlformats.org/markup-compatibility/2006" xmlns:p14="http://schemas.microsoft.com/office/powerpoint/2010/main">
+          <mc:Choice Requires="p14">
             <p:contentPart p14:bwMode="auto" r:id="rId30">
               <p14:nvContentPartPr>
                 <p14:cNvPr id="19" name="Ink 18">
@@ -25473,7 +25474,7 @@
               </p14:xfrm>
             </p:contentPart>
           </mc:Choice>
-          <mc:Fallback>
+          <mc:Fallback xmlns="">
             <p:pic>
               <p:nvPicPr>
                 <p:cNvPr id="19" name="Ink 18">
@@ -25504,8 +25505,8 @@
             </p:pic>
           </mc:Fallback>
         </mc:AlternateContent>
-        <mc:AlternateContent xmlns:mc="http://schemas.openxmlformats.org/markup-compatibility/2006">
-          <mc:Choice xmlns:p14="http://schemas.microsoft.com/office/powerpoint/2010/main" Requires="p14">
+        <mc:AlternateContent xmlns:mc="http://schemas.openxmlformats.org/markup-compatibility/2006" xmlns:p14="http://schemas.microsoft.com/office/powerpoint/2010/main">
+          <mc:Choice Requires="p14">
             <p:contentPart p14:bwMode="auto" r:id="rId32">
               <p14:nvContentPartPr>
                 <p14:cNvPr id="20" name="Ink 19">
@@ -25524,7 +25525,7 @@
               </p14:xfrm>
             </p:contentPart>
           </mc:Choice>
-          <mc:Fallback>
+          <mc:Fallback xmlns="">
             <p:pic>
               <p:nvPicPr>
                 <p:cNvPr id="20" name="Ink 19">
@@ -25555,8 +25556,8 @@
             </p:pic>
           </mc:Fallback>
         </mc:AlternateContent>
-        <mc:AlternateContent xmlns:mc="http://schemas.openxmlformats.org/markup-compatibility/2006">
-          <mc:Choice xmlns:p14="http://schemas.microsoft.com/office/powerpoint/2010/main" Requires="p14">
+        <mc:AlternateContent xmlns:mc="http://schemas.openxmlformats.org/markup-compatibility/2006" xmlns:p14="http://schemas.microsoft.com/office/powerpoint/2010/main">
+          <mc:Choice Requires="p14">
             <p:contentPart p14:bwMode="auto" r:id="rId34">
               <p14:nvContentPartPr>
                 <p14:cNvPr id="21" name="Ink 20">
@@ -25575,7 +25576,7 @@
               </p14:xfrm>
             </p:contentPart>
           </mc:Choice>
-          <mc:Fallback>
+          <mc:Fallback xmlns="">
             <p:pic>
               <p:nvPicPr>
                 <p:cNvPr id="21" name="Ink 20">
@@ -25606,8 +25607,8 @@
             </p:pic>
           </mc:Fallback>
         </mc:AlternateContent>
-        <mc:AlternateContent xmlns:mc="http://schemas.openxmlformats.org/markup-compatibility/2006">
-          <mc:Choice xmlns:p14="http://schemas.microsoft.com/office/powerpoint/2010/main" Requires="p14">
+        <mc:AlternateContent xmlns:mc="http://schemas.openxmlformats.org/markup-compatibility/2006" xmlns:p14="http://schemas.microsoft.com/office/powerpoint/2010/main">
+          <mc:Choice Requires="p14">
             <p:contentPart p14:bwMode="auto" r:id="rId36">
               <p14:nvContentPartPr>
                 <p14:cNvPr id="22" name="Ink 21">
@@ -25626,7 +25627,7 @@
               </p14:xfrm>
             </p:contentPart>
           </mc:Choice>
-          <mc:Fallback>
+          <mc:Fallback xmlns="">
             <p:pic>
               <p:nvPicPr>
                 <p:cNvPr id="22" name="Ink 21">
@@ -25657,8 +25658,8 @@
             </p:pic>
           </mc:Fallback>
         </mc:AlternateContent>
-        <mc:AlternateContent xmlns:mc="http://schemas.openxmlformats.org/markup-compatibility/2006">
-          <mc:Choice xmlns:p14="http://schemas.microsoft.com/office/powerpoint/2010/main" Requires="p14">
+        <mc:AlternateContent xmlns:mc="http://schemas.openxmlformats.org/markup-compatibility/2006" xmlns:p14="http://schemas.microsoft.com/office/powerpoint/2010/main">
+          <mc:Choice Requires="p14">
             <p:contentPart p14:bwMode="auto" r:id="rId38">
               <p14:nvContentPartPr>
                 <p14:cNvPr id="23" name="Ink 22">
@@ -25677,7 +25678,7 @@
               </p14:xfrm>
             </p:contentPart>
           </mc:Choice>
-          <mc:Fallback>
+          <mc:Fallback xmlns="">
             <p:pic>
               <p:nvPicPr>
                 <p:cNvPr id="23" name="Ink 22">
@@ -25708,8 +25709,8 @@
             </p:pic>
           </mc:Fallback>
         </mc:AlternateContent>
-        <mc:AlternateContent xmlns:mc="http://schemas.openxmlformats.org/markup-compatibility/2006">
-          <mc:Choice xmlns:p14="http://schemas.microsoft.com/office/powerpoint/2010/main" Requires="p14">
+        <mc:AlternateContent xmlns:mc="http://schemas.openxmlformats.org/markup-compatibility/2006" xmlns:p14="http://schemas.microsoft.com/office/powerpoint/2010/main">
+          <mc:Choice Requires="p14">
             <p:contentPart p14:bwMode="auto" r:id="rId40">
               <p14:nvContentPartPr>
                 <p14:cNvPr id="24" name="Ink 23">
@@ -25728,7 +25729,7 @@
               </p14:xfrm>
             </p:contentPart>
           </mc:Choice>
-          <mc:Fallback>
+          <mc:Fallback xmlns="">
             <p:pic>
               <p:nvPicPr>
                 <p:cNvPr id="24" name="Ink 23">
@@ -25760,8 +25761,8 @@
           </mc:Fallback>
         </mc:AlternateContent>
       </p:grpSp>
-      <mc:AlternateContent xmlns:mc="http://schemas.openxmlformats.org/markup-compatibility/2006">
-        <mc:Choice xmlns:p14="http://schemas.microsoft.com/office/powerpoint/2010/main" Requires="p14">
+      <mc:AlternateContent xmlns:mc="http://schemas.openxmlformats.org/markup-compatibility/2006" xmlns:p14="http://schemas.microsoft.com/office/powerpoint/2010/main">
+        <mc:Choice Requires="p14">
           <p:contentPart p14:bwMode="auto" r:id="rId42">
             <p14:nvContentPartPr>
               <p14:cNvPr id="100" name="Ink 99">
@@ -25780,7 +25781,7 @@
             </p14:xfrm>
           </p:contentPart>
         </mc:Choice>
-        <mc:Fallback>
+        <mc:Fallback xmlns="">
           <p:pic>
             <p:nvPicPr>
               <p:cNvPr id="100" name="Ink 99">
@@ -25811,8 +25812,8 @@
           </p:pic>
         </mc:Fallback>
       </mc:AlternateContent>
-      <mc:AlternateContent xmlns:mc="http://schemas.openxmlformats.org/markup-compatibility/2006">
-        <mc:Choice xmlns:p14="http://schemas.microsoft.com/office/powerpoint/2010/main" Requires="p14">
+      <mc:AlternateContent xmlns:mc="http://schemas.openxmlformats.org/markup-compatibility/2006" xmlns:p14="http://schemas.microsoft.com/office/powerpoint/2010/main">
+        <mc:Choice Requires="p14">
           <p:contentPart p14:bwMode="auto" r:id="rId44">
             <p14:nvContentPartPr>
               <p14:cNvPr id="102" name="Ink 101">
@@ -25831,7 +25832,7 @@
             </p14:xfrm>
           </p:contentPart>
         </mc:Choice>
-        <mc:Fallback>
+        <mc:Fallback xmlns="">
           <p:pic>
             <p:nvPicPr>
               <p:cNvPr id="102" name="Ink 101">
@@ -25882,8 +25883,8 @@
             <a:chExt cx="148320" cy="261720"/>
           </a:xfrm>
         </p:grpSpPr>
-        <mc:AlternateContent xmlns:mc="http://schemas.openxmlformats.org/markup-compatibility/2006">
-          <mc:Choice xmlns:p14="http://schemas.microsoft.com/office/powerpoint/2010/main" Requires="p14">
+        <mc:AlternateContent xmlns:mc="http://schemas.openxmlformats.org/markup-compatibility/2006" xmlns:p14="http://schemas.microsoft.com/office/powerpoint/2010/main">
+          <mc:Choice Requires="p14">
             <p:contentPart p14:bwMode="auto" r:id="rId46">
               <p14:nvContentPartPr>
                 <p14:cNvPr id="103" name="Ink 102">
@@ -25902,7 +25903,7 @@
               </p14:xfrm>
             </p:contentPart>
           </mc:Choice>
-          <mc:Fallback>
+          <mc:Fallback xmlns="">
             <p:pic>
               <p:nvPicPr>
                 <p:cNvPr id="103" name="Ink 102">
@@ -25933,8 +25934,8 @@
             </p:pic>
           </mc:Fallback>
         </mc:AlternateContent>
-        <mc:AlternateContent xmlns:mc="http://schemas.openxmlformats.org/markup-compatibility/2006">
-          <mc:Choice xmlns:p14="http://schemas.microsoft.com/office/powerpoint/2010/main" Requires="p14">
+        <mc:AlternateContent xmlns:mc="http://schemas.openxmlformats.org/markup-compatibility/2006" xmlns:p14="http://schemas.microsoft.com/office/powerpoint/2010/main">
+          <mc:Choice Requires="p14">
             <p:contentPart p14:bwMode="auto" r:id="rId48">
               <p14:nvContentPartPr>
                 <p14:cNvPr id="104" name="Ink 103">
@@ -25953,7 +25954,7 @@
               </p14:xfrm>
             </p:contentPart>
           </mc:Choice>
-          <mc:Fallback>
+          <mc:Fallback xmlns="">
             <p:pic>
               <p:nvPicPr>
                 <p:cNvPr id="104" name="Ink 103">
@@ -26005,8 +26006,8 @@
             <a:chExt cx="1040760" cy="234000"/>
           </a:xfrm>
         </p:grpSpPr>
-        <mc:AlternateContent xmlns:mc="http://schemas.openxmlformats.org/markup-compatibility/2006">
-          <mc:Choice xmlns:p14="http://schemas.microsoft.com/office/powerpoint/2010/main" Requires="p14">
+        <mc:AlternateContent xmlns:mc="http://schemas.openxmlformats.org/markup-compatibility/2006" xmlns:p14="http://schemas.microsoft.com/office/powerpoint/2010/main">
+          <mc:Choice Requires="p14">
             <p:contentPart p14:bwMode="auto" r:id="rId50">
               <p14:nvContentPartPr>
                 <p14:cNvPr id="105" name="Ink 104">
@@ -26025,7 +26026,7 @@
               </p14:xfrm>
             </p:contentPart>
           </mc:Choice>
-          <mc:Fallback>
+          <mc:Fallback xmlns="">
             <p:pic>
               <p:nvPicPr>
                 <p:cNvPr id="105" name="Ink 104">
@@ -26056,8 +26057,8 @@
             </p:pic>
           </mc:Fallback>
         </mc:AlternateContent>
-        <mc:AlternateContent xmlns:mc="http://schemas.openxmlformats.org/markup-compatibility/2006">
-          <mc:Choice xmlns:p14="http://schemas.microsoft.com/office/powerpoint/2010/main" Requires="p14">
+        <mc:AlternateContent xmlns:mc="http://schemas.openxmlformats.org/markup-compatibility/2006" xmlns:p14="http://schemas.microsoft.com/office/powerpoint/2010/main">
+          <mc:Choice Requires="p14">
             <p:contentPart p14:bwMode="auto" r:id="rId52">
               <p14:nvContentPartPr>
                 <p14:cNvPr id="106" name="Ink 105">
@@ -26076,7 +26077,7 @@
               </p14:xfrm>
             </p:contentPart>
           </mc:Choice>
-          <mc:Fallback>
+          <mc:Fallback xmlns="">
             <p:pic>
               <p:nvPicPr>
                 <p:cNvPr id="106" name="Ink 105">
@@ -26108,8 +26109,8 @@
           </mc:Fallback>
         </mc:AlternateContent>
       </p:grpSp>
-      <mc:AlternateContent xmlns:mc="http://schemas.openxmlformats.org/markup-compatibility/2006">
-        <mc:Choice xmlns:p14="http://schemas.microsoft.com/office/powerpoint/2010/main" Requires="p14">
+      <mc:AlternateContent xmlns:mc="http://schemas.openxmlformats.org/markup-compatibility/2006" xmlns:p14="http://schemas.microsoft.com/office/powerpoint/2010/main">
+        <mc:Choice Requires="p14">
           <p:contentPart p14:bwMode="auto" r:id="rId54">
             <p14:nvContentPartPr>
               <p14:cNvPr id="107" name="Ink 106">
@@ -26128,7 +26129,7 @@
             </p14:xfrm>
           </p:contentPart>
         </mc:Choice>
-        <mc:Fallback>
+        <mc:Fallback xmlns="">
           <p:pic>
             <p:nvPicPr>
               <p:cNvPr id="107" name="Ink 106">
@@ -26159,8 +26160,8 @@
           </p:pic>
         </mc:Fallback>
       </mc:AlternateContent>
-      <mc:AlternateContent xmlns:mc="http://schemas.openxmlformats.org/markup-compatibility/2006">
-        <mc:Choice xmlns:p14="http://schemas.microsoft.com/office/powerpoint/2010/main" Requires="p14">
+      <mc:AlternateContent xmlns:mc="http://schemas.openxmlformats.org/markup-compatibility/2006" xmlns:p14="http://schemas.microsoft.com/office/powerpoint/2010/main">
+        <mc:Choice Requires="p14">
           <p:contentPart p14:bwMode="auto" r:id="rId56">
             <p14:nvContentPartPr>
               <p14:cNvPr id="108" name="Ink 107">
@@ -26179,7 +26180,7 @@
             </p14:xfrm>
           </p:contentPart>
         </mc:Choice>
-        <mc:Fallback>
+        <mc:Fallback xmlns="">
           <p:pic>
             <p:nvPicPr>
               <p:cNvPr id="108" name="Ink 107">
@@ -26210,8 +26211,8 @@
           </p:pic>
         </mc:Fallback>
       </mc:AlternateContent>
-      <mc:AlternateContent xmlns:mc="http://schemas.openxmlformats.org/markup-compatibility/2006">
-        <mc:Choice xmlns:p14="http://schemas.microsoft.com/office/powerpoint/2010/main" Requires="p14">
+      <mc:AlternateContent xmlns:mc="http://schemas.openxmlformats.org/markup-compatibility/2006" xmlns:p14="http://schemas.microsoft.com/office/powerpoint/2010/main">
+        <mc:Choice Requires="p14">
           <p:contentPart p14:bwMode="auto" r:id="rId58">
             <p14:nvContentPartPr>
               <p14:cNvPr id="109" name="Ink 108">
@@ -26230,7 +26231,7 @@
             </p14:xfrm>
           </p:contentPart>
         </mc:Choice>
-        <mc:Fallback>
+        <mc:Fallback xmlns="">
           <p:pic>
             <p:nvPicPr>
               <p:cNvPr id="109" name="Ink 108">
@@ -26281,8 +26282,8 @@
             <a:chExt cx="1518120" cy="496440"/>
           </a:xfrm>
         </p:grpSpPr>
-        <mc:AlternateContent xmlns:mc="http://schemas.openxmlformats.org/markup-compatibility/2006">
-          <mc:Choice xmlns:p14="http://schemas.microsoft.com/office/powerpoint/2010/main" Requires="p14">
+        <mc:AlternateContent xmlns:mc="http://schemas.openxmlformats.org/markup-compatibility/2006" xmlns:p14="http://schemas.microsoft.com/office/powerpoint/2010/main">
+          <mc:Choice Requires="p14">
             <p:contentPart p14:bwMode="auto" r:id="rId60">
               <p14:nvContentPartPr>
                 <p14:cNvPr id="112" name="Ink 111">
@@ -26301,7 +26302,7 @@
               </p14:xfrm>
             </p:contentPart>
           </mc:Choice>
-          <mc:Fallback>
+          <mc:Fallback xmlns="">
             <p:pic>
               <p:nvPicPr>
                 <p:cNvPr id="112" name="Ink 111">
@@ -26332,8 +26333,8 @@
             </p:pic>
           </mc:Fallback>
         </mc:AlternateContent>
-        <mc:AlternateContent xmlns:mc="http://schemas.openxmlformats.org/markup-compatibility/2006">
-          <mc:Choice xmlns:p14="http://schemas.microsoft.com/office/powerpoint/2010/main" Requires="p14">
+        <mc:AlternateContent xmlns:mc="http://schemas.openxmlformats.org/markup-compatibility/2006" xmlns:p14="http://schemas.microsoft.com/office/powerpoint/2010/main">
+          <mc:Choice Requires="p14">
             <p:contentPart p14:bwMode="auto" r:id="rId62">
               <p14:nvContentPartPr>
                 <p14:cNvPr id="113" name="Ink 112">
@@ -26352,7 +26353,7 @@
               </p14:xfrm>
             </p:contentPart>
           </mc:Choice>
-          <mc:Fallback>
+          <mc:Fallback xmlns="">
             <p:pic>
               <p:nvPicPr>
                 <p:cNvPr id="113" name="Ink 112">
@@ -26383,8 +26384,8 @@
             </p:pic>
           </mc:Fallback>
         </mc:AlternateContent>
-        <mc:AlternateContent xmlns:mc="http://schemas.openxmlformats.org/markup-compatibility/2006">
-          <mc:Choice xmlns:p14="http://schemas.microsoft.com/office/powerpoint/2010/main" Requires="p14">
+        <mc:AlternateContent xmlns:mc="http://schemas.openxmlformats.org/markup-compatibility/2006" xmlns:p14="http://schemas.microsoft.com/office/powerpoint/2010/main">
+          <mc:Choice Requires="p14">
             <p:contentPart p14:bwMode="auto" r:id="rId64">
               <p14:nvContentPartPr>
                 <p14:cNvPr id="114" name="Ink 113">
@@ -26403,7 +26404,7 @@
               </p14:xfrm>
             </p:contentPart>
           </mc:Choice>
-          <mc:Fallback>
+          <mc:Fallback xmlns="">
             <p:pic>
               <p:nvPicPr>
                 <p:cNvPr id="114" name="Ink 113">
@@ -26434,8 +26435,8 @@
             </p:pic>
           </mc:Fallback>
         </mc:AlternateContent>
-        <mc:AlternateContent xmlns:mc="http://schemas.openxmlformats.org/markup-compatibility/2006">
-          <mc:Choice xmlns:p14="http://schemas.microsoft.com/office/powerpoint/2010/main" Requires="p14">
+        <mc:AlternateContent xmlns:mc="http://schemas.openxmlformats.org/markup-compatibility/2006" xmlns:p14="http://schemas.microsoft.com/office/powerpoint/2010/main">
+          <mc:Choice Requires="p14">
             <p:contentPart p14:bwMode="auto" r:id="rId66">
               <p14:nvContentPartPr>
                 <p14:cNvPr id="115" name="Ink 114">
@@ -26454,7 +26455,7 @@
               </p14:xfrm>
             </p:contentPart>
           </mc:Choice>
-          <mc:Fallback>
+          <mc:Fallback xmlns="">
             <p:pic>
               <p:nvPicPr>
                 <p:cNvPr id="115" name="Ink 114">
@@ -26485,8 +26486,8 @@
             </p:pic>
           </mc:Fallback>
         </mc:AlternateContent>
-        <mc:AlternateContent xmlns:mc="http://schemas.openxmlformats.org/markup-compatibility/2006">
-          <mc:Choice xmlns:p14="http://schemas.microsoft.com/office/powerpoint/2010/main" Requires="p14">
+        <mc:AlternateContent xmlns:mc="http://schemas.openxmlformats.org/markup-compatibility/2006" xmlns:p14="http://schemas.microsoft.com/office/powerpoint/2010/main">
+          <mc:Choice Requires="p14">
             <p:contentPart p14:bwMode="auto" r:id="rId68">
               <p14:nvContentPartPr>
                 <p14:cNvPr id="116" name="Ink 115">
@@ -26505,7 +26506,7 @@
               </p14:xfrm>
             </p:contentPart>
           </mc:Choice>
-          <mc:Fallback>
+          <mc:Fallback xmlns="">
             <p:pic>
               <p:nvPicPr>
                 <p:cNvPr id="116" name="Ink 115">
@@ -26537,8 +26538,8 @@
           </mc:Fallback>
         </mc:AlternateContent>
       </p:grpSp>
-      <mc:AlternateContent xmlns:mc="http://schemas.openxmlformats.org/markup-compatibility/2006">
-        <mc:Choice xmlns:p14="http://schemas.microsoft.com/office/powerpoint/2010/main" Requires="p14">
+      <mc:AlternateContent xmlns:mc="http://schemas.openxmlformats.org/markup-compatibility/2006" xmlns:p14="http://schemas.microsoft.com/office/powerpoint/2010/main">
+        <mc:Choice Requires="p14">
           <p:contentPart p14:bwMode="auto" r:id="rId70">
             <p14:nvContentPartPr>
               <p14:cNvPr id="118" name="Ink 117">
@@ -26557,7 +26558,7 @@
             </p14:xfrm>
           </p:contentPart>
         </mc:Choice>
-        <mc:Fallback>
+        <mc:Fallback xmlns="">
           <p:pic>
             <p:nvPicPr>
               <p:cNvPr id="118" name="Ink 117">
@@ -26588,8 +26589,8 @@
           </p:pic>
         </mc:Fallback>
       </mc:AlternateContent>
-      <mc:AlternateContent xmlns:mc="http://schemas.openxmlformats.org/markup-compatibility/2006">
-        <mc:Choice xmlns:p14="http://schemas.microsoft.com/office/powerpoint/2010/main" Requires="p14">
+      <mc:AlternateContent xmlns:mc="http://schemas.openxmlformats.org/markup-compatibility/2006" xmlns:p14="http://schemas.microsoft.com/office/powerpoint/2010/main">
+        <mc:Choice Requires="p14">
           <p:contentPart p14:bwMode="auto" r:id="rId72">
             <p14:nvContentPartPr>
               <p14:cNvPr id="139" name="Ink 138">
@@ -26608,7 +26609,7 @@
             </p14:xfrm>
           </p:contentPart>
         </mc:Choice>
-        <mc:Fallback>
+        <mc:Fallback xmlns="">
           <p:pic>
             <p:nvPicPr>
               <p:cNvPr id="139" name="Ink 138">
@@ -26659,8 +26660,8 @@
             <a:chExt cx="5540760" cy="816120"/>
           </a:xfrm>
         </p:grpSpPr>
-        <mc:AlternateContent xmlns:mc="http://schemas.openxmlformats.org/markup-compatibility/2006">
-          <mc:Choice xmlns:p14="http://schemas.microsoft.com/office/powerpoint/2010/main" Requires="p14">
+        <mc:AlternateContent xmlns:mc="http://schemas.openxmlformats.org/markup-compatibility/2006" xmlns:p14="http://schemas.microsoft.com/office/powerpoint/2010/main">
+          <mc:Choice Requires="p14">
             <p:contentPart p14:bwMode="auto" r:id="rId74">
               <p14:nvContentPartPr>
                 <p14:cNvPr id="34" name="Ink 33">
@@ -26679,7 +26680,7 @@
               </p14:xfrm>
             </p:contentPart>
           </mc:Choice>
-          <mc:Fallback>
+          <mc:Fallback xmlns="">
             <p:pic>
               <p:nvPicPr>
                 <p:cNvPr id="34" name="Ink 33">
@@ -26710,8 +26711,8 @@
             </p:pic>
           </mc:Fallback>
         </mc:AlternateContent>
-        <mc:AlternateContent xmlns:mc="http://schemas.openxmlformats.org/markup-compatibility/2006">
-          <mc:Choice xmlns:p14="http://schemas.microsoft.com/office/powerpoint/2010/main" Requires="p14">
+        <mc:AlternateContent xmlns:mc="http://schemas.openxmlformats.org/markup-compatibility/2006" xmlns:p14="http://schemas.microsoft.com/office/powerpoint/2010/main">
+          <mc:Choice Requires="p14">
             <p:contentPart p14:bwMode="auto" r:id="rId76">
               <p14:nvContentPartPr>
                 <p14:cNvPr id="2" name="Ink 1">
@@ -26730,7 +26731,7 @@
               </p14:xfrm>
             </p:contentPart>
           </mc:Choice>
-          <mc:Fallback>
+          <mc:Fallback xmlns="">
             <p:pic>
               <p:nvPicPr>
                 <p:cNvPr id="2" name="Ink 1">
@@ -26761,8 +26762,8 @@
             </p:pic>
           </mc:Fallback>
         </mc:AlternateContent>
-        <mc:AlternateContent xmlns:mc="http://schemas.openxmlformats.org/markup-compatibility/2006">
-          <mc:Choice xmlns:p14="http://schemas.microsoft.com/office/powerpoint/2010/main" Requires="p14">
+        <mc:AlternateContent xmlns:mc="http://schemas.openxmlformats.org/markup-compatibility/2006" xmlns:p14="http://schemas.microsoft.com/office/powerpoint/2010/main">
+          <mc:Choice Requires="p14">
             <p:contentPart p14:bwMode="auto" r:id="rId78">
               <p14:nvContentPartPr>
                 <p14:cNvPr id="3" name="Ink 2">
@@ -26781,7 +26782,7 @@
               </p14:xfrm>
             </p:contentPart>
           </mc:Choice>
-          <mc:Fallback>
+          <mc:Fallback xmlns="">
             <p:pic>
               <p:nvPicPr>
                 <p:cNvPr id="3" name="Ink 2">
@@ -26812,8 +26813,8 @@
             </p:pic>
           </mc:Fallback>
         </mc:AlternateContent>
-        <mc:AlternateContent xmlns:mc="http://schemas.openxmlformats.org/markup-compatibility/2006">
-          <mc:Choice xmlns:p14="http://schemas.microsoft.com/office/powerpoint/2010/main" Requires="p14">
+        <mc:AlternateContent xmlns:mc="http://schemas.openxmlformats.org/markup-compatibility/2006" xmlns:p14="http://schemas.microsoft.com/office/powerpoint/2010/main">
+          <mc:Choice Requires="p14">
             <p:contentPart p14:bwMode="auto" r:id="rId80">
               <p14:nvContentPartPr>
                 <p14:cNvPr id="25" name="Ink 24">
@@ -26832,7 +26833,7 @@
               </p14:xfrm>
             </p:contentPart>
           </mc:Choice>
-          <mc:Fallback>
+          <mc:Fallback xmlns="">
             <p:pic>
               <p:nvPicPr>
                 <p:cNvPr id="25" name="Ink 24">
@@ -26863,8 +26864,8 @@
             </p:pic>
           </mc:Fallback>
         </mc:AlternateContent>
-        <mc:AlternateContent xmlns:mc="http://schemas.openxmlformats.org/markup-compatibility/2006">
-          <mc:Choice xmlns:p14="http://schemas.microsoft.com/office/powerpoint/2010/main" Requires="p14">
+        <mc:AlternateContent xmlns:mc="http://schemas.openxmlformats.org/markup-compatibility/2006" xmlns:p14="http://schemas.microsoft.com/office/powerpoint/2010/main">
+          <mc:Choice Requires="p14">
             <p:contentPart p14:bwMode="auto" r:id="rId82">
               <p14:nvContentPartPr>
                 <p14:cNvPr id="26" name="Ink 25">
@@ -26883,7 +26884,7 @@
               </p14:xfrm>
             </p:contentPart>
           </mc:Choice>
-          <mc:Fallback>
+          <mc:Fallback xmlns="">
             <p:pic>
               <p:nvPicPr>
                 <p:cNvPr id="26" name="Ink 25">
@@ -26914,8 +26915,8 @@
             </p:pic>
           </mc:Fallback>
         </mc:AlternateContent>
-        <mc:AlternateContent xmlns:mc="http://schemas.openxmlformats.org/markup-compatibility/2006">
-          <mc:Choice xmlns:p14="http://schemas.microsoft.com/office/powerpoint/2010/main" Requires="p14">
+        <mc:AlternateContent xmlns:mc="http://schemas.openxmlformats.org/markup-compatibility/2006" xmlns:p14="http://schemas.microsoft.com/office/powerpoint/2010/main">
+          <mc:Choice Requires="p14">
             <p:contentPart p14:bwMode="auto" r:id="rId84">
               <p14:nvContentPartPr>
                 <p14:cNvPr id="47" name="Ink 46">
@@ -26934,7 +26935,7 @@
               </p14:xfrm>
             </p:contentPart>
           </mc:Choice>
-          <mc:Fallback>
+          <mc:Fallback xmlns="">
             <p:pic>
               <p:nvPicPr>
                 <p:cNvPr id="47" name="Ink 46">
@@ -26965,8 +26966,8 @@
             </p:pic>
           </mc:Fallback>
         </mc:AlternateContent>
-        <mc:AlternateContent xmlns:mc="http://schemas.openxmlformats.org/markup-compatibility/2006">
-          <mc:Choice xmlns:p14="http://schemas.microsoft.com/office/powerpoint/2010/main" Requires="p14">
+        <mc:AlternateContent xmlns:mc="http://schemas.openxmlformats.org/markup-compatibility/2006" xmlns:p14="http://schemas.microsoft.com/office/powerpoint/2010/main">
+          <mc:Choice Requires="p14">
             <p:contentPart p14:bwMode="auto" r:id="rId86">
               <p14:nvContentPartPr>
                 <p14:cNvPr id="48" name="Ink 47">
@@ -26985,7 +26986,7 @@
               </p14:xfrm>
             </p:contentPart>
           </mc:Choice>
-          <mc:Fallback>
+          <mc:Fallback xmlns="">
             <p:pic>
               <p:nvPicPr>
                 <p:cNvPr id="48" name="Ink 47">
@@ -27016,8 +27017,8 @@
             </p:pic>
           </mc:Fallback>
         </mc:AlternateContent>
-        <mc:AlternateContent xmlns:mc="http://schemas.openxmlformats.org/markup-compatibility/2006">
-          <mc:Choice xmlns:p14="http://schemas.microsoft.com/office/powerpoint/2010/main" Requires="p14">
+        <mc:AlternateContent xmlns:mc="http://schemas.openxmlformats.org/markup-compatibility/2006" xmlns:p14="http://schemas.microsoft.com/office/powerpoint/2010/main">
+          <mc:Choice Requires="p14">
             <p:contentPart p14:bwMode="auto" r:id="rId88">
               <p14:nvContentPartPr>
                 <p14:cNvPr id="28" name="Ink 27">
@@ -27036,7 +27037,7 @@
               </p14:xfrm>
             </p:contentPart>
           </mc:Choice>
-          <mc:Fallback>
+          <mc:Fallback xmlns="">
             <p:pic>
               <p:nvPicPr>
                 <p:cNvPr id="28" name="Ink 27">
@@ -27067,8 +27068,8 @@
             </p:pic>
           </mc:Fallback>
         </mc:AlternateContent>
-        <mc:AlternateContent xmlns:mc="http://schemas.openxmlformats.org/markup-compatibility/2006">
-          <mc:Choice xmlns:p14="http://schemas.microsoft.com/office/powerpoint/2010/main" Requires="p14">
+        <mc:AlternateContent xmlns:mc="http://schemas.openxmlformats.org/markup-compatibility/2006" xmlns:p14="http://schemas.microsoft.com/office/powerpoint/2010/main">
+          <mc:Choice Requires="p14">
             <p:contentPart p14:bwMode="auto" r:id="rId90">
               <p14:nvContentPartPr>
                 <p14:cNvPr id="29" name="Ink 28">
@@ -27087,7 +27088,7 @@
               </p14:xfrm>
             </p:contentPart>
           </mc:Choice>
-          <mc:Fallback>
+          <mc:Fallback xmlns="">
             <p:pic>
               <p:nvPicPr>
                 <p:cNvPr id="29" name="Ink 28">
@@ -27118,8 +27119,8 @@
             </p:pic>
           </mc:Fallback>
         </mc:AlternateContent>
-        <mc:AlternateContent xmlns:mc="http://schemas.openxmlformats.org/markup-compatibility/2006">
-          <mc:Choice xmlns:p14="http://schemas.microsoft.com/office/powerpoint/2010/main" Requires="p14">
+        <mc:AlternateContent xmlns:mc="http://schemas.openxmlformats.org/markup-compatibility/2006" xmlns:p14="http://schemas.microsoft.com/office/powerpoint/2010/main">
+          <mc:Choice Requires="p14">
             <p:contentPart p14:bwMode="auto" r:id="rId92">
               <p14:nvContentPartPr>
                 <p14:cNvPr id="30" name="Ink 29">
@@ -27138,7 +27139,7 @@
               </p14:xfrm>
             </p:contentPart>
           </mc:Choice>
-          <mc:Fallback>
+          <mc:Fallback xmlns="">
             <p:pic>
               <p:nvPicPr>
                 <p:cNvPr id="30" name="Ink 29">
@@ -27169,8 +27170,8 @@
             </p:pic>
           </mc:Fallback>
         </mc:AlternateContent>
-        <mc:AlternateContent xmlns:mc="http://schemas.openxmlformats.org/markup-compatibility/2006">
-          <mc:Choice xmlns:p14="http://schemas.microsoft.com/office/powerpoint/2010/main" Requires="p14">
+        <mc:AlternateContent xmlns:mc="http://schemas.openxmlformats.org/markup-compatibility/2006" xmlns:p14="http://schemas.microsoft.com/office/powerpoint/2010/main">
+          <mc:Choice Requires="p14">
             <p:contentPart p14:bwMode="auto" r:id="rId94">
               <p14:nvContentPartPr>
                 <p14:cNvPr id="50" name="Ink 49">
@@ -27189,7 +27190,7 @@
               </p14:xfrm>
             </p:contentPart>
           </mc:Choice>
-          <mc:Fallback>
+          <mc:Fallback xmlns="">
             <p:pic>
               <p:nvPicPr>
                 <p:cNvPr id="50" name="Ink 49">
@@ -27220,8 +27221,8 @@
             </p:pic>
           </mc:Fallback>
         </mc:AlternateContent>
-        <mc:AlternateContent xmlns:mc="http://schemas.openxmlformats.org/markup-compatibility/2006">
-          <mc:Choice xmlns:p14="http://schemas.microsoft.com/office/powerpoint/2010/main" Requires="p14">
+        <mc:AlternateContent xmlns:mc="http://schemas.openxmlformats.org/markup-compatibility/2006" xmlns:p14="http://schemas.microsoft.com/office/powerpoint/2010/main">
+          <mc:Choice Requires="p14">
             <p:contentPart p14:bwMode="auto" r:id="rId96">
               <p14:nvContentPartPr>
                 <p14:cNvPr id="51" name="Ink 50">
@@ -27240,7 +27241,7 @@
               </p14:xfrm>
             </p:contentPart>
           </mc:Choice>
-          <mc:Fallback>
+          <mc:Fallback xmlns="">
             <p:pic>
               <p:nvPicPr>
                 <p:cNvPr id="51" name="Ink 50">
@@ -27271,8 +27272,8 @@
             </p:pic>
           </mc:Fallback>
         </mc:AlternateContent>
-        <mc:AlternateContent xmlns:mc="http://schemas.openxmlformats.org/markup-compatibility/2006">
-          <mc:Choice xmlns:p14="http://schemas.microsoft.com/office/powerpoint/2010/main" Requires="p14">
+        <mc:AlternateContent xmlns:mc="http://schemas.openxmlformats.org/markup-compatibility/2006" xmlns:p14="http://schemas.microsoft.com/office/powerpoint/2010/main">
+          <mc:Choice Requires="p14">
             <p:contentPart p14:bwMode="auto" r:id="rId98">
               <p14:nvContentPartPr>
                 <p14:cNvPr id="32" name="Ink 31">
@@ -27291,7 +27292,7 @@
               </p14:xfrm>
             </p:contentPart>
           </mc:Choice>
-          <mc:Fallback>
+          <mc:Fallback xmlns="">
             <p:pic>
               <p:nvPicPr>
                 <p:cNvPr id="32" name="Ink 31">
@@ -27322,8 +27323,8 @@
             </p:pic>
           </mc:Fallback>
         </mc:AlternateContent>
-        <mc:AlternateContent xmlns:mc="http://schemas.openxmlformats.org/markup-compatibility/2006">
-          <mc:Choice xmlns:p14="http://schemas.microsoft.com/office/powerpoint/2010/main" Requires="p14">
+        <mc:AlternateContent xmlns:mc="http://schemas.openxmlformats.org/markup-compatibility/2006" xmlns:p14="http://schemas.microsoft.com/office/powerpoint/2010/main">
+          <mc:Choice Requires="p14">
             <p:contentPart p14:bwMode="auto" r:id="rId100">
               <p14:nvContentPartPr>
                 <p14:cNvPr id="33" name="Ink 32">
@@ -27342,7 +27343,7 @@
               </p14:xfrm>
             </p:contentPart>
           </mc:Choice>
-          <mc:Fallback>
+          <mc:Fallback xmlns="">
             <p:pic>
               <p:nvPicPr>
                 <p:cNvPr id="33" name="Ink 32">
@@ -27373,8 +27374,8 @@
             </p:pic>
           </mc:Fallback>
         </mc:AlternateContent>
-        <mc:AlternateContent xmlns:mc="http://schemas.openxmlformats.org/markup-compatibility/2006">
-          <mc:Choice xmlns:p14="http://schemas.microsoft.com/office/powerpoint/2010/main" Requires="p14">
+        <mc:AlternateContent xmlns:mc="http://schemas.openxmlformats.org/markup-compatibility/2006" xmlns:p14="http://schemas.microsoft.com/office/powerpoint/2010/main">
+          <mc:Choice Requires="p14">
             <p:contentPart p14:bwMode="auto" r:id="rId102">
               <p14:nvContentPartPr>
                 <p14:cNvPr id="53" name="Ink 52">
@@ -27393,7 +27394,7 @@
               </p14:xfrm>
             </p:contentPart>
           </mc:Choice>
-          <mc:Fallback>
+          <mc:Fallback xmlns="">
             <p:pic>
               <p:nvPicPr>
                 <p:cNvPr id="53" name="Ink 52">
@@ -27424,8 +27425,8 @@
             </p:pic>
           </mc:Fallback>
         </mc:AlternateContent>
-        <mc:AlternateContent xmlns:mc="http://schemas.openxmlformats.org/markup-compatibility/2006">
-          <mc:Choice xmlns:p14="http://schemas.microsoft.com/office/powerpoint/2010/main" Requires="p14">
+        <mc:AlternateContent xmlns:mc="http://schemas.openxmlformats.org/markup-compatibility/2006" xmlns:p14="http://schemas.microsoft.com/office/powerpoint/2010/main">
+          <mc:Choice Requires="p14">
             <p:contentPart p14:bwMode="auto" r:id="rId104">
               <p14:nvContentPartPr>
                 <p14:cNvPr id="54" name="Ink 53">
@@ -27444,7 +27445,7 @@
               </p14:xfrm>
             </p:contentPart>
           </mc:Choice>
-          <mc:Fallback>
+          <mc:Fallback xmlns="">
             <p:pic>
               <p:nvPicPr>
                 <p:cNvPr id="54" name="Ink 53">
@@ -27475,8 +27476,8 @@
             </p:pic>
           </mc:Fallback>
         </mc:AlternateContent>
-        <mc:AlternateContent xmlns:mc="http://schemas.openxmlformats.org/markup-compatibility/2006">
-          <mc:Choice xmlns:p14="http://schemas.microsoft.com/office/powerpoint/2010/main" Requires="p14">
+        <mc:AlternateContent xmlns:mc="http://schemas.openxmlformats.org/markup-compatibility/2006" xmlns:p14="http://schemas.microsoft.com/office/powerpoint/2010/main">
+          <mc:Choice Requires="p14">
             <p:contentPart p14:bwMode="auto" r:id="rId106">
               <p14:nvContentPartPr>
                 <p14:cNvPr id="35" name="Ink 34">
@@ -27495,7 +27496,7 @@
               </p14:xfrm>
             </p:contentPart>
           </mc:Choice>
-          <mc:Fallback>
+          <mc:Fallback xmlns="">
             <p:pic>
               <p:nvPicPr>
                 <p:cNvPr id="35" name="Ink 34">
@@ -27526,8 +27527,8 @@
             </p:pic>
           </mc:Fallback>
         </mc:AlternateContent>
-        <mc:AlternateContent xmlns:mc="http://schemas.openxmlformats.org/markup-compatibility/2006">
-          <mc:Choice xmlns:p14="http://schemas.microsoft.com/office/powerpoint/2010/main" Requires="p14">
+        <mc:AlternateContent xmlns:mc="http://schemas.openxmlformats.org/markup-compatibility/2006" xmlns:p14="http://schemas.microsoft.com/office/powerpoint/2010/main">
+          <mc:Choice Requires="p14">
             <p:contentPart p14:bwMode="auto" r:id="rId108">
               <p14:nvContentPartPr>
                 <p14:cNvPr id="36" name="Ink 35">
@@ -27546,7 +27547,7 @@
               </p14:xfrm>
             </p:contentPart>
           </mc:Choice>
-          <mc:Fallback>
+          <mc:Fallback xmlns="">
             <p:pic>
               <p:nvPicPr>
                 <p:cNvPr id="36" name="Ink 35">
@@ -27577,8 +27578,8 @@
             </p:pic>
           </mc:Fallback>
         </mc:AlternateContent>
-        <mc:AlternateContent xmlns:mc="http://schemas.openxmlformats.org/markup-compatibility/2006">
-          <mc:Choice xmlns:p14="http://schemas.microsoft.com/office/powerpoint/2010/main" Requires="p14">
+        <mc:AlternateContent xmlns:mc="http://schemas.openxmlformats.org/markup-compatibility/2006" xmlns:p14="http://schemas.microsoft.com/office/powerpoint/2010/main">
+          <mc:Choice Requires="p14">
             <p:contentPart p14:bwMode="auto" r:id="rId110">
               <p14:nvContentPartPr>
                 <p14:cNvPr id="37" name="Ink 36">
@@ -27597,7 +27598,7 @@
               </p14:xfrm>
             </p:contentPart>
           </mc:Choice>
-          <mc:Fallback>
+          <mc:Fallback xmlns="">
             <p:pic>
               <p:nvPicPr>
                 <p:cNvPr id="37" name="Ink 36">
@@ -27628,8 +27629,8 @@
             </p:pic>
           </mc:Fallback>
         </mc:AlternateContent>
-        <mc:AlternateContent xmlns:mc="http://schemas.openxmlformats.org/markup-compatibility/2006">
-          <mc:Choice xmlns:p14="http://schemas.microsoft.com/office/powerpoint/2010/main" Requires="p14">
+        <mc:AlternateContent xmlns:mc="http://schemas.openxmlformats.org/markup-compatibility/2006" xmlns:p14="http://schemas.microsoft.com/office/powerpoint/2010/main">
+          <mc:Choice Requires="p14">
             <p:contentPart p14:bwMode="auto" r:id="rId112">
               <p14:nvContentPartPr>
                 <p14:cNvPr id="55" name="Ink 54">
@@ -27648,7 +27649,7 @@
               </p14:xfrm>
             </p:contentPart>
           </mc:Choice>
-          <mc:Fallback>
+          <mc:Fallback xmlns="">
             <p:pic>
               <p:nvPicPr>
                 <p:cNvPr id="55" name="Ink 54">
@@ -27679,8 +27680,8 @@
             </p:pic>
           </mc:Fallback>
         </mc:AlternateContent>
-        <mc:AlternateContent xmlns:mc="http://schemas.openxmlformats.org/markup-compatibility/2006">
-          <mc:Choice xmlns:p14="http://schemas.microsoft.com/office/powerpoint/2010/main" Requires="p14">
+        <mc:AlternateContent xmlns:mc="http://schemas.openxmlformats.org/markup-compatibility/2006" xmlns:p14="http://schemas.microsoft.com/office/powerpoint/2010/main">
+          <mc:Choice Requires="p14">
             <p:contentPart p14:bwMode="auto" r:id="rId114">
               <p14:nvContentPartPr>
                 <p14:cNvPr id="56" name="Ink 55">
@@ -27699,7 +27700,7 @@
               </p14:xfrm>
             </p:contentPart>
           </mc:Choice>
-          <mc:Fallback>
+          <mc:Fallback xmlns="">
             <p:pic>
               <p:nvPicPr>
                 <p:cNvPr id="56" name="Ink 55">
@@ -27730,8 +27731,8 @@
             </p:pic>
           </mc:Fallback>
         </mc:AlternateContent>
-        <mc:AlternateContent xmlns:mc="http://schemas.openxmlformats.org/markup-compatibility/2006">
-          <mc:Choice xmlns:p14="http://schemas.microsoft.com/office/powerpoint/2010/main" Requires="p14">
+        <mc:AlternateContent xmlns:mc="http://schemas.openxmlformats.org/markup-compatibility/2006" xmlns:p14="http://schemas.microsoft.com/office/powerpoint/2010/main">
+          <mc:Choice Requires="p14">
             <p:contentPart p14:bwMode="auto" r:id="rId116">
               <p14:nvContentPartPr>
                 <p14:cNvPr id="38" name="Ink 37">
@@ -27750,7 +27751,7 @@
               </p14:xfrm>
             </p:contentPart>
           </mc:Choice>
-          <mc:Fallback>
+          <mc:Fallback xmlns="">
             <p:pic>
               <p:nvPicPr>
                 <p:cNvPr id="38" name="Ink 37">
@@ -27781,8 +27782,8 @@
             </p:pic>
           </mc:Fallback>
         </mc:AlternateContent>
-        <mc:AlternateContent xmlns:mc="http://schemas.openxmlformats.org/markup-compatibility/2006">
-          <mc:Choice xmlns:p14="http://schemas.microsoft.com/office/powerpoint/2010/main" Requires="p14">
+        <mc:AlternateContent xmlns:mc="http://schemas.openxmlformats.org/markup-compatibility/2006" xmlns:p14="http://schemas.microsoft.com/office/powerpoint/2010/main">
+          <mc:Choice Requires="p14">
             <p:contentPart p14:bwMode="auto" r:id="rId118">
               <p14:nvContentPartPr>
                 <p14:cNvPr id="39" name="Ink 38">
@@ -27801,7 +27802,7 @@
               </p14:xfrm>
             </p:contentPart>
           </mc:Choice>
-          <mc:Fallback>
+          <mc:Fallback xmlns="">
             <p:pic>
               <p:nvPicPr>
                 <p:cNvPr id="39" name="Ink 38">
@@ -27832,8 +27833,8 @@
             </p:pic>
           </mc:Fallback>
         </mc:AlternateContent>
-        <mc:AlternateContent xmlns:mc="http://schemas.openxmlformats.org/markup-compatibility/2006">
-          <mc:Choice xmlns:p14="http://schemas.microsoft.com/office/powerpoint/2010/main" Requires="p14">
+        <mc:AlternateContent xmlns:mc="http://schemas.openxmlformats.org/markup-compatibility/2006" xmlns:p14="http://schemas.microsoft.com/office/powerpoint/2010/main">
+          <mc:Choice Requires="p14">
             <p:contentPart p14:bwMode="auto" r:id="rId119">
               <p14:nvContentPartPr>
                 <p14:cNvPr id="40" name="Ink 39">
@@ -27852,7 +27853,7 @@
               </p14:xfrm>
             </p:contentPart>
           </mc:Choice>
-          <mc:Fallback>
+          <mc:Fallback xmlns="">
             <p:pic>
               <p:nvPicPr>
                 <p:cNvPr id="40" name="Ink 39">
@@ -27883,8 +27884,8 @@
             </p:pic>
           </mc:Fallback>
         </mc:AlternateContent>
-        <mc:AlternateContent xmlns:mc="http://schemas.openxmlformats.org/markup-compatibility/2006">
-          <mc:Choice xmlns:p14="http://schemas.microsoft.com/office/powerpoint/2010/main" Requires="p14">
+        <mc:AlternateContent xmlns:mc="http://schemas.openxmlformats.org/markup-compatibility/2006" xmlns:p14="http://schemas.microsoft.com/office/powerpoint/2010/main">
+          <mc:Choice Requires="p14">
             <p:contentPart p14:bwMode="auto" r:id="rId121">
               <p14:nvContentPartPr>
                 <p14:cNvPr id="41" name="Ink 40">
@@ -27903,7 +27904,7 @@
               </p14:xfrm>
             </p:contentPart>
           </mc:Choice>
-          <mc:Fallback>
+          <mc:Fallback xmlns="">
             <p:pic>
               <p:nvPicPr>
                 <p:cNvPr id="41" name="Ink 40">
@@ -27934,8 +27935,8 @@
             </p:pic>
           </mc:Fallback>
         </mc:AlternateContent>
-        <mc:AlternateContent xmlns:mc="http://schemas.openxmlformats.org/markup-compatibility/2006">
-          <mc:Choice xmlns:p14="http://schemas.microsoft.com/office/powerpoint/2010/main" Requires="p14">
+        <mc:AlternateContent xmlns:mc="http://schemas.openxmlformats.org/markup-compatibility/2006" xmlns:p14="http://schemas.microsoft.com/office/powerpoint/2010/main">
+          <mc:Choice Requires="p14">
             <p:contentPart p14:bwMode="auto" r:id="rId123">
               <p14:nvContentPartPr>
                 <p14:cNvPr id="57" name="Ink 56">
@@ -27954,7 +27955,7 @@
               </p14:xfrm>
             </p:contentPart>
           </mc:Choice>
-          <mc:Fallback>
+          <mc:Fallback xmlns="">
             <p:pic>
               <p:nvPicPr>
                 <p:cNvPr id="57" name="Ink 56">
@@ -27985,8 +27986,8 @@
             </p:pic>
           </mc:Fallback>
         </mc:AlternateContent>
-        <mc:AlternateContent xmlns:mc="http://schemas.openxmlformats.org/markup-compatibility/2006">
-          <mc:Choice xmlns:p14="http://schemas.microsoft.com/office/powerpoint/2010/main" Requires="p14">
+        <mc:AlternateContent xmlns:mc="http://schemas.openxmlformats.org/markup-compatibility/2006" xmlns:p14="http://schemas.microsoft.com/office/powerpoint/2010/main">
+          <mc:Choice Requires="p14">
             <p:contentPart p14:bwMode="auto" r:id="rId125">
               <p14:nvContentPartPr>
                 <p14:cNvPr id="58" name="Ink 57">
@@ -28005,7 +28006,7 @@
               </p14:xfrm>
             </p:contentPart>
           </mc:Choice>
-          <mc:Fallback>
+          <mc:Fallback xmlns="">
             <p:pic>
               <p:nvPicPr>
                 <p:cNvPr id="58" name="Ink 57">
@@ -28036,8 +28037,8 @@
             </p:pic>
           </mc:Fallback>
         </mc:AlternateContent>
-        <mc:AlternateContent xmlns:mc="http://schemas.openxmlformats.org/markup-compatibility/2006">
-          <mc:Choice xmlns:p14="http://schemas.microsoft.com/office/powerpoint/2010/main" Requires="p14">
+        <mc:AlternateContent xmlns:mc="http://schemas.openxmlformats.org/markup-compatibility/2006" xmlns:p14="http://schemas.microsoft.com/office/powerpoint/2010/main">
+          <mc:Choice Requires="p14">
             <p:contentPart p14:bwMode="auto" r:id="rId127">
               <p14:nvContentPartPr>
                 <p14:cNvPr id="66" name="Ink 65">
@@ -28056,7 +28057,7 @@
               </p14:xfrm>
             </p:contentPart>
           </mc:Choice>
-          <mc:Fallback>
+          <mc:Fallback xmlns="">
             <p:pic>
               <p:nvPicPr>
                 <p:cNvPr id="66" name="Ink 65">
@@ -28087,8 +28088,8 @@
             </p:pic>
           </mc:Fallback>
         </mc:AlternateContent>
-        <mc:AlternateContent xmlns:mc="http://schemas.openxmlformats.org/markup-compatibility/2006">
-          <mc:Choice xmlns:p14="http://schemas.microsoft.com/office/powerpoint/2010/main" Requires="p14">
+        <mc:AlternateContent xmlns:mc="http://schemas.openxmlformats.org/markup-compatibility/2006" xmlns:p14="http://schemas.microsoft.com/office/powerpoint/2010/main">
+          <mc:Choice Requires="p14">
             <p:contentPart p14:bwMode="auto" r:id="rId129">
               <p14:nvContentPartPr>
                 <p14:cNvPr id="67" name="Ink 66">
@@ -28107,7 +28108,7 @@
               </p14:xfrm>
             </p:contentPart>
           </mc:Choice>
-          <mc:Fallback>
+          <mc:Fallback xmlns="">
             <p:pic>
               <p:nvPicPr>
                 <p:cNvPr id="67" name="Ink 66">
@@ -28138,8 +28139,8 @@
             </p:pic>
           </mc:Fallback>
         </mc:AlternateContent>
-        <mc:AlternateContent xmlns:mc="http://schemas.openxmlformats.org/markup-compatibility/2006">
-          <mc:Choice xmlns:p14="http://schemas.microsoft.com/office/powerpoint/2010/main" Requires="p14">
+        <mc:AlternateContent xmlns:mc="http://schemas.openxmlformats.org/markup-compatibility/2006" xmlns:p14="http://schemas.microsoft.com/office/powerpoint/2010/main">
+          <mc:Choice Requires="p14">
             <p:contentPart p14:bwMode="auto" r:id="rId131">
               <p14:nvContentPartPr>
                 <p14:cNvPr id="69" name="Ink 68">
@@ -28158,7 +28159,7 @@
               </p14:xfrm>
             </p:contentPart>
           </mc:Choice>
-          <mc:Fallback>
+          <mc:Fallback xmlns="">
             <p:pic>
               <p:nvPicPr>
                 <p:cNvPr id="69" name="Ink 68">
@@ -28189,8 +28190,8 @@
             </p:pic>
           </mc:Fallback>
         </mc:AlternateContent>
-        <mc:AlternateContent xmlns:mc="http://schemas.openxmlformats.org/markup-compatibility/2006">
-          <mc:Choice xmlns:p14="http://schemas.microsoft.com/office/powerpoint/2010/main" Requires="p14">
+        <mc:AlternateContent xmlns:mc="http://schemas.openxmlformats.org/markup-compatibility/2006" xmlns:p14="http://schemas.microsoft.com/office/powerpoint/2010/main">
+          <mc:Choice Requires="p14">
             <p:contentPart p14:bwMode="auto" r:id="rId133">
               <p14:nvContentPartPr>
                 <p14:cNvPr id="70" name="Ink 69">
@@ -28209,7 +28210,7 @@
               </p14:xfrm>
             </p:contentPart>
           </mc:Choice>
-          <mc:Fallback>
+          <mc:Fallback xmlns="">
             <p:pic>
               <p:nvPicPr>
                 <p:cNvPr id="70" name="Ink 69">
@@ -28240,8 +28241,8 @@
             </p:pic>
           </mc:Fallback>
         </mc:AlternateContent>
-        <mc:AlternateContent xmlns:mc="http://schemas.openxmlformats.org/markup-compatibility/2006">
-          <mc:Choice xmlns:p14="http://schemas.microsoft.com/office/powerpoint/2010/main" Requires="p14">
+        <mc:AlternateContent xmlns:mc="http://schemas.openxmlformats.org/markup-compatibility/2006" xmlns:p14="http://schemas.microsoft.com/office/powerpoint/2010/main">
+          <mc:Choice Requires="p14">
             <p:contentPart p14:bwMode="auto" r:id="rId135">
               <p14:nvContentPartPr>
                 <p14:cNvPr id="71" name="Ink 70">
@@ -28260,7 +28261,7 @@
               </p14:xfrm>
             </p:contentPart>
           </mc:Choice>
-          <mc:Fallback>
+          <mc:Fallback xmlns="">
             <p:pic>
               <p:nvPicPr>
                 <p:cNvPr id="71" name="Ink 70">
@@ -28291,8 +28292,8 @@
             </p:pic>
           </mc:Fallback>
         </mc:AlternateContent>
-        <mc:AlternateContent xmlns:mc="http://schemas.openxmlformats.org/markup-compatibility/2006">
-          <mc:Choice xmlns:p14="http://schemas.microsoft.com/office/powerpoint/2010/main" Requires="p14">
+        <mc:AlternateContent xmlns:mc="http://schemas.openxmlformats.org/markup-compatibility/2006" xmlns:p14="http://schemas.microsoft.com/office/powerpoint/2010/main">
+          <mc:Choice Requires="p14">
             <p:contentPart p14:bwMode="auto" r:id="rId137">
               <p14:nvContentPartPr>
                 <p14:cNvPr id="73" name="Ink 72">
@@ -28311,7 +28312,7 @@
               </p14:xfrm>
             </p:contentPart>
           </mc:Choice>
-          <mc:Fallback>
+          <mc:Fallback xmlns="">
             <p:pic>
               <p:nvPicPr>
                 <p:cNvPr id="73" name="Ink 72">
@@ -28342,8 +28343,8 @@
             </p:pic>
           </mc:Fallback>
         </mc:AlternateContent>
-        <mc:AlternateContent xmlns:mc="http://schemas.openxmlformats.org/markup-compatibility/2006">
-          <mc:Choice xmlns:p14="http://schemas.microsoft.com/office/powerpoint/2010/main" Requires="p14">
+        <mc:AlternateContent xmlns:mc="http://schemas.openxmlformats.org/markup-compatibility/2006" xmlns:p14="http://schemas.microsoft.com/office/powerpoint/2010/main">
+          <mc:Choice Requires="p14">
             <p:contentPart p14:bwMode="auto" r:id="rId139">
               <p14:nvContentPartPr>
                 <p14:cNvPr id="74" name="Ink 73">
@@ -28362,7 +28363,7 @@
               </p14:xfrm>
             </p:contentPart>
           </mc:Choice>
-          <mc:Fallback>
+          <mc:Fallback xmlns="">
             <p:pic>
               <p:nvPicPr>
                 <p:cNvPr id="74" name="Ink 73">
@@ -28393,8 +28394,8 @@
             </p:pic>
           </mc:Fallback>
         </mc:AlternateContent>
-        <mc:AlternateContent xmlns:mc="http://schemas.openxmlformats.org/markup-compatibility/2006">
-          <mc:Choice xmlns:p14="http://schemas.microsoft.com/office/powerpoint/2010/main" Requires="p14">
+        <mc:AlternateContent xmlns:mc="http://schemas.openxmlformats.org/markup-compatibility/2006" xmlns:p14="http://schemas.microsoft.com/office/powerpoint/2010/main">
+          <mc:Choice Requires="p14">
             <p:contentPart p14:bwMode="auto" r:id="rId141">
               <p14:nvContentPartPr>
                 <p14:cNvPr id="75" name="Ink 74">
@@ -28413,7 +28414,7 @@
               </p14:xfrm>
             </p:contentPart>
           </mc:Choice>
-          <mc:Fallback>
+          <mc:Fallback xmlns="">
             <p:pic>
               <p:nvPicPr>
                 <p:cNvPr id="75" name="Ink 74">
@@ -28444,8 +28445,8 @@
             </p:pic>
           </mc:Fallback>
         </mc:AlternateContent>
-        <mc:AlternateContent xmlns:mc="http://schemas.openxmlformats.org/markup-compatibility/2006">
-          <mc:Choice xmlns:p14="http://schemas.microsoft.com/office/powerpoint/2010/main" Requires="p14">
+        <mc:AlternateContent xmlns:mc="http://schemas.openxmlformats.org/markup-compatibility/2006" xmlns:p14="http://schemas.microsoft.com/office/powerpoint/2010/main">
+          <mc:Choice Requires="p14">
             <p:contentPart p14:bwMode="auto" r:id="rId143">
               <p14:nvContentPartPr>
                 <p14:cNvPr id="76" name="Ink 75">
@@ -28464,7 +28465,7 @@
               </p14:xfrm>
             </p:contentPart>
           </mc:Choice>
-          <mc:Fallback>
+          <mc:Fallback xmlns="">
             <p:pic>
               <p:nvPicPr>
                 <p:cNvPr id="76" name="Ink 75">
@@ -28495,8 +28496,8 @@
             </p:pic>
           </mc:Fallback>
         </mc:AlternateContent>
-        <mc:AlternateContent xmlns:mc="http://schemas.openxmlformats.org/markup-compatibility/2006">
-          <mc:Choice xmlns:p14="http://schemas.microsoft.com/office/powerpoint/2010/main" Requires="p14">
+        <mc:AlternateContent xmlns:mc="http://schemas.openxmlformats.org/markup-compatibility/2006" xmlns:p14="http://schemas.microsoft.com/office/powerpoint/2010/main">
+          <mc:Choice Requires="p14">
             <p:contentPart p14:bwMode="auto" r:id="rId145">
               <p14:nvContentPartPr>
                 <p14:cNvPr id="77" name="Ink 76">
@@ -28515,7 +28516,7 @@
               </p14:xfrm>
             </p:contentPart>
           </mc:Choice>
-          <mc:Fallback>
+          <mc:Fallback xmlns="">
             <p:pic>
               <p:nvPicPr>
                 <p:cNvPr id="77" name="Ink 76">
@@ -28546,8 +28547,8 @@
             </p:pic>
           </mc:Fallback>
         </mc:AlternateContent>
-        <mc:AlternateContent xmlns:mc="http://schemas.openxmlformats.org/markup-compatibility/2006">
-          <mc:Choice xmlns:p14="http://schemas.microsoft.com/office/powerpoint/2010/main" Requires="p14">
+        <mc:AlternateContent xmlns:mc="http://schemas.openxmlformats.org/markup-compatibility/2006" xmlns:p14="http://schemas.microsoft.com/office/powerpoint/2010/main">
+          <mc:Choice Requires="p14">
             <p:contentPart p14:bwMode="auto" r:id="rId147">
               <p14:nvContentPartPr>
                 <p14:cNvPr id="78" name="Ink 77">
@@ -28566,7 +28567,7 @@
               </p14:xfrm>
             </p:contentPart>
           </mc:Choice>
-          <mc:Fallback>
+          <mc:Fallback xmlns="">
             <p:pic>
               <p:nvPicPr>
                 <p:cNvPr id="78" name="Ink 77">
@@ -28597,8 +28598,8 @@
             </p:pic>
           </mc:Fallback>
         </mc:AlternateContent>
-        <mc:AlternateContent xmlns:mc="http://schemas.openxmlformats.org/markup-compatibility/2006">
-          <mc:Choice xmlns:p14="http://schemas.microsoft.com/office/powerpoint/2010/main" Requires="p14">
+        <mc:AlternateContent xmlns:mc="http://schemas.openxmlformats.org/markup-compatibility/2006" xmlns:p14="http://schemas.microsoft.com/office/powerpoint/2010/main">
+          <mc:Choice Requires="p14">
             <p:contentPart p14:bwMode="auto" r:id="rId149">
               <p14:nvContentPartPr>
                 <p14:cNvPr id="62" name="Ink 61">
@@ -28617,7 +28618,7 @@
               </p14:xfrm>
             </p:contentPart>
           </mc:Choice>
-          <mc:Fallback>
+          <mc:Fallback xmlns="">
             <p:pic>
               <p:nvPicPr>
                 <p:cNvPr id="62" name="Ink 61">
@@ -28648,8 +28649,8 @@
             </p:pic>
           </mc:Fallback>
         </mc:AlternateContent>
-        <mc:AlternateContent xmlns:mc="http://schemas.openxmlformats.org/markup-compatibility/2006">
-          <mc:Choice xmlns:p14="http://schemas.microsoft.com/office/powerpoint/2010/main" Requires="p14">
+        <mc:AlternateContent xmlns:mc="http://schemas.openxmlformats.org/markup-compatibility/2006" xmlns:p14="http://schemas.microsoft.com/office/powerpoint/2010/main">
+          <mc:Choice Requires="p14">
             <p:contentPart p14:bwMode="auto" r:id="rId151">
               <p14:nvContentPartPr>
                 <p14:cNvPr id="63" name="Ink 62">
@@ -28668,7 +28669,7 @@
               </p14:xfrm>
             </p:contentPart>
           </mc:Choice>
-          <mc:Fallback>
+          <mc:Fallback xmlns="">
             <p:pic>
               <p:nvPicPr>
                 <p:cNvPr id="63" name="Ink 62">
@@ -28699,8 +28700,8 @@
             </p:pic>
           </mc:Fallback>
         </mc:AlternateContent>
-        <mc:AlternateContent xmlns:mc="http://schemas.openxmlformats.org/markup-compatibility/2006">
-          <mc:Choice xmlns:p14="http://schemas.microsoft.com/office/powerpoint/2010/main" Requires="p14">
+        <mc:AlternateContent xmlns:mc="http://schemas.openxmlformats.org/markup-compatibility/2006" xmlns:p14="http://schemas.microsoft.com/office/powerpoint/2010/main">
+          <mc:Choice Requires="p14">
             <p:contentPart p14:bwMode="auto" r:id="rId153">
               <p14:nvContentPartPr>
                 <p14:cNvPr id="65" name="Ink 64">
@@ -28719,7 +28720,7 @@
               </p14:xfrm>
             </p:contentPart>
           </mc:Choice>
-          <mc:Fallback>
+          <mc:Fallback xmlns="">
             <p:pic>
               <p:nvPicPr>
                 <p:cNvPr id="65" name="Ink 64">
@@ -28750,8 +28751,8 @@
             </p:pic>
           </mc:Fallback>
         </mc:AlternateContent>
-        <mc:AlternateContent xmlns:mc="http://schemas.openxmlformats.org/markup-compatibility/2006">
-          <mc:Choice xmlns:p14="http://schemas.microsoft.com/office/powerpoint/2010/main" Requires="p14">
+        <mc:AlternateContent xmlns:mc="http://schemas.openxmlformats.org/markup-compatibility/2006" xmlns:p14="http://schemas.microsoft.com/office/powerpoint/2010/main">
+          <mc:Choice Requires="p14">
             <p:contentPart p14:bwMode="auto" r:id="rId155">
               <p14:nvContentPartPr>
                 <p14:cNvPr id="140" name="Ink 139">
@@ -28770,7 +28771,7 @@
               </p14:xfrm>
             </p:contentPart>
           </mc:Choice>
-          <mc:Fallback>
+          <mc:Fallback xmlns="">
             <p:pic>
               <p:nvPicPr>
                 <p:cNvPr id="140" name="Ink 139">
@@ -28822,8 +28823,8 @@
             <a:chExt cx="8272800" cy="2182680"/>
           </a:xfrm>
         </p:grpSpPr>
-        <mc:AlternateContent xmlns:mc="http://schemas.openxmlformats.org/markup-compatibility/2006">
-          <mc:Choice xmlns:p14="http://schemas.microsoft.com/office/powerpoint/2010/main" Requires="p14">
+        <mc:AlternateContent xmlns:mc="http://schemas.openxmlformats.org/markup-compatibility/2006" xmlns:p14="http://schemas.microsoft.com/office/powerpoint/2010/main">
+          <mc:Choice Requires="p14">
             <p:contentPart p14:bwMode="auto" r:id="rId157">
               <p14:nvContentPartPr>
                 <p14:cNvPr id="45" name="Ink 44">
@@ -28842,7 +28843,7 @@
               </p14:xfrm>
             </p:contentPart>
           </mc:Choice>
-          <mc:Fallback>
+          <mc:Fallback xmlns="">
             <p:pic>
               <p:nvPicPr>
                 <p:cNvPr id="45" name="Ink 44">
@@ -28873,8 +28874,8 @@
             </p:pic>
           </mc:Fallback>
         </mc:AlternateContent>
-        <mc:AlternateContent xmlns:mc="http://schemas.openxmlformats.org/markup-compatibility/2006">
-          <mc:Choice xmlns:p14="http://schemas.microsoft.com/office/powerpoint/2010/main" Requires="p14">
+        <mc:AlternateContent xmlns:mc="http://schemas.openxmlformats.org/markup-compatibility/2006" xmlns:p14="http://schemas.microsoft.com/office/powerpoint/2010/main">
+          <mc:Choice Requires="p14">
             <p:contentPart p14:bwMode="auto" r:id="rId159">
               <p14:nvContentPartPr>
                 <p14:cNvPr id="46" name="Ink 45">
@@ -28893,7 +28894,7 @@
               </p14:xfrm>
             </p:contentPart>
           </mc:Choice>
-          <mc:Fallback>
+          <mc:Fallback xmlns="">
             <p:pic>
               <p:nvPicPr>
                 <p:cNvPr id="46" name="Ink 45">
@@ -28924,8 +28925,8 @@
             </p:pic>
           </mc:Fallback>
         </mc:AlternateContent>
-        <mc:AlternateContent xmlns:mc="http://schemas.openxmlformats.org/markup-compatibility/2006">
-          <mc:Choice xmlns:p14="http://schemas.microsoft.com/office/powerpoint/2010/main" Requires="p14">
+        <mc:AlternateContent xmlns:mc="http://schemas.openxmlformats.org/markup-compatibility/2006" xmlns:p14="http://schemas.microsoft.com/office/powerpoint/2010/main">
+          <mc:Choice Requires="p14">
             <p:contentPart p14:bwMode="auto" r:id="rId161">
               <p14:nvContentPartPr>
                 <p14:cNvPr id="119" name="Ink 118">
@@ -28944,7 +28945,7 @@
               </p14:xfrm>
             </p:contentPart>
           </mc:Choice>
-          <mc:Fallback>
+          <mc:Fallback xmlns="">
             <p:pic>
               <p:nvPicPr>
                 <p:cNvPr id="119" name="Ink 118">
@@ -28975,8 +28976,8 @@
             </p:pic>
           </mc:Fallback>
         </mc:AlternateContent>
-        <mc:AlternateContent xmlns:mc="http://schemas.openxmlformats.org/markup-compatibility/2006">
-          <mc:Choice xmlns:p14="http://schemas.microsoft.com/office/powerpoint/2010/main" Requires="p14">
+        <mc:AlternateContent xmlns:mc="http://schemas.openxmlformats.org/markup-compatibility/2006" xmlns:p14="http://schemas.microsoft.com/office/powerpoint/2010/main">
+          <mc:Choice Requires="p14">
             <p:contentPart p14:bwMode="auto" r:id="rId163">
               <p14:nvContentPartPr>
                 <p14:cNvPr id="120" name="Ink 119">
@@ -28995,7 +28996,7 @@
               </p14:xfrm>
             </p:contentPart>
           </mc:Choice>
-          <mc:Fallback>
+          <mc:Fallback xmlns="">
             <p:pic>
               <p:nvPicPr>
                 <p:cNvPr id="120" name="Ink 119">
@@ -29026,8 +29027,8 @@
             </p:pic>
           </mc:Fallback>
         </mc:AlternateContent>
-        <mc:AlternateContent xmlns:mc="http://schemas.openxmlformats.org/markup-compatibility/2006">
-          <mc:Choice xmlns:p14="http://schemas.microsoft.com/office/powerpoint/2010/main" Requires="p14">
+        <mc:AlternateContent xmlns:mc="http://schemas.openxmlformats.org/markup-compatibility/2006" xmlns:p14="http://schemas.microsoft.com/office/powerpoint/2010/main">
+          <mc:Choice Requires="p14">
             <p:contentPart p14:bwMode="auto" r:id="rId165">
               <p14:nvContentPartPr>
                 <p14:cNvPr id="122" name="Ink 121">
@@ -29046,7 +29047,7 @@
               </p14:xfrm>
             </p:contentPart>
           </mc:Choice>
-          <mc:Fallback>
+          <mc:Fallback xmlns="">
             <p:pic>
               <p:nvPicPr>
                 <p:cNvPr id="122" name="Ink 121">
@@ -29077,8 +29078,8 @@
             </p:pic>
           </mc:Fallback>
         </mc:AlternateContent>
-        <mc:AlternateContent xmlns:mc="http://schemas.openxmlformats.org/markup-compatibility/2006">
-          <mc:Choice xmlns:p14="http://schemas.microsoft.com/office/powerpoint/2010/main" Requires="p14">
+        <mc:AlternateContent xmlns:mc="http://schemas.openxmlformats.org/markup-compatibility/2006" xmlns:p14="http://schemas.microsoft.com/office/powerpoint/2010/main">
+          <mc:Choice Requires="p14">
             <p:contentPart p14:bwMode="auto" r:id="rId167">
               <p14:nvContentPartPr>
                 <p14:cNvPr id="123" name="Ink 122">
@@ -29097,7 +29098,7 @@
               </p14:xfrm>
             </p:contentPart>
           </mc:Choice>
-          <mc:Fallback>
+          <mc:Fallback xmlns="">
             <p:pic>
               <p:nvPicPr>
                 <p:cNvPr id="123" name="Ink 122">
@@ -29128,8 +29129,8 @@
             </p:pic>
           </mc:Fallback>
         </mc:AlternateContent>
-        <mc:AlternateContent xmlns:mc="http://schemas.openxmlformats.org/markup-compatibility/2006">
-          <mc:Choice xmlns:p14="http://schemas.microsoft.com/office/powerpoint/2010/main" Requires="p14">
+        <mc:AlternateContent xmlns:mc="http://schemas.openxmlformats.org/markup-compatibility/2006" xmlns:p14="http://schemas.microsoft.com/office/powerpoint/2010/main">
+          <mc:Choice Requires="p14">
             <p:contentPart p14:bwMode="auto" r:id="rId169">
               <p14:nvContentPartPr>
                 <p14:cNvPr id="124" name="Ink 123">
@@ -29148,7 +29149,7 @@
               </p14:xfrm>
             </p:contentPart>
           </mc:Choice>
-          <mc:Fallback>
+          <mc:Fallback xmlns="">
             <p:pic>
               <p:nvPicPr>
                 <p:cNvPr id="124" name="Ink 123">
@@ -29179,8 +29180,8 @@
             </p:pic>
           </mc:Fallback>
         </mc:AlternateContent>
-        <mc:AlternateContent xmlns:mc="http://schemas.openxmlformats.org/markup-compatibility/2006">
-          <mc:Choice xmlns:p14="http://schemas.microsoft.com/office/powerpoint/2010/main" Requires="p14">
+        <mc:AlternateContent xmlns:mc="http://schemas.openxmlformats.org/markup-compatibility/2006" xmlns:p14="http://schemas.microsoft.com/office/powerpoint/2010/main">
+          <mc:Choice Requires="p14">
             <p:contentPart p14:bwMode="auto" r:id="rId171">
               <p14:nvContentPartPr>
                 <p14:cNvPr id="126" name="Ink 125">
@@ -29199,7 +29200,7 @@
               </p14:xfrm>
             </p:contentPart>
           </mc:Choice>
-          <mc:Fallback>
+          <mc:Fallback xmlns="">
             <p:pic>
               <p:nvPicPr>
                 <p:cNvPr id="126" name="Ink 125">
@@ -29230,8 +29231,8 @@
             </p:pic>
           </mc:Fallback>
         </mc:AlternateContent>
-        <mc:AlternateContent xmlns:mc="http://schemas.openxmlformats.org/markup-compatibility/2006">
-          <mc:Choice xmlns:p14="http://schemas.microsoft.com/office/powerpoint/2010/main" Requires="p14">
+        <mc:AlternateContent xmlns:mc="http://schemas.openxmlformats.org/markup-compatibility/2006" xmlns:p14="http://schemas.microsoft.com/office/powerpoint/2010/main">
+          <mc:Choice Requires="p14">
             <p:contentPart p14:bwMode="auto" r:id="rId173">
               <p14:nvContentPartPr>
                 <p14:cNvPr id="81" name="Ink 80">
@@ -29250,7 +29251,7 @@
               </p14:xfrm>
             </p:contentPart>
           </mc:Choice>
-          <mc:Fallback>
+          <mc:Fallback xmlns="">
             <p:pic>
               <p:nvPicPr>
                 <p:cNvPr id="81" name="Ink 80">
@@ -29281,8 +29282,8 @@
             </p:pic>
           </mc:Fallback>
         </mc:AlternateContent>
-        <mc:AlternateContent xmlns:mc="http://schemas.openxmlformats.org/markup-compatibility/2006">
-          <mc:Choice xmlns:p14="http://schemas.microsoft.com/office/powerpoint/2010/main" Requires="p14">
+        <mc:AlternateContent xmlns:mc="http://schemas.openxmlformats.org/markup-compatibility/2006" xmlns:p14="http://schemas.microsoft.com/office/powerpoint/2010/main">
+          <mc:Choice Requires="p14">
             <p:contentPart p14:bwMode="auto" r:id="rId175">
               <p14:nvContentPartPr>
                 <p14:cNvPr id="82" name="Ink 81">
@@ -29301,7 +29302,7 @@
               </p14:xfrm>
             </p:contentPart>
           </mc:Choice>
-          <mc:Fallback>
+          <mc:Fallback xmlns="">
             <p:pic>
               <p:nvPicPr>
                 <p:cNvPr id="82" name="Ink 81">
@@ -29332,8 +29333,8 @@
             </p:pic>
           </mc:Fallback>
         </mc:AlternateContent>
-        <mc:AlternateContent xmlns:mc="http://schemas.openxmlformats.org/markup-compatibility/2006">
-          <mc:Choice xmlns:p14="http://schemas.microsoft.com/office/powerpoint/2010/main" Requires="p14">
+        <mc:AlternateContent xmlns:mc="http://schemas.openxmlformats.org/markup-compatibility/2006" xmlns:p14="http://schemas.microsoft.com/office/powerpoint/2010/main">
+          <mc:Choice Requires="p14">
             <p:contentPart p14:bwMode="auto" r:id="rId177">
               <p14:nvContentPartPr>
                 <p14:cNvPr id="84" name="Ink 83">
@@ -29352,7 +29353,7 @@
               </p14:xfrm>
             </p:contentPart>
           </mc:Choice>
-          <mc:Fallback>
+          <mc:Fallback xmlns="">
             <p:pic>
               <p:nvPicPr>
                 <p:cNvPr id="84" name="Ink 83">
@@ -29383,8 +29384,8 @@
             </p:pic>
           </mc:Fallback>
         </mc:AlternateContent>
-        <mc:AlternateContent xmlns:mc="http://schemas.openxmlformats.org/markup-compatibility/2006">
-          <mc:Choice xmlns:p14="http://schemas.microsoft.com/office/powerpoint/2010/main" Requires="p14">
+        <mc:AlternateContent xmlns:mc="http://schemas.openxmlformats.org/markup-compatibility/2006" xmlns:p14="http://schemas.microsoft.com/office/powerpoint/2010/main">
+          <mc:Choice Requires="p14">
             <p:contentPart p14:bwMode="auto" r:id="rId179">
               <p14:nvContentPartPr>
                 <p14:cNvPr id="85" name="Ink 84">
@@ -29403,7 +29404,7 @@
               </p14:xfrm>
             </p:contentPart>
           </mc:Choice>
-          <mc:Fallback>
+          <mc:Fallback xmlns="">
             <p:pic>
               <p:nvPicPr>
                 <p:cNvPr id="85" name="Ink 84">
@@ -29434,8 +29435,8 @@
             </p:pic>
           </mc:Fallback>
         </mc:AlternateContent>
-        <mc:AlternateContent xmlns:mc="http://schemas.openxmlformats.org/markup-compatibility/2006">
-          <mc:Choice xmlns:p14="http://schemas.microsoft.com/office/powerpoint/2010/main" Requires="p14">
+        <mc:AlternateContent xmlns:mc="http://schemas.openxmlformats.org/markup-compatibility/2006" xmlns:p14="http://schemas.microsoft.com/office/powerpoint/2010/main">
+          <mc:Choice Requires="p14">
             <p:contentPart p14:bwMode="auto" r:id="rId181">
               <p14:nvContentPartPr>
                 <p14:cNvPr id="86" name="Ink 85">
@@ -29454,7 +29455,7 @@
               </p14:xfrm>
             </p:contentPart>
           </mc:Choice>
-          <mc:Fallback>
+          <mc:Fallback xmlns="">
             <p:pic>
               <p:nvPicPr>
                 <p:cNvPr id="86" name="Ink 85">
@@ -29485,8 +29486,8 @@
             </p:pic>
           </mc:Fallback>
         </mc:AlternateContent>
-        <mc:AlternateContent xmlns:mc="http://schemas.openxmlformats.org/markup-compatibility/2006">
-          <mc:Choice xmlns:p14="http://schemas.microsoft.com/office/powerpoint/2010/main" Requires="p14">
+        <mc:AlternateContent xmlns:mc="http://schemas.openxmlformats.org/markup-compatibility/2006" xmlns:p14="http://schemas.microsoft.com/office/powerpoint/2010/main">
+          <mc:Choice Requires="p14">
             <p:contentPart p14:bwMode="auto" r:id="rId183">
               <p14:nvContentPartPr>
                 <p14:cNvPr id="87" name="Ink 86">
@@ -29505,7 +29506,7 @@
               </p14:xfrm>
             </p:contentPart>
           </mc:Choice>
-          <mc:Fallback>
+          <mc:Fallback xmlns="">
             <p:pic>
               <p:nvPicPr>
                 <p:cNvPr id="87" name="Ink 86">
@@ -29536,8 +29537,8 @@
             </p:pic>
           </mc:Fallback>
         </mc:AlternateContent>
-        <mc:AlternateContent xmlns:mc="http://schemas.openxmlformats.org/markup-compatibility/2006">
-          <mc:Choice xmlns:p14="http://schemas.microsoft.com/office/powerpoint/2010/main" Requires="p14">
+        <mc:AlternateContent xmlns:mc="http://schemas.openxmlformats.org/markup-compatibility/2006" xmlns:p14="http://schemas.microsoft.com/office/powerpoint/2010/main">
+          <mc:Choice Requires="p14">
             <p:contentPart p14:bwMode="auto" r:id="rId185">
               <p14:nvContentPartPr>
                 <p14:cNvPr id="88" name="Ink 87">
@@ -29556,7 +29557,7 @@
               </p14:xfrm>
             </p:contentPart>
           </mc:Choice>
-          <mc:Fallback>
+          <mc:Fallback xmlns="">
             <p:pic>
               <p:nvPicPr>
                 <p:cNvPr id="88" name="Ink 87">
@@ -29587,8 +29588,8 @@
             </p:pic>
           </mc:Fallback>
         </mc:AlternateContent>
-        <mc:AlternateContent xmlns:mc="http://schemas.openxmlformats.org/markup-compatibility/2006">
-          <mc:Choice xmlns:p14="http://schemas.microsoft.com/office/powerpoint/2010/main" Requires="p14">
+        <mc:AlternateContent xmlns:mc="http://schemas.openxmlformats.org/markup-compatibility/2006" xmlns:p14="http://schemas.microsoft.com/office/powerpoint/2010/main">
+          <mc:Choice Requires="p14">
             <p:contentPart p14:bwMode="auto" r:id="rId187">
               <p14:nvContentPartPr>
                 <p14:cNvPr id="89" name="Ink 88">
@@ -29607,7 +29608,7 @@
               </p14:xfrm>
             </p:contentPart>
           </mc:Choice>
-          <mc:Fallback>
+          <mc:Fallback xmlns="">
             <p:pic>
               <p:nvPicPr>
                 <p:cNvPr id="89" name="Ink 88">
@@ -29638,8 +29639,8 @@
             </p:pic>
           </mc:Fallback>
         </mc:AlternateContent>
-        <mc:AlternateContent xmlns:mc="http://schemas.openxmlformats.org/markup-compatibility/2006">
-          <mc:Choice xmlns:p14="http://schemas.microsoft.com/office/powerpoint/2010/main" Requires="p14">
+        <mc:AlternateContent xmlns:mc="http://schemas.openxmlformats.org/markup-compatibility/2006" xmlns:p14="http://schemas.microsoft.com/office/powerpoint/2010/main">
+          <mc:Choice Requires="p14">
             <p:contentPart p14:bwMode="auto" r:id="rId189">
               <p14:nvContentPartPr>
                 <p14:cNvPr id="90" name="Ink 89">
@@ -29658,7 +29659,7 @@
               </p14:xfrm>
             </p:contentPart>
           </mc:Choice>
-          <mc:Fallback>
+          <mc:Fallback xmlns="">
             <p:pic>
               <p:nvPicPr>
                 <p:cNvPr id="90" name="Ink 89">
@@ -29689,8 +29690,8 @@
             </p:pic>
           </mc:Fallback>
         </mc:AlternateContent>
-        <mc:AlternateContent xmlns:mc="http://schemas.openxmlformats.org/markup-compatibility/2006">
-          <mc:Choice xmlns:p14="http://schemas.microsoft.com/office/powerpoint/2010/main" Requires="p14">
+        <mc:AlternateContent xmlns:mc="http://schemas.openxmlformats.org/markup-compatibility/2006" xmlns:p14="http://schemas.microsoft.com/office/powerpoint/2010/main">
+          <mc:Choice Requires="p14">
             <p:contentPart p14:bwMode="auto" r:id="rId191">
               <p14:nvContentPartPr>
                 <p14:cNvPr id="91" name="Ink 90">
@@ -29709,7 +29710,7 @@
               </p14:xfrm>
             </p:contentPart>
           </mc:Choice>
-          <mc:Fallback>
+          <mc:Fallback xmlns="">
             <p:pic>
               <p:nvPicPr>
                 <p:cNvPr id="91" name="Ink 90">
@@ -29740,8 +29741,8 @@
             </p:pic>
           </mc:Fallback>
         </mc:AlternateContent>
-        <mc:AlternateContent xmlns:mc="http://schemas.openxmlformats.org/markup-compatibility/2006">
-          <mc:Choice xmlns:p14="http://schemas.microsoft.com/office/powerpoint/2010/main" Requires="p14">
+        <mc:AlternateContent xmlns:mc="http://schemas.openxmlformats.org/markup-compatibility/2006" xmlns:p14="http://schemas.microsoft.com/office/powerpoint/2010/main">
+          <mc:Choice Requires="p14">
             <p:contentPart p14:bwMode="auto" r:id="rId193">
               <p14:nvContentPartPr>
                 <p14:cNvPr id="92" name="Ink 91">
@@ -29760,7 +29761,7 @@
               </p14:xfrm>
             </p:contentPart>
           </mc:Choice>
-          <mc:Fallback>
+          <mc:Fallback xmlns="">
             <p:pic>
               <p:nvPicPr>
                 <p:cNvPr id="92" name="Ink 91">
@@ -29791,8 +29792,8 @@
             </p:pic>
           </mc:Fallback>
         </mc:AlternateContent>
-        <mc:AlternateContent xmlns:mc="http://schemas.openxmlformats.org/markup-compatibility/2006">
-          <mc:Choice xmlns:p14="http://schemas.microsoft.com/office/powerpoint/2010/main" Requires="p14">
+        <mc:AlternateContent xmlns:mc="http://schemas.openxmlformats.org/markup-compatibility/2006" xmlns:p14="http://schemas.microsoft.com/office/powerpoint/2010/main">
+          <mc:Choice Requires="p14">
             <p:contentPart p14:bwMode="auto" r:id="rId195">
               <p14:nvContentPartPr>
                 <p14:cNvPr id="93" name="Ink 92">
@@ -29811,7 +29812,7 @@
               </p14:xfrm>
             </p:contentPart>
           </mc:Choice>
-          <mc:Fallback>
+          <mc:Fallback xmlns="">
             <p:pic>
               <p:nvPicPr>
                 <p:cNvPr id="93" name="Ink 92">
@@ -29842,8 +29843,8 @@
             </p:pic>
           </mc:Fallback>
         </mc:AlternateContent>
-        <mc:AlternateContent xmlns:mc="http://schemas.openxmlformats.org/markup-compatibility/2006">
-          <mc:Choice xmlns:p14="http://schemas.microsoft.com/office/powerpoint/2010/main" Requires="p14">
+        <mc:AlternateContent xmlns:mc="http://schemas.openxmlformats.org/markup-compatibility/2006" xmlns:p14="http://schemas.microsoft.com/office/powerpoint/2010/main">
+          <mc:Choice Requires="p14">
             <p:contentPart p14:bwMode="auto" r:id="rId197">
               <p14:nvContentPartPr>
                 <p14:cNvPr id="94" name="Ink 93">
@@ -29862,7 +29863,7 @@
               </p14:xfrm>
             </p:contentPart>
           </mc:Choice>
-          <mc:Fallback>
+          <mc:Fallback xmlns="">
             <p:pic>
               <p:nvPicPr>
                 <p:cNvPr id="94" name="Ink 93">
@@ -29893,8 +29894,8 @@
             </p:pic>
           </mc:Fallback>
         </mc:AlternateContent>
-        <mc:AlternateContent xmlns:mc="http://schemas.openxmlformats.org/markup-compatibility/2006">
-          <mc:Choice xmlns:p14="http://schemas.microsoft.com/office/powerpoint/2010/main" Requires="p14">
+        <mc:AlternateContent xmlns:mc="http://schemas.openxmlformats.org/markup-compatibility/2006" xmlns:p14="http://schemas.microsoft.com/office/powerpoint/2010/main">
+          <mc:Choice Requires="p14">
             <p:contentPart p14:bwMode="auto" r:id="rId199">
               <p14:nvContentPartPr>
                 <p14:cNvPr id="95" name="Ink 94">
@@ -29913,7 +29914,7 @@
               </p14:xfrm>
             </p:contentPart>
           </mc:Choice>
-          <mc:Fallback>
+          <mc:Fallback xmlns="">
             <p:pic>
               <p:nvPicPr>
                 <p:cNvPr id="95" name="Ink 94">
@@ -29944,8 +29945,8 @@
             </p:pic>
           </mc:Fallback>
         </mc:AlternateContent>
-        <mc:AlternateContent xmlns:mc="http://schemas.openxmlformats.org/markup-compatibility/2006">
-          <mc:Choice xmlns:p14="http://schemas.microsoft.com/office/powerpoint/2010/main" Requires="p14">
+        <mc:AlternateContent xmlns:mc="http://schemas.openxmlformats.org/markup-compatibility/2006" xmlns:p14="http://schemas.microsoft.com/office/powerpoint/2010/main">
+          <mc:Choice Requires="p14">
             <p:contentPart p14:bwMode="auto" r:id="rId201">
               <p14:nvContentPartPr>
                 <p14:cNvPr id="96" name="Ink 95">
@@ -29964,7 +29965,7 @@
               </p14:xfrm>
             </p:contentPart>
           </mc:Choice>
-          <mc:Fallback>
+          <mc:Fallback xmlns="">
             <p:pic>
               <p:nvPicPr>
                 <p:cNvPr id="96" name="Ink 95">
@@ -29995,8 +29996,8 @@
             </p:pic>
           </mc:Fallback>
         </mc:AlternateContent>
-        <mc:AlternateContent xmlns:mc="http://schemas.openxmlformats.org/markup-compatibility/2006">
-          <mc:Choice xmlns:p14="http://schemas.microsoft.com/office/powerpoint/2010/main" Requires="p14">
+        <mc:AlternateContent xmlns:mc="http://schemas.openxmlformats.org/markup-compatibility/2006" xmlns:p14="http://schemas.microsoft.com/office/powerpoint/2010/main">
+          <mc:Choice Requires="p14">
             <p:contentPart p14:bwMode="auto" r:id="rId203">
               <p14:nvContentPartPr>
                 <p14:cNvPr id="127" name="Ink 126">
@@ -30015,7 +30016,7 @@
               </p14:xfrm>
             </p:contentPart>
           </mc:Choice>
-          <mc:Fallback>
+          <mc:Fallback xmlns="">
             <p:pic>
               <p:nvPicPr>
                 <p:cNvPr id="127" name="Ink 126">
@@ -30046,8 +30047,8 @@
             </p:pic>
           </mc:Fallback>
         </mc:AlternateContent>
-        <mc:AlternateContent xmlns:mc="http://schemas.openxmlformats.org/markup-compatibility/2006">
-          <mc:Choice xmlns:p14="http://schemas.microsoft.com/office/powerpoint/2010/main" Requires="p14">
+        <mc:AlternateContent xmlns:mc="http://schemas.openxmlformats.org/markup-compatibility/2006" xmlns:p14="http://schemas.microsoft.com/office/powerpoint/2010/main">
+          <mc:Choice Requires="p14">
             <p:contentPart p14:bwMode="auto" r:id="rId205">
               <p14:nvContentPartPr>
                 <p14:cNvPr id="128" name="Ink 127">
@@ -30066,7 +30067,7 @@
               </p14:xfrm>
             </p:contentPart>
           </mc:Choice>
-          <mc:Fallback>
+          <mc:Fallback xmlns="">
             <p:pic>
               <p:nvPicPr>
                 <p:cNvPr id="128" name="Ink 127">
@@ -30097,8 +30098,8 @@
             </p:pic>
           </mc:Fallback>
         </mc:AlternateContent>
-        <mc:AlternateContent xmlns:mc="http://schemas.openxmlformats.org/markup-compatibility/2006">
-          <mc:Choice xmlns:p14="http://schemas.microsoft.com/office/powerpoint/2010/main" Requires="p14">
+        <mc:AlternateContent xmlns:mc="http://schemas.openxmlformats.org/markup-compatibility/2006" xmlns:p14="http://schemas.microsoft.com/office/powerpoint/2010/main">
+          <mc:Choice Requires="p14">
             <p:contentPart p14:bwMode="auto" r:id="rId207">
               <p14:nvContentPartPr>
                 <p14:cNvPr id="131" name="Ink 130">
@@ -30117,7 +30118,7 @@
               </p14:xfrm>
             </p:contentPart>
           </mc:Choice>
-          <mc:Fallback>
+          <mc:Fallback xmlns="">
             <p:pic>
               <p:nvPicPr>
                 <p:cNvPr id="131" name="Ink 130">
@@ -30148,8 +30149,8 @@
             </p:pic>
           </mc:Fallback>
         </mc:AlternateContent>
-        <mc:AlternateContent xmlns:mc="http://schemas.openxmlformats.org/markup-compatibility/2006">
-          <mc:Choice xmlns:p14="http://schemas.microsoft.com/office/powerpoint/2010/main" Requires="p14">
+        <mc:AlternateContent xmlns:mc="http://schemas.openxmlformats.org/markup-compatibility/2006" xmlns:p14="http://schemas.microsoft.com/office/powerpoint/2010/main">
+          <mc:Choice Requires="p14">
             <p:contentPart p14:bwMode="auto" r:id="rId209">
               <p14:nvContentPartPr>
                 <p14:cNvPr id="132" name="Ink 131">
@@ -30168,7 +30169,7 @@
               </p14:xfrm>
             </p:contentPart>
           </mc:Choice>
-          <mc:Fallback>
+          <mc:Fallback xmlns="">
             <p:pic>
               <p:nvPicPr>
                 <p:cNvPr id="132" name="Ink 131">
@@ -30199,8 +30200,8 @@
             </p:pic>
           </mc:Fallback>
         </mc:AlternateContent>
-        <mc:AlternateContent xmlns:mc="http://schemas.openxmlformats.org/markup-compatibility/2006">
-          <mc:Choice xmlns:p14="http://schemas.microsoft.com/office/powerpoint/2010/main" Requires="p14">
+        <mc:AlternateContent xmlns:mc="http://schemas.openxmlformats.org/markup-compatibility/2006" xmlns:p14="http://schemas.microsoft.com/office/powerpoint/2010/main">
+          <mc:Choice Requires="p14">
             <p:contentPart p14:bwMode="auto" r:id="rId211">
               <p14:nvContentPartPr>
                 <p14:cNvPr id="133" name="Ink 132">
@@ -30219,7 +30220,7 @@
               </p14:xfrm>
             </p:contentPart>
           </mc:Choice>
-          <mc:Fallback>
+          <mc:Fallback xmlns="">
             <p:pic>
               <p:nvPicPr>
                 <p:cNvPr id="133" name="Ink 132">
@@ -30250,8 +30251,8 @@
             </p:pic>
           </mc:Fallback>
         </mc:AlternateContent>
-        <mc:AlternateContent xmlns:mc="http://schemas.openxmlformats.org/markup-compatibility/2006">
-          <mc:Choice xmlns:p14="http://schemas.microsoft.com/office/powerpoint/2010/main" Requires="p14">
+        <mc:AlternateContent xmlns:mc="http://schemas.openxmlformats.org/markup-compatibility/2006" xmlns:p14="http://schemas.microsoft.com/office/powerpoint/2010/main">
+          <mc:Choice Requires="p14">
             <p:contentPart p14:bwMode="auto" r:id="rId213">
               <p14:nvContentPartPr>
                 <p14:cNvPr id="134" name="Ink 133">
@@ -30270,7 +30271,7 @@
               </p14:xfrm>
             </p:contentPart>
           </mc:Choice>
-          <mc:Fallback>
+          <mc:Fallback xmlns="">
             <p:pic>
               <p:nvPicPr>
                 <p:cNvPr id="134" name="Ink 133">
@@ -30301,8 +30302,8 @@
             </p:pic>
           </mc:Fallback>
         </mc:AlternateContent>
-        <mc:AlternateContent xmlns:mc="http://schemas.openxmlformats.org/markup-compatibility/2006">
-          <mc:Choice xmlns:p14="http://schemas.microsoft.com/office/powerpoint/2010/main" Requires="p14">
+        <mc:AlternateContent xmlns:mc="http://schemas.openxmlformats.org/markup-compatibility/2006" xmlns:p14="http://schemas.microsoft.com/office/powerpoint/2010/main">
+          <mc:Choice Requires="p14">
             <p:contentPart p14:bwMode="auto" r:id="rId215">
               <p14:nvContentPartPr>
                 <p14:cNvPr id="136" name="Ink 135">
@@ -30321,7 +30322,7 @@
               </p14:xfrm>
             </p:contentPart>
           </mc:Choice>
-          <mc:Fallback>
+          <mc:Fallback xmlns="">
             <p:pic>
               <p:nvPicPr>
                 <p:cNvPr id="136" name="Ink 135">
@@ -30352,8 +30353,8 @@
             </p:pic>
           </mc:Fallback>
         </mc:AlternateContent>
-        <mc:AlternateContent xmlns:mc="http://schemas.openxmlformats.org/markup-compatibility/2006">
-          <mc:Choice xmlns:p14="http://schemas.microsoft.com/office/powerpoint/2010/main" Requires="p14">
+        <mc:AlternateContent xmlns:mc="http://schemas.openxmlformats.org/markup-compatibility/2006" xmlns:p14="http://schemas.microsoft.com/office/powerpoint/2010/main">
+          <mc:Choice Requires="p14">
             <p:contentPart p14:bwMode="auto" r:id="rId217">
               <p14:nvContentPartPr>
                 <p14:cNvPr id="137" name="Ink 136">
@@ -30372,7 +30373,7 @@
               </p14:xfrm>
             </p:contentPart>
           </mc:Choice>
-          <mc:Fallback>
+          <mc:Fallback xmlns="">
             <p:pic>
               <p:nvPicPr>
                 <p:cNvPr id="137" name="Ink 136">
@@ -30403,8 +30404,8 @@
             </p:pic>
           </mc:Fallback>
         </mc:AlternateContent>
-        <mc:AlternateContent xmlns:mc="http://schemas.openxmlformats.org/markup-compatibility/2006">
-          <mc:Choice xmlns:p14="http://schemas.microsoft.com/office/powerpoint/2010/main" Requires="p14">
+        <mc:AlternateContent xmlns:mc="http://schemas.openxmlformats.org/markup-compatibility/2006" xmlns:p14="http://schemas.microsoft.com/office/powerpoint/2010/main">
+          <mc:Choice Requires="p14">
             <p:contentPart p14:bwMode="auto" r:id="rId219">
               <p14:nvContentPartPr>
                 <p14:cNvPr id="142" name="Ink 141">
@@ -30423,7 +30424,7 @@
               </p14:xfrm>
             </p:contentPart>
           </mc:Choice>
-          <mc:Fallback>
+          <mc:Fallback xmlns="">
             <p:pic>
               <p:nvPicPr>
                 <p:cNvPr id="142" name="Ink 141">
@@ -30485,8 +30486,8 @@
           <a:chExt cx="0" cy="0"/>
         </a:xfrm>
       </p:grpSpPr>
-      <mc:AlternateContent xmlns:mc="http://schemas.openxmlformats.org/markup-compatibility/2006">
-        <mc:Choice xmlns:p14="http://schemas.microsoft.com/office/powerpoint/2010/main" Requires="p14">
+      <mc:AlternateContent xmlns:mc="http://schemas.openxmlformats.org/markup-compatibility/2006" xmlns:p14="http://schemas.microsoft.com/office/powerpoint/2010/main">
+        <mc:Choice Requires="p14">
           <p:contentPart p14:bwMode="auto" r:id="rId2">
             <p14:nvContentPartPr>
               <p14:cNvPr id="28" name="Ink 27">
@@ -30505,7 +30506,7 @@
             </p14:xfrm>
           </p:contentPart>
         </mc:Choice>
-        <mc:Fallback>
+        <mc:Fallback xmlns="">
           <p:pic>
             <p:nvPicPr>
               <p:cNvPr id="28" name="Ink 27">
@@ -30536,8 +30537,8 @@
           </p:pic>
         </mc:Fallback>
       </mc:AlternateContent>
-      <mc:AlternateContent xmlns:mc="http://schemas.openxmlformats.org/markup-compatibility/2006">
-        <mc:Choice xmlns:p14="http://schemas.microsoft.com/office/powerpoint/2010/main" Requires="p14">
+      <mc:AlternateContent xmlns:mc="http://schemas.openxmlformats.org/markup-compatibility/2006" xmlns:p14="http://schemas.microsoft.com/office/powerpoint/2010/main">
+        <mc:Choice Requires="p14">
           <p:contentPart p14:bwMode="auto" r:id="rId4">
             <p14:nvContentPartPr>
               <p14:cNvPr id="120" name="Ink 119">
@@ -30556,7 +30557,7 @@
             </p14:xfrm>
           </p:contentPart>
         </mc:Choice>
-        <mc:Fallback>
+        <mc:Fallback xmlns="">
           <p:pic>
             <p:nvPicPr>
               <p:cNvPr id="120" name="Ink 119">
@@ -30587,8 +30588,8 @@
           </p:pic>
         </mc:Fallback>
       </mc:AlternateContent>
-      <mc:AlternateContent xmlns:mc="http://schemas.openxmlformats.org/markup-compatibility/2006">
-        <mc:Choice xmlns:p14="http://schemas.microsoft.com/office/powerpoint/2010/main" Requires="p14">
+      <mc:AlternateContent xmlns:mc="http://schemas.openxmlformats.org/markup-compatibility/2006" xmlns:p14="http://schemas.microsoft.com/office/powerpoint/2010/main">
+        <mc:Choice Requires="p14">
           <p:contentPart p14:bwMode="auto" r:id="rId6">
             <p14:nvContentPartPr>
               <p14:cNvPr id="122" name="Ink 121">
@@ -30607,7 +30608,7 @@
             </p14:xfrm>
           </p:contentPart>
         </mc:Choice>
-        <mc:Fallback>
+        <mc:Fallback xmlns="">
           <p:pic>
             <p:nvPicPr>
               <p:cNvPr id="122" name="Ink 121">
@@ -30658,8 +30659,8 @@
             <a:chExt cx="11723400" cy="5639040"/>
           </a:xfrm>
         </p:grpSpPr>
-        <mc:AlternateContent xmlns:mc="http://schemas.openxmlformats.org/markup-compatibility/2006">
-          <mc:Choice xmlns:p14="http://schemas.microsoft.com/office/powerpoint/2010/main" Requires="p14">
+        <mc:AlternateContent xmlns:mc="http://schemas.openxmlformats.org/markup-compatibility/2006" xmlns:p14="http://schemas.microsoft.com/office/powerpoint/2010/main">
+          <mc:Choice Requires="p14">
             <p:contentPart p14:bwMode="auto" r:id="rId8">
               <p14:nvContentPartPr>
                 <p14:cNvPr id="4" name="Ink 3">
@@ -30678,7 +30679,7 @@
               </p14:xfrm>
             </p:contentPart>
           </mc:Choice>
-          <mc:Fallback>
+          <mc:Fallback xmlns="">
             <p:pic>
               <p:nvPicPr>
                 <p:cNvPr id="4" name="Ink 3">
@@ -30709,8 +30710,8 @@
             </p:pic>
           </mc:Fallback>
         </mc:AlternateContent>
-        <mc:AlternateContent xmlns:mc="http://schemas.openxmlformats.org/markup-compatibility/2006">
-          <mc:Choice xmlns:p14="http://schemas.microsoft.com/office/powerpoint/2010/main" Requires="p14">
+        <mc:AlternateContent xmlns:mc="http://schemas.openxmlformats.org/markup-compatibility/2006" xmlns:p14="http://schemas.microsoft.com/office/powerpoint/2010/main">
+          <mc:Choice Requires="p14">
             <p:contentPart p14:bwMode="auto" r:id="rId10">
               <p14:nvContentPartPr>
                 <p14:cNvPr id="5" name="Ink 4">
@@ -30729,7 +30730,7 @@
               </p14:xfrm>
             </p:contentPart>
           </mc:Choice>
-          <mc:Fallback>
+          <mc:Fallback xmlns="">
             <p:pic>
               <p:nvPicPr>
                 <p:cNvPr id="5" name="Ink 4">
@@ -30760,8 +30761,8 @@
             </p:pic>
           </mc:Fallback>
         </mc:AlternateContent>
-        <mc:AlternateContent xmlns:mc="http://schemas.openxmlformats.org/markup-compatibility/2006">
-          <mc:Choice xmlns:p14="http://schemas.microsoft.com/office/powerpoint/2010/main" Requires="p14">
+        <mc:AlternateContent xmlns:mc="http://schemas.openxmlformats.org/markup-compatibility/2006" xmlns:p14="http://schemas.microsoft.com/office/powerpoint/2010/main">
+          <mc:Choice Requires="p14">
             <p:contentPart p14:bwMode="auto" r:id="rId12">
               <p14:nvContentPartPr>
                 <p14:cNvPr id="6" name="Ink 5">
@@ -30780,7 +30781,7 @@
               </p14:xfrm>
             </p:contentPart>
           </mc:Choice>
-          <mc:Fallback>
+          <mc:Fallback xmlns="">
             <p:pic>
               <p:nvPicPr>
                 <p:cNvPr id="6" name="Ink 5">
@@ -30811,8 +30812,8 @@
             </p:pic>
           </mc:Fallback>
         </mc:AlternateContent>
-        <mc:AlternateContent xmlns:mc="http://schemas.openxmlformats.org/markup-compatibility/2006">
-          <mc:Choice xmlns:p14="http://schemas.microsoft.com/office/powerpoint/2010/main" Requires="p14">
+        <mc:AlternateContent xmlns:mc="http://schemas.openxmlformats.org/markup-compatibility/2006" xmlns:p14="http://schemas.microsoft.com/office/powerpoint/2010/main">
+          <mc:Choice Requires="p14">
             <p:contentPart p14:bwMode="auto" r:id="rId14">
               <p14:nvContentPartPr>
                 <p14:cNvPr id="7" name="Ink 6">
@@ -30831,7 +30832,7 @@
               </p14:xfrm>
             </p:contentPart>
           </mc:Choice>
-          <mc:Fallback>
+          <mc:Fallback xmlns="">
             <p:pic>
               <p:nvPicPr>
                 <p:cNvPr id="7" name="Ink 6">
@@ -30862,8 +30863,8 @@
             </p:pic>
           </mc:Fallback>
         </mc:AlternateContent>
-        <mc:AlternateContent xmlns:mc="http://schemas.openxmlformats.org/markup-compatibility/2006">
-          <mc:Choice xmlns:p14="http://schemas.microsoft.com/office/powerpoint/2010/main" Requires="p14">
+        <mc:AlternateContent xmlns:mc="http://schemas.openxmlformats.org/markup-compatibility/2006" xmlns:p14="http://schemas.microsoft.com/office/powerpoint/2010/main">
+          <mc:Choice Requires="p14">
             <p:contentPart p14:bwMode="auto" r:id="rId16">
               <p14:nvContentPartPr>
                 <p14:cNvPr id="9" name="Ink 8">
@@ -30882,7 +30883,7 @@
               </p14:xfrm>
             </p:contentPart>
           </mc:Choice>
-          <mc:Fallback>
+          <mc:Fallback xmlns="">
             <p:pic>
               <p:nvPicPr>
                 <p:cNvPr id="9" name="Ink 8">
@@ -30913,8 +30914,8 @@
             </p:pic>
           </mc:Fallback>
         </mc:AlternateContent>
-        <mc:AlternateContent xmlns:mc="http://schemas.openxmlformats.org/markup-compatibility/2006">
-          <mc:Choice xmlns:p14="http://schemas.microsoft.com/office/powerpoint/2010/main" Requires="p14">
+        <mc:AlternateContent xmlns:mc="http://schemas.openxmlformats.org/markup-compatibility/2006" xmlns:p14="http://schemas.microsoft.com/office/powerpoint/2010/main">
+          <mc:Choice Requires="p14">
             <p:contentPart p14:bwMode="auto" r:id="rId18">
               <p14:nvContentPartPr>
                 <p14:cNvPr id="10" name="Ink 9">
@@ -30933,7 +30934,7 @@
               </p14:xfrm>
             </p:contentPart>
           </mc:Choice>
-          <mc:Fallback>
+          <mc:Fallback xmlns="">
             <p:pic>
               <p:nvPicPr>
                 <p:cNvPr id="10" name="Ink 9">
@@ -30964,8 +30965,8 @@
             </p:pic>
           </mc:Fallback>
         </mc:AlternateContent>
-        <mc:AlternateContent xmlns:mc="http://schemas.openxmlformats.org/markup-compatibility/2006">
-          <mc:Choice xmlns:p14="http://schemas.microsoft.com/office/powerpoint/2010/main" Requires="p14">
+        <mc:AlternateContent xmlns:mc="http://schemas.openxmlformats.org/markup-compatibility/2006" xmlns:p14="http://schemas.microsoft.com/office/powerpoint/2010/main">
+          <mc:Choice Requires="p14">
             <p:contentPart p14:bwMode="auto" r:id="rId20">
               <p14:nvContentPartPr>
                 <p14:cNvPr id="11" name="Ink 10">
@@ -30984,7 +30985,7 @@
               </p14:xfrm>
             </p:contentPart>
           </mc:Choice>
-          <mc:Fallback>
+          <mc:Fallback xmlns="">
             <p:pic>
               <p:nvPicPr>
                 <p:cNvPr id="11" name="Ink 10">
@@ -31015,8 +31016,8 @@
             </p:pic>
           </mc:Fallback>
         </mc:AlternateContent>
-        <mc:AlternateContent xmlns:mc="http://schemas.openxmlformats.org/markup-compatibility/2006">
-          <mc:Choice xmlns:p14="http://schemas.microsoft.com/office/powerpoint/2010/main" Requires="p14">
+        <mc:AlternateContent xmlns:mc="http://schemas.openxmlformats.org/markup-compatibility/2006" xmlns:p14="http://schemas.microsoft.com/office/powerpoint/2010/main">
+          <mc:Choice Requires="p14">
             <p:contentPart p14:bwMode="auto" r:id="rId22">
               <p14:nvContentPartPr>
                 <p14:cNvPr id="12" name="Ink 11">
@@ -31035,7 +31036,7 @@
               </p14:xfrm>
             </p:contentPart>
           </mc:Choice>
-          <mc:Fallback>
+          <mc:Fallback xmlns="">
             <p:pic>
               <p:nvPicPr>
                 <p:cNvPr id="12" name="Ink 11">
@@ -31066,8 +31067,8 @@
             </p:pic>
           </mc:Fallback>
         </mc:AlternateContent>
-        <mc:AlternateContent xmlns:mc="http://schemas.openxmlformats.org/markup-compatibility/2006">
-          <mc:Choice xmlns:p14="http://schemas.microsoft.com/office/powerpoint/2010/main" Requires="p14">
+        <mc:AlternateContent xmlns:mc="http://schemas.openxmlformats.org/markup-compatibility/2006" xmlns:p14="http://schemas.microsoft.com/office/powerpoint/2010/main">
+          <mc:Choice Requires="p14">
             <p:contentPart p14:bwMode="auto" r:id="rId24">
               <p14:nvContentPartPr>
                 <p14:cNvPr id="13" name="Ink 12">
@@ -31086,7 +31087,7 @@
               </p14:xfrm>
             </p:contentPart>
           </mc:Choice>
-          <mc:Fallback>
+          <mc:Fallback xmlns="">
             <p:pic>
               <p:nvPicPr>
                 <p:cNvPr id="13" name="Ink 12">
@@ -31117,8 +31118,8 @@
             </p:pic>
           </mc:Fallback>
         </mc:AlternateContent>
-        <mc:AlternateContent xmlns:mc="http://schemas.openxmlformats.org/markup-compatibility/2006">
-          <mc:Choice xmlns:p14="http://schemas.microsoft.com/office/powerpoint/2010/main" Requires="p14">
+        <mc:AlternateContent xmlns:mc="http://schemas.openxmlformats.org/markup-compatibility/2006" xmlns:p14="http://schemas.microsoft.com/office/powerpoint/2010/main">
+          <mc:Choice Requires="p14">
             <p:contentPart p14:bwMode="auto" r:id="rId26">
               <p14:nvContentPartPr>
                 <p14:cNvPr id="14" name="Ink 13">
@@ -31137,7 +31138,7 @@
               </p14:xfrm>
             </p:contentPart>
           </mc:Choice>
-          <mc:Fallback>
+          <mc:Fallback xmlns="">
             <p:pic>
               <p:nvPicPr>
                 <p:cNvPr id="14" name="Ink 13">
@@ -31168,8 +31169,8 @@
             </p:pic>
           </mc:Fallback>
         </mc:AlternateContent>
-        <mc:AlternateContent xmlns:mc="http://schemas.openxmlformats.org/markup-compatibility/2006">
-          <mc:Choice xmlns:p14="http://schemas.microsoft.com/office/powerpoint/2010/main" Requires="p14">
+        <mc:AlternateContent xmlns:mc="http://schemas.openxmlformats.org/markup-compatibility/2006" xmlns:p14="http://schemas.microsoft.com/office/powerpoint/2010/main">
+          <mc:Choice Requires="p14">
             <p:contentPart p14:bwMode="auto" r:id="rId28">
               <p14:nvContentPartPr>
                 <p14:cNvPr id="15" name="Ink 14">
@@ -31188,7 +31189,7 @@
               </p14:xfrm>
             </p:contentPart>
           </mc:Choice>
-          <mc:Fallback>
+          <mc:Fallback xmlns="">
             <p:pic>
               <p:nvPicPr>
                 <p:cNvPr id="15" name="Ink 14">
@@ -31219,8 +31220,8 @@
             </p:pic>
           </mc:Fallback>
         </mc:AlternateContent>
-        <mc:AlternateContent xmlns:mc="http://schemas.openxmlformats.org/markup-compatibility/2006">
-          <mc:Choice xmlns:p14="http://schemas.microsoft.com/office/powerpoint/2010/main" Requires="p14">
+        <mc:AlternateContent xmlns:mc="http://schemas.openxmlformats.org/markup-compatibility/2006" xmlns:p14="http://schemas.microsoft.com/office/powerpoint/2010/main">
+          <mc:Choice Requires="p14">
             <p:contentPart p14:bwMode="auto" r:id="rId30">
               <p14:nvContentPartPr>
                 <p14:cNvPr id="19" name="Ink 18">
@@ -31239,7 +31240,7 @@
               </p14:xfrm>
             </p:contentPart>
           </mc:Choice>
-          <mc:Fallback>
+          <mc:Fallback xmlns="">
             <p:pic>
               <p:nvPicPr>
                 <p:cNvPr id="19" name="Ink 18">
@@ -31270,8 +31271,8 @@
             </p:pic>
           </mc:Fallback>
         </mc:AlternateContent>
-        <mc:AlternateContent xmlns:mc="http://schemas.openxmlformats.org/markup-compatibility/2006">
-          <mc:Choice xmlns:p14="http://schemas.microsoft.com/office/powerpoint/2010/main" Requires="p14">
+        <mc:AlternateContent xmlns:mc="http://schemas.openxmlformats.org/markup-compatibility/2006" xmlns:p14="http://schemas.microsoft.com/office/powerpoint/2010/main">
+          <mc:Choice Requires="p14">
             <p:contentPart p14:bwMode="auto" r:id="rId32">
               <p14:nvContentPartPr>
                 <p14:cNvPr id="20" name="Ink 19">
@@ -31290,7 +31291,7 @@
               </p14:xfrm>
             </p:contentPart>
           </mc:Choice>
-          <mc:Fallback>
+          <mc:Fallback xmlns="">
             <p:pic>
               <p:nvPicPr>
                 <p:cNvPr id="20" name="Ink 19">
@@ -31321,8 +31322,8 @@
             </p:pic>
           </mc:Fallback>
         </mc:AlternateContent>
-        <mc:AlternateContent xmlns:mc="http://schemas.openxmlformats.org/markup-compatibility/2006">
-          <mc:Choice xmlns:p14="http://schemas.microsoft.com/office/powerpoint/2010/main" Requires="p14">
+        <mc:AlternateContent xmlns:mc="http://schemas.openxmlformats.org/markup-compatibility/2006" xmlns:p14="http://schemas.microsoft.com/office/powerpoint/2010/main">
+          <mc:Choice Requires="p14">
             <p:contentPart p14:bwMode="auto" r:id="rId34">
               <p14:nvContentPartPr>
                 <p14:cNvPr id="21" name="Ink 20">
@@ -31341,7 +31342,7 @@
               </p14:xfrm>
             </p:contentPart>
           </mc:Choice>
-          <mc:Fallback>
+          <mc:Fallback xmlns="">
             <p:pic>
               <p:nvPicPr>
                 <p:cNvPr id="21" name="Ink 20">
@@ -31372,8 +31373,8 @@
             </p:pic>
           </mc:Fallback>
         </mc:AlternateContent>
-        <mc:AlternateContent xmlns:mc="http://schemas.openxmlformats.org/markup-compatibility/2006">
-          <mc:Choice xmlns:p14="http://schemas.microsoft.com/office/powerpoint/2010/main" Requires="p14">
+        <mc:AlternateContent xmlns:mc="http://schemas.openxmlformats.org/markup-compatibility/2006" xmlns:p14="http://schemas.microsoft.com/office/powerpoint/2010/main">
+          <mc:Choice Requires="p14">
             <p:contentPart p14:bwMode="auto" r:id="rId36">
               <p14:nvContentPartPr>
                 <p14:cNvPr id="23" name="Ink 22">
@@ -31392,7 +31393,7 @@
               </p14:xfrm>
             </p:contentPart>
           </mc:Choice>
-          <mc:Fallback>
+          <mc:Fallback xmlns="">
             <p:pic>
               <p:nvPicPr>
                 <p:cNvPr id="23" name="Ink 22">
@@ -31423,8 +31424,8 @@
             </p:pic>
           </mc:Fallback>
         </mc:AlternateContent>
-        <mc:AlternateContent xmlns:mc="http://schemas.openxmlformats.org/markup-compatibility/2006">
-          <mc:Choice xmlns:p14="http://schemas.microsoft.com/office/powerpoint/2010/main" Requires="p14">
+        <mc:AlternateContent xmlns:mc="http://schemas.openxmlformats.org/markup-compatibility/2006" xmlns:p14="http://schemas.microsoft.com/office/powerpoint/2010/main">
+          <mc:Choice Requires="p14">
             <p:contentPart p14:bwMode="auto" r:id="rId38">
               <p14:nvContentPartPr>
                 <p14:cNvPr id="24" name="Ink 23">
@@ -31443,7 +31444,7 @@
               </p14:xfrm>
             </p:contentPart>
           </mc:Choice>
-          <mc:Fallback>
+          <mc:Fallback xmlns="">
             <p:pic>
               <p:nvPicPr>
                 <p:cNvPr id="24" name="Ink 23">
@@ -31474,8 +31475,8 @@
             </p:pic>
           </mc:Fallback>
         </mc:AlternateContent>
-        <mc:AlternateContent xmlns:mc="http://schemas.openxmlformats.org/markup-compatibility/2006">
-          <mc:Choice xmlns:p14="http://schemas.microsoft.com/office/powerpoint/2010/main" Requires="p14">
+        <mc:AlternateContent xmlns:mc="http://schemas.openxmlformats.org/markup-compatibility/2006" xmlns:p14="http://schemas.microsoft.com/office/powerpoint/2010/main">
+          <mc:Choice Requires="p14">
             <p:contentPart p14:bwMode="auto" r:id="rId40">
               <p14:nvContentPartPr>
                 <p14:cNvPr id="25" name="Ink 24">
@@ -31494,7 +31495,7 @@
               </p14:xfrm>
             </p:contentPart>
           </mc:Choice>
-          <mc:Fallback>
+          <mc:Fallback xmlns="">
             <p:pic>
               <p:nvPicPr>
                 <p:cNvPr id="25" name="Ink 24">
@@ -31525,8 +31526,8 @@
             </p:pic>
           </mc:Fallback>
         </mc:AlternateContent>
-        <mc:AlternateContent xmlns:mc="http://schemas.openxmlformats.org/markup-compatibility/2006">
-          <mc:Choice xmlns:p14="http://schemas.microsoft.com/office/powerpoint/2010/main" Requires="p14">
+        <mc:AlternateContent xmlns:mc="http://schemas.openxmlformats.org/markup-compatibility/2006" xmlns:p14="http://schemas.microsoft.com/office/powerpoint/2010/main">
+          <mc:Choice Requires="p14">
             <p:contentPart p14:bwMode="auto" r:id="rId42">
               <p14:nvContentPartPr>
                 <p14:cNvPr id="26" name="Ink 25">
@@ -31545,7 +31546,7 @@
               </p14:xfrm>
             </p:contentPart>
           </mc:Choice>
-          <mc:Fallback>
+          <mc:Fallback xmlns="">
             <p:pic>
               <p:nvPicPr>
                 <p:cNvPr id="26" name="Ink 25">
@@ -31576,8 +31577,8 @@
             </p:pic>
           </mc:Fallback>
         </mc:AlternateContent>
-        <mc:AlternateContent xmlns:mc="http://schemas.openxmlformats.org/markup-compatibility/2006">
-          <mc:Choice xmlns:p14="http://schemas.microsoft.com/office/powerpoint/2010/main" Requires="p14">
+        <mc:AlternateContent xmlns:mc="http://schemas.openxmlformats.org/markup-compatibility/2006" xmlns:p14="http://schemas.microsoft.com/office/powerpoint/2010/main">
+          <mc:Choice Requires="p14">
             <p:contentPart p14:bwMode="auto" r:id="rId44">
               <p14:nvContentPartPr>
                 <p14:cNvPr id="29" name="Ink 28">
@@ -31596,7 +31597,7 @@
               </p14:xfrm>
             </p:contentPart>
           </mc:Choice>
-          <mc:Fallback>
+          <mc:Fallback xmlns="">
             <p:pic>
               <p:nvPicPr>
                 <p:cNvPr id="29" name="Ink 28">
@@ -31627,8 +31628,8 @@
             </p:pic>
           </mc:Fallback>
         </mc:AlternateContent>
-        <mc:AlternateContent xmlns:mc="http://schemas.openxmlformats.org/markup-compatibility/2006">
-          <mc:Choice xmlns:p14="http://schemas.microsoft.com/office/powerpoint/2010/main" Requires="p14">
+        <mc:AlternateContent xmlns:mc="http://schemas.openxmlformats.org/markup-compatibility/2006" xmlns:p14="http://schemas.microsoft.com/office/powerpoint/2010/main">
+          <mc:Choice Requires="p14">
             <p:contentPart p14:bwMode="auto" r:id="rId46">
               <p14:nvContentPartPr>
                 <p14:cNvPr id="105" name="Ink 104">
@@ -31647,7 +31648,7 @@
               </p14:xfrm>
             </p:contentPart>
           </mc:Choice>
-          <mc:Fallback>
+          <mc:Fallback xmlns="">
             <p:pic>
               <p:nvPicPr>
                 <p:cNvPr id="105" name="Ink 104">
@@ -31678,8 +31679,8 @@
             </p:pic>
           </mc:Fallback>
         </mc:AlternateContent>
-        <mc:AlternateContent xmlns:mc="http://schemas.openxmlformats.org/markup-compatibility/2006">
-          <mc:Choice xmlns:p14="http://schemas.microsoft.com/office/powerpoint/2010/main" Requires="p14">
+        <mc:AlternateContent xmlns:mc="http://schemas.openxmlformats.org/markup-compatibility/2006" xmlns:p14="http://schemas.microsoft.com/office/powerpoint/2010/main">
+          <mc:Choice Requires="p14">
             <p:contentPart p14:bwMode="auto" r:id="rId48">
               <p14:nvContentPartPr>
                 <p14:cNvPr id="106" name="Ink 105">
@@ -31698,7 +31699,7 @@
               </p14:xfrm>
             </p:contentPart>
           </mc:Choice>
-          <mc:Fallback>
+          <mc:Fallback xmlns="">
             <p:pic>
               <p:nvPicPr>
                 <p:cNvPr id="106" name="Ink 105">
@@ -31729,8 +31730,8 @@
             </p:pic>
           </mc:Fallback>
         </mc:AlternateContent>
-        <mc:AlternateContent xmlns:mc="http://schemas.openxmlformats.org/markup-compatibility/2006">
-          <mc:Choice xmlns:p14="http://schemas.microsoft.com/office/powerpoint/2010/main" Requires="p14">
+        <mc:AlternateContent xmlns:mc="http://schemas.openxmlformats.org/markup-compatibility/2006" xmlns:p14="http://schemas.microsoft.com/office/powerpoint/2010/main">
+          <mc:Choice Requires="p14">
             <p:contentPart p14:bwMode="auto" r:id="rId50">
               <p14:nvContentPartPr>
                 <p14:cNvPr id="108" name="Ink 107">
@@ -31749,7 +31750,7 @@
               </p14:xfrm>
             </p:contentPart>
           </mc:Choice>
-          <mc:Fallback>
+          <mc:Fallback xmlns="">
             <p:pic>
               <p:nvPicPr>
                 <p:cNvPr id="108" name="Ink 107">
@@ -31780,8 +31781,8 @@
             </p:pic>
           </mc:Fallback>
         </mc:AlternateContent>
-        <mc:AlternateContent xmlns:mc="http://schemas.openxmlformats.org/markup-compatibility/2006">
-          <mc:Choice xmlns:p14="http://schemas.microsoft.com/office/powerpoint/2010/main" Requires="p14">
+        <mc:AlternateContent xmlns:mc="http://schemas.openxmlformats.org/markup-compatibility/2006" xmlns:p14="http://schemas.microsoft.com/office/powerpoint/2010/main">
+          <mc:Choice Requires="p14">
             <p:contentPart p14:bwMode="auto" r:id="rId52">
               <p14:nvContentPartPr>
                 <p14:cNvPr id="109" name="Ink 108">
@@ -31800,7 +31801,7 @@
               </p14:xfrm>
             </p:contentPart>
           </mc:Choice>
-          <mc:Fallback>
+          <mc:Fallback xmlns="">
             <p:pic>
               <p:nvPicPr>
                 <p:cNvPr id="109" name="Ink 108">
@@ -31831,8 +31832,8 @@
             </p:pic>
           </mc:Fallback>
         </mc:AlternateContent>
-        <mc:AlternateContent xmlns:mc="http://schemas.openxmlformats.org/markup-compatibility/2006">
-          <mc:Choice xmlns:p14="http://schemas.microsoft.com/office/powerpoint/2010/main" Requires="p14">
+        <mc:AlternateContent xmlns:mc="http://schemas.openxmlformats.org/markup-compatibility/2006" xmlns:p14="http://schemas.microsoft.com/office/powerpoint/2010/main">
+          <mc:Choice Requires="p14">
             <p:contentPart p14:bwMode="auto" r:id="rId54">
               <p14:nvContentPartPr>
                 <p14:cNvPr id="110" name="Ink 109">
@@ -31851,7 +31852,7 @@
               </p14:xfrm>
             </p:contentPart>
           </mc:Choice>
-          <mc:Fallback>
+          <mc:Fallback xmlns="">
             <p:pic>
               <p:nvPicPr>
                 <p:cNvPr id="110" name="Ink 109">
@@ -31882,8 +31883,8 @@
             </p:pic>
           </mc:Fallback>
         </mc:AlternateContent>
-        <mc:AlternateContent xmlns:mc="http://schemas.openxmlformats.org/markup-compatibility/2006">
-          <mc:Choice xmlns:p14="http://schemas.microsoft.com/office/powerpoint/2010/main" Requires="p14">
+        <mc:AlternateContent xmlns:mc="http://schemas.openxmlformats.org/markup-compatibility/2006" xmlns:p14="http://schemas.microsoft.com/office/powerpoint/2010/main">
+          <mc:Choice Requires="p14">
             <p:contentPart p14:bwMode="auto" r:id="rId56">
               <p14:nvContentPartPr>
                 <p14:cNvPr id="70" name="Ink 69">
@@ -31902,7 +31903,7 @@
               </p14:xfrm>
             </p:contentPart>
           </mc:Choice>
-          <mc:Fallback>
+          <mc:Fallback xmlns="">
             <p:pic>
               <p:nvPicPr>
                 <p:cNvPr id="70" name="Ink 69">
@@ -31933,8 +31934,8 @@
             </p:pic>
           </mc:Fallback>
         </mc:AlternateContent>
-        <mc:AlternateContent xmlns:mc="http://schemas.openxmlformats.org/markup-compatibility/2006">
-          <mc:Choice xmlns:p14="http://schemas.microsoft.com/office/powerpoint/2010/main" Requires="p14">
+        <mc:AlternateContent xmlns:mc="http://schemas.openxmlformats.org/markup-compatibility/2006" xmlns:p14="http://schemas.microsoft.com/office/powerpoint/2010/main">
+          <mc:Choice Requires="p14">
             <p:contentPart p14:bwMode="auto" r:id="rId58">
               <p14:nvContentPartPr>
                 <p14:cNvPr id="71" name="Ink 70">
@@ -31953,7 +31954,7 @@
               </p14:xfrm>
             </p:contentPart>
           </mc:Choice>
-          <mc:Fallback>
+          <mc:Fallback xmlns="">
             <p:pic>
               <p:nvPicPr>
                 <p:cNvPr id="71" name="Ink 70">
@@ -31984,8 +31985,8 @@
             </p:pic>
           </mc:Fallback>
         </mc:AlternateContent>
-        <mc:AlternateContent xmlns:mc="http://schemas.openxmlformats.org/markup-compatibility/2006">
-          <mc:Choice xmlns:p14="http://schemas.microsoft.com/office/powerpoint/2010/main" Requires="p14">
+        <mc:AlternateContent xmlns:mc="http://schemas.openxmlformats.org/markup-compatibility/2006" xmlns:p14="http://schemas.microsoft.com/office/powerpoint/2010/main">
+          <mc:Choice Requires="p14">
             <p:contentPart p14:bwMode="auto" r:id="rId60">
               <p14:nvContentPartPr>
                 <p14:cNvPr id="72" name="Ink 71">
@@ -32004,7 +32005,7 @@
               </p14:xfrm>
             </p:contentPart>
           </mc:Choice>
-          <mc:Fallback>
+          <mc:Fallback xmlns="">
             <p:pic>
               <p:nvPicPr>
                 <p:cNvPr id="72" name="Ink 71">
@@ -32035,8 +32036,8 @@
             </p:pic>
           </mc:Fallback>
         </mc:AlternateContent>
-        <mc:AlternateContent xmlns:mc="http://schemas.openxmlformats.org/markup-compatibility/2006">
-          <mc:Choice xmlns:p14="http://schemas.microsoft.com/office/powerpoint/2010/main" Requires="p14">
+        <mc:AlternateContent xmlns:mc="http://schemas.openxmlformats.org/markup-compatibility/2006" xmlns:p14="http://schemas.microsoft.com/office/powerpoint/2010/main">
+          <mc:Choice Requires="p14">
             <p:contentPart p14:bwMode="auto" r:id="rId62">
               <p14:nvContentPartPr>
                 <p14:cNvPr id="73" name="Ink 72">
@@ -32055,7 +32056,7 @@
               </p14:xfrm>
             </p:contentPart>
           </mc:Choice>
-          <mc:Fallback>
+          <mc:Fallback xmlns="">
             <p:pic>
               <p:nvPicPr>
                 <p:cNvPr id="73" name="Ink 72">
@@ -32086,8 +32087,8 @@
             </p:pic>
           </mc:Fallback>
         </mc:AlternateContent>
-        <mc:AlternateContent xmlns:mc="http://schemas.openxmlformats.org/markup-compatibility/2006">
-          <mc:Choice xmlns:p14="http://schemas.microsoft.com/office/powerpoint/2010/main" Requires="p14">
+        <mc:AlternateContent xmlns:mc="http://schemas.openxmlformats.org/markup-compatibility/2006" xmlns:p14="http://schemas.microsoft.com/office/powerpoint/2010/main">
+          <mc:Choice Requires="p14">
             <p:contentPart p14:bwMode="auto" r:id="rId64">
               <p14:nvContentPartPr>
                 <p14:cNvPr id="75" name="Ink 74">
@@ -32106,7 +32107,7 @@
               </p14:xfrm>
             </p:contentPart>
           </mc:Choice>
-          <mc:Fallback>
+          <mc:Fallback xmlns="">
             <p:pic>
               <p:nvPicPr>
                 <p:cNvPr id="75" name="Ink 74">
@@ -32137,8 +32138,8 @@
             </p:pic>
           </mc:Fallback>
         </mc:AlternateContent>
-        <mc:AlternateContent xmlns:mc="http://schemas.openxmlformats.org/markup-compatibility/2006">
-          <mc:Choice xmlns:p14="http://schemas.microsoft.com/office/powerpoint/2010/main" Requires="p14">
+        <mc:AlternateContent xmlns:mc="http://schemas.openxmlformats.org/markup-compatibility/2006" xmlns:p14="http://schemas.microsoft.com/office/powerpoint/2010/main">
+          <mc:Choice Requires="p14">
             <p:contentPart p14:bwMode="auto" r:id="rId66">
               <p14:nvContentPartPr>
                 <p14:cNvPr id="76" name="Ink 75">
@@ -32157,7 +32158,7 @@
               </p14:xfrm>
             </p:contentPart>
           </mc:Choice>
-          <mc:Fallback>
+          <mc:Fallback xmlns="">
             <p:pic>
               <p:nvPicPr>
                 <p:cNvPr id="76" name="Ink 75">
@@ -32188,8 +32189,8 @@
             </p:pic>
           </mc:Fallback>
         </mc:AlternateContent>
-        <mc:AlternateContent xmlns:mc="http://schemas.openxmlformats.org/markup-compatibility/2006">
-          <mc:Choice xmlns:p14="http://schemas.microsoft.com/office/powerpoint/2010/main" Requires="p14">
+        <mc:AlternateContent xmlns:mc="http://schemas.openxmlformats.org/markup-compatibility/2006" xmlns:p14="http://schemas.microsoft.com/office/powerpoint/2010/main">
+          <mc:Choice Requires="p14">
             <p:contentPart p14:bwMode="auto" r:id="rId68">
               <p14:nvContentPartPr>
                 <p14:cNvPr id="77" name="Ink 76">
@@ -32208,7 +32209,7 @@
               </p14:xfrm>
             </p:contentPart>
           </mc:Choice>
-          <mc:Fallback>
+          <mc:Fallback xmlns="">
             <p:pic>
               <p:nvPicPr>
                 <p:cNvPr id="77" name="Ink 76">
@@ -32239,8 +32240,8 @@
             </p:pic>
           </mc:Fallback>
         </mc:AlternateContent>
-        <mc:AlternateContent xmlns:mc="http://schemas.openxmlformats.org/markup-compatibility/2006">
-          <mc:Choice xmlns:p14="http://schemas.microsoft.com/office/powerpoint/2010/main" Requires="p14">
+        <mc:AlternateContent xmlns:mc="http://schemas.openxmlformats.org/markup-compatibility/2006" xmlns:p14="http://schemas.microsoft.com/office/powerpoint/2010/main">
+          <mc:Choice Requires="p14">
             <p:contentPart p14:bwMode="auto" r:id="rId70">
               <p14:nvContentPartPr>
                 <p14:cNvPr id="78" name="Ink 77">
@@ -32259,7 +32260,7 @@
               </p14:xfrm>
             </p:contentPart>
           </mc:Choice>
-          <mc:Fallback>
+          <mc:Fallback xmlns="">
             <p:pic>
               <p:nvPicPr>
                 <p:cNvPr id="78" name="Ink 77">
@@ -32290,8 +32291,8 @@
             </p:pic>
           </mc:Fallback>
         </mc:AlternateContent>
-        <mc:AlternateContent xmlns:mc="http://schemas.openxmlformats.org/markup-compatibility/2006">
-          <mc:Choice xmlns:p14="http://schemas.microsoft.com/office/powerpoint/2010/main" Requires="p14">
+        <mc:AlternateContent xmlns:mc="http://schemas.openxmlformats.org/markup-compatibility/2006" xmlns:p14="http://schemas.microsoft.com/office/powerpoint/2010/main">
+          <mc:Choice Requires="p14">
             <p:contentPart p14:bwMode="auto" r:id="rId72">
               <p14:nvContentPartPr>
                 <p14:cNvPr id="79" name="Ink 78">
@@ -32310,7 +32311,7 @@
               </p14:xfrm>
             </p:contentPart>
           </mc:Choice>
-          <mc:Fallback>
+          <mc:Fallback xmlns="">
             <p:pic>
               <p:nvPicPr>
                 <p:cNvPr id="79" name="Ink 78">
@@ -32341,8 +32342,8 @@
             </p:pic>
           </mc:Fallback>
         </mc:AlternateContent>
-        <mc:AlternateContent xmlns:mc="http://schemas.openxmlformats.org/markup-compatibility/2006">
-          <mc:Choice xmlns:p14="http://schemas.microsoft.com/office/powerpoint/2010/main" Requires="p14">
+        <mc:AlternateContent xmlns:mc="http://schemas.openxmlformats.org/markup-compatibility/2006" xmlns:p14="http://schemas.microsoft.com/office/powerpoint/2010/main">
+          <mc:Choice Requires="p14">
             <p:contentPart p14:bwMode="auto" r:id="rId74">
               <p14:nvContentPartPr>
                 <p14:cNvPr id="80" name="Ink 79">
@@ -32361,7 +32362,7 @@
               </p14:xfrm>
             </p:contentPart>
           </mc:Choice>
-          <mc:Fallback>
+          <mc:Fallback xmlns="">
             <p:pic>
               <p:nvPicPr>
                 <p:cNvPr id="80" name="Ink 79">
@@ -32392,8 +32393,8 @@
             </p:pic>
           </mc:Fallback>
         </mc:AlternateContent>
-        <mc:AlternateContent xmlns:mc="http://schemas.openxmlformats.org/markup-compatibility/2006">
-          <mc:Choice xmlns:p14="http://schemas.microsoft.com/office/powerpoint/2010/main" Requires="p14">
+        <mc:AlternateContent xmlns:mc="http://schemas.openxmlformats.org/markup-compatibility/2006" xmlns:p14="http://schemas.microsoft.com/office/powerpoint/2010/main">
+          <mc:Choice Requires="p14">
             <p:contentPart p14:bwMode="auto" r:id="rId76">
               <p14:nvContentPartPr>
                 <p14:cNvPr id="81" name="Ink 80">
@@ -32412,7 +32413,7 @@
               </p14:xfrm>
             </p:contentPart>
           </mc:Choice>
-          <mc:Fallback>
+          <mc:Fallback xmlns="">
             <p:pic>
               <p:nvPicPr>
                 <p:cNvPr id="81" name="Ink 80">
@@ -32443,8 +32444,8 @@
             </p:pic>
           </mc:Fallback>
         </mc:AlternateContent>
-        <mc:AlternateContent xmlns:mc="http://schemas.openxmlformats.org/markup-compatibility/2006">
-          <mc:Choice xmlns:p14="http://schemas.microsoft.com/office/powerpoint/2010/main" Requires="p14">
+        <mc:AlternateContent xmlns:mc="http://schemas.openxmlformats.org/markup-compatibility/2006" xmlns:p14="http://schemas.microsoft.com/office/powerpoint/2010/main">
+          <mc:Choice Requires="p14">
             <p:contentPart p14:bwMode="auto" r:id="rId78">
               <p14:nvContentPartPr>
                 <p14:cNvPr id="82" name="Ink 81">
@@ -32463,7 +32464,7 @@
               </p14:xfrm>
             </p:contentPart>
           </mc:Choice>
-          <mc:Fallback>
+          <mc:Fallback xmlns="">
             <p:pic>
               <p:nvPicPr>
                 <p:cNvPr id="82" name="Ink 81">
@@ -32494,8 +32495,8 @@
             </p:pic>
           </mc:Fallback>
         </mc:AlternateContent>
-        <mc:AlternateContent xmlns:mc="http://schemas.openxmlformats.org/markup-compatibility/2006">
-          <mc:Choice xmlns:p14="http://schemas.microsoft.com/office/powerpoint/2010/main" Requires="p14">
+        <mc:AlternateContent xmlns:mc="http://schemas.openxmlformats.org/markup-compatibility/2006" xmlns:p14="http://schemas.microsoft.com/office/powerpoint/2010/main">
+          <mc:Choice Requires="p14">
             <p:contentPart p14:bwMode="auto" r:id="rId80">
               <p14:nvContentPartPr>
                 <p14:cNvPr id="83" name="Ink 82">
@@ -32514,7 +32515,7 @@
               </p14:xfrm>
             </p:contentPart>
           </mc:Choice>
-          <mc:Fallback>
+          <mc:Fallback xmlns="">
             <p:pic>
               <p:nvPicPr>
                 <p:cNvPr id="83" name="Ink 82">
@@ -32545,8 +32546,8 @@
             </p:pic>
           </mc:Fallback>
         </mc:AlternateContent>
-        <mc:AlternateContent xmlns:mc="http://schemas.openxmlformats.org/markup-compatibility/2006">
-          <mc:Choice xmlns:p14="http://schemas.microsoft.com/office/powerpoint/2010/main" Requires="p14">
+        <mc:AlternateContent xmlns:mc="http://schemas.openxmlformats.org/markup-compatibility/2006" xmlns:p14="http://schemas.microsoft.com/office/powerpoint/2010/main">
+          <mc:Choice Requires="p14">
             <p:contentPart p14:bwMode="auto" r:id="rId82">
               <p14:nvContentPartPr>
                 <p14:cNvPr id="84" name="Ink 83">
@@ -32565,7 +32566,7 @@
               </p14:xfrm>
             </p:contentPart>
           </mc:Choice>
-          <mc:Fallback>
+          <mc:Fallback xmlns="">
             <p:pic>
               <p:nvPicPr>
                 <p:cNvPr id="84" name="Ink 83">
@@ -32596,8 +32597,8 @@
             </p:pic>
           </mc:Fallback>
         </mc:AlternateContent>
-        <mc:AlternateContent xmlns:mc="http://schemas.openxmlformats.org/markup-compatibility/2006">
-          <mc:Choice xmlns:p14="http://schemas.microsoft.com/office/powerpoint/2010/main" Requires="p14">
+        <mc:AlternateContent xmlns:mc="http://schemas.openxmlformats.org/markup-compatibility/2006" xmlns:p14="http://schemas.microsoft.com/office/powerpoint/2010/main">
+          <mc:Choice Requires="p14">
             <p:contentPart p14:bwMode="auto" r:id="rId84">
               <p14:nvContentPartPr>
                 <p14:cNvPr id="85" name="Ink 84">
@@ -32616,7 +32617,7 @@
               </p14:xfrm>
             </p:contentPart>
           </mc:Choice>
-          <mc:Fallback>
+          <mc:Fallback xmlns="">
             <p:pic>
               <p:nvPicPr>
                 <p:cNvPr id="85" name="Ink 84">
@@ -32647,8 +32648,8 @@
             </p:pic>
           </mc:Fallback>
         </mc:AlternateContent>
-        <mc:AlternateContent xmlns:mc="http://schemas.openxmlformats.org/markup-compatibility/2006">
-          <mc:Choice xmlns:p14="http://schemas.microsoft.com/office/powerpoint/2010/main" Requires="p14">
+        <mc:AlternateContent xmlns:mc="http://schemas.openxmlformats.org/markup-compatibility/2006" xmlns:p14="http://schemas.microsoft.com/office/powerpoint/2010/main">
+          <mc:Choice Requires="p14">
             <p:contentPart p14:bwMode="auto" r:id="rId86">
               <p14:nvContentPartPr>
                 <p14:cNvPr id="113" name="Ink 112">
@@ -32667,7 +32668,7 @@
               </p14:xfrm>
             </p:contentPart>
           </mc:Choice>
-          <mc:Fallback>
+          <mc:Fallback xmlns="">
             <p:pic>
               <p:nvPicPr>
                 <p:cNvPr id="113" name="Ink 112">
@@ -32698,8 +32699,8 @@
             </p:pic>
           </mc:Fallback>
         </mc:AlternateContent>
-        <mc:AlternateContent xmlns:mc="http://schemas.openxmlformats.org/markup-compatibility/2006">
-          <mc:Choice xmlns:p14="http://schemas.microsoft.com/office/powerpoint/2010/main" Requires="p14">
+        <mc:AlternateContent xmlns:mc="http://schemas.openxmlformats.org/markup-compatibility/2006" xmlns:p14="http://schemas.microsoft.com/office/powerpoint/2010/main">
+          <mc:Choice Requires="p14">
             <p:contentPart p14:bwMode="auto" r:id="rId88">
               <p14:nvContentPartPr>
                 <p14:cNvPr id="114" name="Ink 113">
@@ -32718,7 +32719,7 @@
               </p14:xfrm>
             </p:contentPart>
           </mc:Choice>
-          <mc:Fallback>
+          <mc:Fallback xmlns="">
             <p:pic>
               <p:nvPicPr>
                 <p:cNvPr id="114" name="Ink 113">
@@ -32749,8 +32750,8 @@
             </p:pic>
           </mc:Fallback>
         </mc:AlternateContent>
-        <mc:AlternateContent xmlns:mc="http://schemas.openxmlformats.org/markup-compatibility/2006">
-          <mc:Choice xmlns:p14="http://schemas.microsoft.com/office/powerpoint/2010/main" Requires="p14">
+        <mc:AlternateContent xmlns:mc="http://schemas.openxmlformats.org/markup-compatibility/2006" xmlns:p14="http://schemas.microsoft.com/office/powerpoint/2010/main">
+          <mc:Choice Requires="p14">
             <p:contentPart p14:bwMode="auto" r:id="rId90">
               <p14:nvContentPartPr>
                 <p14:cNvPr id="30" name="Ink 29">
@@ -32769,7 +32770,7 @@
               </p14:xfrm>
             </p:contentPart>
           </mc:Choice>
-          <mc:Fallback>
+          <mc:Fallback xmlns="">
             <p:pic>
               <p:nvPicPr>
                 <p:cNvPr id="30" name="Ink 29">
@@ -32800,8 +32801,8 @@
             </p:pic>
           </mc:Fallback>
         </mc:AlternateContent>
-        <mc:AlternateContent xmlns:mc="http://schemas.openxmlformats.org/markup-compatibility/2006">
-          <mc:Choice xmlns:p14="http://schemas.microsoft.com/office/powerpoint/2010/main" Requires="p14">
+        <mc:AlternateContent xmlns:mc="http://schemas.openxmlformats.org/markup-compatibility/2006" xmlns:p14="http://schemas.microsoft.com/office/powerpoint/2010/main">
+          <mc:Choice Requires="p14">
             <p:contentPart p14:bwMode="auto" r:id="rId92">
               <p14:nvContentPartPr>
                 <p14:cNvPr id="31" name="Ink 30">
@@ -32820,7 +32821,7 @@
               </p14:xfrm>
             </p:contentPart>
           </mc:Choice>
-          <mc:Fallback>
+          <mc:Fallback xmlns="">
             <p:pic>
               <p:nvPicPr>
                 <p:cNvPr id="31" name="Ink 30">
@@ -32851,8 +32852,8 @@
             </p:pic>
           </mc:Fallback>
         </mc:AlternateContent>
-        <mc:AlternateContent xmlns:mc="http://schemas.openxmlformats.org/markup-compatibility/2006">
-          <mc:Choice xmlns:p14="http://schemas.microsoft.com/office/powerpoint/2010/main" Requires="p14">
+        <mc:AlternateContent xmlns:mc="http://schemas.openxmlformats.org/markup-compatibility/2006" xmlns:p14="http://schemas.microsoft.com/office/powerpoint/2010/main">
+          <mc:Choice Requires="p14">
             <p:contentPart p14:bwMode="auto" r:id="rId94">
               <p14:nvContentPartPr>
                 <p14:cNvPr id="32" name="Ink 31">
@@ -32871,7 +32872,7 @@
               </p14:xfrm>
             </p:contentPart>
           </mc:Choice>
-          <mc:Fallback>
+          <mc:Fallback xmlns="">
             <p:pic>
               <p:nvPicPr>
                 <p:cNvPr id="32" name="Ink 31">
@@ -32902,8 +32903,8 @@
             </p:pic>
           </mc:Fallback>
         </mc:AlternateContent>
-        <mc:AlternateContent xmlns:mc="http://schemas.openxmlformats.org/markup-compatibility/2006">
-          <mc:Choice xmlns:p14="http://schemas.microsoft.com/office/powerpoint/2010/main" Requires="p14">
+        <mc:AlternateContent xmlns:mc="http://schemas.openxmlformats.org/markup-compatibility/2006" xmlns:p14="http://schemas.microsoft.com/office/powerpoint/2010/main">
+          <mc:Choice Requires="p14">
             <p:contentPart p14:bwMode="auto" r:id="rId95">
               <p14:nvContentPartPr>
                 <p14:cNvPr id="33" name="Ink 32">
@@ -32922,7 +32923,7 @@
               </p14:xfrm>
             </p:contentPart>
           </mc:Choice>
-          <mc:Fallback>
+          <mc:Fallback xmlns="">
             <p:pic>
               <p:nvPicPr>
                 <p:cNvPr id="33" name="Ink 32">
@@ -32953,8 +32954,8 @@
             </p:pic>
           </mc:Fallback>
         </mc:AlternateContent>
-        <mc:AlternateContent xmlns:mc="http://schemas.openxmlformats.org/markup-compatibility/2006">
-          <mc:Choice xmlns:p14="http://schemas.microsoft.com/office/powerpoint/2010/main" Requires="p14">
+        <mc:AlternateContent xmlns:mc="http://schemas.openxmlformats.org/markup-compatibility/2006" xmlns:p14="http://schemas.microsoft.com/office/powerpoint/2010/main">
+          <mc:Choice Requires="p14">
             <p:contentPart p14:bwMode="auto" r:id="rId97">
               <p14:nvContentPartPr>
                 <p14:cNvPr id="34" name="Ink 33">
@@ -32973,7 +32974,7 @@
               </p14:xfrm>
             </p:contentPart>
           </mc:Choice>
-          <mc:Fallback>
+          <mc:Fallback xmlns="">
             <p:pic>
               <p:nvPicPr>
                 <p:cNvPr id="34" name="Ink 33">
@@ -33004,8 +33005,8 @@
             </p:pic>
           </mc:Fallback>
         </mc:AlternateContent>
-        <mc:AlternateContent xmlns:mc="http://schemas.openxmlformats.org/markup-compatibility/2006">
-          <mc:Choice xmlns:p14="http://schemas.microsoft.com/office/powerpoint/2010/main" Requires="p14">
+        <mc:AlternateContent xmlns:mc="http://schemas.openxmlformats.org/markup-compatibility/2006" xmlns:p14="http://schemas.microsoft.com/office/powerpoint/2010/main">
+          <mc:Choice Requires="p14">
             <p:contentPart p14:bwMode="auto" r:id="rId99">
               <p14:nvContentPartPr>
                 <p14:cNvPr id="35" name="Ink 34">
@@ -33024,7 +33025,7 @@
               </p14:xfrm>
             </p:contentPart>
           </mc:Choice>
-          <mc:Fallback>
+          <mc:Fallback xmlns="">
             <p:pic>
               <p:nvPicPr>
                 <p:cNvPr id="35" name="Ink 34">
@@ -33055,8 +33056,8 @@
             </p:pic>
           </mc:Fallback>
         </mc:AlternateContent>
-        <mc:AlternateContent xmlns:mc="http://schemas.openxmlformats.org/markup-compatibility/2006">
-          <mc:Choice xmlns:p14="http://schemas.microsoft.com/office/powerpoint/2010/main" Requires="p14">
+        <mc:AlternateContent xmlns:mc="http://schemas.openxmlformats.org/markup-compatibility/2006" xmlns:p14="http://schemas.microsoft.com/office/powerpoint/2010/main">
+          <mc:Choice Requires="p14">
             <p:contentPart p14:bwMode="auto" r:id="rId100">
               <p14:nvContentPartPr>
                 <p14:cNvPr id="36" name="Ink 35">
@@ -33075,7 +33076,7 @@
               </p14:xfrm>
             </p:contentPart>
           </mc:Choice>
-          <mc:Fallback>
+          <mc:Fallback xmlns="">
             <p:pic>
               <p:nvPicPr>
                 <p:cNvPr id="36" name="Ink 35">
@@ -33106,8 +33107,8 @@
             </p:pic>
           </mc:Fallback>
         </mc:AlternateContent>
-        <mc:AlternateContent xmlns:mc="http://schemas.openxmlformats.org/markup-compatibility/2006">
-          <mc:Choice xmlns:p14="http://schemas.microsoft.com/office/powerpoint/2010/main" Requires="p14">
+        <mc:AlternateContent xmlns:mc="http://schemas.openxmlformats.org/markup-compatibility/2006" xmlns:p14="http://schemas.microsoft.com/office/powerpoint/2010/main">
+          <mc:Choice Requires="p14">
             <p:contentPart p14:bwMode="auto" r:id="rId101">
               <p14:nvContentPartPr>
                 <p14:cNvPr id="87" name="Ink 86">
@@ -33126,7 +33127,7 @@
               </p14:xfrm>
             </p:contentPart>
           </mc:Choice>
-          <mc:Fallback>
+          <mc:Fallback xmlns="">
             <p:pic>
               <p:nvPicPr>
                 <p:cNvPr id="87" name="Ink 86">
@@ -33157,8 +33158,8 @@
             </p:pic>
           </mc:Fallback>
         </mc:AlternateContent>
-        <mc:AlternateContent xmlns:mc="http://schemas.openxmlformats.org/markup-compatibility/2006">
-          <mc:Choice xmlns:p14="http://schemas.microsoft.com/office/powerpoint/2010/main" Requires="p14">
+        <mc:AlternateContent xmlns:mc="http://schemas.openxmlformats.org/markup-compatibility/2006" xmlns:p14="http://schemas.microsoft.com/office/powerpoint/2010/main">
+          <mc:Choice Requires="p14">
             <p:contentPart p14:bwMode="auto" r:id="rId103">
               <p14:nvContentPartPr>
                 <p14:cNvPr id="88" name="Ink 87">
@@ -33177,7 +33178,7 @@
               </p14:xfrm>
             </p:contentPart>
           </mc:Choice>
-          <mc:Fallback>
+          <mc:Fallback xmlns="">
             <p:pic>
               <p:nvPicPr>
                 <p:cNvPr id="88" name="Ink 87">
@@ -33208,8 +33209,8 @@
             </p:pic>
           </mc:Fallback>
         </mc:AlternateContent>
-        <mc:AlternateContent xmlns:mc="http://schemas.openxmlformats.org/markup-compatibility/2006">
-          <mc:Choice xmlns:p14="http://schemas.microsoft.com/office/powerpoint/2010/main" Requires="p14">
+        <mc:AlternateContent xmlns:mc="http://schemas.openxmlformats.org/markup-compatibility/2006" xmlns:p14="http://schemas.microsoft.com/office/powerpoint/2010/main">
+          <mc:Choice Requires="p14">
             <p:contentPart p14:bwMode="auto" r:id="rId105">
               <p14:nvContentPartPr>
                 <p14:cNvPr id="90" name="Ink 89">
@@ -33228,7 +33229,7 @@
               </p14:xfrm>
             </p:contentPart>
           </mc:Choice>
-          <mc:Fallback>
+          <mc:Fallback xmlns="">
             <p:pic>
               <p:nvPicPr>
                 <p:cNvPr id="90" name="Ink 89">
@@ -33259,8 +33260,8 @@
             </p:pic>
           </mc:Fallback>
         </mc:AlternateContent>
-        <mc:AlternateContent xmlns:mc="http://schemas.openxmlformats.org/markup-compatibility/2006">
-          <mc:Choice xmlns:p14="http://schemas.microsoft.com/office/powerpoint/2010/main" Requires="p14">
+        <mc:AlternateContent xmlns:mc="http://schemas.openxmlformats.org/markup-compatibility/2006" xmlns:p14="http://schemas.microsoft.com/office/powerpoint/2010/main">
+          <mc:Choice Requires="p14">
             <p:contentPart p14:bwMode="auto" r:id="rId107">
               <p14:nvContentPartPr>
                 <p14:cNvPr id="91" name="Ink 90">
@@ -33279,7 +33280,7 @@
               </p14:xfrm>
             </p:contentPart>
           </mc:Choice>
-          <mc:Fallback>
+          <mc:Fallback xmlns="">
             <p:pic>
               <p:nvPicPr>
                 <p:cNvPr id="91" name="Ink 90">
@@ -33310,8 +33311,8 @@
             </p:pic>
           </mc:Fallback>
         </mc:AlternateContent>
-        <mc:AlternateContent xmlns:mc="http://schemas.openxmlformats.org/markup-compatibility/2006">
-          <mc:Choice xmlns:p14="http://schemas.microsoft.com/office/powerpoint/2010/main" Requires="p14">
+        <mc:AlternateContent xmlns:mc="http://schemas.openxmlformats.org/markup-compatibility/2006" xmlns:p14="http://schemas.microsoft.com/office/powerpoint/2010/main">
+          <mc:Choice Requires="p14">
             <p:contentPart p14:bwMode="auto" r:id="rId109">
               <p14:nvContentPartPr>
                 <p14:cNvPr id="92" name="Ink 91">
@@ -33330,7 +33331,7 @@
               </p14:xfrm>
             </p:contentPart>
           </mc:Choice>
-          <mc:Fallback>
+          <mc:Fallback xmlns="">
             <p:pic>
               <p:nvPicPr>
                 <p:cNvPr id="92" name="Ink 91">
@@ -33361,8 +33362,8 @@
             </p:pic>
           </mc:Fallback>
         </mc:AlternateContent>
-        <mc:AlternateContent xmlns:mc="http://schemas.openxmlformats.org/markup-compatibility/2006">
-          <mc:Choice xmlns:p14="http://schemas.microsoft.com/office/powerpoint/2010/main" Requires="p14">
+        <mc:AlternateContent xmlns:mc="http://schemas.openxmlformats.org/markup-compatibility/2006" xmlns:p14="http://schemas.microsoft.com/office/powerpoint/2010/main">
+          <mc:Choice Requires="p14">
             <p:contentPart p14:bwMode="auto" r:id="rId111">
               <p14:nvContentPartPr>
                 <p14:cNvPr id="93" name="Ink 92">
@@ -33381,7 +33382,7 @@
               </p14:xfrm>
             </p:contentPart>
           </mc:Choice>
-          <mc:Fallback>
+          <mc:Fallback xmlns="">
             <p:pic>
               <p:nvPicPr>
                 <p:cNvPr id="93" name="Ink 92">
@@ -33412,8 +33413,8 @@
             </p:pic>
           </mc:Fallback>
         </mc:AlternateContent>
-        <mc:AlternateContent xmlns:mc="http://schemas.openxmlformats.org/markup-compatibility/2006">
-          <mc:Choice xmlns:p14="http://schemas.microsoft.com/office/powerpoint/2010/main" Requires="p14">
+        <mc:AlternateContent xmlns:mc="http://schemas.openxmlformats.org/markup-compatibility/2006" xmlns:p14="http://schemas.microsoft.com/office/powerpoint/2010/main">
+          <mc:Choice Requires="p14">
             <p:contentPart p14:bwMode="auto" r:id="rId113">
               <p14:nvContentPartPr>
                 <p14:cNvPr id="94" name="Ink 93">
@@ -33432,7 +33433,7 @@
               </p14:xfrm>
             </p:contentPart>
           </mc:Choice>
-          <mc:Fallback>
+          <mc:Fallback xmlns="">
             <p:pic>
               <p:nvPicPr>
                 <p:cNvPr id="94" name="Ink 93">
@@ -33463,8 +33464,8 @@
             </p:pic>
           </mc:Fallback>
         </mc:AlternateContent>
-        <mc:AlternateContent xmlns:mc="http://schemas.openxmlformats.org/markup-compatibility/2006">
-          <mc:Choice xmlns:p14="http://schemas.microsoft.com/office/powerpoint/2010/main" Requires="p14">
+        <mc:AlternateContent xmlns:mc="http://schemas.openxmlformats.org/markup-compatibility/2006" xmlns:p14="http://schemas.microsoft.com/office/powerpoint/2010/main">
+          <mc:Choice Requires="p14">
             <p:contentPart p14:bwMode="auto" r:id="rId115">
               <p14:nvContentPartPr>
                 <p14:cNvPr id="95" name="Ink 94">
@@ -33483,7 +33484,7 @@
               </p14:xfrm>
             </p:contentPart>
           </mc:Choice>
-          <mc:Fallback>
+          <mc:Fallback xmlns="">
             <p:pic>
               <p:nvPicPr>
                 <p:cNvPr id="95" name="Ink 94">
@@ -33514,8 +33515,8 @@
             </p:pic>
           </mc:Fallback>
         </mc:AlternateContent>
-        <mc:AlternateContent xmlns:mc="http://schemas.openxmlformats.org/markup-compatibility/2006">
-          <mc:Choice xmlns:p14="http://schemas.microsoft.com/office/powerpoint/2010/main" Requires="p14">
+        <mc:AlternateContent xmlns:mc="http://schemas.openxmlformats.org/markup-compatibility/2006" xmlns:p14="http://schemas.microsoft.com/office/powerpoint/2010/main">
+          <mc:Choice Requires="p14">
             <p:contentPart p14:bwMode="auto" r:id="rId117">
               <p14:nvContentPartPr>
                 <p14:cNvPr id="96" name="Ink 95">
@@ -33534,7 +33535,7 @@
               </p14:xfrm>
             </p:contentPart>
           </mc:Choice>
-          <mc:Fallback>
+          <mc:Fallback xmlns="">
             <p:pic>
               <p:nvPicPr>
                 <p:cNvPr id="96" name="Ink 95">
@@ -33565,8 +33566,8 @@
             </p:pic>
           </mc:Fallback>
         </mc:AlternateContent>
-        <mc:AlternateContent xmlns:mc="http://schemas.openxmlformats.org/markup-compatibility/2006">
-          <mc:Choice xmlns:p14="http://schemas.microsoft.com/office/powerpoint/2010/main" Requires="p14">
+        <mc:AlternateContent xmlns:mc="http://schemas.openxmlformats.org/markup-compatibility/2006" xmlns:p14="http://schemas.microsoft.com/office/powerpoint/2010/main">
+          <mc:Choice Requires="p14">
             <p:contentPart p14:bwMode="auto" r:id="rId119">
               <p14:nvContentPartPr>
                 <p14:cNvPr id="97" name="Ink 96">
@@ -33585,7 +33586,7 @@
               </p14:xfrm>
             </p:contentPart>
           </mc:Choice>
-          <mc:Fallback>
+          <mc:Fallback xmlns="">
             <p:pic>
               <p:nvPicPr>
                 <p:cNvPr id="97" name="Ink 96">
@@ -33616,8 +33617,8 @@
             </p:pic>
           </mc:Fallback>
         </mc:AlternateContent>
-        <mc:AlternateContent xmlns:mc="http://schemas.openxmlformats.org/markup-compatibility/2006">
-          <mc:Choice xmlns:p14="http://schemas.microsoft.com/office/powerpoint/2010/main" Requires="p14">
+        <mc:AlternateContent xmlns:mc="http://schemas.openxmlformats.org/markup-compatibility/2006" xmlns:p14="http://schemas.microsoft.com/office/powerpoint/2010/main">
+          <mc:Choice Requires="p14">
             <p:contentPart p14:bwMode="auto" r:id="rId121">
               <p14:nvContentPartPr>
                 <p14:cNvPr id="98" name="Ink 97">
@@ -33636,7 +33637,7 @@
               </p14:xfrm>
             </p:contentPart>
           </mc:Choice>
-          <mc:Fallback>
+          <mc:Fallback xmlns="">
             <p:pic>
               <p:nvPicPr>
                 <p:cNvPr id="98" name="Ink 97">
@@ -33667,8 +33668,8 @@
             </p:pic>
           </mc:Fallback>
         </mc:AlternateContent>
-        <mc:AlternateContent xmlns:mc="http://schemas.openxmlformats.org/markup-compatibility/2006">
-          <mc:Choice xmlns:p14="http://schemas.microsoft.com/office/powerpoint/2010/main" Requires="p14">
+        <mc:AlternateContent xmlns:mc="http://schemas.openxmlformats.org/markup-compatibility/2006" xmlns:p14="http://schemas.microsoft.com/office/powerpoint/2010/main">
+          <mc:Choice Requires="p14">
             <p:contentPart p14:bwMode="auto" r:id="rId123">
               <p14:nvContentPartPr>
                 <p14:cNvPr id="99" name="Ink 98">
@@ -33687,7 +33688,7 @@
               </p14:xfrm>
             </p:contentPart>
           </mc:Choice>
-          <mc:Fallback>
+          <mc:Fallback xmlns="">
             <p:pic>
               <p:nvPicPr>
                 <p:cNvPr id="99" name="Ink 98">
@@ -33718,8 +33719,8 @@
             </p:pic>
           </mc:Fallback>
         </mc:AlternateContent>
-        <mc:AlternateContent xmlns:mc="http://schemas.openxmlformats.org/markup-compatibility/2006">
-          <mc:Choice xmlns:p14="http://schemas.microsoft.com/office/powerpoint/2010/main" Requires="p14">
+        <mc:AlternateContent xmlns:mc="http://schemas.openxmlformats.org/markup-compatibility/2006" xmlns:p14="http://schemas.microsoft.com/office/powerpoint/2010/main">
+          <mc:Choice Requires="p14">
             <p:contentPart p14:bwMode="auto" r:id="rId125">
               <p14:nvContentPartPr>
                 <p14:cNvPr id="101" name="Ink 100">
@@ -33738,7 +33739,7 @@
               </p14:xfrm>
             </p:contentPart>
           </mc:Choice>
-          <mc:Fallback>
+          <mc:Fallback xmlns="">
             <p:pic>
               <p:nvPicPr>
                 <p:cNvPr id="101" name="Ink 100">
@@ -33769,8 +33770,8 @@
             </p:pic>
           </mc:Fallback>
         </mc:AlternateContent>
-        <mc:AlternateContent xmlns:mc="http://schemas.openxmlformats.org/markup-compatibility/2006">
-          <mc:Choice xmlns:p14="http://schemas.microsoft.com/office/powerpoint/2010/main" Requires="p14">
+        <mc:AlternateContent xmlns:mc="http://schemas.openxmlformats.org/markup-compatibility/2006" xmlns:p14="http://schemas.microsoft.com/office/powerpoint/2010/main">
+          <mc:Choice Requires="p14">
             <p:contentPart p14:bwMode="auto" r:id="rId127">
               <p14:nvContentPartPr>
                 <p14:cNvPr id="102" name="Ink 101">
@@ -33789,7 +33790,7 @@
               </p14:xfrm>
             </p:contentPart>
           </mc:Choice>
-          <mc:Fallback>
+          <mc:Fallback xmlns="">
             <p:pic>
               <p:nvPicPr>
                 <p:cNvPr id="102" name="Ink 101">
@@ -33820,8 +33821,8 @@
             </p:pic>
           </mc:Fallback>
         </mc:AlternateContent>
-        <mc:AlternateContent xmlns:mc="http://schemas.openxmlformats.org/markup-compatibility/2006">
-          <mc:Choice xmlns:p14="http://schemas.microsoft.com/office/powerpoint/2010/main" Requires="p14">
+        <mc:AlternateContent xmlns:mc="http://schemas.openxmlformats.org/markup-compatibility/2006" xmlns:p14="http://schemas.microsoft.com/office/powerpoint/2010/main">
+          <mc:Choice Requires="p14">
             <p:contentPart p14:bwMode="auto" r:id="rId129">
               <p14:nvContentPartPr>
                 <p14:cNvPr id="103" name="Ink 102">
@@ -33840,7 +33841,7 @@
               </p14:xfrm>
             </p:contentPart>
           </mc:Choice>
-          <mc:Fallback>
+          <mc:Fallback xmlns="">
             <p:pic>
               <p:nvPicPr>
                 <p:cNvPr id="103" name="Ink 102">
@@ -33871,8 +33872,8 @@
             </p:pic>
           </mc:Fallback>
         </mc:AlternateContent>
-        <mc:AlternateContent xmlns:mc="http://schemas.openxmlformats.org/markup-compatibility/2006">
-          <mc:Choice xmlns:p14="http://schemas.microsoft.com/office/powerpoint/2010/main" Requires="p14">
+        <mc:AlternateContent xmlns:mc="http://schemas.openxmlformats.org/markup-compatibility/2006" xmlns:p14="http://schemas.microsoft.com/office/powerpoint/2010/main">
+          <mc:Choice Requires="p14">
             <p:contentPart p14:bwMode="auto" r:id="rId131">
               <p14:nvContentPartPr>
                 <p14:cNvPr id="117" name="Ink 116">
@@ -33891,7 +33892,7 @@
               </p14:xfrm>
             </p:contentPart>
           </mc:Choice>
-          <mc:Fallback>
+          <mc:Fallback xmlns="">
             <p:pic>
               <p:nvPicPr>
                 <p:cNvPr id="117" name="Ink 116">
@@ -33922,8 +33923,8 @@
             </p:pic>
           </mc:Fallback>
         </mc:AlternateContent>
-        <mc:AlternateContent xmlns:mc="http://schemas.openxmlformats.org/markup-compatibility/2006">
-          <mc:Choice xmlns:p14="http://schemas.microsoft.com/office/powerpoint/2010/main" Requires="p14">
+        <mc:AlternateContent xmlns:mc="http://schemas.openxmlformats.org/markup-compatibility/2006" xmlns:p14="http://schemas.microsoft.com/office/powerpoint/2010/main">
+          <mc:Choice Requires="p14">
             <p:contentPart p14:bwMode="auto" r:id="rId133">
               <p14:nvContentPartPr>
                 <p14:cNvPr id="118" name="Ink 117">
@@ -33942,7 +33943,7 @@
               </p14:xfrm>
             </p:contentPart>
           </mc:Choice>
-          <mc:Fallback>
+          <mc:Fallback xmlns="">
             <p:pic>
               <p:nvPicPr>
                 <p:cNvPr id="118" name="Ink 117">
@@ -33973,8 +33974,8 @@
             </p:pic>
           </mc:Fallback>
         </mc:AlternateContent>
-        <mc:AlternateContent xmlns:mc="http://schemas.openxmlformats.org/markup-compatibility/2006">
-          <mc:Choice xmlns:p14="http://schemas.microsoft.com/office/powerpoint/2010/main" Requires="p14">
+        <mc:AlternateContent xmlns:mc="http://schemas.openxmlformats.org/markup-compatibility/2006" xmlns:p14="http://schemas.microsoft.com/office/powerpoint/2010/main">
+          <mc:Choice Requires="p14">
             <p:contentPart p14:bwMode="auto" r:id="rId135">
               <p14:nvContentPartPr>
                 <p14:cNvPr id="124" name="Ink 123">
@@ -33993,7 +33994,7 @@
               </p14:xfrm>
             </p:contentPart>
           </mc:Choice>
-          <mc:Fallback>
+          <mc:Fallback xmlns="">
             <p:pic>
               <p:nvPicPr>
                 <p:cNvPr id="124" name="Ink 123">
@@ -34024,8 +34025,8 @@
             </p:pic>
           </mc:Fallback>
         </mc:AlternateContent>
-        <mc:AlternateContent xmlns:mc="http://schemas.openxmlformats.org/markup-compatibility/2006">
-          <mc:Choice xmlns:p14="http://schemas.microsoft.com/office/powerpoint/2010/main" Requires="p14">
+        <mc:AlternateContent xmlns:mc="http://schemas.openxmlformats.org/markup-compatibility/2006" xmlns:p14="http://schemas.microsoft.com/office/powerpoint/2010/main">
+          <mc:Choice Requires="p14">
             <p:contentPart p14:bwMode="auto" r:id="rId137">
               <p14:nvContentPartPr>
                 <p14:cNvPr id="125" name="Ink 124">
@@ -34044,7 +34045,7 @@
               </p14:xfrm>
             </p:contentPart>
           </mc:Choice>
-          <mc:Fallback>
+          <mc:Fallback xmlns="">
             <p:pic>
               <p:nvPicPr>
                 <p:cNvPr id="125" name="Ink 124">
@@ -34075,8 +34076,8 @@
             </p:pic>
           </mc:Fallback>
         </mc:AlternateContent>
-        <mc:AlternateContent xmlns:mc="http://schemas.openxmlformats.org/markup-compatibility/2006">
-          <mc:Choice xmlns:p14="http://schemas.microsoft.com/office/powerpoint/2010/main" Requires="p14">
+        <mc:AlternateContent xmlns:mc="http://schemas.openxmlformats.org/markup-compatibility/2006" xmlns:p14="http://schemas.microsoft.com/office/powerpoint/2010/main">
+          <mc:Choice Requires="p14">
             <p:contentPart p14:bwMode="auto" r:id="rId139">
               <p14:nvContentPartPr>
                 <p14:cNvPr id="38" name="Ink 37">
@@ -34095,7 +34096,7 @@
               </p14:xfrm>
             </p:contentPart>
           </mc:Choice>
-          <mc:Fallback>
+          <mc:Fallback xmlns="">
             <p:pic>
               <p:nvPicPr>
                 <p:cNvPr id="38" name="Ink 37">
@@ -34126,8 +34127,8 @@
             </p:pic>
           </mc:Fallback>
         </mc:AlternateContent>
-        <mc:AlternateContent xmlns:mc="http://schemas.openxmlformats.org/markup-compatibility/2006">
-          <mc:Choice xmlns:p14="http://schemas.microsoft.com/office/powerpoint/2010/main" Requires="p14">
+        <mc:AlternateContent xmlns:mc="http://schemas.openxmlformats.org/markup-compatibility/2006" xmlns:p14="http://schemas.microsoft.com/office/powerpoint/2010/main">
+          <mc:Choice Requires="p14">
             <p:contentPart p14:bwMode="auto" r:id="rId140">
               <p14:nvContentPartPr>
                 <p14:cNvPr id="39" name="Ink 38">
@@ -34146,7 +34147,7 @@
               </p14:xfrm>
             </p:contentPart>
           </mc:Choice>
-          <mc:Fallback>
+          <mc:Fallback xmlns="">
             <p:pic>
               <p:nvPicPr>
                 <p:cNvPr id="39" name="Ink 38">
@@ -34177,8 +34178,8 @@
             </p:pic>
           </mc:Fallback>
         </mc:AlternateContent>
-        <mc:AlternateContent xmlns:mc="http://schemas.openxmlformats.org/markup-compatibility/2006">
-          <mc:Choice xmlns:p14="http://schemas.microsoft.com/office/powerpoint/2010/main" Requires="p14">
+        <mc:AlternateContent xmlns:mc="http://schemas.openxmlformats.org/markup-compatibility/2006" xmlns:p14="http://schemas.microsoft.com/office/powerpoint/2010/main">
+          <mc:Choice Requires="p14">
             <p:contentPart p14:bwMode="auto" r:id="rId142">
               <p14:nvContentPartPr>
                 <p14:cNvPr id="40" name="Ink 39">
@@ -34197,7 +34198,7 @@
               </p14:xfrm>
             </p:contentPart>
           </mc:Choice>
-          <mc:Fallback>
+          <mc:Fallback xmlns="">
             <p:pic>
               <p:nvPicPr>
                 <p:cNvPr id="40" name="Ink 39">
@@ -34228,8 +34229,8 @@
             </p:pic>
           </mc:Fallback>
         </mc:AlternateContent>
-        <mc:AlternateContent xmlns:mc="http://schemas.openxmlformats.org/markup-compatibility/2006">
-          <mc:Choice xmlns:p14="http://schemas.microsoft.com/office/powerpoint/2010/main" Requires="p14">
+        <mc:AlternateContent xmlns:mc="http://schemas.openxmlformats.org/markup-compatibility/2006" xmlns:p14="http://schemas.microsoft.com/office/powerpoint/2010/main">
+          <mc:Choice Requires="p14">
             <p:contentPart p14:bwMode="auto" r:id="rId143">
               <p14:nvContentPartPr>
                 <p14:cNvPr id="45" name="Ink 44">
@@ -34248,7 +34249,7 @@
               </p14:xfrm>
             </p:contentPart>
           </mc:Choice>
-          <mc:Fallback>
+          <mc:Fallback xmlns="">
             <p:pic>
               <p:nvPicPr>
                 <p:cNvPr id="45" name="Ink 44">
@@ -34279,8 +34280,8 @@
             </p:pic>
           </mc:Fallback>
         </mc:AlternateContent>
-        <mc:AlternateContent xmlns:mc="http://schemas.openxmlformats.org/markup-compatibility/2006">
-          <mc:Choice xmlns:p14="http://schemas.microsoft.com/office/powerpoint/2010/main" Requires="p14">
+        <mc:AlternateContent xmlns:mc="http://schemas.openxmlformats.org/markup-compatibility/2006" xmlns:p14="http://schemas.microsoft.com/office/powerpoint/2010/main">
+          <mc:Choice Requires="p14">
             <p:contentPart p14:bwMode="auto" r:id="rId145">
               <p14:nvContentPartPr>
                 <p14:cNvPr id="47" name="Ink 46">
@@ -34299,7 +34300,7 @@
               </p14:xfrm>
             </p:contentPart>
           </mc:Choice>
-          <mc:Fallback>
+          <mc:Fallback xmlns="">
             <p:pic>
               <p:nvPicPr>
                 <p:cNvPr id="47" name="Ink 46">
@@ -34330,8 +34331,8 @@
             </p:pic>
           </mc:Fallback>
         </mc:AlternateContent>
-        <mc:AlternateContent xmlns:mc="http://schemas.openxmlformats.org/markup-compatibility/2006">
-          <mc:Choice xmlns:p14="http://schemas.microsoft.com/office/powerpoint/2010/main" Requires="p14">
+        <mc:AlternateContent xmlns:mc="http://schemas.openxmlformats.org/markup-compatibility/2006" xmlns:p14="http://schemas.microsoft.com/office/powerpoint/2010/main">
+          <mc:Choice Requires="p14">
             <p:contentPart p14:bwMode="auto" r:id="rId146">
               <p14:nvContentPartPr>
                 <p14:cNvPr id="48" name="Ink 47">
@@ -34350,7 +34351,7 @@
               </p14:xfrm>
             </p:contentPart>
           </mc:Choice>
-          <mc:Fallback>
+          <mc:Fallback xmlns="">
             <p:pic>
               <p:nvPicPr>
                 <p:cNvPr id="48" name="Ink 47">
@@ -34381,8 +34382,8 @@
             </p:pic>
           </mc:Fallback>
         </mc:AlternateContent>
-        <mc:AlternateContent xmlns:mc="http://schemas.openxmlformats.org/markup-compatibility/2006">
-          <mc:Choice xmlns:p14="http://schemas.microsoft.com/office/powerpoint/2010/main" Requires="p14">
+        <mc:AlternateContent xmlns:mc="http://schemas.openxmlformats.org/markup-compatibility/2006" xmlns:p14="http://schemas.microsoft.com/office/powerpoint/2010/main">
+          <mc:Choice Requires="p14">
             <p:contentPart p14:bwMode="auto" r:id="rId148">
               <p14:nvContentPartPr>
                 <p14:cNvPr id="49" name="Ink 48">
@@ -34401,7 +34402,7 @@
               </p14:xfrm>
             </p:contentPart>
           </mc:Choice>
-          <mc:Fallback>
+          <mc:Fallback xmlns="">
             <p:pic>
               <p:nvPicPr>
                 <p:cNvPr id="49" name="Ink 48">
@@ -34432,8 +34433,8 @@
             </p:pic>
           </mc:Fallback>
         </mc:AlternateContent>
-        <mc:AlternateContent xmlns:mc="http://schemas.openxmlformats.org/markup-compatibility/2006">
-          <mc:Choice xmlns:p14="http://schemas.microsoft.com/office/powerpoint/2010/main" Requires="p14">
+        <mc:AlternateContent xmlns:mc="http://schemas.openxmlformats.org/markup-compatibility/2006" xmlns:p14="http://schemas.microsoft.com/office/powerpoint/2010/main">
+          <mc:Choice Requires="p14">
             <p:contentPart p14:bwMode="auto" r:id="rId149">
               <p14:nvContentPartPr>
                 <p14:cNvPr id="46" name="Ink 45">
@@ -34452,7 +34453,7 @@
               </p14:xfrm>
             </p:contentPart>
           </mc:Choice>
-          <mc:Fallback>
+          <mc:Fallback xmlns="">
             <p:pic>
               <p:nvPicPr>
                 <p:cNvPr id="46" name="Ink 45">
@@ -34483,8 +34484,8 @@
             </p:pic>
           </mc:Fallback>
         </mc:AlternateContent>
-        <mc:AlternateContent xmlns:mc="http://schemas.openxmlformats.org/markup-compatibility/2006">
-          <mc:Choice xmlns:p14="http://schemas.microsoft.com/office/powerpoint/2010/main" Requires="p14">
+        <mc:AlternateContent xmlns:mc="http://schemas.openxmlformats.org/markup-compatibility/2006" xmlns:p14="http://schemas.microsoft.com/office/powerpoint/2010/main">
+          <mc:Choice Requires="p14">
             <p:contentPart p14:bwMode="auto" r:id="rId151">
               <p14:nvContentPartPr>
                 <p14:cNvPr id="50" name="Ink 49">
@@ -34503,7 +34504,7 @@
               </p14:xfrm>
             </p:contentPart>
           </mc:Choice>
-          <mc:Fallback>
+          <mc:Fallback xmlns="">
             <p:pic>
               <p:nvPicPr>
                 <p:cNvPr id="50" name="Ink 49">
@@ -34534,8 +34535,8 @@
             </p:pic>
           </mc:Fallback>
         </mc:AlternateContent>
-        <mc:AlternateContent xmlns:mc="http://schemas.openxmlformats.org/markup-compatibility/2006">
-          <mc:Choice xmlns:p14="http://schemas.microsoft.com/office/powerpoint/2010/main" Requires="p14">
+        <mc:AlternateContent xmlns:mc="http://schemas.openxmlformats.org/markup-compatibility/2006" xmlns:p14="http://schemas.microsoft.com/office/powerpoint/2010/main">
+          <mc:Choice Requires="p14">
             <p:contentPart p14:bwMode="auto" r:id="rId152">
               <p14:nvContentPartPr>
                 <p14:cNvPr id="51" name="Ink 50">
@@ -34554,7 +34555,7 @@
               </p14:xfrm>
             </p:contentPart>
           </mc:Choice>
-          <mc:Fallback>
+          <mc:Fallback xmlns="">
             <p:pic>
               <p:nvPicPr>
                 <p:cNvPr id="51" name="Ink 50">
@@ -34585,8 +34586,8 @@
             </p:pic>
           </mc:Fallback>
         </mc:AlternateContent>
-        <mc:AlternateContent xmlns:mc="http://schemas.openxmlformats.org/markup-compatibility/2006">
-          <mc:Choice xmlns:p14="http://schemas.microsoft.com/office/powerpoint/2010/main" Requires="p14">
+        <mc:AlternateContent xmlns:mc="http://schemas.openxmlformats.org/markup-compatibility/2006" xmlns:p14="http://schemas.microsoft.com/office/powerpoint/2010/main">
+          <mc:Choice Requires="p14">
             <p:contentPart p14:bwMode="auto" r:id="rId153">
               <p14:nvContentPartPr>
                 <p14:cNvPr id="52" name="Ink 51">
@@ -34605,7 +34606,7 @@
               </p14:xfrm>
             </p:contentPart>
           </mc:Choice>
-          <mc:Fallback>
+          <mc:Fallback xmlns="">
             <p:pic>
               <p:nvPicPr>
                 <p:cNvPr id="52" name="Ink 51">
@@ -34636,8 +34637,8 @@
             </p:pic>
           </mc:Fallback>
         </mc:AlternateContent>
-        <mc:AlternateContent xmlns:mc="http://schemas.openxmlformats.org/markup-compatibility/2006">
-          <mc:Choice xmlns:p14="http://schemas.microsoft.com/office/powerpoint/2010/main" Requires="p14">
+        <mc:AlternateContent xmlns:mc="http://schemas.openxmlformats.org/markup-compatibility/2006" xmlns:p14="http://schemas.microsoft.com/office/powerpoint/2010/main">
+          <mc:Choice Requires="p14">
             <p:contentPart p14:bwMode="auto" r:id="rId154">
               <p14:nvContentPartPr>
                 <p14:cNvPr id="53" name="Ink 52">
@@ -34656,7 +34657,7 @@
               </p14:xfrm>
             </p:contentPart>
           </mc:Choice>
-          <mc:Fallback>
+          <mc:Fallback xmlns="">
             <p:pic>
               <p:nvPicPr>
                 <p:cNvPr id="53" name="Ink 52">
@@ -34687,8 +34688,8 @@
             </p:pic>
           </mc:Fallback>
         </mc:AlternateContent>
-        <mc:AlternateContent xmlns:mc="http://schemas.openxmlformats.org/markup-compatibility/2006">
-          <mc:Choice xmlns:p14="http://schemas.microsoft.com/office/powerpoint/2010/main" Requires="p14">
+        <mc:AlternateContent xmlns:mc="http://schemas.openxmlformats.org/markup-compatibility/2006" xmlns:p14="http://schemas.microsoft.com/office/powerpoint/2010/main">
+          <mc:Choice Requires="p14">
             <p:contentPart p14:bwMode="auto" r:id="rId156">
               <p14:nvContentPartPr>
                 <p14:cNvPr id="54" name="Ink 53">
@@ -34707,7 +34708,7 @@
               </p14:xfrm>
             </p:contentPart>
           </mc:Choice>
-          <mc:Fallback>
+          <mc:Fallback xmlns="">
             <p:pic>
               <p:nvPicPr>
                 <p:cNvPr id="54" name="Ink 53">
@@ -34738,8 +34739,8 @@
             </p:pic>
           </mc:Fallback>
         </mc:AlternateContent>
-        <mc:AlternateContent xmlns:mc="http://schemas.openxmlformats.org/markup-compatibility/2006">
-          <mc:Choice xmlns:p14="http://schemas.microsoft.com/office/powerpoint/2010/main" Requires="p14">
+        <mc:AlternateContent xmlns:mc="http://schemas.openxmlformats.org/markup-compatibility/2006" xmlns:p14="http://schemas.microsoft.com/office/powerpoint/2010/main">
+          <mc:Choice Requires="p14">
             <p:contentPart p14:bwMode="auto" r:id="rId158">
               <p14:nvContentPartPr>
                 <p14:cNvPr id="55" name="Ink 54">
@@ -34758,7 +34759,7 @@
               </p14:xfrm>
             </p:contentPart>
           </mc:Choice>
-          <mc:Fallback>
+          <mc:Fallback xmlns="">
             <p:pic>
               <p:nvPicPr>
                 <p:cNvPr id="55" name="Ink 54">
@@ -34789,8 +34790,8 @@
             </p:pic>
           </mc:Fallback>
         </mc:AlternateContent>
-        <mc:AlternateContent xmlns:mc="http://schemas.openxmlformats.org/markup-compatibility/2006">
-          <mc:Choice xmlns:p14="http://schemas.microsoft.com/office/powerpoint/2010/main" Requires="p14">
+        <mc:AlternateContent xmlns:mc="http://schemas.openxmlformats.org/markup-compatibility/2006" xmlns:p14="http://schemas.microsoft.com/office/powerpoint/2010/main">
+          <mc:Choice Requires="p14">
             <p:contentPart p14:bwMode="auto" r:id="rId160">
               <p14:nvContentPartPr>
                 <p14:cNvPr id="56" name="Ink 55">
@@ -34809,7 +34810,7 @@
               </p14:xfrm>
             </p:contentPart>
           </mc:Choice>
-          <mc:Fallback>
+          <mc:Fallback xmlns="">
             <p:pic>
               <p:nvPicPr>
                 <p:cNvPr id="56" name="Ink 55">
@@ -34840,8 +34841,8 @@
             </p:pic>
           </mc:Fallback>
         </mc:AlternateContent>
-        <mc:AlternateContent xmlns:mc="http://schemas.openxmlformats.org/markup-compatibility/2006">
-          <mc:Choice xmlns:p14="http://schemas.microsoft.com/office/powerpoint/2010/main" Requires="p14">
+        <mc:AlternateContent xmlns:mc="http://schemas.openxmlformats.org/markup-compatibility/2006" xmlns:p14="http://schemas.microsoft.com/office/powerpoint/2010/main">
+          <mc:Choice Requires="p14">
             <p:contentPart p14:bwMode="auto" r:id="rId162">
               <p14:nvContentPartPr>
                 <p14:cNvPr id="57" name="Ink 56">
@@ -34860,7 +34861,7 @@
               </p14:xfrm>
             </p:contentPart>
           </mc:Choice>
-          <mc:Fallback>
+          <mc:Fallback xmlns="">
             <p:pic>
               <p:nvPicPr>
                 <p:cNvPr id="57" name="Ink 56">
@@ -34891,8 +34892,8 @@
             </p:pic>
           </mc:Fallback>
         </mc:AlternateContent>
-        <mc:AlternateContent xmlns:mc="http://schemas.openxmlformats.org/markup-compatibility/2006">
-          <mc:Choice xmlns:p14="http://schemas.microsoft.com/office/powerpoint/2010/main" Requires="p14">
+        <mc:AlternateContent xmlns:mc="http://schemas.openxmlformats.org/markup-compatibility/2006" xmlns:p14="http://schemas.microsoft.com/office/powerpoint/2010/main">
+          <mc:Choice Requires="p14">
             <p:contentPart p14:bwMode="auto" r:id="rId164">
               <p14:nvContentPartPr>
                 <p14:cNvPr id="58" name="Ink 57">
@@ -34911,7 +34912,7 @@
               </p14:xfrm>
             </p:contentPart>
           </mc:Choice>
-          <mc:Fallback>
+          <mc:Fallback xmlns="">
             <p:pic>
               <p:nvPicPr>
                 <p:cNvPr id="58" name="Ink 57">
@@ -34942,8 +34943,8 @@
             </p:pic>
           </mc:Fallback>
         </mc:AlternateContent>
-        <mc:AlternateContent xmlns:mc="http://schemas.openxmlformats.org/markup-compatibility/2006">
-          <mc:Choice xmlns:p14="http://schemas.microsoft.com/office/powerpoint/2010/main" Requires="p14">
+        <mc:AlternateContent xmlns:mc="http://schemas.openxmlformats.org/markup-compatibility/2006" xmlns:p14="http://schemas.microsoft.com/office/powerpoint/2010/main">
+          <mc:Choice Requires="p14">
             <p:contentPart p14:bwMode="auto" r:id="rId166">
               <p14:nvContentPartPr>
                 <p14:cNvPr id="59" name="Ink 58">
@@ -34962,7 +34963,7 @@
               </p14:xfrm>
             </p:contentPart>
           </mc:Choice>
-          <mc:Fallback>
+          <mc:Fallback xmlns="">
             <p:pic>
               <p:nvPicPr>
                 <p:cNvPr id="59" name="Ink 58">
@@ -34993,8 +34994,8 @@
             </p:pic>
           </mc:Fallback>
         </mc:AlternateContent>
-        <mc:AlternateContent xmlns:mc="http://schemas.openxmlformats.org/markup-compatibility/2006">
-          <mc:Choice xmlns:p14="http://schemas.microsoft.com/office/powerpoint/2010/main" Requires="p14">
+        <mc:AlternateContent xmlns:mc="http://schemas.openxmlformats.org/markup-compatibility/2006" xmlns:p14="http://schemas.microsoft.com/office/powerpoint/2010/main">
+          <mc:Choice Requires="p14">
             <p:contentPart p14:bwMode="auto" r:id="rId168">
               <p14:nvContentPartPr>
                 <p14:cNvPr id="60" name="Ink 59">
@@ -35013,7 +35014,7 @@
               </p14:xfrm>
             </p:contentPart>
           </mc:Choice>
-          <mc:Fallback>
+          <mc:Fallback xmlns="">
             <p:pic>
               <p:nvPicPr>
                 <p:cNvPr id="60" name="Ink 59">
@@ -35044,8 +35045,8 @@
             </p:pic>
           </mc:Fallback>
         </mc:AlternateContent>
-        <mc:AlternateContent xmlns:mc="http://schemas.openxmlformats.org/markup-compatibility/2006">
-          <mc:Choice xmlns:p14="http://schemas.microsoft.com/office/powerpoint/2010/main" Requires="p14">
+        <mc:AlternateContent xmlns:mc="http://schemas.openxmlformats.org/markup-compatibility/2006" xmlns:p14="http://schemas.microsoft.com/office/powerpoint/2010/main">
+          <mc:Choice Requires="p14">
             <p:contentPart p14:bwMode="auto" r:id="rId170">
               <p14:nvContentPartPr>
                 <p14:cNvPr id="61" name="Ink 60">
@@ -35064,7 +35065,7 @@
               </p14:xfrm>
             </p:contentPart>
           </mc:Choice>
-          <mc:Fallback>
+          <mc:Fallback xmlns="">
             <p:pic>
               <p:nvPicPr>
                 <p:cNvPr id="61" name="Ink 60">
@@ -35095,8 +35096,8 @@
             </p:pic>
           </mc:Fallback>
         </mc:AlternateContent>
-        <mc:AlternateContent xmlns:mc="http://schemas.openxmlformats.org/markup-compatibility/2006">
-          <mc:Choice xmlns:p14="http://schemas.microsoft.com/office/powerpoint/2010/main" Requires="p14">
+        <mc:AlternateContent xmlns:mc="http://schemas.openxmlformats.org/markup-compatibility/2006" xmlns:p14="http://schemas.microsoft.com/office/powerpoint/2010/main">
+          <mc:Choice Requires="p14">
             <p:contentPart p14:bwMode="auto" r:id="rId172">
               <p14:nvContentPartPr>
                 <p14:cNvPr id="62" name="Ink 61">
@@ -35115,7 +35116,7 @@
               </p14:xfrm>
             </p:contentPart>
           </mc:Choice>
-          <mc:Fallback>
+          <mc:Fallback xmlns="">
             <p:pic>
               <p:nvPicPr>
                 <p:cNvPr id="62" name="Ink 61">
@@ -35146,8 +35147,8 @@
             </p:pic>
           </mc:Fallback>
         </mc:AlternateContent>
-        <mc:AlternateContent xmlns:mc="http://schemas.openxmlformats.org/markup-compatibility/2006">
-          <mc:Choice xmlns:p14="http://schemas.microsoft.com/office/powerpoint/2010/main" Requires="p14">
+        <mc:AlternateContent xmlns:mc="http://schemas.openxmlformats.org/markup-compatibility/2006" xmlns:p14="http://schemas.microsoft.com/office/powerpoint/2010/main">
+          <mc:Choice Requires="p14">
             <p:contentPart p14:bwMode="auto" r:id="rId174">
               <p14:nvContentPartPr>
                 <p14:cNvPr id="63" name="Ink 62">
@@ -35166,7 +35167,7 @@
               </p14:xfrm>
             </p:contentPart>
           </mc:Choice>
-          <mc:Fallback>
+          <mc:Fallback xmlns="">
             <p:pic>
               <p:nvPicPr>
                 <p:cNvPr id="63" name="Ink 62">
@@ -35197,8 +35198,8 @@
             </p:pic>
           </mc:Fallback>
         </mc:AlternateContent>
-        <mc:AlternateContent xmlns:mc="http://schemas.openxmlformats.org/markup-compatibility/2006">
-          <mc:Choice xmlns:p14="http://schemas.microsoft.com/office/powerpoint/2010/main" Requires="p14">
+        <mc:AlternateContent xmlns:mc="http://schemas.openxmlformats.org/markup-compatibility/2006" xmlns:p14="http://schemas.microsoft.com/office/powerpoint/2010/main">
+          <mc:Choice Requires="p14">
             <p:contentPart p14:bwMode="auto" r:id="rId176">
               <p14:nvContentPartPr>
                 <p14:cNvPr id="42" name="Ink 41">
@@ -35217,7 +35218,7 @@
               </p14:xfrm>
             </p:contentPart>
           </mc:Choice>
-          <mc:Fallback>
+          <mc:Fallback xmlns="">
             <p:pic>
               <p:nvPicPr>
                 <p:cNvPr id="42" name="Ink 41">
@@ -35248,8 +35249,8 @@
             </p:pic>
           </mc:Fallback>
         </mc:AlternateContent>
-        <mc:AlternateContent xmlns:mc="http://schemas.openxmlformats.org/markup-compatibility/2006">
-          <mc:Choice xmlns:p14="http://schemas.microsoft.com/office/powerpoint/2010/main" Requires="p14">
+        <mc:AlternateContent xmlns:mc="http://schemas.openxmlformats.org/markup-compatibility/2006" xmlns:p14="http://schemas.microsoft.com/office/powerpoint/2010/main">
+          <mc:Choice Requires="p14">
             <p:contentPart p14:bwMode="auto" r:id="rId177">
               <p14:nvContentPartPr>
                 <p14:cNvPr id="43" name="Ink 42">
@@ -35268,7 +35269,7 @@
               </p14:xfrm>
             </p:contentPart>
           </mc:Choice>
-          <mc:Fallback>
+          <mc:Fallback xmlns="">
             <p:pic>
               <p:nvPicPr>
                 <p:cNvPr id="43" name="Ink 42">
@@ -35299,8 +35300,8 @@
             </p:pic>
           </mc:Fallback>
         </mc:AlternateContent>
-        <mc:AlternateContent xmlns:mc="http://schemas.openxmlformats.org/markup-compatibility/2006">
-          <mc:Choice xmlns:p14="http://schemas.microsoft.com/office/powerpoint/2010/main" Requires="p14">
+        <mc:AlternateContent xmlns:mc="http://schemas.openxmlformats.org/markup-compatibility/2006" xmlns:p14="http://schemas.microsoft.com/office/powerpoint/2010/main">
+          <mc:Choice Requires="p14">
             <p:contentPart p14:bwMode="auto" r:id="rId178">
               <p14:nvContentPartPr>
                 <p14:cNvPr id="41" name="Ink 40">
@@ -35319,7 +35320,7 @@
               </p14:xfrm>
             </p:contentPart>
           </mc:Choice>
-          <mc:Fallback>
+          <mc:Fallback xmlns="">
             <p:pic>
               <p:nvPicPr>
                 <p:cNvPr id="41" name="Ink 40">
@@ -35350,8 +35351,8 @@
             </p:pic>
           </mc:Fallback>
         </mc:AlternateContent>
-        <mc:AlternateContent xmlns:mc="http://schemas.openxmlformats.org/markup-compatibility/2006">
-          <mc:Choice xmlns:p14="http://schemas.microsoft.com/office/powerpoint/2010/main" Requires="p14">
+        <mc:AlternateContent xmlns:mc="http://schemas.openxmlformats.org/markup-compatibility/2006" xmlns:p14="http://schemas.microsoft.com/office/powerpoint/2010/main">
+          <mc:Choice Requires="p14">
             <p:contentPart p14:bwMode="auto" r:id="rId180">
               <p14:nvContentPartPr>
                 <p14:cNvPr id="44" name="Ink 43">
@@ -35370,7 +35371,7 @@
               </p14:xfrm>
             </p:contentPart>
           </mc:Choice>
-          <mc:Fallback>
+          <mc:Fallback xmlns="">
             <p:pic>
               <p:nvPicPr>
                 <p:cNvPr id="44" name="Ink 43">
@@ -35401,8 +35402,8 @@
             </p:pic>
           </mc:Fallback>
         </mc:AlternateContent>
-        <mc:AlternateContent xmlns:mc="http://schemas.openxmlformats.org/markup-compatibility/2006">
-          <mc:Choice xmlns:p14="http://schemas.microsoft.com/office/powerpoint/2010/main" Requires="p14">
+        <mc:AlternateContent xmlns:mc="http://schemas.openxmlformats.org/markup-compatibility/2006" xmlns:p14="http://schemas.microsoft.com/office/powerpoint/2010/main">
+          <mc:Choice Requires="p14">
             <p:contentPart p14:bwMode="auto" r:id="rId181">
               <p14:nvContentPartPr>
                 <p14:cNvPr id="127" name="Ink 126">
@@ -35421,7 +35422,7 @@
               </p14:xfrm>
             </p:contentPart>
           </mc:Choice>
-          <mc:Fallback>
+          <mc:Fallback xmlns="">
             <p:pic>
               <p:nvPicPr>
                 <p:cNvPr id="127" name="Ink 126">
@@ -35452,8 +35453,8 @@
             </p:pic>
           </mc:Fallback>
         </mc:AlternateContent>
-        <mc:AlternateContent xmlns:mc="http://schemas.openxmlformats.org/markup-compatibility/2006">
-          <mc:Choice xmlns:p14="http://schemas.microsoft.com/office/powerpoint/2010/main" Requires="p14">
+        <mc:AlternateContent xmlns:mc="http://schemas.openxmlformats.org/markup-compatibility/2006" xmlns:p14="http://schemas.microsoft.com/office/powerpoint/2010/main">
+          <mc:Choice Requires="p14">
             <p:contentPart p14:bwMode="auto" r:id="rId183">
               <p14:nvContentPartPr>
                 <p14:cNvPr id="128" name="Ink 127">
@@ -35472,7 +35473,7 @@
               </p14:xfrm>
             </p:contentPart>
           </mc:Choice>
-          <mc:Fallback>
+          <mc:Fallback xmlns="">
             <p:pic>
               <p:nvPicPr>
                 <p:cNvPr id="128" name="Ink 127">
@@ -35503,8 +35504,8 @@
             </p:pic>
           </mc:Fallback>
         </mc:AlternateContent>
-        <mc:AlternateContent xmlns:mc="http://schemas.openxmlformats.org/markup-compatibility/2006">
-          <mc:Choice xmlns:p14="http://schemas.microsoft.com/office/powerpoint/2010/main" Requires="p14">
+        <mc:AlternateContent xmlns:mc="http://schemas.openxmlformats.org/markup-compatibility/2006" xmlns:p14="http://schemas.microsoft.com/office/powerpoint/2010/main">
+          <mc:Choice Requires="p14">
             <p:contentPart p14:bwMode="auto" r:id="rId185">
               <p14:nvContentPartPr>
                 <p14:cNvPr id="129" name="Ink 128">
@@ -35523,7 +35524,7 @@
               </p14:xfrm>
             </p:contentPart>
           </mc:Choice>
-          <mc:Fallback>
+          <mc:Fallback xmlns="">
             <p:pic>
               <p:nvPicPr>
                 <p:cNvPr id="129" name="Ink 128">
@@ -35554,8 +35555,8 @@
             </p:pic>
           </mc:Fallback>
         </mc:AlternateContent>
-        <mc:AlternateContent xmlns:mc="http://schemas.openxmlformats.org/markup-compatibility/2006">
-          <mc:Choice xmlns:p14="http://schemas.microsoft.com/office/powerpoint/2010/main" Requires="p14">
+        <mc:AlternateContent xmlns:mc="http://schemas.openxmlformats.org/markup-compatibility/2006" xmlns:p14="http://schemas.microsoft.com/office/powerpoint/2010/main">
+          <mc:Choice Requires="p14">
             <p:contentPart p14:bwMode="auto" r:id="rId187">
               <p14:nvContentPartPr>
                 <p14:cNvPr id="130" name="Ink 129">
@@ -35574,7 +35575,7 @@
               </p14:xfrm>
             </p:contentPart>
           </mc:Choice>
-          <mc:Fallback>
+          <mc:Fallback xmlns="">
             <p:pic>
               <p:nvPicPr>
                 <p:cNvPr id="130" name="Ink 129">
@@ -35605,8 +35606,8 @@
             </p:pic>
           </mc:Fallback>
         </mc:AlternateContent>
-        <mc:AlternateContent xmlns:mc="http://schemas.openxmlformats.org/markup-compatibility/2006">
-          <mc:Choice xmlns:p14="http://schemas.microsoft.com/office/powerpoint/2010/main" Requires="p14">
+        <mc:AlternateContent xmlns:mc="http://schemas.openxmlformats.org/markup-compatibility/2006" xmlns:p14="http://schemas.microsoft.com/office/powerpoint/2010/main">
+          <mc:Choice Requires="p14">
             <p:contentPart p14:bwMode="auto" r:id="rId189">
               <p14:nvContentPartPr>
                 <p14:cNvPr id="131" name="Ink 130">
@@ -35625,7 +35626,7 @@
               </p14:xfrm>
             </p:contentPart>
           </mc:Choice>
-          <mc:Fallback>
+          <mc:Fallback xmlns="">
             <p:pic>
               <p:nvPicPr>
                 <p:cNvPr id="131" name="Ink 130">
@@ -35656,8 +35657,8 @@
             </p:pic>
           </mc:Fallback>
         </mc:AlternateContent>
-        <mc:AlternateContent xmlns:mc="http://schemas.openxmlformats.org/markup-compatibility/2006">
-          <mc:Choice xmlns:p14="http://schemas.microsoft.com/office/powerpoint/2010/main" Requires="p14">
+        <mc:AlternateContent xmlns:mc="http://schemas.openxmlformats.org/markup-compatibility/2006" xmlns:p14="http://schemas.microsoft.com/office/powerpoint/2010/main">
+          <mc:Choice Requires="p14">
             <p:contentPart p14:bwMode="auto" r:id="rId191">
               <p14:nvContentPartPr>
                 <p14:cNvPr id="132" name="Ink 131">
@@ -35676,7 +35677,7 @@
               </p14:xfrm>
             </p:contentPart>
           </mc:Choice>
-          <mc:Fallback>
+          <mc:Fallback xmlns="">
             <p:pic>
               <p:nvPicPr>
                 <p:cNvPr id="132" name="Ink 131">
@@ -35707,8 +35708,8 @@
             </p:pic>
           </mc:Fallback>
         </mc:AlternateContent>
-        <mc:AlternateContent xmlns:mc="http://schemas.openxmlformats.org/markup-compatibility/2006">
-          <mc:Choice xmlns:p14="http://schemas.microsoft.com/office/powerpoint/2010/main" Requires="p14">
+        <mc:AlternateContent xmlns:mc="http://schemas.openxmlformats.org/markup-compatibility/2006" xmlns:p14="http://schemas.microsoft.com/office/powerpoint/2010/main">
+          <mc:Choice Requires="p14">
             <p:contentPart p14:bwMode="auto" r:id="rId193">
               <p14:nvContentPartPr>
                 <p14:cNvPr id="133" name="Ink 132">
@@ -35727,7 +35728,7 @@
               </p14:xfrm>
             </p:contentPart>
           </mc:Choice>
-          <mc:Fallback>
+          <mc:Fallback xmlns="">
             <p:pic>
               <p:nvPicPr>
                 <p:cNvPr id="133" name="Ink 132">
@@ -35758,8 +35759,8 @@
             </p:pic>
           </mc:Fallback>
         </mc:AlternateContent>
-        <mc:AlternateContent xmlns:mc="http://schemas.openxmlformats.org/markup-compatibility/2006">
-          <mc:Choice xmlns:p14="http://schemas.microsoft.com/office/powerpoint/2010/main" Requires="p14">
+        <mc:AlternateContent xmlns:mc="http://schemas.openxmlformats.org/markup-compatibility/2006" xmlns:p14="http://schemas.microsoft.com/office/powerpoint/2010/main">
+          <mc:Choice Requires="p14">
             <p:contentPart p14:bwMode="auto" r:id="rId195">
               <p14:nvContentPartPr>
                 <p14:cNvPr id="135" name="Ink 134">
@@ -35778,7 +35779,7 @@
               </p14:xfrm>
             </p:contentPart>
           </mc:Choice>
-          <mc:Fallback>
+          <mc:Fallback xmlns="">
             <p:pic>
               <p:nvPicPr>
                 <p:cNvPr id="135" name="Ink 134">
@@ -35809,8 +35810,8 @@
             </p:pic>
           </mc:Fallback>
         </mc:AlternateContent>
-        <mc:AlternateContent xmlns:mc="http://schemas.openxmlformats.org/markup-compatibility/2006">
-          <mc:Choice xmlns:p14="http://schemas.microsoft.com/office/powerpoint/2010/main" Requires="p14">
+        <mc:AlternateContent xmlns:mc="http://schemas.openxmlformats.org/markup-compatibility/2006" xmlns:p14="http://schemas.microsoft.com/office/powerpoint/2010/main">
+          <mc:Choice Requires="p14">
             <p:contentPart p14:bwMode="auto" r:id="rId197">
               <p14:nvContentPartPr>
                 <p14:cNvPr id="136" name="Ink 135">
@@ -35829,7 +35830,7 @@
               </p14:xfrm>
             </p:contentPart>
           </mc:Choice>
-          <mc:Fallback>
+          <mc:Fallback xmlns="">
             <p:pic>
               <p:nvPicPr>
                 <p:cNvPr id="136" name="Ink 135">
@@ -35860,8 +35861,8 @@
             </p:pic>
           </mc:Fallback>
         </mc:AlternateContent>
-        <mc:AlternateContent xmlns:mc="http://schemas.openxmlformats.org/markup-compatibility/2006">
-          <mc:Choice xmlns:p14="http://schemas.microsoft.com/office/powerpoint/2010/main" Requires="p14">
+        <mc:AlternateContent xmlns:mc="http://schemas.openxmlformats.org/markup-compatibility/2006" xmlns:p14="http://schemas.microsoft.com/office/powerpoint/2010/main">
+          <mc:Choice Requires="p14">
             <p:contentPart p14:bwMode="auto" r:id="rId199">
               <p14:nvContentPartPr>
                 <p14:cNvPr id="137" name="Ink 136">
@@ -35880,7 +35881,7 @@
               </p14:xfrm>
             </p:contentPart>
           </mc:Choice>
-          <mc:Fallback>
+          <mc:Fallback xmlns="">
             <p:pic>
               <p:nvPicPr>
                 <p:cNvPr id="137" name="Ink 136">
@@ -35911,8 +35912,8 @@
             </p:pic>
           </mc:Fallback>
         </mc:AlternateContent>
-        <mc:AlternateContent xmlns:mc="http://schemas.openxmlformats.org/markup-compatibility/2006">
-          <mc:Choice xmlns:p14="http://schemas.microsoft.com/office/powerpoint/2010/main" Requires="p14">
+        <mc:AlternateContent xmlns:mc="http://schemas.openxmlformats.org/markup-compatibility/2006" xmlns:p14="http://schemas.microsoft.com/office/powerpoint/2010/main">
+          <mc:Choice Requires="p14">
             <p:contentPart p14:bwMode="auto" r:id="rId201">
               <p14:nvContentPartPr>
                 <p14:cNvPr id="138" name="Ink 137">
@@ -35931,7 +35932,7 @@
               </p14:xfrm>
             </p:contentPart>
           </mc:Choice>
-          <mc:Fallback>
+          <mc:Fallback xmlns="">
             <p:pic>
               <p:nvPicPr>
                 <p:cNvPr id="138" name="Ink 137">
@@ -35962,8 +35963,8 @@
             </p:pic>
           </mc:Fallback>
         </mc:AlternateContent>
-        <mc:AlternateContent xmlns:mc="http://schemas.openxmlformats.org/markup-compatibility/2006">
-          <mc:Choice xmlns:p14="http://schemas.microsoft.com/office/powerpoint/2010/main" Requires="p14">
+        <mc:AlternateContent xmlns:mc="http://schemas.openxmlformats.org/markup-compatibility/2006" xmlns:p14="http://schemas.microsoft.com/office/powerpoint/2010/main">
+          <mc:Choice Requires="p14">
             <p:contentPart p14:bwMode="auto" r:id="rId203">
               <p14:nvContentPartPr>
                 <p14:cNvPr id="139" name="Ink 138">
@@ -35982,7 +35983,7 @@
               </p14:xfrm>
             </p:contentPart>
           </mc:Choice>
-          <mc:Fallback>
+          <mc:Fallback xmlns="">
             <p:pic>
               <p:nvPicPr>
                 <p:cNvPr id="139" name="Ink 138">
@@ -36013,8 +36014,8 @@
             </p:pic>
           </mc:Fallback>
         </mc:AlternateContent>
-        <mc:AlternateContent xmlns:mc="http://schemas.openxmlformats.org/markup-compatibility/2006">
-          <mc:Choice xmlns:p14="http://schemas.microsoft.com/office/powerpoint/2010/main" Requires="p14">
+        <mc:AlternateContent xmlns:mc="http://schemas.openxmlformats.org/markup-compatibility/2006" xmlns:p14="http://schemas.microsoft.com/office/powerpoint/2010/main">
+          <mc:Choice Requires="p14">
             <p:contentPart p14:bwMode="auto" r:id="rId205">
               <p14:nvContentPartPr>
                 <p14:cNvPr id="140" name="Ink 139">
@@ -36033,7 +36034,7 @@
               </p14:xfrm>
             </p:contentPart>
           </mc:Choice>
-          <mc:Fallback>
+          <mc:Fallback xmlns="">
             <p:pic>
               <p:nvPicPr>
                 <p:cNvPr id="140" name="Ink 139">
@@ -36064,8 +36065,8 @@
             </p:pic>
           </mc:Fallback>
         </mc:AlternateContent>
-        <mc:AlternateContent xmlns:mc="http://schemas.openxmlformats.org/markup-compatibility/2006">
-          <mc:Choice xmlns:p14="http://schemas.microsoft.com/office/powerpoint/2010/main" Requires="p14">
+        <mc:AlternateContent xmlns:mc="http://schemas.openxmlformats.org/markup-compatibility/2006" xmlns:p14="http://schemas.microsoft.com/office/powerpoint/2010/main">
+          <mc:Choice Requires="p14">
             <p:contentPart p14:bwMode="auto" r:id="rId207">
               <p14:nvContentPartPr>
                 <p14:cNvPr id="142" name="Ink 141">
@@ -36084,7 +36085,7 @@
               </p14:xfrm>
             </p:contentPart>
           </mc:Choice>
-          <mc:Fallback>
+          <mc:Fallback xmlns="">
             <p:pic>
               <p:nvPicPr>
                 <p:cNvPr id="142" name="Ink 141">
@@ -36115,8 +36116,8 @@
             </p:pic>
           </mc:Fallback>
         </mc:AlternateContent>
-        <mc:AlternateContent xmlns:mc="http://schemas.openxmlformats.org/markup-compatibility/2006">
-          <mc:Choice xmlns:p14="http://schemas.microsoft.com/office/powerpoint/2010/main" Requires="p14">
+        <mc:AlternateContent xmlns:mc="http://schemas.openxmlformats.org/markup-compatibility/2006" xmlns:p14="http://schemas.microsoft.com/office/powerpoint/2010/main">
+          <mc:Choice Requires="p14">
             <p:contentPart p14:bwMode="auto" r:id="rId209">
               <p14:nvContentPartPr>
                 <p14:cNvPr id="143" name="Ink 142">
@@ -36135,7 +36136,7 @@
               </p14:xfrm>
             </p:contentPart>
           </mc:Choice>
-          <mc:Fallback>
+          <mc:Fallback xmlns="">
             <p:pic>
               <p:nvPicPr>
                 <p:cNvPr id="143" name="Ink 142">
@@ -36166,8 +36167,8 @@
             </p:pic>
           </mc:Fallback>
         </mc:AlternateContent>
-        <mc:AlternateContent xmlns:mc="http://schemas.openxmlformats.org/markup-compatibility/2006">
-          <mc:Choice xmlns:p14="http://schemas.microsoft.com/office/powerpoint/2010/main" Requires="p14">
+        <mc:AlternateContent xmlns:mc="http://schemas.openxmlformats.org/markup-compatibility/2006" xmlns:p14="http://schemas.microsoft.com/office/powerpoint/2010/main">
+          <mc:Choice Requires="p14">
             <p:contentPart p14:bwMode="auto" r:id="rId211">
               <p14:nvContentPartPr>
                 <p14:cNvPr id="144" name="Ink 143">
@@ -36186,7 +36187,7 @@
               </p14:xfrm>
             </p:contentPart>
           </mc:Choice>
-          <mc:Fallback>
+          <mc:Fallback xmlns="">
             <p:pic>
               <p:nvPicPr>
                 <p:cNvPr id="144" name="Ink 143">
@@ -36217,8 +36218,8 @@
             </p:pic>
           </mc:Fallback>
         </mc:AlternateContent>
-        <mc:AlternateContent xmlns:mc="http://schemas.openxmlformats.org/markup-compatibility/2006">
-          <mc:Choice xmlns:p14="http://schemas.microsoft.com/office/powerpoint/2010/main" Requires="p14">
+        <mc:AlternateContent xmlns:mc="http://schemas.openxmlformats.org/markup-compatibility/2006" xmlns:p14="http://schemas.microsoft.com/office/powerpoint/2010/main">
+          <mc:Choice Requires="p14">
             <p:contentPart p14:bwMode="auto" r:id="rId213">
               <p14:nvContentPartPr>
                 <p14:cNvPr id="145" name="Ink 144">
@@ -36237,7 +36238,7 @@
               </p14:xfrm>
             </p:contentPart>
           </mc:Choice>
-          <mc:Fallback>
+          <mc:Fallback xmlns="">
             <p:pic>
               <p:nvPicPr>
                 <p:cNvPr id="145" name="Ink 144">
@@ -36268,8 +36269,8 @@
             </p:pic>
           </mc:Fallback>
         </mc:AlternateContent>
-        <mc:AlternateContent xmlns:mc="http://schemas.openxmlformats.org/markup-compatibility/2006">
-          <mc:Choice xmlns:p14="http://schemas.microsoft.com/office/powerpoint/2010/main" Requires="p14">
+        <mc:AlternateContent xmlns:mc="http://schemas.openxmlformats.org/markup-compatibility/2006" xmlns:p14="http://schemas.microsoft.com/office/powerpoint/2010/main">
+          <mc:Choice Requires="p14">
             <p:contentPart p14:bwMode="auto" r:id="rId215">
               <p14:nvContentPartPr>
                 <p14:cNvPr id="146" name="Ink 145">
@@ -36288,7 +36289,7 @@
               </p14:xfrm>
             </p:contentPart>
           </mc:Choice>
-          <mc:Fallback>
+          <mc:Fallback xmlns="">
             <p:pic>
               <p:nvPicPr>
                 <p:cNvPr id="146" name="Ink 145">
@@ -36319,8 +36320,8 @@
             </p:pic>
           </mc:Fallback>
         </mc:AlternateContent>
-        <mc:AlternateContent xmlns:mc="http://schemas.openxmlformats.org/markup-compatibility/2006">
-          <mc:Choice xmlns:p14="http://schemas.microsoft.com/office/powerpoint/2010/main" Requires="p14">
+        <mc:AlternateContent xmlns:mc="http://schemas.openxmlformats.org/markup-compatibility/2006" xmlns:p14="http://schemas.microsoft.com/office/powerpoint/2010/main">
+          <mc:Choice Requires="p14">
             <p:contentPart p14:bwMode="auto" r:id="rId217">
               <p14:nvContentPartPr>
                 <p14:cNvPr id="147" name="Ink 146">
@@ -36339,7 +36340,7 @@
               </p14:xfrm>
             </p:contentPart>
           </mc:Choice>
-          <mc:Fallback>
+          <mc:Fallback xmlns="">
             <p:pic>
               <p:nvPicPr>
                 <p:cNvPr id="147" name="Ink 146">
@@ -36370,8 +36371,8 @@
             </p:pic>
           </mc:Fallback>
         </mc:AlternateContent>
-        <mc:AlternateContent xmlns:mc="http://schemas.openxmlformats.org/markup-compatibility/2006">
-          <mc:Choice xmlns:p14="http://schemas.microsoft.com/office/powerpoint/2010/main" Requires="p14">
+        <mc:AlternateContent xmlns:mc="http://schemas.openxmlformats.org/markup-compatibility/2006" xmlns:p14="http://schemas.microsoft.com/office/powerpoint/2010/main">
+          <mc:Choice Requires="p14">
             <p:contentPart p14:bwMode="auto" r:id="rId219">
               <p14:nvContentPartPr>
                 <p14:cNvPr id="149" name="Ink 148">
@@ -36390,7 +36391,7 @@
               </p14:xfrm>
             </p:contentPart>
           </mc:Choice>
-          <mc:Fallback>
+          <mc:Fallback xmlns="">
             <p:pic>
               <p:nvPicPr>
                 <p:cNvPr id="149" name="Ink 148">
@@ -36421,8 +36422,8 @@
             </p:pic>
           </mc:Fallback>
         </mc:AlternateContent>
-        <mc:AlternateContent xmlns:mc="http://schemas.openxmlformats.org/markup-compatibility/2006">
-          <mc:Choice xmlns:p14="http://schemas.microsoft.com/office/powerpoint/2010/main" Requires="p14">
+        <mc:AlternateContent xmlns:mc="http://schemas.openxmlformats.org/markup-compatibility/2006" xmlns:p14="http://schemas.microsoft.com/office/powerpoint/2010/main">
+          <mc:Choice Requires="p14">
             <p:contentPart p14:bwMode="auto" r:id="rId221">
               <p14:nvContentPartPr>
                 <p14:cNvPr id="151" name="Ink 150">
@@ -36441,7 +36442,7 @@
               </p14:xfrm>
             </p:contentPart>
           </mc:Choice>
-          <mc:Fallback>
+          <mc:Fallback xmlns="">
             <p:pic>
               <p:nvPicPr>
                 <p:cNvPr id="151" name="Ink 150">
@@ -36472,8 +36473,8 @@
             </p:pic>
           </mc:Fallback>
         </mc:AlternateContent>
-        <mc:AlternateContent xmlns:mc="http://schemas.openxmlformats.org/markup-compatibility/2006">
-          <mc:Choice xmlns:p14="http://schemas.microsoft.com/office/powerpoint/2010/main" Requires="p14">
+        <mc:AlternateContent xmlns:mc="http://schemas.openxmlformats.org/markup-compatibility/2006" xmlns:p14="http://schemas.microsoft.com/office/powerpoint/2010/main">
+          <mc:Choice Requires="p14">
             <p:contentPart p14:bwMode="auto" r:id="rId223">
               <p14:nvContentPartPr>
                 <p14:cNvPr id="152" name="Ink 151">
@@ -36492,7 +36493,7 @@
               </p14:xfrm>
             </p:contentPart>
           </mc:Choice>
-          <mc:Fallback>
+          <mc:Fallback xmlns="">
             <p:pic>
               <p:nvPicPr>
                 <p:cNvPr id="152" name="Ink 151">
@@ -36523,8 +36524,8 @@
             </p:pic>
           </mc:Fallback>
         </mc:AlternateContent>
-        <mc:AlternateContent xmlns:mc="http://schemas.openxmlformats.org/markup-compatibility/2006">
-          <mc:Choice xmlns:p14="http://schemas.microsoft.com/office/powerpoint/2010/main" Requires="p14">
+        <mc:AlternateContent xmlns:mc="http://schemas.openxmlformats.org/markup-compatibility/2006" xmlns:p14="http://schemas.microsoft.com/office/powerpoint/2010/main">
+          <mc:Choice Requires="p14">
             <p:contentPart p14:bwMode="auto" r:id="rId225">
               <p14:nvContentPartPr>
                 <p14:cNvPr id="153" name="Ink 152">
@@ -36543,7 +36544,7 @@
               </p14:xfrm>
             </p:contentPart>
           </mc:Choice>
-          <mc:Fallback>
+          <mc:Fallback xmlns="">
             <p:pic>
               <p:nvPicPr>
                 <p:cNvPr id="153" name="Ink 152">
@@ -36574,8 +36575,8 @@
             </p:pic>
           </mc:Fallback>
         </mc:AlternateContent>
-        <mc:AlternateContent xmlns:mc="http://schemas.openxmlformats.org/markup-compatibility/2006">
-          <mc:Choice xmlns:p14="http://schemas.microsoft.com/office/powerpoint/2010/main" Requires="p14">
+        <mc:AlternateContent xmlns:mc="http://schemas.openxmlformats.org/markup-compatibility/2006" xmlns:p14="http://schemas.microsoft.com/office/powerpoint/2010/main">
+          <mc:Choice Requires="p14">
             <p:contentPart p14:bwMode="auto" r:id="rId227">
               <p14:nvContentPartPr>
                 <p14:cNvPr id="154" name="Ink 153">
@@ -36594,7 +36595,7 @@
               </p14:xfrm>
             </p:contentPart>
           </mc:Choice>
-          <mc:Fallback>
+          <mc:Fallback xmlns="">
             <p:pic>
               <p:nvPicPr>
                 <p:cNvPr id="154" name="Ink 153">
@@ -36625,8 +36626,8 @@
             </p:pic>
           </mc:Fallback>
         </mc:AlternateContent>
-        <mc:AlternateContent xmlns:mc="http://schemas.openxmlformats.org/markup-compatibility/2006">
-          <mc:Choice xmlns:p14="http://schemas.microsoft.com/office/powerpoint/2010/main" Requires="p14">
+        <mc:AlternateContent xmlns:mc="http://schemas.openxmlformats.org/markup-compatibility/2006" xmlns:p14="http://schemas.microsoft.com/office/powerpoint/2010/main">
+          <mc:Choice Requires="p14">
             <p:contentPart p14:bwMode="auto" r:id="rId229">
               <p14:nvContentPartPr>
                 <p14:cNvPr id="155" name="Ink 154">
@@ -36645,7 +36646,7 @@
               </p14:xfrm>
             </p:contentPart>
           </mc:Choice>
-          <mc:Fallback>
+          <mc:Fallback xmlns="">
             <p:pic>
               <p:nvPicPr>
                 <p:cNvPr id="155" name="Ink 154">
@@ -36676,8 +36677,8 @@
             </p:pic>
           </mc:Fallback>
         </mc:AlternateContent>
-        <mc:AlternateContent xmlns:mc="http://schemas.openxmlformats.org/markup-compatibility/2006">
-          <mc:Choice xmlns:p14="http://schemas.microsoft.com/office/powerpoint/2010/main" Requires="p14">
+        <mc:AlternateContent xmlns:mc="http://schemas.openxmlformats.org/markup-compatibility/2006" xmlns:p14="http://schemas.microsoft.com/office/powerpoint/2010/main">
+          <mc:Choice Requires="p14">
             <p:contentPart p14:bwMode="auto" r:id="rId231">
               <p14:nvContentPartPr>
                 <p14:cNvPr id="157" name="Ink 156">
@@ -36696,7 +36697,7 @@
               </p14:xfrm>
             </p:contentPart>
           </mc:Choice>
-          <mc:Fallback>
+          <mc:Fallback xmlns="">
             <p:pic>
               <p:nvPicPr>
                 <p:cNvPr id="157" name="Ink 156">
@@ -36727,8 +36728,8 @@
             </p:pic>
           </mc:Fallback>
         </mc:AlternateContent>
-        <mc:AlternateContent xmlns:mc="http://schemas.openxmlformats.org/markup-compatibility/2006">
-          <mc:Choice xmlns:p14="http://schemas.microsoft.com/office/powerpoint/2010/main" Requires="p14">
+        <mc:AlternateContent xmlns:mc="http://schemas.openxmlformats.org/markup-compatibility/2006" xmlns:p14="http://schemas.microsoft.com/office/powerpoint/2010/main">
+          <mc:Choice Requires="p14">
             <p:contentPart p14:bwMode="auto" r:id="rId233">
               <p14:nvContentPartPr>
                 <p14:cNvPr id="159" name="Ink 158">
@@ -36747,7 +36748,7 @@
               </p14:xfrm>
             </p:contentPart>
           </mc:Choice>
-          <mc:Fallback>
+          <mc:Fallback xmlns="">
             <p:pic>
               <p:nvPicPr>
                 <p:cNvPr id="159" name="Ink 158">
@@ -36778,8 +36779,8 @@
             </p:pic>
           </mc:Fallback>
         </mc:AlternateContent>
-        <mc:AlternateContent xmlns:mc="http://schemas.openxmlformats.org/markup-compatibility/2006">
-          <mc:Choice xmlns:p14="http://schemas.microsoft.com/office/powerpoint/2010/main" Requires="p14">
+        <mc:AlternateContent xmlns:mc="http://schemas.openxmlformats.org/markup-compatibility/2006" xmlns:p14="http://schemas.microsoft.com/office/powerpoint/2010/main">
+          <mc:Choice Requires="p14">
             <p:contentPart p14:bwMode="auto" r:id="rId235">
               <p14:nvContentPartPr>
                 <p14:cNvPr id="161" name="Ink 160">
@@ -36798,7 +36799,7 @@
               </p14:xfrm>
             </p:contentPart>
           </mc:Choice>
-          <mc:Fallback>
+          <mc:Fallback xmlns="">
             <p:pic>
               <p:nvPicPr>
                 <p:cNvPr id="161" name="Ink 160">
@@ -36829,8 +36830,8 @@
             </p:pic>
           </mc:Fallback>
         </mc:AlternateContent>
-        <mc:AlternateContent xmlns:mc="http://schemas.openxmlformats.org/markup-compatibility/2006">
-          <mc:Choice xmlns:p14="http://schemas.microsoft.com/office/powerpoint/2010/main" Requires="p14">
+        <mc:AlternateContent xmlns:mc="http://schemas.openxmlformats.org/markup-compatibility/2006" xmlns:p14="http://schemas.microsoft.com/office/powerpoint/2010/main">
+          <mc:Choice Requires="p14">
             <p:contentPart p14:bwMode="auto" r:id="rId237">
               <p14:nvContentPartPr>
                 <p14:cNvPr id="162" name="Ink 161">
@@ -36849,7 +36850,7 @@
               </p14:xfrm>
             </p:contentPart>
           </mc:Choice>
-          <mc:Fallback>
+          <mc:Fallback xmlns="">
             <p:pic>
               <p:nvPicPr>
                 <p:cNvPr id="162" name="Ink 161">
@@ -36880,8 +36881,8 @@
             </p:pic>
           </mc:Fallback>
         </mc:AlternateContent>
-        <mc:AlternateContent xmlns:mc="http://schemas.openxmlformats.org/markup-compatibility/2006">
-          <mc:Choice xmlns:p14="http://schemas.microsoft.com/office/powerpoint/2010/main" Requires="p14">
+        <mc:AlternateContent xmlns:mc="http://schemas.openxmlformats.org/markup-compatibility/2006" xmlns:p14="http://schemas.microsoft.com/office/powerpoint/2010/main">
+          <mc:Choice Requires="p14">
             <p:contentPart p14:bwMode="auto" r:id="rId239">
               <p14:nvContentPartPr>
                 <p14:cNvPr id="163" name="Ink 162">
@@ -36900,7 +36901,7 @@
               </p14:xfrm>
             </p:contentPart>
           </mc:Choice>
-          <mc:Fallback>
+          <mc:Fallback xmlns="">
             <p:pic>
               <p:nvPicPr>
                 <p:cNvPr id="163" name="Ink 162">
@@ -36931,8 +36932,8 @@
             </p:pic>
           </mc:Fallback>
         </mc:AlternateContent>
-        <mc:AlternateContent xmlns:mc="http://schemas.openxmlformats.org/markup-compatibility/2006">
-          <mc:Choice xmlns:p14="http://schemas.microsoft.com/office/powerpoint/2010/main" Requires="p14">
+        <mc:AlternateContent xmlns:mc="http://schemas.openxmlformats.org/markup-compatibility/2006" xmlns:p14="http://schemas.microsoft.com/office/powerpoint/2010/main">
+          <mc:Choice Requires="p14">
             <p:contentPart p14:bwMode="auto" r:id="rId241">
               <p14:nvContentPartPr>
                 <p14:cNvPr id="164" name="Ink 163">
@@ -36951,7 +36952,7 @@
               </p14:xfrm>
             </p:contentPart>
           </mc:Choice>
-          <mc:Fallback>
+          <mc:Fallback xmlns="">
             <p:pic>
               <p:nvPicPr>
                 <p:cNvPr id="164" name="Ink 163">
@@ -36982,8 +36983,8 @@
             </p:pic>
           </mc:Fallback>
         </mc:AlternateContent>
-        <mc:AlternateContent xmlns:mc="http://schemas.openxmlformats.org/markup-compatibility/2006">
-          <mc:Choice xmlns:p14="http://schemas.microsoft.com/office/powerpoint/2010/main" Requires="p14">
+        <mc:AlternateContent xmlns:mc="http://schemas.openxmlformats.org/markup-compatibility/2006" xmlns:p14="http://schemas.microsoft.com/office/powerpoint/2010/main">
+          <mc:Choice Requires="p14">
             <p:contentPart p14:bwMode="auto" r:id="rId243">
               <p14:nvContentPartPr>
                 <p14:cNvPr id="166" name="Ink 165">
@@ -37002,7 +37003,7 @@
               </p14:xfrm>
             </p:contentPart>
           </mc:Choice>
-          <mc:Fallback>
+          <mc:Fallback xmlns="">
             <p:pic>
               <p:nvPicPr>
                 <p:cNvPr id="166" name="Ink 165">
@@ -37033,8 +37034,8 @@
             </p:pic>
           </mc:Fallback>
         </mc:AlternateContent>
-        <mc:AlternateContent xmlns:mc="http://schemas.openxmlformats.org/markup-compatibility/2006">
-          <mc:Choice xmlns:p14="http://schemas.microsoft.com/office/powerpoint/2010/main" Requires="p14">
+        <mc:AlternateContent xmlns:mc="http://schemas.openxmlformats.org/markup-compatibility/2006" xmlns:p14="http://schemas.microsoft.com/office/powerpoint/2010/main">
+          <mc:Choice Requires="p14">
             <p:contentPart p14:bwMode="auto" r:id="rId245">
               <p14:nvContentPartPr>
                 <p14:cNvPr id="167" name="Ink 166">
@@ -37053,7 +37054,7 @@
               </p14:xfrm>
             </p:contentPart>
           </mc:Choice>
-          <mc:Fallback>
+          <mc:Fallback xmlns="">
             <p:pic>
               <p:nvPicPr>
                 <p:cNvPr id="167" name="Ink 166">
@@ -37084,8 +37085,8 @@
             </p:pic>
           </mc:Fallback>
         </mc:AlternateContent>
-        <mc:AlternateContent xmlns:mc="http://schemas.openxmlformats.org/markup-compatibility/2006">
-          <mc:Choice xmlns:p14="http://schemas.microsoft.com/office/powerpoint/2010/main" Requires="p14">
+        <mc:AlternateContent xmlns:mc="http://schemas.openxmlformats.org/markup-compatibility/2006" xmlns:p14="http://schemas.microsoft.com/office/powerpoint/2010/main">
+          <mc:Choice Requires="p14">
             <p:contentPart p14:bwMode="auto" r:id="rId247">
               <p14:nvContentPartPr>
                 <p14:cNvPr id="168" name="Ink 167">
@@ -37104,7 +37105,7 @@
               </p14:xfrm>
             </p:contentPart>
           </mc:Choice>
-          <mc:Fallback>
+          <mc:Fallback xmlns="">
             <p:pic>
               <p:nvPicPr>
                 <p:cNvPr id="168" name="Ink 167">
@@ -37135,8 +37136,8 @@
             </p:pic>
           </mc:Fallback>
         </mc:AlternateContent>
-        <mc:AlternateContent xmlns:mc="http://schemas.openxmlformats.org/markup-compatibility/2006">
-          <mc:Choice xmlns:p14="http://schemas.microsoft.com/office/powerpoint/2010/main" Requires="p14">
+        <mc:AlternateContent xmlns:mc="http://schemas.openxmlformats.org/markup-compatibility/2006" xmlns:p14="http://schemas.microsoft.com/office/powerpoint/2010/main">
+          <mc:Choice Requires="p14">
             <p:contentPart p14:bwMode="auto" r:id="rId249">
               <p14:nvContentPartPr>
                 <p14:cNvPr id="169" name="Ink 168">
@@ -37155,7 +37156,7 @@
               </p14:xfrm>
             </p:contentPart>
           </mc:Choice>
-          <mc:Fallback>
+          <mc:Fallback xmlns="">
             <p:pic>
               <p:nvPicPr>
                 <p:cNvPr id="169" name="Ink 168">
@@ -37186,8 +37187,8 @@
             </p:pic>
           </mc:Fallback>
         </mc:AlternateContent>
-        <mc:AlternateContent xmlns:mc="http://schemas.openxmlformats.org/markup-compatibility/2006">
-          <mc:Choice xmlns:p14="http://schemas.microsoft.com/office/powerpoint/2010/main" Requires="p14">
+        <mc:AlternateContent xmlns:mc="http://schemas.openxmlformats.org/markup-compatibility/2006" xmlns:p14="http://schemas.microsoft.com/office/powerpoint/2010/main">
+          <mc:Choice Requires="p14">
             <p:contentPart p14:bwMode="auto" r:id="rId251">
               <p14:nvContentPartPr>
                 <p14:cNvPr id="170" name="Ink 169">
@@ -37206,7 +37207,7 @@
               </p14:xfrm>
             </p:contentPart>
           </mc:Choice>
-          <mc:Fallback>
+          <mc:Fallback xmlns="">
             <p:pic>
               <p:nvPicPr>
                 <p:cNvPr id="170" name="Ink 169">
@@ -37237,8 +37238,8 @@
             </p:pic>
           </mc:Fallback>
         </mc:AlternateContent>
-        <mc:AlternateContent xmlns:mc="http://schemas.openxmlformats.org/markup-compatibility/2006">
-          <mc:Choice xmlns:p14="http://schemas.microsoft.com/office/powerpoint/2010/main" Requires="p14">
+        <mc:AlternateContent xmlns:mc="http://schemas.openxmlformats.org/markup-compatibility/2006" xmlns:p14="http://schemas.microsoft.com/office/powerpoint/2010/main">
+          <mc:Choice Requires="p14">
             <p:contentPart p14:bwMode="auto" r:id="rId253">
               <p14:nvContentPartPr>
                 <p14:cNvPr id="171" name="Ink 170">
@@ -37257,7 +37258,7 @@
               </p14:xfrm>
             </p:contentPart>
           </mc:Choice>
-          <mc:Fallback>
+          <mc:Fallback xmlns="">
             <p:pic>
               <p:nvPicPr>
                 <p:cNvPr id="171" name="Ink 170">
@@ -37288,8 +37289,8 @@
             </p:pic>
           </mc:Fallback>
         </mc:AlternateContent>
-        <mc:AlternateContent xmlns:mc="http://schemas.openxmlformats.org/markup-compatibility/2006">
-          <mc:Choice xmlns:p14="http://schemas.microsoft.com/office/powerpoint/2010/main" Requires="p14">
+        <mc:AlternateContent xmlns:mc="http://schemas.openxmlformats.org/markup-compatibility/2006" xmlns:p14="http://schemas.microsoft.com/office/powerpoint/2010/main">
+          <mc:Choice Requires="p14">
             <p:contentPart p14:bwMode="auto" r:id="rId255">
               <p14:nvContentPartPr>
                 <p14:cNvPr id="172" name="Ink 171">
@@ -37308,7 +37309,7 @@
               </p14:xfrm>
             </p:contentPart>
           </mc:Choice>
-          <mc:Fallback>
+          <mc:Fallback xmlns="">
             <p:pic>
               <p:nvPicPr>
                 <p:cNvPr id="172" name="Ink 171">
@@ -37339,8 +37340,8 @@
             </p:pic>
           </mc:Fallback>
         </mc:AlternateContent>
-        <mc:AlternateContent xmlns:mc="http://schemas.openxmlformats.org/markup-compatibility/2006">
-          <mc:Choice xmlns:p14="http://schemas.microsoft.com/office/powerpoint/2010/main" Requires="p14">
+        <mc:AlternateContent xmlns:mc="http://schemas.openxmlformats.org/markup-compatibility/2006" xmlns:p14="http://schemas.microsoft.com/office/powerpoint/2010/main">
+          <mc:Choice Requires="p14">
             <p:contentPart p14:bwMode="auto" r:id="rId257">
               <p14:nvContentPartPr>
                 <p14:cNvPr id="173" name="Ink 172">
@@ -37359,7 +37360,7 @@
               </p14:xfrm>
             </p:contentPart>
           </mc:Choice>
-          <mc:Fallback>
+          <mc:Fallback xmlns="">
             <p:pic>
               <p:nvPicPr>
                 <p:cNvPr id="173" name="Ink 172">
@@ -37390,8 +37391,8 @@
             </p:pic>
           </mc:Fallback>
         </mc:AlternateContent>
-        <mc:AlternateContent xmlns:mc="http://schemas.openxmlformats.org/markup-compatibility/2006">
-          <mc:Choice xmlns:p14="http://schemas.microsoft.com/office/powerpoint/2010/main" Requires="p14">
+        <mc:AlternateContent xmlns:mc="http://schemas.openxmlformats.org/markup-compatibility/2006" xmlns:p14="http://schemas.microsoft.com/office/powerpoint/2010/main">
+          <mc:Choice Requires="p14">
             <p:contentPart p14:bwMode="auto" r:id="rId259">
               <p14:nvContentPartPr>
                 <p14:cNvPr id="174" name="Ink 173">
@@ -37410,7 +37411,7 @@
               </p14:xfrm>
             </p:contentPart>
           </mc:Choice>
-          <mc:Fallback>
+          <mc:Fallback xmlns="">
             <p:pic>
               <p:nvPicPr>
                 <p:cNvPr id="174" name="Ink 173">
@@ -37441,8 +37442,8 @@
             </p:pic>
           </mc:Fallback>
         </mc:AlternateContent>
-        <mc:AlternateContent xmlns:mc="http://schemas.openxmlformats.org/markup-compatibility/2006">
-          <mc:Choice xmlns:p14="http://schemas.microsoft.com/office/powerpoint/2010/main" Requires="p14">
+        <mc:AlternateContent xmlns:mc="http://schemas.openxmlformats.org/markup-compatibility/2006" xmlns:p14="http://schemas.microsoft.com/office/powerpoint/2010/main">
+          <mc:Choice Requires="p14">
             <p:contentPart p14:bwMode="auto" r:id="rId261">
               <p14:nvContentPartPr>
                 <p14:cNvPr id="175" name="Ink 174">
@@ -37461,7 +37462,7 @@
               </p14:xfrm>
             </p:contentPart>
           </mc:Choice>
-          <mc:Fallback>
+          <mc:Fallback xmlns="">
             <p:pic>
               <p:nvPicPr>
                 <p:cNvPr id="175" name="Ink 174">
@@ -37492,8 +37493,8 @@
             </p:pic>
           </mc:Fallback>
         </mc:AlternateContent>
-        <mc:AlternateContent xmlns:mc="http://schemas.openxmlformats.org/markup-compatibility/2006">
-          <mc:Choice xmlns:p14="http://schemas.microsoft.com/office/powerpoint/2010/main" Requires="p14">
+        <mc:AlternateContent xmlns:mc="http://schemas.openxmlformats.org/markup-compatibility/2006" xmlns:p14="http://schemas.microsoft.com/office/powerpoint/2010/main">
+          <mc:Choice Requires="p14">
             <p:contentPart p14:bwMode="auto" r:id="rId263">
               <p14:nvContentPartPr>
                 <p14:cNvPr id="177" name="Ink 176">
@@ -37512,7 +37513,7 @@
               </p14:xfrm>
             </p:contentPart>
           </mc:Choice>
-          <mc:Fallback>
+          <mc:Fallback xmlns="">
             <p:pic>
               <p:nvPicPr>
                 <p:cNvPr id="177" name="Ink 176">
@@ -37543,8 +37544,8 @@
             </p:pic>
           </mc:Fallback>
         </mc:AlternateContent>
-        <mc:AlternateContent xmlns:mc="http://schemas.openxmlformats.org/markup-compatibility/2006">
-          <mc:Choice xmlns:p14="http://schemas.microsoft.com/office/powerpoint/2010/main" Requires="p14">
+        <mc:AlternateContent xmlns:mc="http://schemas.openxmlformats.org/markup-compatibility/2006" xmlns:p14="http://schemas.microsoft.com/office/powerpoint/2010/main">
+          <mc:Choice Requires="p14">
             <p:contentPart p14:bwMode="auto" r:id="rId265">
               <p14:nvContentPartPr>
                 <p14:cNvPr id="178" name="Ink 177">
@@ -37563,7 +37564,7 @@
               </p14:xfrm>
             </p:contentPart>
           </mc:Choice>
-          <mc:Fallback>
+          <mc:Fallback xmlns="">
             <p:pic>
               <p:nvPicPr>
                 <p:cNvPr id="178" name="Ink 177">
@@ -37595,8 +37596,8 @@
           </mc:Fallback>
         </mc:AlternateContent>
       </p:grpSp>
-      <mc:AlternateContent xmlns:mc="http://schemas.openxmlformats.org/markup-compatibility/2006">
-        <mc:Choice xmlns:p14="http://schemas.microsoft.com/office/powerpoint/2010/main" Requires="p14">
+      <mc:AlternateContent xmlns:mc="http://schemas.openxmlformats.org/markup-compatibility/2006" xmlns:p14="http://schemas.microsoft.com/office/powerpoint/2010/main">
+        <mc:Choice Requires="p14">
           <p:contentPart p14:bwMode="auto" r:id="rId267">
             <p14:nvContentPartPr>
               <p14:cNvPr id="180" name="Ink 179">
@@ -37615,7 +37616,7 @@
             </p14:xfrm>
           </p:contentPart>
         </mc:Choice>
-        <mc:Fallback>
+        <mc:Fallback xmlns="">
           <p:pic>
             <p:nvPicPr>
               <p:cNvPr id="180" name="Ink 179">
@@ -37650,6 +37651,180 @@
     <p:extLst>
       <p:ext uri="{BB962C8B-B14F-4D97-AF65-F5344CB8AC3E}">
         <p14:creationId xmlns:p14="http://schemas.microsoft.com/office/powerpoint/2010/main" val="249981974"/>
+      </p:ext>
+    </p:extLst>
+  </p:cSld>
+  <p:clrMapOvr>
+    <a:masterClrMapping/>
+  </p:clrMapOvr>
+</p:sld>
+</file>
+
+<file path=ppt/slides/slide14.xml><?xml version="1.0" encoding="utf-8"?>
+<p:sld xmlns:a="http://schemas.openxmlformats.org/drawingml/2006/main" xmlns:r="http://schemas.openxmlformats.org/officeDocument/2006/relationships" xmlns:p="http://schemas.openxmlformats.org/presentationml/2006/main">
+  <p:cSld>
+    <p:spTree>
+      <p:nvGrpSpPr>
+        <p:cNvPr id="1" name=""/>
+        <p:cNvGrpSpPr/>
+        <p:nvPr/>
+      </p:nvGrpSpPr>
+      <p:grpSpPr>
+        <a:xfrm>
+          <a:off x="0" y="0"/>
+          <a:ext cx="0" cy="0"/>
+          <a:chOff x="0" y="0"/>
+          <a:chExt cx="0" cy="0"/>
+        </a:xfrm>
+      </p:grpSpPr>
+      <p:sp>
+        <p:nvSpPr>
+          <p:cNvPr id="2" name="Title 1">
+            <a:extLst>
+              <a:ext uri="{FF2B5EF4-FFF2-40B4-BE49-F238E27FC236}">
+                <a16:creationId xmlns:a16="http://schemas.microsoft.com/office/drawing/2014/main" id="{4F2000A5-3461-1EA9-28ED-BF19D0BA0B0B}"/>
+              </a:ext>
+            </a:extLst>
+          </p:cNvPr>
+          <p:cNvSpPr>
+            <a:spLocks noGrp="1"/>
+          </p:cNvSpPr>
+          <p:nvPr>
+            <p:ph type="title"/>
+          </p:nvPr>
+        </p:nvSpPr>
+        <p:spPr>
+          <a:xfrm>
+            <a:off x="103554" y="136525"/>
+            <a:ext cx="10515600" cy="838835"/>
+          </a:xfrm>
+        </p:spPr>
+        <p:txBody>
+          <a:bodyPr/>
+          <a:lstStyle/>
+          <a:p>
+            <a:r>
+              <a:rPr lang="en-US" dirty="0" err="1"/>
+              <a:t>Mean+cov</a:t>
+            </a:r>
+            <a:r>
+              <a:rPr lang="en-US" dirty="0"/>
+              <a:t> </a:t>
+            </a:r>
+            <a:r>
+              <a:rPr lang="en-US" dirty="0" err="1"/>
+              <a:t>ouput</a:t>
+            </a:r>
+            <a:r>
+              <a:rPr lang="en-US" dirty="0"/>
+              <a:t>, continuous case</a:t>
+            </a:r>
+          </a:p>
+        </p:txBody>
+      </p:sp>
+      <p:sp>
+        <p:nvSpPr>
+          <p:cNvPr id="3" name="Content Placeholder 2">
+            <a:extLst>
+              <a:ext uri="{FF2B5EF4-FFF2-40B4-BE49-F238E27FC236}">
+                <a16:creationId xmlns:a16="http://schemas.microsoft.com/office/drawing/2014/main" id="{DF873B83-1362-22CB-89F7-ED7C7DBF12BC}"/>
+              </a:ext>
+            </a:extLst>
+          </p:cNvPr>
+          <p:cNvSpPr>
+            <a:spLocks noGrp="1"/>
+          </p:cNvSpPr>
+          <p:nvPr>
+            <p:ph idx="1"/>
+          </p:nvPr>
+        </p:nvSpPr>
+        <p:spPr>
+          <a:xfrm>
+            <a:off x="125046" y="823913"/>
+            <a:ext cx="10515600" cy="5260975"/>
+          </a:xfrm>
+        </p:spPr>
+        <p:txBody>
+          <a:bodyPr/>
+          <a:lstStyle/>
+          <a:p>
+            <a:r>
+              <a:rPr lang="en-US" dirty="0"/>
+              <a:t>Figured out a grad clipping that make the network stable</a:t>
+            </a:r>
+          </a:p>
+          <a:p>
+            <a:r>
+              <a:rPr lang="en-US" dirty="0"/>
+              <a:t>Left: previous, right, updated</a:t>
+            </a:r>
+          </a:p>
+        </p:txBody>
+      </p:sp>
+      <p:pic>
+        <p:nvPicPr>
+          <p:cNvPr id="7" name="Picture 6">
+            <a:extLst>
+              <a:ext uri="{FF2B5EF4-FFF2-40B4-BE49-F238E27FC236}">
+                <a16:creationId xmlns:a16="http://schemas.microsoft.com/office/drawing/2014/main" id="{BF033D01-05A8-C8EA-685C-BD25ED396C06}"/>
+              </a:ext>
+            </a:extLst>
+          </p:cNvPr>
+          <p:cNvPicPr>
+            <a:picLocks noChangeAspect="1"/>
+          </p:cNvPicPr>
+          <p:nvPr/>
+        </p:nvPicPr>
+        <p:blipFill>
+          <a:blip r:embed="rId2"/>
+          <a:stretch>
+            <a:fillRect/>
+          </a:stretch>
+        </p:blipFill>
+        <p:spPr>
+          <a:xfrm>
+            <a:off x="6474184" y="1511301"/>
+            <a:ext cx="5333690" cy="5260975"/>
+          </a:xfrm>
+          <a:prstGeom prst="rect">
+            <a:avLst/>
+          </a:prstGeom>
+        </p:spPr>
+      </p:pic>
+      <p:pic>
+        <p:nvPicPr>
+          <p:cNvPr id="10" name="Picture 9">
+            <a:extLst>
+              <a:ext uri="{FF2B5EF4-FFF2-40B4-BE49-F238E27FC236}">
+                <a16:creationId xmlns:a16="http://schemas.microsoft.com/office/drawing/2014/main" id="{0C3B93CF-3158-D861-C0CA-CAFAD88216A2}"/>
+              </a:ext>
+            </a:extLst>
+          </p:cNvPr>
+          <p:cNvPicPr>
+            <a:picLocks noChangeAspect="1"/>
+          </p:cNvPicPr>
+          <p:nvPr/>
+        </p:nvPicPr>
+        <p:blipFill>
+          <a:blip r:embed="rId3"/>
+          <a:stretch>
+            <a:fillRect/>
+          </a:stretch>
+        </p:blipFill>
+        <p:spPr>
+          <a:xfrm>
+            <a:off x="597510" y="2354580"/>
+            <a:ext cx="5230811" cy="4236720"/>
+          </a:xfrm>
+          <a:prstGeom prst="rect">
+            <a:avLst/>
+          </a:prstGeom>
+        </p:spPr>
+      </p:pic>
+    </p:spTree>
+    <p:extLst>
+      <p:ext uri="{BB962C8B-B14F-4D97-AF65-F5344CB8AC3E}">
+        <p14:creationId xmlns:p14="http://schemas.microsoft.com/office/powerpoint/2010/main" val="3574663131"/>
       </p:ext>
     </p:extLst>
   </p:cSld>
@@ -39013,8 +39188,8 @@
             <a:chExt cx="4124160" cy="2347620"/>
           </a:xfrm>
         </p:grpSpPr>
-        <mc:AlternateContent xmlns:mc="http://schemas.openxmlformats.org/markup-compatibility/2006">
-          <mc:Choice xmlns:p14="http://schemas.microsoft.com/office/powerpoint/2010/main" Requires="p14">
+        <mc:AlternateContent xmlns:mc="http://schemas.openxmlformats.org/markup-compatibility/2006" xmlns:p14="http://schemas.microsoft.com/office/powerpoint/2010/main">
+          <mc:Choice Requires="p14">
             <p:contentPart p14:bwMode="auto" r:id="rId2">
               <p14:nvContentPartPr>
                 <p14:cNvPr id="4" name="Ink 3">
@@ -39033,7 +39208,7 @@
               </p14:xfrm>
             </p:contentPart>
           </mc:Choice>
-          <mc:Fallback>
+          <mc:Fallback xmlns="">
             <p:pic>
               <p:nvPicPr>
                 <p:cNvPr id="4" name="Ink 3">
@@ -39064,8 +39239,8 @@
             </p:pic>
           </mc:Fallback>
         </mc:AlternateContent>
-        <mc:AlternateContent xmlns:mc="http://schemas.openxmlformats.org/markup-compatibility/2006">
-          <mc:Choice xmlns:p14="http://schemas.microsoft.com/office/powerpoint/2010/main" Requires="p14">
+        <mc:AlternateContent xmlns:mc="http://schemas.openxmlformats.org/markup-compatibility/2006" xmlns:p14="http://schemas.microsoft.com/office/powerpoint/2010/main">
+          <mc:Choice Requires="p14">
             <p:contentPart p14:bwMode="auto" r:id="rId4">
               <p14:nvContentPartPr>
                 <p14:cNvPr id="8" name="Ink 7">
@@ -39084,7 +39259,7 @@
               </p14:xfrm>
             </p:contentPart>
           </mc:Choice>
-          <mc:Fallback>
+          <mc:Fallback xmlns="">
             <p:pic>
               <p:nvPicPr>
                 <p:cNvPr id="8" name="Ink 7">
@@ -39115,8 +39290,8 @@
             </p:pic>
           </mc:Fallback>
         </mc:AlternateContent>
-        <mc:AlternateContent xmlns:mc="http://schemas.openxmlformats.org/markup-compatibility/2006">
-          <mc:Choice xmlns:p14="http://schemas.microsoft.com/office/powerpoint/2010/main" Requires="p14">
+        <mc:AlternateContent xmlns:mc="http://schemas.openxmlformats.org/markup-compatibility/2006" xmlns:p14="http://schemas.microsoft.com/office/powerpoint/2010/main">
+          <mc:Choice Requires="p14">
             <p:contentPart p14:bwMode="auto" r:id="rId6">
               <p14:nvContentPartPr>
                 <p14:cNvPr id="9" name="Ink 8">
@@ -39135,7 +39310,7 @@
               </p14:xfrm>
             </p:contentPart>
           </mc:Choice>
-          <mc:Fallback>
+          <mc:Fallback xmlns="">
             <p:pic>
               <p:nvPicPr>
                 <p:cNvPr id="9" name="Ink 8">
@@ -39166,8 +39341,8 @@
             </p:pic>
           </mc:Fallback>
         </mc:AlternateContent>
-        <mc:AlternateContent xmlns:mc="http://schemas.openxmlformats.org/markup-compatibility/2006">
-          <mc:Choice xmlns:p14="http://schemas.microsoft.com/office/powerpoint/2010/main" Requires="p14">
+        <mc:AlternateContent xmlns:mc="http://schemas.openxmlformats.org/markup-compatibility/2006" xmlns:p14="http://schemas.microsoft.com/office/powerpoint/2010/main">
+          <mc:Choice Requires="p14">
             <p:contentPart p14:bwMode="auto" r:id="rId8">
               <p14:nvContentPartPr>
                 <p14:cNvPr id="12" name="Ink 11">
@@ -39186,7 +39361,7 @@
               </p14:xfrm>
             </p:contentPart>
           </mc:Choice>
-          <mc:Fallback>
+          <mc:Fallback xmlns="">
             <p:pic>
               <p:nvPicPr>
                 <p:cNvPr id="12" name="Ink 11">
@@ -39217,8 +39392,8 @@
             </p:pic>
           </mc:Fallback>
         </mc:AlternateContent>
-        <mc:AlternateContent xmlns:mc="http://schemas.openxmlformats.org/markup-compatibility/2006">
-          <mc:Choice xmlns:p14="http://schemas.microsoft.com/office/powerpoint/2010/main" Requires="p14">
+        <mc:AlternateContent xmlns:mc="http://schemas.openxmlformats.org/markup-compatibility/2006" xmlns:p14="http://schemas.microsoft.com/office/powerpoint/2010/main">
+          <mc:Choice Requires="p14">
             <p:contentPart p14:bwMode="auto" r:id="rId10">
               <p14:nvContentPartPr>
                 <p14:cNvPr id="13" name="Ink 12">
@@ -39237,7 +39412,7 @@
               </p14:xfrm>
             </p:contentPart>
           </mc:Choice>
-          <mc:Fallback>
+          <mc:Fallback xmlns="">
             <p:pic>
               <p:nvPicPr>
                 <p:cNvPr id="13" name="Ink 12">
@@ -39268,8 +39443,8 @@
             </p:pic>
           </mc:Fallback>
         </mc:AlternateContent>
-        <mc:AlternateContent xmlns:mc="http://schemas.openxmlformats.org/markup-compatibility/2006">
-          <mc:Choice xmlns:p14="http://schemas.microsoft.com/office/powerpoint/2010/main" Requires="p14">
+        <mc:AlternateContent xmlns:mc="http://schemas.openxmlformats.org/markup-compatibility/2006" xmlns:p14="http://schemas.microsoft.com/office/powerpoint/2010/main">
+          <mc:Choice Requires="p14">
             <p:contentPart p14:bwMode="auto" r:id="rId12">
               <p14:nvContentPartPr>
                 <p14:cNvPr id="14" name="Ink 13">
@@ -39288,7 +39463,7 @@
               </p14:xfrm>
             </p:contentPart>
           </mc:Choice>
-          <mc:Fallback>
+          <mc:Fallback xmlns="">
             <p:pic>
               <p:nvPicPr>
                 <p:cNvPr id="14" name="Ink 13">
@@ -39319,8 +39494,8 @@
             </p:pic>
           </mc:Fallback>
         </mc:AlternateContent>
-        <mc:AlternateContent xmlns:mc="http://schemas.openxmlformats.org/markup-compatibility/2006">
-          <mc:Choice xmlns:p14="http://schemas.microsoft.com/office/powerpoint/2010/main" Requires="p14">
+        <mc:AlternateContent xmlns:mc="http://schemas.openxmlformats.org/markup-compatibility/2006" xmlns:p14="http://schemas.microsoft.com/office/powerpoint/2010/main">
+          <mc:Choice Requires="p14">
             <p:contentPart p14:bwMode="auto" r:id="rId14">
               <p14:nvContentPartPr>
                 <p14:cNvPr id="15" name="Ink 14">
@@ -39339,7 +39514,7 @@
               </p14:xfrm>
             </p:contentPart>
           </mc:Choice>
-          <mc:Fallback>
+          <mc:Fallback xmlns="">
             <p:pic>
               <p:nvPicPr>
                 <p:cNvPr id="15" name="Ink 14">
@@ -39370,8 +39545,8 @@
             </p:pic>
           </mc:Fallback>
         </mc:AlternateContent>
-        <mc:AlternateContent xmlns:mc="http://schemas.openxmlformats.org/markup-compatibility/2006">
-          <mc:Choice xmlns:p14="http://schemas.microsoft.com/office/powerpoint/2010/main" Requires="p14">
+        <mc:AlternateContent xmlns:mc="http://schemas.openxmlformats.org/markup-compatibility/2006" xmlns:p14="http://schemas.microsoft.com/office/powerpoint/2010/main">
+          <mc:Choice Requires="p14">
             <p:contentPart p14:bwMode="auto" r:id="rId16">
               <p14:nvContentPartPr>
                 <p14:cNvPr id="16" name="Ink 15">
@@ -39390,7 +39565,7 @@
               </p14:xfrm>
             </p:contentPart>
           </mc:Choice>
-          <mc:Fallback>
+          <mc:Fallback xmlns="">
             <p:pic>
               <p:nvPicPr>
                 <p:cNvPr id="16" name="Ink 15">
@@ -39421,8 +39596,8 @@
             </p:pic>
           </mc:Fallback>
         </mc:AlternateContent>
-        <mc:AlternateContent xmlns:mc="http://schemas.openxmlformats.org/markup-compatibility/2006">
-          <mc:Choice xmlns:p14="http://schemas.microsoft.com/office/powerpoint/2010/main" Requires="p14">
+        <mc:AlternateContent xmlns:mc="http://schemas.openxmlformats.org/markup-compatibility/2006" xmlns:p14="http://schemas.microsoft.com/office/powerpoint/2010/main">
+          <mc:Choice Requires="p14">
             <p:contentPart p14:bwMode="auto" r:id="rId18">
               <p14:nvContentPartPr>
                 <p14:cNvPr id="17" name="Ink 16">
@@ -39441,7 +39616,7 @@
               </p14:xfrm>
             </p:contentPart>
           </mc:Choice>
-          <mc:Fallback>
+          <mc:Fallback xmlns="">
             <p:pic>
               <p:nvPicPr>
                 <p:cNvPr id="17" name="Ink 16">
@@ -39472,8 +39647,8 @@
             </p:pic>
           </mc:Fallback>
         </mc:AlternateContent>
-        <mc:AlternateContent xmlns:mc="http://schemas.openxmlformats.org/markup-compatibility/2006">
-          <mc:Choice xmlns:p14="http://schemas.microsoft.com/office/powerpoint/2010/main" Requires="p14">
+        <mc:AlternateContent xmlns:mc="http://schemas.openxmlformats.org/markup-compatibility/2006" xmlns:p14="http://schemas.microsoft.com/office/powerpoint/2010/main">
+          <mc:Choice Requires="p14">
             <p:contentPart p14:bwMode="auto" r:id="rId20">
               <p14:nvContentPartPr>
                 <p14:cNvPr id="18" name="Ink 17">
@@ -39492,7 +39667,7 @@
               </p14:xfrm>
             </p:contentPart>
           </mc:Choice>
-          <mc:Fallback>
+          <mc:Fallback xmlns="">
             <p:pic>
               <p:nvPicPr>
                 <p:cNvPr id="18" name="Ink 17">
@@ -39523,8 +39698,8 @@
             </p:pic>
           </mc:Fallback>
         </mc:AlternateContent>
-        <mc:AlternateContent xmlns:mc="http://schemas.openxmlformats.org/markup-compatibility/2006">
-          <mc:Choice xmlns:p14="http://schemas.microsoft.com/office/powerpoint/2010/main" Requires="p14">
+        <mc:AlternateContent xmlns:mc="http://schemas.openxmlformats.org/markup-compatibility/2006" xmlns:p14="http://schemas.microsoft.com/office/powerpoint/2010/main">
+          <mc:Choice Requires="p14">
             <p:contentPart p14:bwMode="auto" r:id="rId22">
               <p14:nvContentPartPr>
                 <p14:cNvPr id="19" name="Ink 18">
@@ -39543,7 +39718,7 @@
               </p14:xfrm>
             </p:contentPart>
           </mc:Choice>
-          <mc:Fallback>
+          <mc:Fallback xmlns="">
             <p:pic>
               <p:nvPicPr>
                 <p:cNvPr id="19" name="Ink 18">
@@ -39574,8 +39749,8 @@
             </p:pic>
           </mc:Fallback>
         </mc:AlternateContent>
-        <mc:AlternateContent xmlns:mc="http://schemas.openxmlformats.org/markup-compatibility/2006">
-          <mc:Choice xmlns:p14="http://schemas.microsoft.com/office/powerpoint/2010/main" Requires="p14">
+        <mc:AlternateContent xmlns:mc="http://schemas.openxmlformats.org/markup-compatibility/2006" xmlns:p14="http://schemas.microsoft.com/office/powerpoint/2010/main">
+          <mc:Choice Requires="p14">
             <p:contentPart p14:bwMode="auto" r:id="rId24">
               <p14:nvContentPartPr>
                 <p14:cNvPr id="21" name="Ink 20">
@@ -39594,7 +39769,7 @@
               </p14:xfrm>
             </p:contentPart>
           </mc:Choice>
-          <mc:Fallback>
+          <mc:Fallback xmlns="">
             <p:pic>
               <p:nvPicPr>
                 <p:cNvPr id="21" name="Ink 20">
@@ -39625,8 +39800,8 @@
             </p:pic>
           </mc:Fallback>
         </mc:AlternateContent>
-        <mc:AlternateContent xmlns:mc="http://schemas.openxmlformats.org/markup-compatibility/2006">
-          <mc:Choice xmlns:p14="http://schemas.microsoft.com/office/powerpoint/2010/main" Requires="p14">
+        <mc:AlternateContent xmlns:mc="http://schemas.openxmlformats.org/markup-compatibility/2006" xmlns:p14="http://schemas.microsoft.com/office/powerpoint/2010/main">
+          <mc:Choice Requires="p14">
             <p:contentPart p14:bwMode="auto" r:id="rId26">
               <p14:nvContentPartPr>
                 <p14:cNvPr id="23" name="Ink 22">
@@ -39645,7 +39820,7 @@
               </p14:xfrm>
             </p:contentPart>
           </mc:Choice>
-          <mc:Fallback>
+          <mc:Fallback xmlns="">
             <p:pic>
               <p:nvPicPr>
                 <p:cNvPr id="23" name="Ink 22">
@@ -39676,8 +39851,8 @@
             </p:pic>
           </mc:Fallback>
         </mc:AlternateContent>
-        <mc:AlternateContent xmlns:mc="http://schemas.openxmlformats.org/markup-compatibility/2006">
-          <mc:Choice xmlns:p14="http://schemas.microsoft.com/office/powerpoint/2010/main" Requires="p14">
+        <mc:AlternateContent xmlns:mc="http://schemas.openxmlformats.org/markup-compatibility/2006" xmlns:p14="http://schemas.microsoft.com/office/powerpoint/2010/main">
+          <mc:Choice Requires="p14">
             <p:contentPart p14:bwMode="auto" r:id="rId28">
               <p14:nvContentPartPr>
                 <p14:cNvPr id="24" name="Ink 23">
@@ -39696,7 +39871,7 @@
               </p14:xfrm>
             </p:contentPart>
           </mc:Choice>
-          <mc:Fallback>
+          <mc:Fallback xmlns="">
             <p:pic>
               <p:nvPicPr>
                 <p:cNvPr id="24" name="Ink 23">
@@ -39727,8 +39902,8 @@
             </p:pic>
           </mc:Fallback>
         </mc:AlternateContent>
-        <mc:AlternateContent xmlns:mc="http://schemas.openxmlformats.org/markup-compatibility/2006">
-          <mc:Choice xmlns:p14="http://schemas.microsoft.com/office/powerpoint/2010/main" Requires="p14">
+        <mc:AlternateContent xmlns:mc="http://schemas.openxmlformats.org/markup-compatibility/2006" xmlns:p14="http://schemas.microsoft.com/office/powerpoint/2010/main">
+          <mc:Choice Requires="p14">
             <p:contentPart p14:bwMode="auto" r:id="rId30">
               <p14:nvContentPartPr>
                 <p14:cNvPr id="26" name="Ink 25">
@@ -39747,7 +39922,7 @@
               </p14:xfrm>
             </p:contentPart>
           </mc:Choice>
-          <mc:Fallback>
+          <mc:Fallback xmlns="">
             <p:pic>
               <p:nvPicPr>
                 <p:cNvPr id="26" name="Ink 25">
@@ -39778,8 +39953,8 @@
             </p:pic>
           </mc:Fallback>
         </mc:AlternateContent>
-        <mc:AlternateContent xmlns:mc="http://schemas.openxmlformats.org/markup-compatibility/2006">
-          <mc:Choice xmlns:p14="http://schemas.microsoft.com/office/powerpoint/2010/main" Requires="p14">
+        <mc:AlternateContent xmlns:mc="http://schemas.openxmlformats.org/markup-compatibility/2006" xmlns:p14="http://schemas.microsoft.com/office/powerpoint/2010/main">
+          <mc:Choice Requires="p14">
             <p:contentPart p14:bwMode="auto" r:id="rId32">
               <p14:nvContentPartPr>
                 <p14:cNvPr id="27" name="Ink 26">
@@ -39798,7 +39973,7 @@
               </p14:xfrm>
             </p:contentPart>
           </mc:Choice>
-          <mc:Fallback>
+          <mc:Fallback xmlns="">
             <p:pic>
               <p:nvPicPr>
                 <p:cNvPr id="27" name="Ink 26">
@@ -39829,8 +40004,8 @@
             </p:pic>
           </mc:Fallback>
         </mc:AlternateContent>
-        <mc:AlternateContent xmlns:mc="http://schemas.openxmlformats.org/markup-compatibility/2006">
-          <mc:Choice xmlns:p14="http://schemas.microsoft.com/office/powerpoint/2010/main" Requires="p14">
+        <mc:AlternateContent xmlns:mc="http://schemas.openxmlformats.org/markup-compatibility/2006" xmlns:p14="http://schemas.microsoft.com/office/powerpoint/2010/main">
+          <mc:Choice Requires="p14">
             <p:contentPart p14:bwMode="auto" r:id="rId34">
               <p14:nvContentPartPr>
                 <p14:cNvPr id="29" name="Ink 28">
@@ -39849,7 +40024,7 @@
               </p14:xfrm>
             </p:contentPart>
           </mc:Choice>
-          <mc:Fallback>
+          <mc:Fallback xmlns="">
             <p:pic>
               <p:nvPicPr>
                 <p:cNvPr id="29" name="Ink 28">
@@ -39880,8 +40055,8 @@
             </p:pic>
           </mc:Fallback>
         </mc:AlternateContent>
-        <mc:AlternateContent xmlns:mc="http://schemas.openxmlformats.org/markup-compatibility/2006">
-          <mc:Choice xmlns:p14="http://schemas.microsoft.com/office/powerpoint/2010/main" Requires="p14">
+        <mc:AlternateContent xmlns:mc="http://schemas.openxmlformats.org/markup-compatibility/2006" xmlns:p14="http://schemas.microsoft.com/office/powerpoint/2010/main">
+          <mc:Choice Requires="p14">
             <p:contentPart p14:bwMode="auto" r:id="rId36">
               <p14:nvContentPartPr>
                 <p14:cNvPr id="30" name="Ink 29">
@@ -39900,7 +40075,7 @@
               </p14:xfrm>
             </p:contentPart>
           </mc:Choice>
-          <mc:Fallback>
+          <mc:Fallback xmlns="">
             <p:pic>
               <p:nvPicPr>
                 <p:cNvPr id="30" name="Ink 29">
@@ -39931,8 +40106,8 @@
             </p:pic>
           </mc:Fallback>
         </mc:AlternateContent>
-        <mc:AlternateContent xmlns:mc="http://schemas.openxmlformats.org/markup-compatibility/2006">
-          <mc:Choice xmlns:p14="http://schemas.microsoft.com/office/powerpoint/2010/main" Requires="p14">
+        <mc:AlternateContent xmlns:mc="http://schemas.openxmlformats.org/markup-compatibility/2006" xmlns:p14="http://schemas.microsoft.com/office/powerpoint/2010/main">
+          <mc:Choice Requires="p14">
             <p:contentPart p14:bwMode="auto" r:id="rId38">
               <p14:nvContentPartPr>
                 <p14:cNvPr id="32" name="Ink 31">
@@ -39951,7 +40126,7 @@
               </p14:xfrm>
             </p:contentPart>
           </mc:Choice>
-          <mc:Fallback>
+          <mc:Fallback xmlns="">
             <p:pic>
               <p:nvPicPr>
                 <p:cNvPr id="32" name="Ink 31">
@@ -39982,8 +40157,8 @@
             </p:pic>
           </mc:Fallback>
         </mc:AlternateContent>
-        <mc:AlternateContent xmlns:mc="http://schemas.openxmlformats.org/markup-compatibility/2006">
-          <mc:Choice xmlns:p14="http://schemas.microsoft.com/office/powerpoint/2010/main" Requires="p14">
+        <mc:AlternateContent xmlns:mc="http://schemas.openxmlformats.org/markup-compatibility/2006" xmlns:p14="http://schemas.microsoft.com/office/powerpoint/2010/main">
+          <mc:Choice Requires="p14">
             <p:contentPart p14:bwMode="auto" r:id="rId40">
               <p14:nvContentPartPr>
                 <p14:cNvPr id="33" name="Ink 32">
@@ -40002,7 +40177,7 @@
               </p14:xfrm>
             </p:contentPart>
           </mc:Choice>
-          <mc:Fallback>
+          <mc:Fallback xmlns="">
             <p:pic>
               <p:nvPicPr>
                 <p:cNvPr id="33" name="Ink 32">
